--- a/dia2/lab2_JAGS.pptx
+++ b/dia2/lab2_JAGS.pptx
@@ -233,7 +233,7 @@
           <a:p>
             <a:fld id="{9EC8F33C-A7AA-43A7-BCA9-F081EA0B4664}" type="datetimeFigureOut">
               <a:rPr lang="en-US" smtClean="0"/>
-              <a:t>1/9/2019</a:t>
+              <a:t>1/13/2019</a:t>
             </a:fld>
             <a:endParaRPr lang="en-US"/>
           </a:p>
@@ -582,7 +582,7 @@
           </a:ln>
           <a:extLst>
             <a:ext uri="{909E8E84-426E-40dd-AFC4-6F175D3DCCD1}">
-              <a14:hiddenFill xmlns:a14="http://schemas.microsoft.com/office/drawing/2010/main" xmlns="">
+              <a14:hiddenFill xmlns="" xmlns:a14="http://schemas.microsoft.com/office/drawing/2010/main">
                 <a:solidFill>
                   <a:srgbClr val="FFFFFF"/>
                 </a:solidFill>
@@ -625,7 +625,7 @@
           </a:ln>
           <a:extLst>
             <a:ext uri="{909E8E84-426E-40dd-AFC4-6F175D3DCCD1}">
-              <a14:hiddenFill xmlns:a14="http://schemas.microsoft.com/office/drawing/2010/main" xmlns="">
+              <a14:hiddenFill xmlns="" xmlns:a14="http://schemas.microsoft.com/office/drawing/2010/main">
                 <a:noFill/>
               </a14:hiddenFill>
             </a:ext>
@@ -724,7 +724,7 @@
           <a:p>
             <a:fld id="{9A356AEA-056F-417E-9B38-4BA8743FE6C4}" type="datetime1">
               <a:rPr lang="en-US" smtClean="0"/>
-              <a:t>1/9/2019</a:t>
+              <a:t>1/13/2019</a:t>
             </a:fld>
             <a:endParaRPr lang="en-US"/>
           </a:p>
@@ -911,7 +911,7 @@
           <a:p>
             <a:fld id="{09867F7C-1948-4907-9EBC-DD38682B5188}" type="datetime1">
               <a:rPr lang="en-US" smtClean="0"/>
-              <a:t>1/9/2019</a:t>
+              <a:t>1/13/2019</a:t>
             </a:fld>
             <a:endParaRPr lang="en-US"/>
           </a:p>
@@ -1107,7 +1107,7 @@
           <a:p>
             <a:fld id="{A5996870-3492-4879-A20C-50CF7F25E309}" type="datetime1">
               <a:rPr lang="en-US" smtClean="0"/>
-              <a:t>1/9/2019</a:t>
+              <a:t>1/13/2019</a:t>
             </a:fld>
             <a:endParaRPr lang="en-US"/>
           </a:p>
@@ -1359,7 +1359,7 @@
           <a:p>
             <a:fld id="{3339509F-2835-4D20-8448-C5CCD453FC4A}" type="datetime1">
               <a:rPr lang="en-US" smtClean="0"/>
-              <a:t>1/9/2019</a:t>
+              <a:t>1/13/2019</a:t>
             </a:fld>
             <a:endParaRPr lang="en-US"/>
           </a:p>
@@ -1583,7 +1583,7 @@
           <a:p>
             <a:fld id="{7A6EDDDE-DBE4-4114-B865-EC3A2920782E}" type="datetime1">
               <a:rPr lang="en-US" smtClean="0"/>
-              <a:t>1/9/2019</a:t>
+              <a:t>1/13/2019</a:t>
             </a:fld>
             <a:endParaRPr lang="en-US"/>
           </a:p>
@@ -1891,7 +1891,7 @@
           <a:p>
             <a:fld id="{8DA96907-43AE-4B1E-B5FF-6853ADDA5697}" type="datetime1">
               <a:rPr lang="en-US" smtClean="0"/>
-              <a:t>1/9/2019</a:t>
+              <a:t>1/13/2019</a:t>
             </a:fld>
             <a:endParaRPr lang="en-US"/>
           </a:p>
@@ -2059,7 +2059,7 @@
           <a:p>
             <a:fld id="{2E65DF97-DE0F-4515-8F8D-0E1C627BC4E9}" type="datetime1">
               <a:rPr lang="en-US" smtClean="0"/>
-              <a:t>1/9/2019</a:t>
+              <a:t>1/13/2019</a:t>
             </a:fld>
             <a:endParaRPr lang="en-US"/>
           </a:p>
@@ -2371,7 +2371,7 @@
           <a:p>
             <a:fld id="{23B9FD00-80D5-4EA7-B536-8F4F2C3959C9}" type="datetime1">
               <a:rPr lang="en-US" smtClean="0"/>
-              <a:t>1/9/2019</a:t>
+              <a:t>1/13/2019</a:t>
             </a:fld>
             <a:endParaRPr lang="en-US"/>
           </a:p>
@@ -2683,7 +2683,7 @@
           <a:p>
             <a:fld id="{DAC77084-4DB4-4A23-9870-BF49183ACB4C}" type="datetime1">
               <a:rPr lang="en-US" smtClean="0"/>
-              <a:t>1/9/2019</a:t>
+              <a:t>1/13/2019</a:t>
             </a:fld>
             <a:endParaRPr lang="en-US"/>
           </a:p>
@@ -2869,7 +2869,7 @@
           <a:p>
             <a:fld id="{6E487ECE-0D8C-4AFB-BD35-997F06E0971C}" type="datetime1">
               <a:rPr lang="en-US" smtClean="0"/>
-              <a:t>1/9/2019</a:t>
+              <a:t>1/13/2019</a:t>
             </a:fld>
             <a:endParaRPr lang="en-US"/>
           </a:p>
@@ -3078,7 +3078,7 @@
           <a:p>
             <a:fld id="{D4F6DC8D-78A1-49CC-B033-F77D87B04958}" type="datetime1">
               <a:rPr lang="en-US" smtClean="0"/>
-              <a:t>1/9/2019</a:t>
+              <a:t>1/13/2019</a:t>
             </a:fld>
             <a:endParaRPr lang="en-US"/>
           </a:p>
@@ -3381,7 +3381,7 @@
           <a:p>
             <a:fld id="{3BCF4A7C-A413-48DA-9211-5240CAEE1DD4}" type="datetime1">
               <a:rPr lang="en-US" smtClean="0"/>
-              <a:t>1/9/2019</a:t>
+              <a:t>1/13/2019</a:t>
             </a:fld>
             <a:endParaRPr lang="en-US"/>
           </a:p>
@@ -3823,7 +3823,7 @@
           <a:p>
             <a:fld id="{AAE887C4-8D00-4515-BD6B-6D6B646F02F7}" type="datetime1">
               <a:rPr lang="en-US" smtClean="0"/>
-              <a:t>1/9/2019</a:t>
+              <a:t>1/13/2019</a:t>
             </a:fld>
             <a:endParaRPr lang="en-US"/>
           </a:p>
@@ -3958,7 +3958,7 @@
           <a:p>
             <a:fld id="{10C13C5A-776A-4D2B-A91E-2ACB7D90E7CC}" type="datetime1">
               <a:rPr lang="en-US" smtClean="0"/>
-              <a:t>1/9/2019</a:t>
+              <a:t>1/13/2019</a:t>
             </a:fld>
             <a:endParaRPr lang="en-US"/>
           </a:p>
@@ -4071,7 +4071,7 @@
           <a:p>
             <a:fld id="{00A5D59F-6FC3-492C-BAE3-F50C9D1FBA31}" type="datetime1">
               <a:rPr lang="en-US" smtClean="0"/>
-              <a:t>1/9/2019</a:t>
+              <a:t>1/13/2019</a:t>
             </a:fld>
             <a:endParaRPr lang="en-US"/>
           </a:p>
@@ -4364,7 +4364,7 @@
           <a:p>
             <a:fld id="{CD78B45F-E474-4F2F-801A-58FC9FE22655}" type="datetime1">
               <a:rPr lang="en-US" smtClean="0"/>
-              <a:t>1/9/2019</a:t>
+              <a:t>1/13/2019</a:t>
             </a:fld>
             <a:endParaRPr lang="en-US"/>
           </a:p>
@@ -4638,7 +4638,7 @@
           <a:p>
             <a:fld id="{FDF35450-A835-4587-8F84-782057674F92}" type="datetime1">
               <a:rPr lang="en-US" smtClean="0"/>
-              <a:t>1/9/2019</a:t>
+              <a:t>1/13/2019</a:t>
             </a:fld>
             <a:endParaRPr lang="en-US"/>
           </a:p>
@@ -4760,17 +4760,17 @@
           </a:ln>
           <a:extLst>
             <a:ext uri="{FAA26D3D-D897-4be2-8F04-BA451C77F1D7}">
-              <ma14:placeholderFlag xmlns:ma14="http://schemas.microsoft.com/office/mac/drawingml/2011/main" xmlns="" val="1"/>
+              <ma14:placeholderFlag xmlns="" xmlns:ma14="http://schemas.microsoft.com/office/mac/drawingml/2011/main" val="1"/>
             </a:ext>
             <a:ext uri="{909E8E84-426E-40dd-AFC4-6F175D3DCCD1}">
-              <a14:hiddenFill xmlns:a14="http://schemas.microsoft.com/office/drawing/2010/main" xmlns="">
+              <a14:hiddenFill xmlns="" xmlns:a14="http://schemas.microsoft.com/office/drawing/2010/main">
                 <a:solidFill>
                   <a:srgbClr val="FFFFFF"/>
                 </a:solidFill>
               </a14:hiddenFill>
             </a:ext>
             <a:ext uri="{91240B29-F687-4f45-9708-019B960494DF}">
-              <a14:hiddenLine xmlns:a14="http://schemas.microsoft.com/office/drawing/2010/main" xmlns="" w="9525">
+              <a14:hiddenLine xmlns="" xmlns:a14="http://schemas.microsoft.com/office/drawing/2010/main" w="9525">
                 <a:solidFill>
                   <a:srgbClr val="000000"/>
                 </a:solidFill>
@@ -4822,17 +4822,17 @@
           </a:ln>
           <a:extLst>
             <a:ext uri="{FAA26D3D-D897-4be2-8F04-BA451C77F1D7}">
-              <ma14:placeholderFlag xmlns:ma14="http://schemas.microsoft.com/office/mac/drawingml/2011/main" xmlns="" val="1"/>
+              <ma14:placeholderFlag xmlns="" xmlns:ma14="http://schemas.microsoft.com/office/mac/drawingml/2011/main" val="1"/>
             </a:ext>
             <a:ext uri="{909E8E84-426E-40dd-AFC4-6F175D3DCCD1}">
-              <a14:hiddenFill xmlns:a14="http://schemas.microsoft.com/office/drawing/2010/main" xmlns="">
+              <a14:hiddenFill xmlns="" xmlns:a14="http://schemas.microsoft.com/office/drawing/2010/main">
                 <a:solidFill>
                   <a:srgbClr val="FFFFFF"/>
                 </a:solidFill>
               </a14:hiddenFill>
             </a:ext>
             <a:ext uri="{91240B29-F687-4f45-9708-019B960494DF}">
-              <a14:hiddenLine xmlns:a14="http://schemas.microsoft.com/office/drawing/2010/main" xmlns="" w="9525">
+              <a14:hiddenLine xmlns="" xmlns:a14="http://schemas.microsoft.com/office/drawing/2010/main" w="9525">
                 <a:solidFill>
                   <a:srgbClr val="000000"/>
                 </a:solidFill>
@@ -4932,7 +4932,7 @@
           <a:p>
             <a:fld id="{F6803E09-2A09-4EEA-8E99-292225B5EDFC}" type="datetime1">
               <a:rPr lang="en-US" smtClean="0"/>
-              <a:t>1/9/2019</a:t>
+              <a:t>1/13/2019</a:t>
             </a:fld>
             <a:endParaRPr lang="en-US"/>
           </a:p>
@@ -5100,7 +5100,7 @@
           </a:ln>
           <a:extLst>
             <a:ext uri="{909E8E84-426E-40dd-AFC4-6F175D3DCCD1}">
-              <a14:hiddenFill xmlns:a14="http://schemas.microsoft.com/office/drawing/2010/main" xmlns="">
+              <a14:hiddenFill xmlns="" xmlns:a14="http://schemas.microsoft.com/office/drawing/2010/main">
                 <a:solidFill>
                   <a:srgbClr val="FFFFFF"/>
                 </a:solidFill>
@@ -5143,7 +5143,7 @@
           </a:ln>
           <a:extLst>
             <a:ext uri="{909E8E84-426E-40dd-AFC4-6F175D3DCCD1}">
-              <a14:hiddenFill xmlns:a14="http://schemas.microsoft.com/office/drawing/2010/main" xmlns="">
+              <a14:hiddenFill xmlns="" xmlns:a14="http://schemas.microsoft.com/office/drawing/2010/main">
                 <a:noFill/>
               </a14:hiddenFill>
             </a:ext>
@@ -5628,7 +5628,7 @@
           <p:cNvPr id="2" name="Title 1">
             <a:extLst>
               <a:ext uri="{FF2B5EF4-FFF2-40B4-BE49-F238E27FC236}">
-                <a16:creationId xmlns:a16="http://schemas.microsoft.com/office/drawing/2014/main" id="{4819A39B-28BB-4873-9914-8FEE18891DD4}"/>
+                <a16:creationId xmlns:a16="http://schemas.microsoft.com/office/drawing/2014/main" xmlns="" id="{4819A39B-28BB-4873-9914-8FEE18891DD4}"/>
               </a:ext>
             </a:extLst>
           </p:cNvPr>
@@ -5659,7 +5659,7 @@
           <p:cNvPr id="5" name="Subtitle 2">
             <a:extLst>
               <a:ext uri="{FF2B5EF4-FFF2-40B4-BE49-F238E27FC236}">
-                <a16:creationId xmlns:a16="http://schemas.microsoft.com/office/drawing/2014/main" id="{2BECD79D-0B3A-44C2-A155-03EC2A6A5D3B}"/>
+                <a16:creationId xmlns:a16="http://schemas.microsoft.com/office/drawing/2014/main" xmlns="" id="{2BECD79D-0B3A-44C2-A155-03EC2A6A5D3B}"/>
               </a:ext>
             </a:extLst>
           </p:cNvPr>
@@ -5682,17 +5682,17 @@
           </a:ln>
           <a:extLst>
             <a:ext uri="{FAA26D3D-D897-4be2-8F04-BA451C77F1D7}">
-              <ma14:placeholderFlag xmlns="" xmlns:ma14="http://schemas.microsoft.com/office/mac/drawingml/2011/main" val="1"/>
+              <ma14:placeholderFlag xmlns:ma14="http://schemas.microsoft.com/office/mac/drawingml/2011/main" xmlns="" val="1"/>
             </a:ext>
             <a:ext uri="{909E8E84-426E-40dd-AFC4-6F175D3DCCD1}">
-              <a14:hiddenFill xmlns="" xmlns:a14="http://schemas.microsoft.com/office/drawing/2010/main">
+              <a14:hiddenFill xmlns:a14="http://schemas.microsoft.com/office/drawing/2010/main" xmlns="">
                 <a:solidFill>
                   <a:srgbClr val="FFFFFF"/>
                 </a:solidFill>
               </a14:hiddenFill>
             </a:ext>
             <a:ext uri="{91240B29-F687-4f45-9708-019B960494DF}">
-              <a14:hiddenLine xmlns="" xmlns:a14="http://schemas.microsoft.com/office/drawing/2010/main" w="9525">
+              <a14:hiddenLine xmlns:a14="http://schemas.microsoft.com/office/drawing/2010/main" xmlns="" w="9525">
                 <a:solidFill>
                   <a:srgbClr val="000000"/>
                 </a:solidFill>
@@ -7419,7 +7419,7 @@
           <p:cNvPr id="2" name="Title 1">
             <a:extLst>
               <a:ext uri="{FF2B5EF4-FFF2-40B4-BE49-F238E27FC236}">
-                <a16:creationId xmlns:a16="http://schemas.microsoft.com/office/drawing/2014/main" id="{BB90F14D-5220-4A62-A7F3-F87698065F0F}"/>
+                <a16:creationId xmlns:a16="http://schemas.microsoft.com/office/drawing/2014/main" xmlns="" id="{BB90F14D-5220-4A62-A7F3-F87698065F0F}"/>
               </a:ext>
             </a:extLst>
           </p:cNvPr>
@@ -7447,7 +7447,7 @@
           <p:cNvPr id="3" name="Content Placeholder 2">
             <a:extLst>
               <a:ext uri="{FF2B5EF4-FFF2-40B4-BE49-F238E27FC236}">
-                <a16:creationId xmlns:a16="http://schemas.microsoft.com/office/drawing/2014/main" id="{CA6E65FC-E3CC-46B1-81FE-E383DBE52F38}"/>
+                <a16:creationId xmlns:a16="http://schemas.microsoft.com/office/drawing/2014/main" xmlns="" id="{CA6E65FC-E3CC-46B1-81FE-E383DBE52F38}"/>
               </a:ext>
             </a:extLst>
           </p:cNvPr>
@@ -7512,7 +7512,7 @@
           <p:cNvPr id="4" name="Slide Number Placeholder 3">
             <a:extLst>
               <a:ext uri="{FF2B5EF4-FFF2-40B4-BE49-F238E27FC236}">
-                <a16:creationId xmlns:a16="http://schemas.microsoft.com/office/drawing/2014/main" id="{F93221D8-CCBC-41F1-B49A-9F93987F2405}"/>
+                <a16:creationId xmlns:a16="http://schemas.microsoft.com/office/drawing/2014/main" xmlns="" id="{F93221D8-CCBC-41F1-B49A-9F93987F2405}"/>
               </a:ext>
             </a:extLst>
           </p:cNvPr>
@@ -7572,7 +7572,7 @@
           <p:cNvPr id="2" name="Title 1">
             <a:extLst>
               <a:ext uri="{FF2B5EF4-FFF2-40B4-BE49-F238E27FC236}">
-                <a16:creationId xmlns:a16="http://schemas.microsoft.com/office/drawing/2014/main" id="{4819A39B-28BB-4873-9914-8FEE18891DD4}"/>
+                <a16:creationId xmlns:a16="http://schemas.microsoft.com/office/drawing/2014/main" xmlns="" id="{4819A39B-28BB-4873-9914-8FEE18891DD4}"/>
               </a:ext>
             </a:extLst>
           </p:cNvPr>
@@ -7603,7 +7603,7 @@
           <p:cNvPr id="5" name="Subtitle 2">
             <a:extLst>
               <a:ext uri="{FF2B5EF4-FFF2-40B4-BE49-F238E27FC236}">
-                <a16:creationId xmlns:a16="http://schemas.microsoft.com/office/drawing/2014/main" id="{2BECD79D-0B3A-44C2-A155-03EC2A6A5D3B}"/>
+                <a16:creationId xmlns:a16="http://schemas.microsoft.com/office/drawing/2014/main" xmlns="" id="{2BECD79D-0B3A-44C2-A155-03EC2A6A5D3B}"/>
               </a:ext>
             </a:extLst>
           </p:cNvPr>
@@ -7626,17 +7626,17 @@
           </a:ln>
           <a:extLst>
             <a:ext uri="{FAA26D3D-D897-4be2-8F04-BA451C77F1D7}">
-              <ma14:placeholderFlag xmlns:ma14="http://schemas.microsoft.com/office/mac/drawingml/2011/main" xmlns="" val="1"/>
+              <ma14:placeholderFlag xmlns="" xmlns:ma14="http://schemas.microsoft.com/office/mac/drawingml/2011/main" val="1"/>
             </a:ext>
             <a:ext uri="{909E8E84-426E-40dd-AFC4-6F175D3DCCD1}">
-              <a14:hiddenFill xmlns:a14="http://schemas.microsoft.com/office/drawing/2010/main" xmlns="">
+              <a14:hiddenFill xmlns="" xmlns:a14="http://schemas.microsoft.com/office/drawing/2010/main">
                 <a:solidFill>
                   <a:srgbClr val="FFFFFF"/>
                 </a:solidFill>
               </a14:hiddenFill>
             </a:ext>
             <a:ext uri="{91240B29-F687-4f45-9708-019B960494DF}">
-              <a14:hiddenLine xmlns:a14="http://schemas.microsoft.com/office/drawing/2010/main" xmlns="" w="9525">
+              <a14:hiddenLine xmlns="" xmlns:a14="http://schemas.microsoft.com/office/drawing/2010/main" w="9525">
                 <a:solidFill>
                   <a:srgbClr val="000000"/>
                 </a:solidFill>
@@ -8152,7 +8152,7 @@
           <a:graphicData uri="http://schemas.openxmlformats.org/presentationml/2006/ole">
             <mc:AlternateContent xmlns:mc="http://schemas.openxmlformats.org/markup-compatibility/2006">
               <mc:Choice xmlns:v="urn:schemas-microsoft-com:vml" Requires="v">
-                <p:oleObj spid="_x0000_s1050" name="Equation" r:id="rId3" imgW="812447" imgH="228501" progId="Equation.3">
+                <p:oleObj spid="_x0000_s1053" name="Equation" r:id="rId3" imgW="812447" imgH="228501" progId="Equation.3">
                   <p:embed/>
                 </p:oleObj>
               </mc:Choice>
@@ -8195,14 +8195,14 @@
                       <a:effectLst/>
                       <a:extLst>
                         <a:ext uri="{909E8E84-426E-40dd-AFC4-6F175D3DCCD1}">
-                          <a14:hiddenFill xmlns:a14="http://schemas.microsoft.com/office/drawing/2010/main" xmlns="">
+                          <a14:hiddenFill xmlns="" xmlns:a14="http://schemas.microsoft.com/office/drawing/2010/main">
                             <a:solidFill>
                               <a:srgbClr val="FFFFFF"/>
                             </a:solidFill>
                           </a14:hiddenFill>
                         </a:ext>
                         <a:ext uri="{91240B29-F687-4f45-9708-019B960494DF}">
-                          <a14:hiddenLine xmlns:a14="http://schemas.microsoft.com/office/drawing/2010/main" xmlns="" w="9525">
+                          <a14:hiddenLine xmlns="" xmlns:a14="http://schemas.microsoft.com/office/drawing/2010/main" w="9525">
                             <a:solidFill>
                               <a:srgbClr val="000000"/>
                             </a:solidFill>
@@ -8212,7 +8212,7 @@
                           </a14:hiddenLine>
                         </a:ext>
                         <a:ext uri="{AF507438-7753-43e0-B8FC-AC1667EBCBE1}">
-                          <a14:hiddenEffects xmlns:a14="http://schemas.microsoft.com/office/drawing/2010/main" xmlns="">
+                          <a14:hiddenEffects xmlns="" xmlns:a14="http://schemas.microsoft.com/office/drawing/2010/main">
                             <a:effectLst>
                               <a:outerShdw blurRad="63500" dist="38099" dir="2700000" algn="ctr" rotWithShape="0">
                                 <a:srgbClr val="000000">
@@ -8247,7 +8247,7 @@
           <a:graphicData uri="http://schemas.openxmlformats.org/presentationml/2006/ole">
             <mc:AlternateContent xmlns:mc="http://schemas.openxmlformats.org/markup-compatibility/2006">
               <mc:Choice xmlns:v="urn:schemas-microsoft-com:vml" Requires="v">
-                <p:oleObj spid="_x0000_s1051" name="Equation" r:id="rId5" imgW="761669" imgH="228501" progId="Equation.3">
+                <p:oleObj spid="_x0000_s1054" name="Equation" r:id="rId5" imgW="761669" imgH="228501" progId="Equation.3">
                   <p:embed/>
                 </p:oleObj>
               </mc:Choice>
@@ -8290,14 +8290,14 @@
                       <a:effectLst/>
                       <a:extLst>
                         <a:ext uri="{909E8E84-426E-40dd-AFC4-6F175D3DCCD1}">
-                          <a14:hiddenFill xmlns:a14="http://schemas.microsoft.com/office/drawing/2010/main" xmlns="">
+                          <a14:hiddenFill xmlns="" xmlns:a14="http://schemas.microsoft.com/office/drawing/2010/main">
                             <a:solidFill>
                               <a:schemeClr val="accent1"/>
                             </a:solidFill>
                           </a14:hiddenFill>
                         </a:ext>
                         <a:ext uri="{91240B29-F687-4f45-9708-019B960494DF}">
-                          <a14:hiddenLine xmlns:a14="http://schemas.microsoft.com/office/drawing/2010/main" xmlns="" w="9525">
+                          <a14:hiddenLine xmlns="" xmlns:a14="http://schemas.microsoft.com/office/drawing/2010/main" w="9525">
                             <a:solidFill>
                               <a:schemeClr val="tx1"/>
                             </a:solidFill>
@@ -8307,7 +8307,7 @@
                           </a14:hiddenLine>
                         </a:ext>
                         <a:ext uri="{AF507438-7753-43e0-B8FC-AC1667EBCBE1}">
-                          <a14:hiddenEffects xmlns:a14="http://schemas.microsoft.com/office/drawing/2010/main" xmlns="">
+                          <a14:hiddenEffects xmlns="" xmlns:a14="http://schemas.microsoft.com/office/drawing/2010/main">
                             <a:effectLst>
                               <a:outerShdw blurRad="63500" dist="38099" dir="2700000" algn="ctr" rotWithShape="0">
                                 <a:schemeClr val="bg2">
@@ -8344,7 +8344,7 @@
           <a:graphicData uri="http://schemas.openxmlformats.org/presentationml/2006/ole">
             <mc:AlternateContent xmlns:mc="http://schemas.openxmlformats.org/markup-compatibility/2006">
               <mc:Choice xmlns:v="urn:schemas-microsoft-com:vml" Requires="v">
-                <p:oleObj spid="_x0000_s1052" r:id="rId7" imgW="1180588" imgH="710891" progId="Equation.3">
+                <p:oleObj spid="_x0000_s1055" r:id="rId7" imgW="1180588" imgH="710891" progId="Equation.3">
                   <p:embed/>
                 </p:oleObj>
               </mc:Choice>
@@ -8387,14 +8387,14 @@
                       <a:effectLst/>
                       <a:extLst>
                         <a:ext uri="{909E8E84-426E-40dd-AFC4-6F175D3DCCD1}">
-                          <a14:hiddenFill xmlns:a14="http://schemas.microsoft.com/office/drawing/2010/main" xmlns="">
+                          <a14:hiddenFill xmlns="" xmlns:a14="http://schemas.microsoft.com/office/drawing/2010/main">
                             <a:solidFill>
                               <a:srgbClr val="FFFFFF"/>
                             </a:solidFill>
                           </a14:hiddenFill>
                         </a:ext>
                         <a:ext uri="{91240B29-F687-4f45-9708-019B960494DF}">
-                          <a14:hiddenLine xmlns:a14="http://schemas.microsoft.com/office/drawing/2010/main" xmlns="" w="9525">
+                          <a14:hiddenLine xmlns="" xmlns:a14="http://schemas.microsoft.com/office/drawing/2010/main" w="9525">
                             <a:solidFill>
                               <a:srgbClr val="000000"/>
                             </a:solidFill>
@@ -8404,7 +8404,7 @@
                           </a14:hiddenLine>
                         </a:ext>
                         <a:ext uri="{AF507438-7753-43e0-B8FC-AC1667EBCBE1}">
-                          <a14:hiddenEffects xmlns:a14="http://schemas.microsoft.com/office/drawing/2010/main" xmlns="">
+                          <a14:hiddenEffects xmlns="" xmlns:a14="http://schemas.microsoft.com/office/drawing/2010/main">
                             <a:effectLst>
                               <a:outerShdw blurRad="63500" dist="38099" dir="2700000" algn="ctr" rotWithShape="0">
                                 <a:srgbClr val="808080">
@@ -8445,14 +8445,14 @@
           </a:ln>
           <a:extLst>
             <a:ext uri="{909E8E84-426E-40dd-AFC4-6F175D3DCCD1}">
-              <a14:hiddenFill xmlns:a14="http://schemas.microsoft.com/office/drawing/2010/main" xmlns="">
+              <a14:hiddenFill xmlns="" xmlns:a14="http://schemas.microsoft.com/office/drawing/2010/main">
                 <a:solidFill>
                   <a:srgbClr val="FFFFFF"/>
                 </a:solidFill>
               </a14:hiddenFill>
             </a:ext>
             <a:ext uri="{91240B29-F687-4f45-9708-019B960494DF}">
-              <a14:hiddenLine xmlns:a14="http://schemas.microsoft.com/office/drawing/2010/main" xmlns="" w="9525">
+              <a14:hiddenLine xmlns="" xmlns:a14="http://schemas.microsoft.com/office/drawing/2010/main" w="9525">
                 <a:solidFill>
                   <a:srgbClr val="000000"/>
                 </a:solidFill>
@@ -9032,7 +9032,7 @@
           <a:graphicData uri="http://schemas.openxmlformats.org/presentationml/2006/ole">
             <mc:AlternateContent xmlns:mc="http://schemas.openxmlformats.org/markup-compatibility/2006">
               <mc:Choice xmlns:v="urn:schemas-microsoft-com:vml" Requires="v">
-                <p:oleObj spid="_x0000_s2068" name="Equation" r:id="rId3" imgW="1002960" imgH="228600" progId="Equation.DSMT4">
+                <p:oleObj spid="_x0000_s2070" name="Equation" r:id="rId3" imgW="1002960" imgH="228600" progId="Equation.DSMT4">
                   <p:embed/>
                 </p:oleObj>
               </mc:Choice>
@@ -9069,14 +9069,14 @@
                       <a:effectLst/>
                       <a:extLst>
                         <a:ext uri="{909E8E84-426E-40dd-AFC4-6F175D3DCCD1}">
-                          <a14:hiddenFill xmlns:a14="http://schemas.microsoft.com/office/drawing/2010/main" xmlns="">
+                          <a14:hiddenFill xmlns="" xmlns:a14="http://schemas.microsoft.com/office/drawing/2010/main">
                             <a:solidFill>
                               <a:srgbClr val="FFFFFF"/>
                             </a:solidFill>
                           </a14:hiddenFill>
                         </a:ext>
                         <a:ext uri="{91240B29-F687-4f45-9708-019B960494DF}">
-                          <a14:hiddenLine xmlns:a14="http://schemas.microsoft.com/office/drawing/2010/main" xmlns="" w="9525">
+                          <a14:hiddenLine xmlns="" xmlns:a14="http://schemas.microsoft.com/office/drawing/2010/main" w="9525">
                             <a:solidFill>
                               <a:srgbClr val="000000"/>
                             </a:solidFill>
@@ -9086,7 +9086,7 @@
                           </a14:hiddenLine>
                         </a:ext>
                         <a:ext uri="{AF507438-7753-43e0-B8FC-AC1667EBCBE1}">
-                          <a14:hiddenEffects xmlns:a14="http://schemas.microsoft.com/office/drawing/2010/main" xmlns="">
+                          <a14:hiddenEffects xmlns="" xmlns:a14="http://schemas.microsoft.com/office/drawing/2010/main">
                             <a:effectLst>
                               <a:outerShdw blurRad="63500" dist="38099" dir="2700000" algn="ctr" rotWithShape="0">
                                 <a:srgbClr val="000000">
@@ -9128,7 +9128,7 @@
           <a:graphicData uri="http://schemas.openxmlformats.org/presentationml/2006/ole">
             <mc:AlternateContent xmlns:mc="http://schemas.openxmlformats.org/markup-compatibility/2006">
               <mc:Choice xmlns:v="urn:schemas-microsoft-com:vml" Requires="v">
-                <p:oleObj spid="_x0000_s2069" name="Equation" r:id="rId5" imgW="1028520" imgH="203040" progId="Equation.DSMT4">
+                <p:oleObj spid="_x0000_s2071" name="Equation" r:id="rId5" imgW="1028520" imgH="203040" progId="Equation.DSMT4">
                   <p:embed/>
                 </p:oleObj>
               </mc:Choice>
@@ -9165,14 +9165,14 @@
                       <a:effectLst/>
                       <a:extLst>
                         <a:ext uri="{909E8E84-426E-40dd-AFC4-6F175D3DCCD1}">
-                          <a14:hiddenFill xmlns:a14="http://schemas.microsoft.com/office/drawing/2010/main" xmlns="">
+                          <a14:hiddenFill xmlns="" xmlns:a14="http://schemas.microsoft.com/office/drawing/2010/main">
                             <a:solidFill>
                               <a:srgbClr val="FFFFFF"/>
                             </a:solidFill>
                           </a14:hiddenFill>
                         </a:ext>
                         <a:ext uri="{91240B29-F687-4f45-9708-019B960494DF}">
-                          <a14:hiddenLine xmlns:a14="http://schemas.microsoft.com/office/drawing/2010/main" xmlns="" w="9525">
+                          <a14:hiddenLine xmlns="" xmlns:a14="http://schemas.microsoft.com/office/drawing/2010/main" w="9525">
                             <a:solidFill>
                               <a:srgbClr val="000000"/>
                             </a:solidFill>
@@ -9182,7 +9182,7 @@
                           </a14:hiddenLine>
                         </a:ext>
                         <a:ext uri="{AF507438-7753-43e0-B8FC-AC1667EBCBE1}">
-                          <a14:hiddenEffects xmlns:a14="http://schemas.microsoft.com/office/drawing/2010/main" xmlns="">
+                          <a14:hiddenEffects xmlns="" xmlns:a14="http://schemas.microsoft.com/office/drawing/2010/main">
                             <a:effectLst>
                               <a:outerShdw blurRad="63500" dist="38099" dir="2700000" algn="ctr" rotWithShape="0">
                                 <a:srgbClr val="808080">
@@ -9223,14 +9223,14 @@
           </a:ln>
           <a:extLst>
             <a:ext uri="{909E8E84-426E-40dd-AFC4-6F175D3DCCD1}">
-              <a14:hiddenFill xmlns:a14="http://schemas.microsoft.com/office/drawing/2010/main" xmlns="">
+              <a14:hiddenFill xmlns="" xmlns:a14="http://schemas.microsoft.com/office/drawing/2010/main">
                 <a:solidFill>
                   <a:srgbClr val="FFFFFF"/>
                 </a:solidFill>
               </a14:hiddenFill>
             </a:ext>
             <a:ext uri="{91240B29-F687-4f45-9708-019B960494DF}">
-              <a14:hiddenLine xmlns:a14="http://schemas.microsoft.com/office/drawing/2010/main" xmlns="" w="9525">
+              <a14:hiddenLine xmlns="" xmlns:a14="http://schemas.microsoft.com/office/drawing/2010/main" w="9525">
                 <a:solidFill>
                   <a:srgbClr val="000000"/>
                 </a:solidFill>
@@ -9594,14 +9594,14 @@
           </a:ln>
           <a:extLst>
             <a:ext uri="{909E8E84-426E-40dd-AFC4-6F175D3DCCD1}">
-              <a14:hiddenFill xmlns:a14="http://schemas.microsoft.com/office/drawing/2010/main" xmlns="">
+              <a14:hiddenFill xmlns="" xmlns:a14="http://schemas.microsoft.com/office/drawing/2010/main">
                 <a:solidFill>
                   <a:srgbClr val="FFFFFF"/>
                 </a:solidFill>
               </a14:hiddenFill>
             </a:ext>
             <a:ext uri="{91240B29-F687-4f45-9708-019B960494DF}">
-              <a14:hiddenLine xmlns:a14="http://schemas.microsoft.com/office/drawing/2010/main" xmlns="" w="9525">
+              <a14:hiddenLine xmlns="" xmlns:a14="http://schemas.microsoft.com/office/drawing/2010/main" w="9525">
                 <a:solidFill>
                   <a:srgbClr val="000000"/>
                 </a:solidFill>
@@ -10208,10 +10208,6 @@
               </a:rPr>
               <a:t>)</a:t>
             </a:r>
-            <a:endParaRPr lang="en-US" sz="1600" dirty="0">
-              <a:latin typeface="Courier New" panose="02070309020205020404" pitchFamily="49" charset="0"/>
-              <a:cs typeface="Courier New" panose="02070309020205020404" pitchFamily="49" charset="0"/>
-            </a:endParaRPr>
           </a:p>
         </p:txBody>
       </p:sp>
@@ -10412,11 +10408,7 @@
           <a:p>
             <a:r>
               <a:rPr lang="en-US" dirty="0" smtClean="0"/>
-              <a:t>We use the samples to approximate quantities of </a:t>
-            </a:r>
-            <a:r>
-              <a:rPr lang="en-US" dirty="0" smtClean="0"/>
-              <a:t>interest</a:t>
+              <a:t>We use the samples to approximate quantities of interest</a:t>
             </a:r>
           </a:p>
           <a:p>
@@ -10577,8 +10569,13 @@
             </a:r>
             <a:r>
               <a:rPr lang="en-US" dirty="0" smtClean="0"/>
-              <a:t>) parameterization where tau=1/sigma.</a:t>
-            </a:r>
+              <a:t>) parameterization where </a:t>
+            </a:r>
+            <a:r>
+              <a:rPr lang="en-US" dirty="0" smtClean="0"/>
+              <a:t>tau=1/sigma.</a:t>
+            </a:r>
+            <a:endParaRPr lang="en-US" dirty="0" smtClean="0"/>
           </a:p>
           <a:p>
             <a:pPr marL="514350" indent="-514350">
@@ -10647,7 +10644,7 @@
           <p:cNvPr id="2" name="Title 1">
             <a:extLst>
               <a:ext uri="{FF2B5EF4-FFF2-40B4-BE49-F238E27FC236}">
-                <a16:creationId xmlns:a16="http://schemas.microsoft.com/office/drawing/2014/main" id="{C976E5B5-F024-4D7C-9711-9BEA5F3AA682}"/>
+                <a16:creationId xmlns:a16="http://schemas.microsoft.com/office/drawing/2014/main" xmlns="" id="{C976E5B5-F024-4D7C-9711-9BEA5F3AA682}"/>
               </a:ext>
             </a:extLst>
           </p:cNvPr>
@@ -10676,7 +10673,7 @@
           <p:cNvPr id="3" name="Content Placeholder 2">
             <a:extLst>
               <a:ext uri="{FF2B5EF4-FFF2-40B4-BE49-F238E27FC236}">
-                <a16:creationId xmlns:a16="http://schemas.microsoft.com/office/drawing/2014/main" id="{B674CA99-AD0B-472B-BD2F-AF6AA7DE490B}"/>
+                <a16:creationId xmlns:a16="http://schemas.microsoft.com/office/drawing/2014/main" xmlns="" id="{B674CA99-AD0B-472B-BD2F-AF6AA7DE490B}"/>
               </a:ext>
             </a:extLst>
           </p:cNvPr>
@@ -10761,7 +10758,7 @@
           <p:cNvPr id="4" name="Slide Number Placeholder 3">
             <a:extLst>
               <a:ext uri="{FF2B5EF4-FFF2-40B4-BE49-F238E27FC236}">
-                <a16:creationId xmlns:a16="http://schemas.microsoft.com/office/drawing/2014/main" id="{6F6CFCEE-97D6-460E-9635-2B1BFC0C65FA}"/>
+                <a16:creationId xmlns:a16="http://schemas.microsoft.com/office/drawing/2014/main" xmlns="" id="{6F6CFCEE-97D6-460E-9635-2B1BFC0C65FA}"/>
               </a:ext>
             </a:extLst>
           </p:cNvPr>
@@ -10820,7 +10817,7 @@
           <p:cNvPr id="2" name="Title 1">
             <a:extLst>
               <a:ext uri="{FF2B5EF4-FFF2-40B4-BE49-F238E27FC236}">
-                <a16:creationId xmlns:a16="http://schemas.microsoft.com/office/drawing/2014/main" id="{4432A1B1-8BA2-4590-B91C-E46E40D4DFB4}"/>
+                <a16:creationId xmlns:a16="http://schemas.microsoft.com/office/drawing/2014/main" xmlns="" id="{4432A1B1-8BA2-4590-B91C-E46E40D4DFB4}"/>
               </a:ext>
             </a:extLst>
           </p:cNvPr>
@@ -10861,7 +10858,7 @@
           <p:cNvPr id="3" name="Content Placeholder 2">
             <a:extLst>
               <a:ext uri="{FF2B5EF4-FFF2-40B4-BE49-F238E27FC236}">
-                <a16:creationId xmlns:a16="http://schemas.microsoft.com/office/drawing/2014/main" id="{F3D5A96F-89B9-47B5-9E10-345EF073461D}"/>
+                <a16:creationId xmlns:a16="http://schemas.microsoft.com/office/drawing/2014/main" xmlns="" id="{F3D5A96F-89B9-47B5-9E10-345EF073461D}"/>
               </a:ext>
             </a:extLst>
           </p:cNvPr>
@@ -10889,7 +10886,7 @@
           <p:cNvPr id="4" name="Slide Number Placeholder 3">
             <a:extLst>
               <a:ext uri="{FF2B5EF4-FFF2-40B4-BE49-F238E27FC236}">
-                <a16:creationId xmlns:a16="http://schemas.microsoft.com/office/drawing/2014/main" id="{45FEC1D0-C942-4DB7-ACBF-32ADFCD8FDBD}"/>
+                <a16:creationId xmlns:a16="http://schemas.microsoft.com/office/drawing/2014/main" xmlns="" id="{45FEC1D0-C942-4DB7-ACBF-32ADFCD8FDBD}"/>
               </a:ext>
             </a:extLst>
           </p:cNvPr>
@@ -10919,7 +10916,7 @@
           <p:cNvPr id="5" name="Picture 4">
             <a:extLst>
               <a:ext uri="{FF2B5EF4-FFF2-40B4-BE49-F238E27FC236}">
-                <a16:creationId xmlns:a16="http://schemas.microsoft.com/office/drawing/2014/main" id="{7106B806-F770-4D8A-82BF-705D0968D767}"/>
+                <a16:creationId xmlns:a16="http://schemas.microsoft.com/office/drawing/2014/main" xmlns="" id="{7106B806-F770-4D8A-82BF-705D0968D767}"/>
               </a:ext>
             </a:extLst>
           </p:cNvPr>
@@ -10948,7 +10945,7 @@
           <p:cNvPr id="9" name="Group 8">
             <a:extLst>
               <a:ext uri="{FF2B5EF4-FFF2-40B4-BE49-F238E27FC236}">
-                <a16:creationId xmlns:a16="http://schemas.microsoft.com/office/drawing/2014/main" id="{8F6F2399-4203-4B1C-AA82-F48653969789}"/>
+                <a16:creationId xmlns:a16="http://schemas.microsoft.com/office/drawing/2014/main" xmlns="" id="{8F6F2399-4203-4B1C-AA82-F48653969789}"/>
               </a:ext>
             </a:extLst>
           </p:cNvPr>
@@ -10968,7 +10965,7 @@
             <p:cNvPr id="6" name="Rectangle 5">
               <a:extLst>
                 <a:ext uri="{FF2B5EF4-FFF2-40B4-BE49-F238E27FC236}">
-                  <a16:creationId xmlns:a16="http://schemas.microsoft.com/office/drawing/2014/main" id="{6A958FFF-7B97-4342-91B7-8638B529CDD5}"/>
+                  <a16:creationId xmlns:a16="http://schemas.microsoft.com/office/drawing/2014/main" xmlns="" id="{6A958FFF-7B97-4342-91B7-8638B529CDD5}"/>
                 </a:ext>
               </a:extLst>
             </p:cNvPr>
@@ -11020,7 +11017,7 @@
             <p:cNvPr id="8" name="TextBox 7">
               <a:extLst>
                 <a:ext uri="{FF2B5EF4-FFF2-40B4-BE49-F238E27FC236}">
-                  <a16:creationId xmlns:a16="http://schemas.microsoft.com/office/drawing/2014/main" id="{A7E2B8AF-E9A2-452C-B355-A9F4DC58D25F}"/>
+                  <a16:creationId xmlns:a16="http://schemas.microsoft.com/office/drawing/2014/main" xmlns="" id="{A7E2B8AF-E9A2-452C-B355-A9F4DC58D25F}"/>
                 </a:ext>
               </a:extLst>
             </p:cNvPr>
@@ -11081,7 +11078,7 @@
           <p:cNvPr id="11" name="Group 10">
             <a:extLst>
               <a:ext uri="{FF2B5EF4-FFF2-40B4-BE49-F238E27FC236}">
-                <a16:creationId xmlns:a16="http://schemas.microsoft.com/office/drawing/2014/main" id="{9C07D298-3974-4E79-B799-CF2D6DC88081}"/>
+                <a16:creationId xmlns:a16="http://schemas.microsoft.com/office/drawing/2014/main" xmlns="" id="{9C07D298-3974-4E79-B799-CF2D6DC88081}"/>
               </a:ext>
             </a:extLst>
           </p:cNvPr>
@@ -11101,7 +11098,7 @@
             <p:cNvPr id="7" name="Rectangle 6">
               <a:extLst>
                 <a:ext uri="{FF2B5EF4-FFF2-40B4-BE49-F238E27FC236}">
-                  <a16:creationId xmlns:a16="http://schemas.microsoft.com/office/drawing/2014/main" id="{33B9F385-05BE-4DCC-BA10-EE2CFA8EFF9B}"/>
+                  <a16:creationId xmlns:a16="http://schemas.microsoft.com/office/drawing/2014/main" xmlns="" id="{33B9F385-05BE-4DCC-BA10-EE2CFA8EFF9B}"/>
                 </a:ext>
               </a:extLst>
             </p:cNvPr>
@@ -11153,7 +11150,7 @@
             <p:cNvPr id="10" name="TextBox 9">
               <a:extLst>
                 <a:ext uri="{FF2B5EF4-FFF2-40B4-BE49-F238E27FC236}">
-                  <a16:creationId xmlns:a16="http://schemas.microsoft.com/office/drawing/2014/main" id="{3B1BEE2A-4CB2-4072-84F2-E07299BCB66F}"/>
+                  <a16:creationId xmlns:a16="http://schemas.microsoft.com/office/drawing/2014/main" xmlns="" id="{3B1BEE2A-4CB2-4072-84F2-E07299BCB66F}"/>
                 </a:ext>
               </a:extLst>
             </p:cNvPr>
@@ -11364,7 +11361,7 @@
           <p:cNvPr id="2" name="Title 1">
             <a:extLst>
               <a:ext uri="{FF2B5EF4-FFF2-40B4-BE49-F238E27FC236}">
-                <a16:creationId xmlns:a16="http://schemas.microsoft.com/office/drawing/2014/main" id="{4432A1B1-8BA2-4590-B91C-E46E40D4DFB4}"/>
+                <a16:creationId xmlns:a16="http://schemas.microsoft.com/office/drawing/2014/main" xmlns="" id="{4432A1B1-8BA2-4590-B91C-E46E40D4DFB4}"/>
               </a:ext>
             </a:extLst>
           </p:cNvPr>
@@ -11405,7 +11402,7 @@
           <p:cNvPr id="3" name="Content Placeholder 2">
             <a:extLst>
               <a:ext uri="{FF2B5EF4-FFF2-40B4-BE49-F238E27FC236}">
-                <a16:creationId xmlns:a16="http://schemas.microsoft.com/office/drawing/2014/main" id="{F3D5A96F-89B9-47B5-9E10-345EF073461D}"/>
+                <a16:creationId xmlns:a16="http://schemas.microsoft.com/office/drawing/2014/main" xmlns="" id="{F3D5A96F-89B9-47B5-9E10-345EF073461D}"/>
               </a:ext>
             </a:extLst>
           </p:cNvPr>
@@ -11446,7 +11443,7 @@
           <p:cNvPr id="4" name="Slide Number Placeholder 3">
             <a:extLst>
               <a:ext uri="{FF2B5EF4-FFF2-40B4-BE49-F238E27FC236}">
-                <a16:creationId xmlns:a16="http://schemas.microsoft.com/office/drawing/2014/main" id="{45FEC1D0-C942-4DB7-ACBF-32ADFCD8FDBD}"/>
+                <a16:creationId xmlns:a16="http://schemas.microsoft.com/office/drawing/2014/main" xmlns="" id="{45FEC1D0-C942-4DB7-ACBF-32ADFCD8FDBD}"/>
               </a:ext>
             </a:extLst>
           </p:cNvPr>
@@ -11476,7 +11473,7 @@
           <p:cNvPr id="13" name="Picture 12">
             <a:extLst>
               <a:ext uri="{FF2B5EF4-FFF2-40B4-BE49-F238E27FC236}">
-                <a16:creationId xmlns:a16="http://schemas.microsoft.com/office/drawing/2014/main" id="{2620E75A-9BF6-469A-8AC3-BE2F31417A55}"/>
+                <a16:creationId xmlns:a16="http://schemas.microsoft.com/office/drawing/2014/main" xmlns="" id="{2620E75A-9BF6-469A-8AC3-BE2F31417A55}"/>
               </a:ext>
             </a:extLst>
           </p:cNvPr>
@@ -11536,7 +11533,7 @@
           <p:cNvPr id="2" name="Title 1">
             <a:extLst>
               <a:ext uri="{FF2B5EF4-FFF2-40B4-BE49-F238E27FC236}">
-                <a16:creationId xmlns:a16="http://schemas.microsoft.com/office/drawing/2014/main" id="{4432A1B1-8BA2-4590-B91C-E46E40D4DFB4}"/>
+                <a16:creationId xmlns:a16="http://schemas.microsoft.com/office/drawing/2014/main" xmlns="" id="{4432A1B1-8BA2-4590-B91C-E46E40D4DFB4}"/>
               </a:ext>
             </a:extLst>
           </p:cNvPr>
@@ -11577,7 +11574,7 @@
           <p:cNvPr id="3" name="Content Placeholder 2">
             <a:extLst>
               <a:ext uri="{FF2B5EF4-FFF2-40B4-BE49-F238E27FC236}">
-                <a16:creationId xmlns:a16="http://schemas.microsoft.com/office/drawing/2014/main" id="{F3D5A96F-89B9-47B5-9E10-345EF073461D}"/>
+                <a16:creationId xmlns:a16="http://schemas.microsoft.com/office/drawing/2014/main" xmlns="" id="{F3D5A96F-89B9-47B5-9E10-345EF073461D}"/>
               </a:ext>
             </a:extLst>
           </p:cNvPr>
@@ -11639,7 +11636,7 @@
           <p:cNvPr id="4" name="Slide Number Placeholder 3">
             <a:extLst>
               <a:ext uri="{FF2B5EF4-FFF2-40B4-BE49-F238E27FC236}">
-                <a16:creationId xmlns:a16="http://schemas.microsoft.com/office/drawing/2014/main" id="{45FEC1D0-C942-4DB7-ACBF-32ADFCD8FDBD}"/>
+                <a16:creationId xmlns:a16="http://schemas.microsoft.com/office/drawing/2014/main" xmlns="" id="{45FEC1D0-C942-4DB7-ACBF-32ADFCD8FDBD}"/>
               </a:ext>
             </a:extLst>
           </p:cNvPr>
@@ -11669,7 +11666,7 @@
           <p:cNvPr id="5" name="TextBox 4">
             <a:extLst>
               <a:ext uri="{FF2B5EF4-FFF2-40B4-BE49-F238E27FC236}">
-                <a16:creationId xmlns:a16="http://schemas.microsoft.com/office/drawing/2014/main" id="{26D7FC62-10E5-42F4-B961-2EBB7F5E7D34}"/>
+                <a16:creationId xmlns:a16="http://schemas.microsoft.com/office/drawing/2014/main" xmlns="" id="{26D7FC62-10E5-42F4-B961-2EBB7F5E7D34}"/>
               </a:ext>
             </a:extLst>
           </p:cNvPr>
@@ -11734,7 +11731,7 @@
           <p:cNvPr id="2" name="Title 1">
             <a:extLst>
               <a:ext uri="{FF2B5EF4-FFF2-40B4-BE49-F238E27FC236}">
-                <a16:creationId xmlns:a16="http://schemas.microsoft.com/office/drawing/2014/main" id="{FF018C34-1FE9-4F92-B085-35D3653C0977}"/>
+                <a16:creationId xmlns:a16="http://schemas.microsoft.com/office/drawing/2014/main" xmlns="" id="{FF018C34-1FE9-4F92-B085-35D3653C0977}"/>
               </a:ext>
             </a:extLst>
           </p:cNvPr>
@@ -11774,7 +11771,7 @@
           <p:cNvPr id="3" name="Content Placeholder 2">
             <a:extLst>
               <a:ext uri="{FF2B5EF4-FFF2-40B4-BE49-F238E27FC236}">
-                <a16:creationId xmlns:a16="http://schemas.microsoft.com/office/drawing/2014/main" id="{434893F9-BFC7-43CA-9B05-ACF8CED7E908}"/>
+                <a16:creationId xmlns:a16="http://schemas.microsoft.com/office/drawing/2014/main" xmlns="" id="{434893F9-BFC7-43CA-9B05-ACF8CED7E908}"/>
               </a:ext>
             </a:extLst>
           </p:cNvPr>
@@ -11848,7 +11845,7 @@
           <p:cNvPr id="4" name="Slide Number Placeholder 3">
             <a:extLst>
               <a:ext uri="{FF2B5EF4-FFF2-40B4-BE49-F238E27FC236}">
-                <a16:creationId xmlns:a16="http://schemas.microsoft.com/office/drawing/2014/main" id="{E6187519-ED94-46FC-8DB1-93372EB33815}"/>
+                <a16:creationId xmlns:a16="http://schemas.microsoft.com/office/drawing/2014/main" xmlns="" id="{E6187519-ED94-46FC-8DB1-93372EB33815}"/>
               </a:ext>
             </a:extLst>
           </p:cNvPr>
@@ -11908,7 +11905,7 @@
           <p:cNvPr id="2" name="Title 1">
             <a:extLst>
               <a:ext uri="{FF2B5EF4-FFF2-40B4-BE49-F238E27FC236}">
-                <a16:creationId xmlns:a16="http://schemas.microsoft.com/office/drawing/2014/main" id="{FB16BEC8-C1A5-4EF6-A184-2D74367822AF}"/>
+                <a16:creationId xmlns:a16="http://schemas.microsoft.com/office/drawing/2014/main" xmlns="" id="{FB16BEC8-C1A5-4EF6-A184-2D74367822AF}"/>
               </a:ext>
             </a:extLst>
           </p:cNvPr>
@@ -11944,7 +11941,7 @@
           <p:cNvPr id="3" name="Content Placeholder 2">
             <a:extLst>
               <a:ext uri="{FF2B5EF4-FFF2-40B4-BE49-F238E27FC236}">
-                <a16:creationId xmlns:a16="http://schemas.microsoft.com/office/drawing/2014/main" id="{BCAF866A-7ABE-41F4-859C-2017718C416D}"/>
+                <a16:creationId xmlns:a16="http://schemas.microsoft.com/office/drawing/2014/main" xmlns="" id="{BCAF866A-7ABE-41F4-859C-2017718C416D}"/>
               </a:ext>
             </a:extLst>
           </p:cNvPr>
@@ -11969,7 +11966,7 @@
           <p:cNvPr id="4" name="Slide Number Placeholder 3">
             <a:extLst>
               <a:ext uri="{FF2B5EF4-FFF2-40B4-BE49-F238E27FC236}">
-                <a16:creationId xmlns:a16="http://schemas.microsoft.com/office/drawing/2014/main" id="{99B3DEC1-3D60-4A5C-A957-5343714D1414}"/>
+                <a16:creationId xmlns:a16="http://schemas.microsoft.com/office/drawing/2014/main" xmlns="" id="{99B3DEC1-3D60-4A5C-A957-5343714D1414}"/>
               </a:ext>
             </a:extLst>
           </p:cNvPr>
@@ -11999,7 +11996,7 @@
           <p:cNvPr id="6" name="Picture 5">
             <a:extLst>
               <a:ext uri="{FF2B5EF4-FFF2-40B4-BE49-F238E27FC236}">
-                <a16:creationId xmlns:a16="http://schemas.microsoft.com/office/drawing/2014/main" id="{8FCC5BCE-7985-420F-A79D-D934A89EEBE9}"/>
+                <a16:creationId xmlns:a16="http://schemas.microsoft.com/office/drawing/2014/main" xmlns="" id="{8FCC5BCE-7985-420F-A79D-D934A89EEBE9}"/>
               </a:ext>
             </a:extLst>
           </p:cNvPr>
@@ -12029,7 +12026,7 @@
           <p:cNvPr id="7" name="TextBox 6">
             <a:extLst>
               <a:ext uri="{FF2B5EF4-FFF2-40B4-BE49-F238E27FC236}">
-                <a16:creationId xmlns:a16="http://schemas.microsoft.com/office/drawing/2014/main" id="{361AF6FE-A584-42C9-9118-BF5B48CC4ECB}"/>
+                <a16:creationId xmlns:a16="http://schemas.microsoft.com/office/drawing/2014/main" xmlns="" id="{361AF6FE-A584-42C9-9118-BF5B48CC4ECB}"/>
               </a:ext>
             </a:extLst>
           </p:cNvPr>
@@ -12065,7 +12062,7 @@
           <p:cNvPr id="8" name="TextBox 7">
             <a:extLst>
               <a:ext uri="{FF2B5EF4-FFF2-40B4-BE49-F238E27FC236}">
-                <a16:creationId xmlns:a16="http://schemas.microsoft.com/office/drawing/2014/main" id="{D790A604-E066-46D9-BB3E-CC0ED37AEBDF}"/>
+                <a16:creationId xmlns:a16="http://schemas.microsoft.com/office/drawing/2014/main" xmlns="" id="{D790A604-E066-46D9-BB3E-CC0ED37AEBDF}"/>
               </a:ext>
             </a:extLst>
           </p:cNvPr>
@@ -12102,7 +12099,7 @@
           <p:cNvPr id="12" name="Group 11">
             <a:extLst>
               <a:ext uri="{FF2B5EF4-FFF2-40B4-BE49-F238E27FC236}">
-                <a16:creationId xmlns:a16="http://schemas.microsoft.com/office/drawing/2014/main" id="{17136825-CAC3-4B1E-B238-891BC5092838}"/>
+                <a16:creationId xmlns:a16="http://schemas.microsoft.com/office/drawing/2014/main" xmlns="" id="{17136825-CAC3-4B1E-B238-891BC5092838}"/>
               </a:ext>
             </a:extLst>
           </p:cNvPr>
@@ -12122,7 +12119,7 @@
             <p:cNvPr id="9" name="TextBox 8">
               <a:extLst>
                 <a:ext uri="{FF2B5EF4-FFF2-40B4-BE49-F238E27FC236}">
-                  <a16:creationId xmlns:a16="http://schemas.microsoft.com/office/drawing/2014/main" id="{8D63D24B-5D5B-435A-841E-9033D7A6C1B7}"/>
+                  <a16:creationId xmlns:a16="http://schemas.microsoft.com/office/drawing/2014/main" xmlns="" id="{8D63D24B-5D5B-435A-841E-9033D7A6C1B7}"/>
                 </a:ext>
               </a:extLst>
             </p:cNvPr>
@@ -12163,7 +12160,7 @@
             <p:cNvPr id="10" name="TextBox 9">
               <a:extLst>
                 <a:ext uri="{FF2B5EF4-FFF2-40B4-BE49-F238E27FC236}">
-                  <a16:creationId xmlns:a16="http://schemas.microsoft.com/office/drawing/2014/main" id="{E5C220FB-CF6C-46EC-9503-BF92D871293C}"/>
+                  <a16:creationId xmlns:a16="http://schemas.microsoft.com/office/drawing/2014/main" xmlns="" id="{E5C220FB-CF6C-46EC-9503-BF92D871293C}"/>
                 </a:ext>
               </a:extLst>
             </p:cNvPr>
@@ -12204,7 +12201,7 @@
             <p:cNvPr id="11" name="TextBox 10">
               <a:extLst>
                 <a:ext uri="{FF2B5EF4-FFF2-40B4-BE49-F238E27FC236}">
-                  <a16:creationId xmlns:a16="http://schemas.microsoft.com/office/drawing/2014/main" id="{E332AC51-E3E8-464E-B5B6-7430152654D5}"/>
+                  <a16:creationId xmlns:a16="http://schemas.microsoft.com/office/drawing/2014/main" xmlns="" id="{E332AC51-E3E8-464E-B5B6-7430152654D5}"/>
                 </a:ext>
               </a:extLst>
             </p:cNvPr>
@@ -12351,7 +12348,7 @@
           <p:cNvPr id="2" name="Title 1">
             <a:extLst>
               <a:ext uri="{FF2B5EF4-FFF2-40B4-BE49-F238E27FC236}">
-                <a16:creationId xmlns:a16="http://schemas.microsoft.com/office/drawing/2014/main" id="{08DC382D-5ABA-4653-970A-22D6ED1928B2}"/>
+                <a16:creationId xmlns:a16="http://schemas.microsoft.com/office/drawing/2014/main" xmlns="" id="{08DC382D-5ABA-4653-970A-22D6ED1928B2}"/>
               </a:ext>
             </a:extLst>
           </p:cNvPr>
@@ -12380,7 +12377,7 @@
           <p:cNvPr id="3" name="Content Placeholder 2">
             <a:extLst>
               <a:ext uri="{FF2B5EF4-FFF2-40B4-BE49-F238E27FC236}">
-                <a16:creationId xmlns:a16="http://schemas.microsoft.com/office/drawing/2014/main" id="{4D6CA7D1-62E3-44AF-865E-EA95086B08C9}"/>
+                <a16:creationId xmlns:a16="http://schemas.microsoft.com/office/drawing/2014/main" xmlns="" id="{4D6CA7D1-62E3-44AF-865E-EA95086B08C9}"/>
               </a:ext>
             </a:extLst>
           </p:cNvPr>
@@ -12466,7 +12463,7 @@
           <p:cNvPr id="4" name="Slide Number Placeholder 3">
             <a:extLst>
               <a:ext uri="{FF2B5EF4-FFF2-40B4-BE49-F238E27FC236}">
-                <a16:creationId xmlns:a16="http://schemas.microsoft.com/office/drawing/2014/main" id="{B856BA49-3F84-44AF-B014-BFE402F2115B}"/>
+                <a16:creationId xmlns:a16="http://schemas.microsoft.com/office/drawing/2014/main" xmlns="" id="{B856BA49-3F84-44AF-B014-BFE402F2115B}"/>
               </a:ext>
             </a:extLst>
           </p:cNvPr>
@@ -12496,7 +12493,7 @@
           <p:cNvPr id="5" name="TextBox 4">
             <a:extLst>
               <a:ext uri="{FF2B5EF4-FFF2-40B4-BE49-F238E27FC236}">
-                <a16:creationId xmlns:a16="http://schemas.microsoft.com/office/drawing/2014/main" id="{BC9E4CC0-8370-45DD-B89A-0697AB7AF78D}"/>
+                <a16:creationId xmlns:a16="http://schemas.microsoft.com/office/drawing/2014/main" xmlns="" id="{BC9E4CC0-8370-45DD-B89A-0697AB7AF78D}"/>
               </a:ext>
             </a:extLst>
           </p:cNvPr>
@@ -12561,7 +12558,7 @@
           <p:cNvPr id="2" name="Title 1">
             <a:extLst>
               <a:ext uri="{FF2B5EF4-FFF2-40B4-BE49-F238E27FC236}">
-                <a16:creationId xmlns:a16="http://schemas.microsoft.com/office/drawing/2014/main" id="{BB90F14D-5220-4A62-A7F3-F87698065F0F}"/>
+                <a16:creationId xmlns:a16="http://schemas.microsoft.com/office/drawing/2014/main" xmlns="" id="{BB90F14D-5220-4A62-A7F3-F87698065F0F}"/>
               </a:ext>
             </a:extLst>
           </p:cNvPr>
@@ -12602,7 +12599,7 @@
           <p:cNvPr id="3" name="Content Placeholder 2">
             <a:extLst>
               <a:ext uri="{FF2B5EF4-FFF2-40B4-BE49-F238E27FC236}">
-                <a16:creationId xmlns:a16="http://schemas.microsoft.com/office/drawing/2014/main" id="{CA6E65FC-E3CC-46B1-81FE-E383DBE52F38}"/>
+                <a16:creationId xmlns:a16="http://schemas.microsoft.com/office/drawing/2014/main" xmlns="" id="{CA6E65FC-E3CC-46B1-81FE-E383DBE52F38}"/>
               </a:ext>
             </a:extLst>
           </p:cNvPr>
@@ -12653,11 +12650,7 @@
           <a:p>
             <a:r>
               <a:rPr lang="es-CL" dirty="0" smtClean="0"/>
-              <a:t>En este curso </a:t>
-            </a:r>
-            <a:r>
-              <a:rPr lang="es-CL" dirty="0" smtClean="0"/>
-              <a:t>usaremos: </a:t>
+              <a:t>En este curso usaremos: </a:t>
             </a:r>
             <a:r>
               <a:rPr lang="es-CL" dirty="0" err="1" smtClean="0"/>
@@ -12685,7 +12678,7 @@
           <p:cNvPr id="4" name="Slide Number Placeholder 3">
             <a:extLst>
               <a:ext uri="{FF2B5EF4-FFF2-40B4-BE49-F238E27FC236}">
-                <a16:creationId xmlns:a16="http://schemas.microsoft.com/office/drawing/2014/main" id="{F93221D8-CCBC-41F1-B49A-9F93987F2405}"/>
+                <a16:creationId xmlns:a16="http://schemas.microsoft.com/office/drawing/2014/main" xmlns="" id="{F93221D8-CCBC-41F1-B49A-9F93987F2405}"/>
               </a:ext>
             </a:extLst>
           </p:cNvPr>

--- a/dia2/lab2_JAGS.pptx
+++ b/dia2/lab2_JAGS.pptx
@@ -5,7 +5,7 @@
     <p:sldMasterId id="2147483660" r:id="rId1"/>
   </p:sldMasterIdLst>
   <p:notesMasterIdLst>
-    <p:notesMasterId r:id="rId24"/>
+    <p:notesMasterId r:id="rId22"/>
   </p:notesMasterIdLst>
   <p:sldIdLst>
     <p:sldId id="326" r:id="rId2"/>
@@ -21,15 +21,13 @@
     <p:sldId id="339" r:id="rId12"/>
     <p:sldId id="340" r:id="rId13"/>
     <p:sldId id="341" r:id="rId14"/>
-    <p:sldId id="334" r:id="rId15"/>
-    <p:sldId id="336" r:id="rId16"/>
-    <p:sldId id="342" r:id="rId17"/>
-    <p:sldId id="343" r:id="rId18"/>
-    <p:sldId id="344" r:id="rId19"/>
-    <p:sldId id="345" r:id="rId20"/>
-    <p:sldId id="324" r:id="rId21"/>
-    <p:sldId id="325" r:id="rId22"/>
-    <p:sldId id="335" r:id="rId23"/>
+    <p:sldId id="336" r:id="rId15"/>
+    <p:sldId id="342" r:id="rId16"/>
+    <p:sldId id="343" r:id="rId17"/>
+    <p:sldId id="344" r:id="rId18"/>
+    <p:sldId id="345" r:id="rId19"/>
+    <p:sldId id="325" r:id="rId20"/>
+    <p:sldId id="335" r:id="rId21"/>
   </p:sldIdLst>
   <p:sldSz cx="9144000" cy="6858000" type="screen4x3"/>
   <p:notesSz cx="6858000" cy="9144000"/>
@@ -233,7 +231,7 @@
           <a:p>
             <a:fld id="{9EC8F33C-A7AA-43A7-BCA9-F081EA0B4664}" type="datetimeFigureOut">
               <a:rPr lang="en-US" smtClean="0"/>
-              <a:t>1/13/2019</a:t>
+              <a:t>1/14/2019</a:t>
             </a:fld>
             <a:endParaRPr lang="en-US"/>
           </a:p>
@@ -582,7 +580,7 @@
           </a:ln>
           <a:extLst>
             <a:ext uri="{909E8E84-426E-40dd-AFC4-6F175D3DCCD1}">
-              <a14:hiddenFill xmlns="" xmlns:a14="http://schemas.microsoft.com/office/drawing/2010/main">
+              <a14:hiddenFill xmlns:a14="http://schemas.microsoft.com/office/drawing/2010/main" xmlns="">
                 <a:solidFill>
                   <a:srgbClr val="FFFFFF"/>
                 </a:solidFill>
@@ -625,7 +623,7 @@
           </a:ln>
           <a:extLst>
             <a:ext uri="{909E8E84-426E-40dd-AFC4-6F175D3DCCD1}">
-              <a14:hiddenFill xmlns="" xmlns:a14="http://schemas.microsoft.com/office/drawing/2010/main">
+              <a14:hiddenFill xmlns:a14="http://schemas.microsoft.com/office/drawing/2010/main" xmlns="">
                 <a:noFill/>
               </a14:hiddenFill>
             </a:ext>
@@ -724,7 +722,7 @@
           <a:p>
             <a:fld id="{9A356AEA-056F-417E-9B38-4BA8743FE6C4}" type="datetime1">
               <a:rPr lang="en-US" smtClean="0"/>
-              <a:t>1/13/2019</a:t>
+              <a:t>1/14/2019</a:t>
             </a:fld>
             <a:endParaRPr lang="en-US"/>
           </a:p>
@@ -911,7 +909,7 @@
           <a:p>
             <a:fld id="{09867F7C-1948-4907-9EBC-DD38682B5188}" type="datetime1">
               <a:rPr lang="en-US" smtClean="0"/>
-              <a:t>1/13/2019</a:t>
+              <a:t>1/14/2019</a:t>
             </a:fld>
             <a:endParaRPr lang="en-US"/>
           </a:p>
@@ -1107,7 +1105,7 @@
           <a:p>
             <a:fld id="{A5996870-3492-4879-A20C-50CF7F25E309}" type="datetime1">
               <a:rPr lang="en-US" smtClean="0"/>
-              <a:t>1/13/2019</a:t>
+              <a:t>1/14/2019</a:t>
             </a:fld>
             <a:endParaRPr lang="en-US"/>
           </a:p>
@@ -1359,7 +1357,7 @@
           <a:p>
             <a:fld id="{3339509F-2835-4D20-8448-C5CCD453FC4A}" type="datetime1">
               <a:rPr lang="en-US" smtClean="0"/>
-              <a:t>1/13/2019</a:t>
+              <a:t>1/14/2019</a:t>
             </a:fld>
             <a:endParaRPr lang="en-US"/>
           </a:p>
@@ -1583,7 +1581,7 @@
           <a:p>
             <a:fld id="{7A6EDDDE-DBE4-4114-B865-EC3A2920782E}" type="datetime1">
               <a:rPr lang="en-US" smtClean="0"/>
-              <a:t>1/13/2019</a:t>
+              <a:t>1/14/2019</a:t>
             </a:fld>
             <a:endParaRPr lang="en-US"/>
           </a:p>
@@ -1891,7 +1889,7 @@
           <a:p>
             <a:fld id="{8DA96907-43AE-4B1E-B5FF-6853ADDA5697}" type="datetime1">
               <a:rPr lang="en-US" smtClean="0"/>
-              <a:t>1/13/2019</a:t>
+              <a:t>1/14/2019</a:t>
             </a:fld>
             <a:endParaRPr lang="en-US"/>
           </a:p>
@@ -2059,7 +2057,7 @@
           <a:p>
             <a:fld id="{2E65DF97-DE0F-4515-8F8D-0E1C627BC4E9}" type="datetime1">
               <a:rPr lang="en-US" smtClean="0"/>
-              <a:t>1/13/2019</a:t>
+              <a:t>1/14/2019</a:t>
             </a:fld>
             <a:endParaRPr lang="en-US"/>
           </a:p>
@@ -2371,7 +2369,7 @@
           <a:p>
             <a:fld id="{23B9FD00-80D5-4EA7-B536-8F4F2C3959C9}" type="datetime1">
               <a:rPr lang="en-US" smtClean="0"/>
-              <a:t>1/13/2019</a:t>
+              <a:t>1/14/2019</a:t>
             </a:fld>
             <a:endParaRPr lang="en-US"/>
           </a:p>
@@ -2683,7 +2681,7 @@
           <a:p>
             <a:fld id="{DAC77084-4DB4-4A23-9870-BF49183ACB4C}" type="datetime1">
               <a:rPr lang="en-US" smtClean="0"/>
-              <a:t>1/13/2019</a:t>
+              <a:t>1/14/2019</a:t>
             </a:fld>
             <a:endParaRPr lang="en-US"/>
           </a:p>
@@ -2869,7 +2867,7 @@
           <a:p>
             <a:fld id="{6E487ECE-0D8C-4AFB-BD35-997F06E0971C}" type="datetime1">
               <a:rPr lang="en-US" smtClean="0"/>
-              <a:t>1/13/2019</a:t>
+              <a:t>1/14/2019</a:t>
             </a:fld>
             <a:endParaRPr lang="en-US"/>
           </a:p>
@@ -3078,7 +3076,7 @@
           <a:p>
             <a:fld id="{D4F6DC8D-78A1-49CC-B033-F77D87B04958}" type="datetime1">
               <a:rPr lang="en-US" smtClean="0"/>
-              <a:t>1/13/2019</a:t>
+              <a:t>1/14/2019</a:t>
             </a:fld>
             <a:endParaRPr lang="en-US"/>
           </a:p>
@@ -3381,7 +3379,7 @@
           <a:p>
             <a:fld id="{3BCF4A7C-A413-48DA-9211-5240CAEE1DD4}" type="datetime1">
               <a:rPr lang="en-US" smtClean="0"/>
-              <a:t>1/13/2019</a:t>
+              <a:t>1/14/2019</a:t>
             </a:fld>
             <a:endParaRPr lang="en-US"/>
           </a:p>
@@ -3823,7 +3821,7 @@
           <a:p>
             <a:fld id="{AAE887C4-8D00-4515-BD6B-6D6B646F02F7}" type="datetime1">
               <a:rPr lang="en-US" smtClean="0"/>
-              <a:t>1/13/2019</a:t>
+              <a:t>1/14/2019</a:t>
             </a:fld>
             <a:endParaRPr lang="en-US"/>
           </a:p>
@@ -3958,7 +3956,7 @@
           <a:p>
             <a:fld id="{10C13C5A-776A-4D2B-A91E-2ACB7D90E7CC}" type="datetime1">
               <a:rPr lang="en-US" smtClean="0"/>
-              <a:t>1/13/2019</a:t>
+              <a:t>1/14/2019</a:t>
             </a:fld>
             <a:endParaRPr lang="en-US"/>
           </a:p>
@@ -4071,7 +4069,7 @@
           <a:p>
             <a:fld id="{00A5D59F-6FC3-492C-BAE3-F50C9D1FBA31}" type="datetime1">
               <a:rPr lang="en-US" smtClean="0"/>
-              <a:t>1/13/2019</a:t>
+              <a:t>1/14/2019</a:t>
             </a:fld>
             <a:endParaRPr lang="en-US"/>
           </a:p>
@@ -4364,7 +4362,7 @@
           <a:p>
             <a:fld id="{CD78B45F-E474-4F2F-801A-58FC9FE22655}" type="datetime1">
               <a:rPr lang="en-US" smtClean="0"/>
-              <a:t>1/13/2019</a:t>
+              <a:t>1/14/2019</a:t>
             </a:fld>
             <a:endParaRPr lang="en-US"/>
           </a:p>
@@ -4638,7 +4636,7 @@
           <a:p>
             <a:fld id="{FDF35450-A835-4587-8F84-782057674F92}" type="datetime1">
               <a:rPr lang="en-US" smtClean="0"/>
-              <a:t>1/13/2019</a:t>
+              <a:t>1/14/2019</a:t>
             </a:fld>
             <a:endParaRPr lang="en-US"/>
           </a:p>
@@ -4760,17 +4758,17 @@
           </a:ln>
           <a:extLst>
             <a:ext uri="{FAA26D3D-D897-4be2-8F04-BA451C77F1D7}">
-              <ma14:placeholderFlag xmlns="" xmlns:ma14="http://schemas.microsoft.com/office/mac/drawingml/2011/main" val="1"/>
+              <ma14:placeholderFlag xmlns:ma14="http://schemas.microsoft.com/office/mac/drawingml/2011/main" xmlns="" val="1"/>
             </a:ext>
             <a:ext uri="{909E8E84-426E-40dd-AFC4-6F175D3DCCD1}">
-              <a14:hiddenFill xmlns="" xmlns:a14="http://schemas.microsoft.com/office/drawing/2010/main">
+              <a14:hiddenFill xmlns:a14="http://schemas.microsoft.com/office/drawing/2010/main" xmlns="">
                 <a:solidFill>
                   <a:srgbClr val="FFFFFF"/>
                 </a:solidFill>
               </a14:hiddenFill>
             </a:ext>
             <a:ext uri="{91240B29-F687-4f45-9708-019B960494DF}">
-              <a14:hiddenLine xmlns="" xmlns:a14="http://schemas.microsoft.com/office/drawing/2010/main" w="9525">
+              <a14:hiddenLine xmlns:a14="http://schemas.microsoft.com/office/drawing/2010/main" xmlns="" w="9525">
                 <a:solidFill>
                   <a:srgbClr val="000000"/>
                 </a:solidFill>
@@ -4822,17 +4820,17 @@
           </a:ln>
           <a:extLst>
             <a:ext uri="{FAA26D3D-D897-4be2-8F04-BA451C77F1D7}">
-              <ma14:placeholderFlag xmlns="" xmlns:ma14="http://schemas.microsoft.com/office/mac/drawingml/2011/main" val="1"/>
+              <ma14:placeholderFlag xmlns:ma14="http://schemas.microsoft.com/office/mac/drawingml/2011/main" xmlns="" val="1"/>
             </a:ext>
             <a:ext uri="{909E8E84-426E-40dd-AFC4-6F175D3DCCD1}">
-              <a14:hiddenFill xmlns="" xmlns:a14="http://schemas.microsoft.com/office/drawing/2010/main">
+              <a14:hiddenFill xmlns:a14="http://schemas.microsoft.com/office/drawing/2010/main" xmlns="">
                 <a:solidFill>
                   <a:srgbClr val="FFFFFF"/>
                 </a:solidFill>
               </a14:hiddenFill>
             </a:ext>
             <a:ext uri="{91240B29-F687-4f45-9708-019B960494DF}">
-              <a14:hiddenLine xmlns="" xmlns:a14="http://schemas.microsoft.com/office/drawing/2010/main" w="9525">
+              <a14:hiddenLine xmlns:a14="http://schemas.microsoft.com/office/drawing/2010/main" xmlns="" w="9525">
                 <a:solidFill>
                   <a:srgbClr val="000000"/>
                 </a:solidFill>
@@ -4932,7 +4930,7 @@
           <a:p>
             <a:fld id="{F6803E09-2A09-4EEA-8E99-292225B5EDFC}" type="datetime1">
               <a:rPr lang="en-US" smtClean="0"/>
-              <a:t>1/13/2019</a:t>
+              <a:t>1/14/2019</a:t>
             </a:fld>
             <a:endParaRPr lang="en-US"/>
           </a:p>
@@ -5100,7 +5098,7 @@
           </a:ln>
           <a:extLst>
             <a:ext uri="{909E8E84-426E-40dd-AFC4-6F175D3DCCD1}">
-              <a14:hiddenFill xmlns="" xmlns:a14="http://schemas.microsoft.com/office/drawing/2010/main">
+              <a14:hiddenFill xmlns:a14="http://schemas.microsoft.com/office/drawing/2010/main" xmlns="">
                 <a:solidFill>
                   <a:srgbClr val="FFFFFF"/>
                 </a:solidFill>
@@ -5143,7 +5141,7 @@
           </a:ln>
           <a:extLst>
             <a:ext uri="{909E8E84-426E-40dd-AFC4-6F175D3DCCD1}">
-              <a14:hiddenFill xmlns="" xmlns:a14="http://schemas.microsoft.com/office/drawing/2010/main">
+              <a14:hiddenFill xmlns:a14="http://schemas.microsoft.com/office/drawing/2010/main" xmlns="">
                 <a:noFill/>
               </a14:hiddenFill>
             </a:ext>
@@ -5628,7 +5626,7 @@
           <p:cNvPr id="2" name="Title 1">
             <a:extLst>
               <a:ext uri="{FF2B5EF4-FFF2-40B4-BE49-F238E27FC236}">
-                <a16:creationId xmlns:a16="http://schemas.microsoft.com/office/drawing/2014/main" xmlns="" id="{4819A39B-28BB-4873-9914-8FEE18891DD4}"/>
+                <a16:creationId xmlns="" xmlns:a16="http://schemas.microsoft.com/office/drawing/2014/main" id="{4819A39B-28BB-4873-9914-8FEE18891DD4}"/>
               </a:ext>
             </a:extLst>
           </p:cNvPr>
@@ -5647,10 +5645,10 @@
           <a:lstStyle/>
           <a:p>
             <a:r>
-              <a:rPr lang="es-ES" dirty="0" smtClean="0"/>
+              <a:rPr lang="es-419" noProof="0" dirty="0" smtClean="0"/>
               <a:t>MCMC convergencia  </a:t>
             </a:r>
-            <a:endParaRPr lang="es-CL" noProof="0" dirty="0"/>
+            <a:endParaRPr lang="es-419" noProof="0" dirty="0"/>
           </a:p>
         </p:txBody>
       </p:sp>
@@ -5659,7 +5657,7 @@
           <p:cNvPr id="5" name="Subtitle 2">
             <a:extLst>
               <a:ext uri="{FF2B5EF4-FFF2-40B4-BE49-F238E27FC236}">
-                <a16:creationId xmlns:a16="http://schemas.microsoft.com/office/drawing/2014/main" xmlns="" id="{2BECD79D-0B3A-44C2-A155-03EC2A6A5D3B}"/>
+                <a16:creationId xmlns="" xmlns:a16="http://schemas.microsoft.com/office/drawing/2014/main" id="{2BECD79D-0B3A-44C2-A155-03EC2A6A5D3B}"/>
               </a:ext>
             </a:extLst>
           </p:cNvPr>
@@ -5682,17 +5680,17 @@
           </a:ln>
           <a:extLst>
             <a:ext uri="{FAA26D3D-D897-4be2-8F04-BA451C77F1D7}">
-              <ma14:placeholderFlag xmlns:ma14="http://schemas.microsoft.com/office/mac/drawingml/2011/main" xmlns="" val="1"/>
+              <ma14:placeholderFlag xmlns="" xmlns:ma14="http://schemas.microsoft.com/office/mac/drawingml/2011/main" val="1"/>
             </a:ext>
             <a:ext uri="{909E8E84-426E-40dd-AFC4-6F175D3DCCD1}">
-              <a14:hiddenFill xmlns:a14="http://schemas.microsoft.com/office/drawing/2010/main" xmlns="">
+              <a14:hiddenFill xmlns="" xmlns:a14="http://schemas.microsoft.com/office/drawing/2010/main">
                 <a:solidFill>
                   <a:srgbClr val="FFFFFF"/>
                 </a:solidFill>
               </a14:hiddenFill>
             </a:ext>
             <a:ext uri="{91240B29-F687-4f45-9708-019B960494DF}">
-              <a14:hiddenLine xmlns:a14="http://schemas.microsoft.com/office/drawing/2010/main" xmlns="" w="9525">
+              <a14:hiddenLine xmlns="" xmlns:a14="http://schemas.microsoft.com/office/drawing/2010/main" w="9525">
                 <a:solidFill>
                   <a:srgbClr val="000000"/>
                 </a:solidFill>
@@ -5994,13 +5992,14 @@
           <a:lstStyle/>
           <a:p>
             <a:r>
-              <a:rPr lang="en-US" dirty="0" err="1"/>
+              <a:rPr lang="es-419" noProof="0" dirty="0" err="1" smtClean="0"/>
               <a:t>Geweke</a:t>
             </a:r>
             <a:r>
-              <a:rPr lang="en-US" dirty="0"/>
+              <a:rPr lang="es-419" noProof="0" dirty="0" smtClean="0"/>
               <a:t> (1992) </a:t>
             </a:r>
+            <a:endParaRPr lang="es-419" noProof="0" dirty="0"/>
           </a:p>
         </p:txBody>
       </p:sp>
@@ -6025,84 +6024,227 @@
           <a:lstStyle/>
           <a:p>
             <a:r>
-              <a:rPr lang="en-US" sz="2800" dirty="0" err="1"/>
+              <a:rPr lang="es-419" sz="2800" noProof="0" dirty="0" err="1" smtClean="0"/>
               <a:t>Geweke</a:t>
             </a:r>
             <a:r>
-              <a:rPr lang="en-US" sz="2800" dirty="0"/>
-              <a:t> (1992) statistic – </a:t>
-            </a:r>
-            <a:r>
-              <a:rPr lang="en-US" sz="2800" i="1" dirty="0"/>
+              <a:rPr lang="es-419" sz="2800" noProof="0" dirty="0" smtClean="0"/>
+              <a:t> (1992) </a:t>
+            </a:r>
+            <a:r>
+              <a:rPr lang="es-419" sz="2800" noProof="0" dirty="0" err="1" smtClean="0"/>
+              <a:t>statistic</a:t>
+            </a:r>
+            <a:r>
+              <a:rPr lang="es-419" sz="2800" noProof="0" dirty="0" smtClean="0"/>
+              <a:t> – </a:t>
+            </a:r>
+            <a:r>
+              <a:rPr lang="es-419" sz="2800" i="1" noProof="0" dirty="0" smtClean="0"/>
               <a:t>t</a:t>
             </a:r>
             <a:r>
-              <a:rPr lang="en-US" sz="2800" dirty="0"/>
-              <a:t> test equivalent to assess the means of first (</a:t>
-            </a:r>
-            <a:r>
-              <a:rPr lang="en-US" sz="2800" i="1" dirty="0">
+              <a:rPr lang="es-419" sz="2800" noProof="0" dirty="0" smtClean="0"/>
+              <a:t> test </a:t>
+            </a:r>
+            <a:r>
+              <a:rPr lang="es-419" sz="2800" noProof="0" dirty="0" err="1" smtClean="0"/>
+              <a:t>equivalent</a:t>
+            </a:r>
+            <a:r>
+              <a:rPr lang="es-419" sz="2800" noProof="0" dirty="0" smtClean="0"/>
+              <a:t> to </a:t>
+            </a:r>
+            <a:r>
+              <a:rPr lang="es-419" sz="2800" noProof="0" dirty="0" err="1" smtClean="0"/>
+              <a:t>assess</a:t>
+            </a:r>
+            <a:r>
+              <a:rPr lang="es-419" sz="2800" noProof="0" dirty="0" smtClean="0"/>
+              <a:t> </a:t>
+            </a:r>
+            <a:r>
+              <a:rPr lang="es-419" sz="2800" noProof="0" dirty="0" err="1" smtClean="0"/>
+              <a:t>the</a:t>
+            </a:r>
+            <a:r>
+              <a:rPr lang="es-419" sz="2800" noProof="0" dirty="0" smtClean="0"/>
+              <a:t> </a:t>
+            </a:r>
+            <a:r>
+              <a:rPr lang="es-419" sz="2800" noProof="0" dirty="0" err="1" smtClean="0"/>
+              <a:t>means</a:t>
+            </a:r>
+            <a:r>
+              <a:rPr lang="es-419" sz="2800" noProof="0" dirty="0" smtClean="0"/>
+              <a:t> of </a:t>
+            </a:r>
+            <a:r>
+              <a:rPr lang="es-419" sz="2800" noProof="0" dirty="0" err="1" smtClean="0"/>
+              <a:t>first</a:t>
+            </a:r>
+            <a:r>
+              <a:rPr lang="es-419" sz="2800" noProof="0" dirty="0" smtClean="0"/>
+              <a:t> (</a:t>
+            </a:r>
+            <a:r>
+              <a:rPr lang="es-419" sz="2800" i="1" noProof="0" dirty="0" smtClean="0">
                 <a:latin typeface="Times New Roman"/>
                 <a:cs typeface="Times New Roman"/>
               </a:rPr>
               <a:t>T</a:t>
             </a:r>
             <a:r>
-              <a:rPr lang="en-US" sz="2800" i="1" baseline="-25000" dirty="0">
+              <a:rPr lang="es-419" sz="2800" i="1" baseline="-25000" noProof="0" dirty="0" smtClean="0">
                 <a:latin typeface="Times New Roman"/>
                 <a:cs typeface="Times New Roman"/>
               </a:rPr>
               <a:t>A</a:t>
             </a:r>
             <a:r>
-              <a:rPr lang="en-US" sz="2800" dirty="0"/>
-              <a:t>) and last (</a:t>
-            </a:r>
-            <a:r>
-              <a:rPr lang="en-US" sz="2800" i="1" dirty="0">
+              <a:rPr lang="es-419" sz="2800" noProof="0" dirty="0" smtClean="0"/>
+              <a:t>) and </a:t>
+            </a:r>
+            <a:r>
+              <a:rPr lang="es-419" sz="2800" noProof="0" dirty="0" err="1" smtClean="0"/>
+              <a:t>last</a:t>
+            </a:r>
+            <a:r>
+              <a:rPr lang="es-419" sz="2800" noProof="0" dirty="0" smtClean="0"/>
+              <a:t> (</a:t>
+            </a:r>
+            <a:r>
+              <a:rPr lang="es-419" sz="2800" i="1" noProof="0" dirty="0" smtClean="0">
                 <a:latin typeface="Times New Roman"/>
                 <a:cs typeface="Times New Roman"/>
               </a:rPr>
               <a:t>T</a:t>
             </a:r>
             <a:r>
-              <a:rPr lang="en-US" sz="2800" i="1" baseline="-25000" dirty="0">
+              <a:rPr lang="es-419" sz="2800" i="1" baseline="-25000" noProof="0" dirty="0" smtClean="0">
                 <a:latin typeface="Times New Roman"/>
                 <a:cs typeface="Times New Roman"/>
               </a:rPr>
               <a:t>B</a:t>
             </a:r>
             <a:r>
-              <a:rPr lang="en-US" sz="2800" dirty="0"/>
-              <a:t>) parts of the Markov chain</a:t>
-            </a:r>
-          </a:p>
-          <a:p>
-            <a:endParaRPr lang="en-US" sz="2800" dirty="0"/>
-          </a:p>
-          <a:p>
-            <a:endParaRPr lang="en-US" sz="2800" dirty="0"/>
+              <a:rPr lang="es-419" sz="2800" noProof="0" dirty="0" smtClean="0"/>
+              <a:t>) </a:t>
+            </a:r>
+            <a:r>
+              <a:rPr lang="es-419" sz="2800" noProof="0" dirty="0" err="1" smtClean="0"/>
+              <a:t>parts</a:t>
+            </a:r>
+            <a:r>
+              <a:rPr lang="es-419" sz="2800" noProof="0" dirty="0" smtClean="0"/>
+              <a:t> of </a:t>
+            </a:r>
+            <a:r>
+              <a:rPr lang="es-419" sz="2800" noProof="0" dirty="0" err="1" smtClean="0"/>
+              <a:t>the</a:t>
+            </a:r>
+            <a:r>
+              <a:rPr lang="es-419" sz="2800" noProof="0" dirty="0" smtClean="0"/>
+              <a:t> </a:t>
+            </a:r>
+            <a:r>
+              <a:rPr lang="es-419" sz="2800" noProof="0" dirty="0" err="1" smtClean="0"/>
+              <a:t>Markov</a:t>
+            </a:r>
+            <a:r>
+              <a:rPr lang="es-419" sz="2800" noProof="0" dirty="0" smtClean="0"/>
+              <a:t> </a:t>
+            </a:r>
+            <a:r>
+              <a:rPr lang="es-419" sz="2800" noProof="0" dirty="0" err="1" smtClean="0"/>
+              <a:t>chain</a:t>
+            </a:r>
+            <a:endParaRPr lang="es-419" sz="2800" noProof="0" dirty="0" smtClean="0"/>
+          </a:p>
+          <a:p>
+            <a:endParaRPr lang="es-419" sz="2800" noProof="0" dirty="0" smtClean="0"/>
+          </a:p>
+          <a:p>
+            <a:endParaRPr lang="es-419" sz="2800" noProof="0" dirty="0" smtClean="0"/>
           </a:p>
           <a:p>
             <a:pPr marL="0" indent="0">
               <a:buNone/>
             </a:pPr>
-            <a:endParaRPr lang="en-US" sz="2800" dirty="0"/>
-          </a:p>
-          <a:p>
-            <a:endParaRPr lang="en-US" sz="2800" dirty="0"/>
-          </a:p>
-          <a:p>
-            <a:r>
-              <a:rPr lang="en-US" sz="2800" dirty="0"/>
-              <a:t>Useful for a single chain or multiple chains</a:t>
-            </a:r>
-          </a:p>
-          <a:p>
-            <a:r>
-              <a:rPr lang="en-US" sz="2800" dirty="0"/>
-              <a:t>Test statistic is standard Z score</a:t>
-            </a:r>
+            <a:endParaRPr lang="es-419" sz="2800" noProof="0" dirty="0" smtClean="0"/>
+          </a:p>
+          <a:p>
+            <a:endParaRPr lang="es-419" sz="2800" noProof="0" dirty="0" smtClean="0"/>
+          </a:p>
+          <a:p>
+            <a:r>
+              <a:rPr lang="es-419" sz="2800" noProof="0" dirty="0" err="1" smtClean="0"/>
+              <a:t>Useful</a:t>
+            </a:r>
+            <a:r>
+              <a:rPr lang="es-419" sz="2800" noProof="0" dirty="0" smtClean="0"/>
+              <a:t> </a:t>
+            </a:r>
+            <a:r>
+              <a:rPr lang="es-419" sz="2800" noProof="0" dirty="0" err="1" smtClean="0"/>
+              <a:t>for</a:t>
+            </a:r>
+            <a:r>
+              <a:rPr lang="es-419" sz="2800" noProof="0" dirty="0" smtClean="0"/>
+              <a:t> a single </a:t>
+            </a:r>
+            <a:r>
+              <a:rPr lang="es-419" sz="2800" noProof="0" dirty="0" err="1" smtClean="0"/>
+              <a:t>chain</a:t>
+            </a:r>
+            <a:r>
+              <a:rPr lang="es-419" sz="2800" noProof="0" dirty="0" smtClean="0"/>
+              <a:t> </a:t>
+            </a:r>
+            <a:r>
+              <a:rPr lang="es-419" sz="2800" noProof="0" dirty="0" err="1" smtClean="0"/>
+              <a:t>or</a:t>
+            </a:r>
+            <a:r>
+              <a:rPr lang="es-419" sz="2800" noProof="0" dirty="0" smtClean="0"/>
+              <a:t> </a:t>
+            </a:r>
+            <a:r>
+              <a:rPr lang="es-419" sz="2800" noProof="0" dirty="0" err="1" smtClean="0"/>
+              <a:t>multiple</a:t>
+            </a:r>
+            <a:r>
+              <a:rPr lang="es-419" sz="2800" noProof="0" dirty="0" smtClean="0"/>
+              <a:t> </a:t>
+            </a:r>
+            <a:r>
+              <a:rPr lang="es-419" sz="2800" noProof="0" dirty="0" err="1" smtClean="0"/>
+              <a:t>chains</a:t>
+            </a:r>
+            <a:endParaRPr lang="es-419" sz="2800" noProof="0" dirty="0" smtClean="0"/>
+          </a:p>
+          <a:p>
+            <a:r>
+              <a:rPr lang="es-419" sz="2800" noProof="0" dirty="0" smtClean="0"/>
+              <a:t>Test </a:t>
+            </a:r>
+            <a:r>
+              <a:rPr lang="es-419" sz="2800" noProof="0" dirty="0" err="1" smtClean="0"/>
+              <a:t>statistic</a:t>
+            </a:r>
+            <a:r>
+              <a:rPr lang="es-419" sz="2800" noProof="0" dirty="0" smtClean="0"/>
+              <a:t> </a:t>
+            </a:r>
+            <a:r>
+              <a:rPr lang="es-419" sz="2800" noProof="0" dirty="0" err="1" smtClean="0"/>
+              <a:t>is</a:t>
+            </a:r>
+            <a:r>
+              <a:rPr lang="es-419" sz="2800" noProof="0" dirty="0" smtClean="0"/>
+              <a:t> standard Z score</a:t>
+            </a:r>
+            <a:endParaRPr lang="es-419" sz="2800" noProof="0" dirty="0"/>
           </a:p>
         </p:txBody>
       </p:sp>
@@ -6293,14 +6435,14 @@
       </p:sp>
       <p:sp>
         <p:nvSpPr>
-          <p:cNvPr id="10" name="TextBox 9"/>
+          <p:cNvPr id="4" name="TextBox 3"/>
           <p:cNvSpPr txBox="1"/>
           <p:nvPr/>
         </p:nvSpPr>
         <p:spPr>
           <a:xfrm>
-            <a:off x="381000" y="6181193"/>
-            <a:ext cx="8610600" cy="707886"/>
+            <a:off x="297426" y="6350555"/>
+            <a:ext cx="3817374" cy="369332"/>
           </a:xfrm>
           <a:prstGeom prst="rect">
             <a:avLst/>
@@ -6314,21 +6456,14 @@
           <a:lstStyle/>
           <a:p>
             <a:r>
-              <a:rPr lang="en-US" sz="2000" baseline="30000" dirty="0" err="1"/>
-              <a:t>Geweke</a:t>
-            </a:r>
-            <a:r>
-              <a:rPr lang="en-US" sz="2000" baseline="30000" dirty="0"/>
-              <a:t>, J. (1992). Evaluating the accuracy of sampling-based approaches to the calculation of posterior moments (with discussion). In Bernardo, J., Berger, J., </a:t>
-            </a:r>
-            <a:r>
-              <a:rPr lang="en-US" sz="2000" baseline="30000" dirty="0" err="1"/>
-              <a:t>Dawid</a:t>
-            </a:r>
-            <a:r>
-              <a:rPr lang="en-US" sz="2000" baseline="30000" dirty="0"/>
-              <a:t>, A., and Smith, A., editors, Bayesian Statistics 4, pages 169–193. Oxford University Press, Oxford.</a:t>
-            </a:r>
+              <a:rPr lang="en-US" dirty="0" smtClean="0"/>
+              <a:t>De Dr. Noble Hendrix, con </a:t>
+            </a:r>
+            <a:r>
+              <a:rPr lang="en-US" dirty="0" err="1" smtClean="0"/>
+              <a:t>permiso</a:t>
+            </a:r>
+            <a:endParaRPr lang="en-US" dirty="0"/>
           </a:p>
         </p:txBody>
       </p:sp>
@@ -6378,13 +6513,10 @@
           <a:lstStyle/>
           <a:p>
             <a:r>
-              <a:rPr lang="en-US" dirty="0" err="1"/>
-              <a:t>Gelman</a:t>
-            </a:r>
-            <a:r>
-              <a:rPr lang="en-US" dirty="0"/>
-              <a:t>-Rubin</a:t>
-            </a:r>
+              <a:rPr lang="es-419" noProof="0" dirty="0" err="1" smtClean="0"/>
+              <a:t>Gelman-Rubin</a:t>
+            </a:r>
+            <a:endParaRPr lang="es-419" noProof="0" dirty="0"/>
           </a:p>
         </p:txBody>
       </p:sp>
@@ -6412,75 +6544,235 @@
               <a:buNone/>
             </a:pPr>
             <a:r>
-              <a:rPr lang="en-US" sz="2000" dirty="0" err="1"/>
+              <a:rPr lang="es-419" sz="2000" noProof="0" dirty="0" err="1" smtClean="0"/>
               <a:t>Gelman</a:t>
             </a:r>
             <a:r>
-              <a:rPr lang="en-US" sz="2000" dirty="0"/>
-              <a:t> and Rubin (1992) statistic (multiple chains): comparison of between-chain and within-chain variance, probably most commonly used diagnostic. Let </a:t>
-            </a:r>
-            <a:r>
-              <a:rPr lang="en-US" sz="2000" i="1" dirty="0" err="1">
+              <a:rPr lang="es-419" sz="2000" noProof="0" dirty="0" smtClean="0"/>
+              <a:t> and </a:t>
+            </a:r>
+            <a:r>
+              <a:rPr lang="es-419" sz="2000" noProof="0" dirty="0" err="1" smtClean="0"/>
+              <a:t>Rubin</a:t>
+            </a:r>
+            <a:r>
+              <a:rPr lang="es-419" sz="2000" noProof="0" dirty="0" smtClean="0"/>
+              <a:t> (1992) </a:t>
+            </a:r>
+            <a:r>
+              <a:rPr lang="es-419" sz="2000" noProof="0" dirty="0" err="1" smtClean="0"/>
+              <a:t>statistic</a:t>
+            </a:r>
+            <a:r>
+              <a:rPr lang="es-419" sz="2000" noProof="0" dirty="0" smtClean="0"/>
+              <a:t> (</a:t>
+            </a:r>
+            <a:r>
+              <a:rPr lang="es-419" sz="2000" noProof="0" dirty="0" err="1" smtClean="0"/>
+              <a:t>multiple</a:t>
+            </a:r>
+            <a:r>
+              <a:rPr lang="es-419" sz="2000" noProof="0" dirty="0" smtClean="0"/>
+              <a:t> </a:t>
+            </a:r>
+            <a:r>
+              <a:rPr lang="es-419" sz="2000" noProof="0" dirty="0" err="1" smtClean="0"/>
+              <a:t>chains</a:t>
+            </a:r>
+            <a:r>
+              <a:rPr lang="es-419" sz="2000" noProof="0" dirty="0" smtClean="0"/>
+              <a:t>): </a:t>
+            </a:r>
+            <a:r>
+              <a:rPr lang="es-419" sz="2000" noProof="0" dirty="0" err="1" smtClean="0"/>
+              <a:t>comparison</a:t>
+            </a:r>
+            <a:r>
+              <a:rPr lang="es-419" sz="2000" noProof="0" dirty="0" smtClean="0"/>
+              <a:t> of </a:t>
+            </a:r>
+            <a:r>
+              <a:rPr lang="es-419" sz="2000" noProof="0" dirty="0" err="1" smtClean="0"/>
+              <a:t>between-chain</a:t>
+            </a:r>
+            <a:r>
+              <a:rPr lang="es-419" sz="2000" noProof="0" dirty="0" smtClean="0"/>
+              <a:t> and </a:t>
+            </a:r>
+            <a:r>
+              <a:rPr lang="es-419" sz="2000" noProof="0" dirty="0" err="1" smtClean="0"/>
+              <a:t>within-chain</a:t>
+            </a:r>
+            <a:r>
+              <a:rPr lang="es-419" sz="2000" noProof="0" dirty="0" smtClean="0"/>
+              <a:t> </a:t>
+            </a:r>
+            <a:r>
+              <a:rPr lang="es-419" sz="2000" noProof="0" dirty="0" err="1" smtClean="0"/>
+              <a:t>variance</a:t>
+            </a:r>
+            <a:r>
+              <a:rPr lang="es-419" sz="2000" noProof="0" dirty="0" smtClean="0"/>
+              <a:t>, </a:t>
+            </a:r>
+            <a:r>
+              <a:rPr lang="es-419" sz="2000" noProof="0" dirty="0" err="1" smtClean="0"/>
+              <a:t>probably</a:t>
+            </a:r>
+            <a:r>
+              <a:rPr lang="es-419" sz="2000" noProof="0" dirty="0" smtClean="0"/>
+              <a:t> </a:t>
+            </a:r>
+            <a:r>
+              <a:rPr lang="es-419" sz="2000" noProof="0" dirty="0" err="1" smtClean="0"/>
+              <a:t>most</a:t>
+            </a:r>
+            <a:r>
+              <a:rPr lang="es-419" sz="2000" noProof="0" dirty="0" smtClean="0"/>
+              <a:t> </a:t>
+            </a:r>
+            <a:r>
+              <a:rPr lang="es-419" sz="2000" noProof="0" dirty="0" err="1" smtClean="0"/>
+              <a:t>commonly</a:t>
+            </a:r>
+            <a:r>
+              <a:rPr lang="es-419" sz="2000" noProof="0" dirty="0" smtClean="0"/>
+              <a:t> </a:t>
+            </a:r>
+            <a:r>
+              <a:rPr lang="es-419" sz="2000" noProof="0" dirty="0" err="1" smtClean="0"/>
+              <a:t>used</a:t>
+            </a:r>
+            <a:r>
+              <a:rPr lang="es-419" sz="2000" noProof="0" dirty="0" smtClean="0"/>
+              <a:t> </a:t>
+            </a:r>
+            <a:r>
+              <a:rPr lang="es-419" sz="2000" noProof="0" dirty="0" err="1" smtClean="0"/>
+              <a:t>diagnostic</a:t>
+            </a:r>
+            <a:r>
+              <a:rPr lang="es-419" sz="2000" noProof="0" dirty="0" smtClean="0"/>
+              <a:t>. </a:t>
+            </a:r>
+            <a:r>
+              <a:rPr lang="es-419" sz="2000" noProof="0" dirty="0" err="1" smtClean="0"/>
+              <a:t>Let</a:t>
+            </a:r>
+            <a:r>
+              <a:rPr lang="es-419" sz="2000" noProof="0" dirty="0" smtClean="0"/>
+              <a:t> </a:t>
+            </a:r>
+            <a:r>
+              <a:rPr lang="es-419" sz="2000" i="1" noProof="0" dirty="0" err="1" smtClean="0">
                 <a:latin typeface="Times New Roman"/>
                 <a:cs typeface="Times New Roman"/>
               </a:rPr>
               <a:t>ξ</a:t>
             </a:r>
             <a:r>
-              <a:rPr lang="en-US" sz="2000" i="1" baseline="-25000" dirty="0" err="1">
+              <a:rPr lang="es-419" sz="2000" i="1" baseline="-25000" noProof="0" dirty="0" err="1" smtClean="0">
                 <a:latin typeface="Times New Roman"/>
                 <a:cs typeface="Times New Roman"/>
               </a:rPr>
               <a:t>m</a:t>
             </a:r>
             <a:r>
-              <a:rPr lang="en-US" sz="2000" i="1" baseline="30000" dirty="0">
+              <a:rPr lang="es-419" sz="2000" i="1" baseline="30000" noProof="0" dirty="0" smtClean="0">
                 <a:latin typeface="Times New Roman"/>
                 <a:cs typeface="Times New Roman"/>
               </a:rPr>
               <a:t>(t)</a:t>
             </a:r>
             <a:r>
-              <a:rPr lang="en-US" sz="2000" baseline="30000" dirty="0">
+              <a:rPr lang="es-419" sz="2000" baseline="30000" noProof="0" dirty="0" smtClean="0">
                 <a:latin typeface="Times New Roman"/>
                 <a:cs typeface="Times New Roman"/>
               </a:rPr>
               <a:t> </a:t>
             </a:r>
             <a:r>
-              <a:rPr lang="en-US" sz="2000" dirty="0">
+              <a:rPr lang="es-419" sz="2000" noProof="0" dirty="0" smtClean="0">
                 <a:latin typeface="Times New Roman"/>
                 <a:cs typeface="Times New Roman"/>
               </a:rPr>
               <a:t> </a:t>
             </a:r>
             <a:r>
-              <a:rPr lang="en-US" sz="2000" dirty="0">
+              <a:rPr lang="es-419" sz="2000" noProof="0" dirty="0" smtClean="0">
                 <a:cs typeface="Times New Roman"/>
               </a:rPr>
-              <a:t>be a sample from chain </a:t>
-            </a:r>
-            <a:r>
-              <a:rPr lang="en-US" sz="2000" i="1" dirty="0">
+              <a:t>be a </a:t>
+            </a:r>
+            <a:r>
+              <a:rPr lang="es-419" sz="2000" noProof="0" dirty="0" err="1" smtClean="0">
+                <a:cs typeface="Times New Roman"/>
+              </a:rPr>
+              <a:t>sample</a:t>
+            </a:r>
+            <a:r>
+              <a:rPr lang="es-419" sz="2000" noProof="0" dirty="0" smtClean="0">
+                <a:cs typeface="Times New Roman"/>
+              </a:rPr>
+              <a:t> </a:t>
+            </a:r>
+            <a:r>
+              <a:rPr lang="es-419" sz="2000" noProof="0" dirty="0" err="1" smtClean="0">
+                <a:cs typeface="Times New Roman"/>
+              </a:rPr>
+              <a:t>from</a:t>
+            </a:r>
+            <a:r>
+              <a:rPr lang="es-419" sz="2000" noProof="0" dirty="0" smtClean="0">
+                <a:cs typeface="Times New Roman"/>
+              </a:rPr>
+              <a:t> </a:t>
+            </a:r>
+            <a:r>
+              <a:rPr lang="es-419" sz="2000" noProof="0" dirty="0" err="1" smtClean="0">
+                <a:cs typeface="Times New Roman"/>
+              </a:rPr>
+              <a:t>chain</a:t>
+            </a:r>
+            <a:r>
+              <a:rPr lang="es-419" sz="2000" noProof="0" dirty="0" smtClean="0">
+                <a:cs typeface="Times New Roman"/>
+              </a:rPr>
+              <a:t> </a:t>
+            </a:r>
+            <a:r>
+              <a:rPr lang="es-419" sz="2000" i="1" noProof="0" dirty="0" smtClean="0">
                 <a:latin typeface="Times New Roman"/>
                 <a:cs typeface="Times New Roman"/>
               </a:rPr>
               <a:t>m</a:t>
             </a:r>
             <a:r>
-              <a:rPr lang="en-US" sz="2000" dirty="0">
+              <a:rPr lang="es-419" sz="2000" noProof="0" dirty="0" smtClean="0">
                 <a:cs typeface="Times New Roman"/>
               </a:rPr>
-              <a:t> in iteration </a:t>
-            </a:r>
-            <a:r>
-              <a:rPr lang="en-US" sz="2000" i="1" dirty="0">
+              <a:t> in </a:t>
+            </a:r>
+            <a:r>
+              <a:rPr lang="es-419" sz="2000" noProof="0" dirty="0" err="1" smtClean="0">
+                <a:cs typeface="Times New Roman"/>
+              </a:rPr>
+              <a:t>iteration</a:t>
+            </a:r>
+            <a:r>
+              <a:rPr lang="es-419" sz="2000" noProof="0" dirty="0" smtClean="0">
+                <a:cs typeface="Times New Roman"/>
+              </a:rPr>
+              <a:t> </a:t>
+            </a:r>
+            <a:r>
+              <a:rPr lang="es-419" sz="2000" i="1" noProof="0" dirty="0" smtClean="0">
                 <a:latin typeface="Times New Roman"/>
                 <a:cs typeface="Times New Roman"/>
               </a:rPr>
               <a:t>t</a:t>
             </a:r>
-            <a:endParaRPr lang="en-US" sz="2000" dirty="0">
+            <a:endParaRPr lang="es-419" sz="2000" noProof="0" dirty="0" smtClean="0">
               <a:latin typeface="Times New Roman"/>
               <a:cs typeface="Times New Roman"/>
             </a:endParaRPr>
@@ -6489,7 +6781,7 @@
             <a:pPr marL="0" indent="0">
               <a:buNone/>
             </a:pPr>
-            <a:endParaRPr lang="en-US" sz="2000" i="1" dirty="0">
+            <a:endParaRPr lang="es-419" sz="2000" i="1" noProof="0" dirty="0" smtClean="0">
               <a:latin typeface="Times New Roman"/>
               <a:cs typeface="Times New Roman"/>
             </a:endParaRPr>
@@ -6498,7 +6790,7 @@
             <a:pPr marL="0" indent="0">
               <a:buNone/>
             </a:pPr>
-            <a:endParaRPr lang="en-US" sz="2000" i="1" dirty="0">
+            <a:endParaRPr lang="es-419" sz="2000" i="1" noProof="0" dirty="0" smtClean="0">
               <a:latin typeface="Times New Roman"/>
               <a:cs typeface="Times New Roman"/>
             </a:endParaRPr>
@@ -6507,7 +6799,7 @@
             <a:pPr marL="0" indent="0">
               <a:buNone/>
             </a:pPr>
-            <a:endParaRPr lang="en-US" sz="2000" i="1" dirty="0">
+            <a:endParaRPr lang="es-419" sz="2000" i="1" noProof="0" dirty="0" smtClean="0">
               <a:latin typeface="Times New Roman"/>
               <a:cs typeface="Times New Roman"/>
             </a:endParaRPr>
@@ -6516,7 +6808,7 @@
             <a:pPr marL="0" indent="0">
               <a:buNone/>
             </a:pPr>
-            <a:endParaRPr lang="en-US" sz="2000" i="1" dirty="0">
+            <a:endParaRPr lang="es-419" sz="2000" i="1" noProof="0" dirty="0" smtClean="0">
               <a:latin typeface="Times New Roman"/>
               <a:cs typeface="Times New Roman"/>
             </a:endParaRPr>
@@ -6525,7 +6817,7 @@
             <a:pPr marL="0" indent="0">
               <a:buNone/>
             </a:pPr>
-            <a:endParaRPr lang="en-US" sz="2000" i="1" dirty="0">
+            <a:endParaRPr lang="es-419" sz="2000" i="1" noProof="0" dirty="0" smtClean="0">
               <a:latin typeface="Times New Roman"/>
               <a:cs typeface="Times New Roman"/>
             </a:endParaRPr>
@@ -6534,7 +6826,7 @@
             <a:pPr marL="0" indent="0">
               <a:buNone/>
             </a:pPr>
-            <a:endParaRPr lang="en-US" sz="2000" i="1" dirty="0">
+            <a:endParaRPr lang="es-419" sz="2000" i="1" noProof="0" dirty="0" smtClean="0">
               <a:latin typeface="Times New Roman"/>
               <a:cs typeface="Times New Roman"/>
             </a:endParaRPr>
@@ -6543,7 +6835,7 @@
             <a:pPr marL="0" indent="0">
               <a:buNone/>
             </a:pPr>
-            <a:endParaRPr lang="en-US" sz="2000" i="1" dirty="0">
+            <a:endParaRPr lang="es-419" sz="2000" i="1" noProof="0" dirty="0" smtClean="0">
               <a:latin typeface="Times New Roman"/>
               <a:cs typeface="Times New Roman"/>
             </a:endParaRPr>
@@ -6552,7 +6844,7 @@
             <a:pPr marL="0" indent="0">
               <a:buNone/>
             </a:pPr>
-            <a:endParaRPr lang="en-US" sz="2000" i="1" dirty="0">
+            <a:endParaRPr lang="es-419" sz="2000" i="1" noProof="0" dirty="0" smtClean="0">
               <a:latin typeface="Times New Roman"/>
               <a:cs typeface="Times New Roman"/>
             </a:endParaRPr>
@@ -6561,7 +6853,7 @@
             <a:pPr marL="0" indent="0">
               <a:buNone/>
             </a:pPr>
-            <a:endParaRPr lang="en-US" sz="2000" i="1" dirty="0">
+            <a:endParaRPr lang="es-419" sz="2000" i="1" noProof="0" dirty="0" smtClean="0">
               <a:latin typeface="Times New Roman"/>
               <a:cs typeface="Times New Roman"/>
             </a:endParaRPr>
@@ -6571,84 +6863,121 @@
               <a:buNone/>
             </a:pPr>
             <a:r>
-              <a:rPr lang="en-US" sz="2000" dirty="0"/>
-              <a:t>The “shrink factor” </a:t>
-            </a:r>
-            <a:r>
-              <a:rPr lang="en-US" sz="2000" i="1" dirty="0">
+              <a:rPr lang="es-419" sz="2000" noProof="0" dirty="0" err="1" smtClean="0"/>
+              <a:t>The</a:t>
+            </a:r>
+            <a:r>
+              <a:rPr lang="es-419" sz="2000" noProof="0" dirty="0" smtClean="0"/>
+              <a:t> “</a:t>
+            </a:r>
+            <a:r>
+              <a:rPr lang="es-419" sz="2000" noProof="0" dirty="0" err="1" smtClean="0"/>
+              <a:t>shrink</a:t>
+            </a:r>
+            <a:r>
+              <a:rPr lang="es-419" sz="2000" noProof="0" dirty="0" smtClean="0"/>
+              <a:t> factor” </a:t>
+            </a:r>
+            <a:r>
+              <a:rPr lang="es-419" sz="2000" i="1" noProof="0" dirty="0" smtClean="0">
                 <a:latin typeface="Times New Roman"/>
                 <a:cs typeface="Times New Roman"/>
               </a:rPr>
               <a:t>R</a:t>
             </a:r>
             <a:r>
-              <a:rPr lang="en-US" sz="2000" dirty="0"/>
-              <a:t> -  converges to 1 under </a:t>
-            </a:r>
-            <a:r>
-              <a:rPr lang="en-US" sz="2000" dirty="0" err="1"/>
+              <a:rPr lang="es-419" sz="2000" noProof="0" dirty="0" smtClean="0"/>
+              <a:t> -  converges to 1 </a:t>
+            </a:r>
+            <a:r>
+              <a:rPr lang="es-419" sz="2000" noProof="0" dirty="0" err="1" smtClean="0"/>
+              <a:t>under</a:t>
+            </a:r>
+            <a:r>
+              <a:rPr lang="es-419" sz="2000" noProof="0" dirty="0" smtClean="0"/>
+              <a:t> </a:t>
+            </a:r>
+            <a:r>
+              <a:rPr lang="es-419" sz="2000" noProof="0" dirty="0" err="1" smtClean="0"/>
               <a:t>stationarity</a:t>
             </a:r>
             <a:r>
-              <a:rPr lang="en-US" sz="2000" dirty="0"/>
-              <a:t>, so large values indicate lack of convergence, quantiles calculated via </a:t>
-            </a:r>
-            <a:r>
-              <a:rPr lang="en-US" sz="2000" i="1" dirty="0"/>
+              <a:rPr lang="es-419" sz="2000" noProof="0" dirty="0" smtClean="0"/>
+              <a:t>, so </a:t>
+            </a:r>
+            <a:r>
+              <a:rPr lang="es-419" sz="2000" noProof="0" dirty="0" err="1" smtClean="0"/>
+              <a:t>large</a:t>
+            </a:r>
+            <a:r>
+              <a:rPr lang="es-419" sz="2000" noProof="0" dirty="0" smtClean="0"/>
+              <a:t> </a:t>
+            </a:r>
+            <a:r>
+              <a:rPr lang="es-419" sz="2000" noProof="0" dirty="0" err="1" smtClean="0"/>
+              <a:t>values</a:t>
+            </a:r>
+            <a:r>
+              <a:rPr lang="es-419" sz="2000" noProof="0" dirty="0" smtClean="0"/>
+              <a:t> </a:t>
+            </a:r>
+            <a:r>
+              <a:rPr lang="es-419" sz="2000" noProof="0" dirty="0" err="1" smtClean="0"/>
+              <a:t>indicate</a:t>
+            </a:r>
+            <a:r>
+              <a:rPr lang="es-419" sz="2000" noProof="0" dirty="0" smtClean="0"/>
+              <a:t> </a:t>
+            </a:r>
+            <a:r>
+              <a:rPr lang="es-419" sz="2000" noProof="0" dirty="0" err="1" smtClean="0"/>
+              <a:t>lack</a:t>
+            </a:r>
+            <a:r>
+              <a:rPr lang="es-419" sz="2000" noProof="0" dirty="0" smtClean="0"/>
+              <a:t> of </a:t>
+            </a:r>
+            <a:r>
+              <a:rPr lang="es-419" sz="2000" noProof="0" dirty="0" err="1" smtClean="0"/>
+              <a:t>convergence</a:t>
+            </a:r>
+            <a:r>
+              <a:rPr lang="es-419" sz="2000" noProof="0" dirty="0" smtClean="0"/>
+              <a:t>, </a:t>
+            </a:r>
+            <a:r>
+              <a:rPr lang="es-419" sz="2000" noProof="0" dirty="0" err="1" smtClean="0"/>
+              <a:t>quantiles</a:t>
+            </a:r>
+            <a:r>
+              <a:rPr lang="es-419" sz="2000" noProof="0" dirty="0" smtClean="0"/>
+              <a:t> </a:t>
+            </a:r>
+            <a:r>
+              <a:rPr lang="es-419" sz="2000" noProof="0" dirty="0" err="1" smtClean="0"/>
+              <a:t>calculated</a:t>
+            </a:r>
+            <a:r>
+              <a:rPr lang="es-419" sz="2000" noProof="0" dirty="0" smtClean="0"/>
+              <a:t> </a:t>
+            </a:r>
+            <a:r>
+              <a:rPr lang="es-419" sz="2000" noProof="0" dirty="0" err="1" smtClean="0"/>
+              <a:t>via</a:t>
+            </a:r>
+            <a:r>
+              <a:rPr lang="es-419" sz="2000" noProof="0" dirty="0" smtClean="0"/>
+              <a:t> </a:t>
+            </a:r>
+            <a:r>
+              <a:rPr lang="es-419" sz="2000" i="1" noProof="0" dirty="0" smtClean="0"/>
               <a:t>t </a:t>
             </a:r>
             <a:r>
-              <a:rPr lang="en-US" sz="2000" dirty="0"/>
+              <a:rPr lang="es-419" sz="2000" noProof="0" dirty="0" err="1" smtClean="0"/>
               <a:t>distribution</a:t>
             </a:r>
-          </a:p>
-        </p:txBody>
-      </p:sp>
-      <p:sp>
-        <p:nvSpPr>
-          <p:cNvPr id="4" name="Rectangle 3"/>
-          <p:cNvSpPr/>
-          <p:nvPr/>
-        </p:nvSpPr>
-        <p:spPr>
-          <a:xfrm>
-            <a:off x="342256" y="6122064"/>
-            <a:ext cx="8344544" cy="553998"/>
-          </a:xfrm>
-          <a:prstGeom prst="rect">
-            <a:avLst/>
-          </a:prstGeom>
-        </p:spPr>
-        <p:txBody>
-          <a:bodyPr wrap="square">
-            <a:spAutoFit/>
-          </a:bodyPr>
-          <a:lstStyle/>
-          <a:p>
-            <a:r>
-              <a:rPr lang="en-US" baseline="30000" dirty="0" err="1"/>
-              <a:t>Gelman</a:t>
-            </a:r>
-            <a:r>
-              <a:rPr lang="en-US" baseline="30000" dirty="0"/>
-              <a:t>, A. and Rubin, D. (1992). Inference from iterative</a:t>
-            </a:r>
-            <a:r>
-              <a:rPr lang="en-US" dirty="0"/>
-              <a:t> </a:t>
-            </a:r>
-            <a:r>
-              <a:rPr lang="en-US" baseline="30000" dirty="0"/>
-              <a:t>simulation using</a:t>
-            </a:r>
-            <a:r>
-              <a:rPr lang="en-US" dirty="0"/>
-              <a:t> </a:t>
-            </a:r>
-            <a:r>
-              <a:rPr lang="en-US" baseline="30000" dirty="0"/>
-              <a:t>multiple sequences (with discussion). Statistical Science, 7:457–511.</a:t>
-            </a:r>
+            <a:endParaRPr lang="es-419" sz="2000" noProof="0" dirty="0"/>
           </a:p>
         </p:txBody>
       </p:sp>
@@ -6938,6 +7267,40 @@
           </a:p>
         </p:txBody>
       </p:sp>
+      <p:sp>
+        <p:nvSpPr>
+          <p:cNvPr id="16" name="TextBox 15"/>
+          <p:cNvSpPr txBox="1"/>
+          <p:nvPr/>
+        </p:nvSpPr>
+        <p:spPr>
+          <a:xfrm>
+            <a:off x="297426" y="6360387"/>
+            <a:ext cx="3817374" cy="369332"/>
+          </a:xfrm>
+          <a:prstGeom prst="rect">
+            <a:avLst/>
+          </a:prstGeom>
+          <a:noFill/>
+        </p:spPr>
+        <p:txBody>
+          <a:bodyPr wrap="square" rtlCol="0">
+            <a:spAutoFit/>
+          </a:bodyPr>
+          <a:lstStyle/>
+          <a:p>
+            <a:r>
+              <a:rPr lang="en-US" dirty="0" smtClean="0"/>
+              <a:t>De Dr. Noble Hendrix, con </a:t>
+            </a:r>
+            <a:r>
+              <a:rPr lang="en-US" dirty="0" err="1" smtClean="0"/>
+              <a:t>permiso</a:t>
+            </a:r>
+            <a:endParaRPr lang="en-US" dirty="0"/>
+          </a:p>
+        </p:txBody>
+      </p:sp>
     </p:spTree>
     <p:extLst>
       <p:ext uri="{BB962C8B-B14F-4D97-AF65-F5344CB8AC3E}">
@@ -6984,9 +7347,26 @@
           <a:lstStyle/>
           <a:p>
             <a:r>
-              <a:rPr lang="en-US" dirty="0"/>
-              <a:t>Effective sample size</a:t>
-            </a:r>
+              <a:rPr lang="es-419" noProof="0" dirty="0" err="1" smtClean="0"/>
+              <a:t>Effective</a:t>
+            </a:r>
+            <a:r>
+              <a:rPr lang="es-419" noProof="0" dirty="0" smtClean="0"/>
+              <a:t> </a:t>
+            </a:r>
+            <a:r>
+              <a:rPr lang="es-419" noProof="0" dirty="0" err="1" smtClean="0"/>
+              <a:t>sample</a:t>
+            </a:r>
+            <a:r>
+              <a:rPr lang="es-419" noProof="0" dirty="0" smtClean="0"/>
+              <a:t> </a:t>
+            </a:r>
+            <a:r>
+              <a:rPr lang="es-419" noProof="0" dirty="0" err="1" smtClean="0"/>
+              <a:t>size</a:t>
+            </a:r>
+            <a:endParaRPr lang="es-419" noProof="0" dirty="0"/>
           </a:p>
         </p:txBody>
       </p:sp>
@@ -7006,42 +7386,218 @@
           <a:lstStyle/>
           <a:p>
             <a:r>
-              <a:rPr lang="en-US" sz="2800" dirty="0"/>
-              <a:t>An MCMC chain has </a:t>
-            </a:r>
-            <a:r>
-              <a:rPr lang="en-US" sz="2800" i="1" dirty="0">
+              <a:rPr lang="es-419" sz="2800" noProof="0" dirty="0" err="1" smtClean="0"/>
+              <a:t>An</a:t>
+            </a:r>
+            <a:r>
+              <a:rPr lang="es-419" sz="2800" noProof="0" dirty="0" smtClean="0"/>
+              <a:t> MCMC </a:t>
+            </a:r>
+            <a:r>
+              <a:rPr lang="es-419" sz="2800" noProof="0" dirty="0" err="1" smtClean="0"/>
+              <a:t>chain</a:t>
+            </a:r>
+            <a:r>
+              <a:rPr lang="es-419" sz="2800" noProof="0" dirty="0" smtClean="0"/>
+              <a:t> has </a:t>
+            </a:r>
+            <a:r>
+              <a:rPr lang="es-419" sz="2800" i="1" noProof="0" dirty="0" smtClean="0">
                 <a:latin typeface="Times New Roman"/>
                 <a:cs typeface="Times New Roman"/>
               </a:rPr>
               <a:t>T</a:t>
             </a:r>
             <a:r>
-              <a:rPr lang="en-US" sz="2800" dirty="0"/>
-              <a:t> iterations, but not </a:t>
-            </a:r>
-            <a:r>
-              <a:rPr lang="en-US" sz="2800" i="1" dirty="0">
+              <a:rPr lang="es-419" sz="2800" noProof="0" dirty="0" smtClean="0"/>
+              <a:t> </a:t>
+            </a:r>
+            <a:r>
+              <a:rPr lang="es-419" sz="2800" noProof="0" dirty="0" err="1" smtClean="0"/>
+              <a:t>iterations</a:t>
+            </a:r>
+            <a:r>
+              <a:rPr lang="es-419" sz="2800" noProof="0" dirty="0" smtClean="0"/>
+              <a:t>, </a:t>
+            </a:r>
+            <a:r>
+              <a:rPr lang="es-419" sz="2800" noProof="0" dirty="0" err="1" smtClean="0"/>
+              <a:t>but</a:t>
+            </a:r>
+            <a:r>
+              <a:rPr lang="es-419" sz="2800" noProof="0" dirty="0" smtClean="0"/>
+              <a:t> </a:t>
+            </a:r>
+            <a:r>
+              <a:rPr lang="es-419" sz="2800" noProof="0" dirty="0" err="1" smtClean="0"/>
+              <a:t>not</a:t>
+            </a:r>
+            <a:r>
+              <a:rPr lang="es-419" sz="2800" noProof="0" dirty="0" smtClean="0"/>
+              <a:t> </a:t>
+            </a:r>
+            <a:r>
+              <a:rPr lang="es-419" sz="2800" i="1" noProof="0" dirty="0" smtClean="0">
                 <a:latin typeface="Times New Roman"/>
                 <a:cs typeface="Times New Roman"/>
               </a:rPr>
               <a:t>T</a:t>
             </a:r>
             <a:r>
-              <a:rPr lang="en-US" sz="2800" dirty="0"/>
-              <a:t> independent samples from the chain, thus we want a metric for helping determine the number of independent </a:t>
-            </a:r>
-            <a:r>
-              <a:rPr lang="en-US" sz="2800" dirty="0" smtClean="0"/>
-              <a:t>samples.</a:t>
-            </a:r>
-            <a:endParaRPr lang="en-US" sz="2800" dirty="0"/>
-          </a:p>
-          <a:p>
-            <a:r>
-              <a:rPr lang="en-US" sz="2800" dirty="0"/>
-              <a:t>Compute effective sample size as</a:t>
-            </a:r>
+              <a:rPr lang="es-419" sz="2800" noProof="0" dirty="0" smtClean="0"/>
+              <a:t> </a:t>
+            </a:r>
+            <a:r>
+              <a:rPr lang="es-419" sz="2800" noProof="0" dirty="0" err="1" smtClean="0"/>
+              <a:t>independent</a:t>
+            </a:r>
+            <a:r>
+              <a:rPr lang="es-419" sz="2800" noProof="0" dirty="0" smtClean="0"/>
+              <a:t> </a:t>
+            </a:r>
+            <a:r>
+              <a:rPr lang="es-419" sz="2800" noProof="0" dirty="0" err="1" smtClean="0"/>
+              <a:t>samples</a:t>
+            </a:r>
+            <a:r>
+              <a:rPr lang="es-419" sz="2800" noProof="0" dirty="0" smtClean="0"/>
+              <a:t> </a:t>
+            </a:r>
+            <a:r>
+              <a:rPr lang="es-419" sz="2800" noProof="0" dirty="0" err="1" smtClean="0"/>
+              <a:t>from</a:t>
+            </a:r>
+            <a:r>
+              <a:rPr lang="es-419" sz="2800" noProof="0" dirty="0" smtClean="0"/>
+              <a:t> </a:t>
+            </a:r>
+            <a:r>
+              <a:rPr lang="es-419" sz="2800" noProof="0" dirty="0" err="1" smtClean="0"/>
+              <a:t>the</a:t>
+            </a:r>
+            <a:r>
+              <a:rPr lang="es-419" sz="2800" noProof="0" dirty="0" smtClean="0"/>
+              <a:t> </a:t>
+            </a:r>
+            <a:r>
+              <a:rPr lang="es-419" sz="2800" noProof="0" dirty="0" err="1" smtClean="0"/>
+              <a:t>chain</a:t>
+            </a:r>
+            <a:r>
+              <a:rPr lang="es-419" sz="2800" noProof="0" dirty="0" smtClean="0"/>
+              <a:t>, </a:t>
+            </a:r>
+            <a:r>
+              <a:rPr lang="es-419" sz="2800" noProof="0" dirty="0" err="1" smtClean="0"/>
+              <a:t>thus</a:t>
+            </a:r>
+            <a:r>
+              <a:rPr lang="es-419" sz="2800" noProof="0" dirty="0" smtClean="0"/>
+              <a:t> </a:t>
+            </a:r>
+            <a:r>
+              <a:rPr lang="es-419" sz="2800" noProof="0" dirty="0" err="1" smtClean="0"/>
+              <a:t>we</a:t>
+            </a:r>
+            <a:r>
+              <a:rPr lang="es-419" sz="2800" noProof="0" dirty="0" smtClean="0"/>
+              <a:t> </a:t>
+            </a:r>
+            <a:r>
+              <a:rPr lang="es-419" sz="2800" noProof="0" dirty="0" err="1" smtClean="0"/>
+              <a:t>want</a:t>
+            </a:r>
+            <a:r>
+              <a:rPr lang="es-419" sz="2800" noProof="0" dirty="0" smtClean="0"/>
+              <a:t> a </a:t>
+            </a:r>
+            <a:r>
+              <a:rPr lang="es-419" sz="2800" noProof="0" dirty="0" err="1" smtClean="0"/>
+              <a:t>metric</a:t>
+            </a:r>
+            <a:r>
+              <a:rPr lang="es-419" sz="2800" noProof="0" dirty="0" smtClean="0"/>
+              <a:t> </a:t>
+            </a:r>
+            <a:r>
+              <a:rPr lang="es-419" sz="2800" noProof="0" dirty="0" err="1" smtClean="0"/>
+              <a:t>for</a:t>
+            </a:r>
+            <a:r>
+              <a:rPr lang="es-419" sz="2800" noProof="0" dirty="0" smtClean="0"/>
+              <a:t> </a:t>
+            </a:r>
+            <a:r>
+              <a:rPr lang="es-419" sz="2800" noProof="0" dirty="0" err="1" smtClean="0"/>
+              <a:t>helping</a:t>
+            </a:r>
+            <a:r>
+              <a:rPr lang="es-419" sz="2800" noProof="0" dirty="0" smtClean="0"/>
+              <a:t> determine </a:t>
+            </a:r>
+            <a:r>
+              <a:rPr lang="es-419" sz="2800" noProof="0" dirty="0" err="1" smtClean="0"/>
+              <a:t>the</a:t>
+            </a:r>
+            <a:r>
+              <a:rPr lang="es-419" sz="2800" noProof="0" dirty="0" smtClean="0"/>
+              <a:t> </a:t>
+            </a:r>
+            <a:r>
+              <a:rPr lang="es-419" sz="2800" noProof="0" dirty="0" err="1" smtClean="0"/>
+              <a:t>number</a:t>
+            </a:r>
+            <a:r>
+              <a:rPr lang="es-419" sz="2800" noProof="0" dirty="0" smtClean="0"/>
+              <a:t> of </a:t>
+            </a:r>
+            <a:r>
+              <a:rPr lang="es-419" sz="2800" noProof="0" dirty="0" err="1" smtClean="0"/>
+              <a:t>independent</a:t>
+            </a:r>
+            <a:r>
+              <a:rPr lang="es-419" sz="2800" noProof="0" dirty="0" smtClean="0"/>
+              <a:t> </a:t>
+            </a:r>
+            <a:r>
+              <a:rPr lang="es-419" sz="2800" noProof="0" dirty="0" err="1" smtClean="0"/>
+              <a:t>samples</a:t>
+            </a:r>
+            <a:r>
+              <a:rPr lang="es-419" sz="2800" noProof="0" dirty="0" smtClean="0"/>
+              <a:t>.</a:t>
+            </a:r>
+          </a:p>
+          <a:p>
+            <a:r>
+              <a:rPr lang="es-419" sz="2800" noProof="0" dirty="0" smtClean="0"/>
+              <a:t>Compute </a:t>
+            </a:r>
+            <a:r>
+              <a:rPr lang="es-419" sz="2800" noProof="0" dirty="0" err="1" smtClean="0"/>
+              <a:t>effective</a:t>
+            </a:r>
+            <a:r>
+              <a:rPr lang="es-419" sz="2800" noProof="0" dirty="0" smtClean="0"/>
+              <a:t> </a:t>
+            </a:r>
+            <a:r>
+              <a:rPr lang="es-419" sz="2800" noProof="0" dirty="0" err="1" smtClean="0"/>
+              <a:t>sample</a:t>
+            </a:r>
+            <a:r>
+              <a:rPr lang="es-419" sz="2800" noProof="0" dirty="0" smtClean="0"/>
+              <a:t> </a:t>
+            </a:r>
+            <a:r>
+              <a:rPr lang="es-419" sz="2800" noProof="0" dirty="0" err="1" smtClean="0"/>
+              <a:t>size</a:t>
+            </a:r>
+            <a:r>
+              <a:rPr lang="es-419" sz="2800" noProof="0" dirty="0" smtClean="0"/>
+              <a:t> as</a:t>
+            </a:r>
+            <a:endParaRPr lang="es-419" sz="2800" noProof="0" dirty="0"/>
           </a:p>
         </p:txBody>
       </p:sp>
@@ -7093,6 +7649,40 @@
           </a:prstGeom>
         </p:spPr>
       </p:pic>
+      <p:sp>
+        <p:nvSpPr>
+          <p:cNvPr id="6" name="TextBox 5"/>
+          <p:cNvSpPr txBox="1"/>
+          <p:nvPr/>
+        </p:nvSpPr>
+        <p:spPr>
+          <a:xfrm>
+            <a:off x="297426" y="6350555"/>
+            <a:ext cx="3817374" cy="369332"/>
+          </a:xfrm>
+          <a:prstGeom prst="rect">
+            <a:avLst/>
+          </a:prstGeom>
+          <a:noFill/>
+        </p:spPr>
+        <p:txBody>
+          <a:bodyPr wrap="square" rtlCol="0">
+            <a:spAutoFit/>
+          </a:bodyPr>
+          <a:lstStyle/>
+          <a:p>
+            <a:r>
+              <a:rPr lang="en-US" dirty="0" smtClean="0"/>
+              <a:t>De Dr. Noble Hendrix, con </a:t>
+            </a:r>
+            <a:r>
+              <a:rPr lang="en-US" dirty="0" err="1" smtClean="0"/>
+              <a:t>permiso</a:t>
+            </a:r>
+            <a:endParaRPr lang="en-US" dirty="0"/>
+          </a:p>
+        </p:txBody>
+      </p:sp>
     </p:spTree>
     <p:extLst>
       <p:ext uri="{BB962C8B-B14F-4D97-AF65-F5344CB8AC3E}">
@@ -7139,9 +7729,18 @@
           <a:lstStyle/>
           <a:p>
             <a:r>
-              <a:rPr lang="en-US" dirty="0"/>
-              <a:t>Use of coda package in R</a:t>
-            </a:r>
+              <a:rPr lang="es-419" noProof="0" dirty="0" smtClean="0"/>
+              <a:t>Use of coda </a:t>
+            </a:r>
+            <a:r>
+              <a:rPr lang="es-419" noProof="0" dirty="0" err="1" smtClean="0"/>
+              <a:t>package</a:t>
+            </a:r>
+            <a:r>
+              <a:rPr lang="es-419" noProof="0" dirty="0" smtClean="0"/>
+              <a:t> in R</a:t>
+            </a:r>
+            <a:endParaRPr lang="es-419" noProof="0" dirty="0"/>
           </a:p>
         </p:txBody>
       </p:sp>
@@ -7169,15 +7768,31 @@
               <a:buNone/>
             </a:pPr>
             <a:r>
-              <a:rPr lang="en-US" dirty="0"/>
-              <a:t>coda implements many </a:t>
-            </a:r>
-            <a:r>
-              <a:rPr lang="en-US" dirty="0" smtClean="0"/>
+              <a:rPr lang="es-419" noProof="0" dirty="0" smtClean="0"/>
+              <a:t>coda </a:t>
+            </a:r>
+            <a:r>
+              <a:rPr lang="es-419" noProof="0" dirty="0" err="1" smtClean="0"/>
+              <a:t>implements</a:t>
+            </a:r>
+            <a:r>
+              <a:rPr lang="es-419" noProof="0" dirty="0" smtClean="0"/>
+              <a:t> </a:t>
+            </a:r>
+            <a:r>
+              <a:rPr lang="es-419" noProof="0" dirty="0" err="1" smtClean="0"/>
+              <a:t>many</a:t>
+            </a:r>
+            <a:r>
+              <a:rPr lang="es-419" noProof="0" dirty="0" smtClean="0"/>
+              <a:t> </a:t>
+            </a:r>
+            <a:r>
+              <a:rPr lang="es-419" noProof="0" dirty="0" err="1" smtClean="0"/>
               <a:t>diagnostics</a:t>
             </a:r>
             <a:r>
-              <a:rPr lang="en-US" dirty="0"/>
+              <a:rPr lang="es-419" noProof="0" dirty="0" smtClean="0"/>
               <a:t>:</a:t>
             </a:r>
           </a:p>
@@ -7187,20 +7802,50 @@
               <a:buAutoNum type="arabicPeriod"/>
             </a:pPr>
             <a:r>
-              <a:rPr lang="en-US" sz="2000" dirty="0">
+              <a:rPr lang="es-419" sz="2000" noProof="0" dirty="0" err="1" smtClean="0">
                 <a:latin typeface="Arial" charset="0"/>
               </a:rPr>
-              <a:t>Cumulative distribution plot – </a:t>
-            </a:r>
-            <a:r>
-              <a:rPr lang="en-US" sz="2000" dirty="0" err="1">
+              <a:t>Cumulative</a:t>
+            </a:r>
+            <a:r>
+              <a:rPr lang="es-419" sz="2000" noProof="0" dirty="0" smtClean="0">
+                <a:latin typeface="Arial" charset="0"/>
+              </a:rPr>
+              <a:t> </a:t>
+            </a:r>
+            <a:r>
+              <a:rPr lang="es-419" sz="2000" noProof="0" dirty="0" err="1" smtClean="0">
+                <a:latin typeface="Arial" charset="0"/>
+              </a:rPr>
+              <a:t>distribution</a:t>
+            </a:r>
+            <a:r>
+              <a:rPr lang="es-419" sz="2000" noProof="0" dirty="0" smtClean="0">
+                <a:latin typeface="Arial" charset="0"/>
+              </a:rPr>
+              <a:t> </a:t>
+            </a:r>
+            <a:r>
+              <a:rPr lang="es-419" sz="2000" noProof="0" dirty="0" err="1" smtClean="0">
+                <a:latin typeface="Arial" charset="0"/>
+              </a:rPr>
+              <a:t>plot</a:t>
+            </a:r>
+            <a:r>
+              <a:rPr lang="es-419" sz="2000" noProof="0" dirty="0" smtClean="0">
+                <a:latin typeface="Arial" charset="0"/>
+              </a:rPr>
+              <a:t> – </a:t>
+            </a:r>
+            <a:r>
+              <a:rPr lang="es-419" sz="2000" noProof="0" dirty="0" err="1" smtClean="0">
                 <a:latin typeface="Courier"/>
                 <a:cs typeface="Courier"/>
               </a:rPr>
               <a:t>cumuplot</a:t>
             </a:r>
             <a:r>
-              <a:rPr lang="en-US" sz="2000" dirty="0">
+              <a:rPr lang="es-419" sz="2000" noProof="0" dirty="0" smtClean="0">
                 <a:latin typeface="Courier"/>
                 <a:cs typeface="Courier"/>
               </a:rPr>
@@ -7213,26 +7858,22 @@
               <a:buAutoNum type="arabicPeriod"/>
             </a:pPr>
             <a:r>
-              <a:rPr lang="en-US" sz="2000" dirty="0"/>
-              <a:t>Cramer-von </a:t>
-            </a:r>
-            <a:r>
-              <a:rPr lang="en-US" sz="2000" dirty="0" err="1"/>
-              <a:t>Mises</a:t>
-            </a:r>
-            <a:r>
-              <a:rPr lang="en-US" sz="2000" dirty="0"/>
-              <a:t> – </a:t>
-            </a:r>
-            <a:r>
-              <a:rPr lang="en-US" sz="2000" dirty="0" err="1">
+              <a:rPr lang="es-419" sz="2000" noProof="0" dirty="0" err="1" smtClean="0"/>
+              <a:t>Cramer</a:t>
+            </a:r>
+            <a:r>
+              <a:rPr lang="es-419" sz="2000" noProof="0" dirty="0" smtClean="0"/>
+              <a:t>-von Mises – </a:t>
+            </a:r>
+            <a:r>
+              <a:rPr lang="es-419" sz="2000" noProof="0" dirty="0" err="1" smtClean="0">
                 <a:latin typeface="Courier"/>
                 <a:cs typeface="Courier"/>
               </a:rPr>
               <a:t>heidel.diag</a:t>
             </a:r>
             <a:r>
-              <a:rPr lang="en-US" sz="2000" dirty="0">
+              <a:rPr lang="es-419" sz="2000" noProof="0" dirty="0" smtClean="0">
                 <a:latin typeface="Courier"/>
                 <a:cs typeface="Courier"/>
               </a:rPr>
@@ -7245,26 +7886,26 @@
               <a:buAutoNum type="arabicPeriod"/>
             </a:pPr>
             <a:r>
-              <a:rPr lang="en-US" sz="2000" dirty="0" err="1">
+              <a:rPr lang="es-419" sz="2000" noProof="0" dirty="0" err="1" smtClean="0">
                 <a:cs typeface="Courier"/>
               </a:rPr>
               <a:t>Geweke</a:t>
             </a:r>
             <a:r>
-              <a:rPr lang="en-US" sz="2000" dirty="0">
+              <a:rPr lang="es-419" sz="2000" noProof="0" dirty="0" smtClean="0">
                 <a:cs typeface="Courier"/>
               </a:rPr>
               <a:t> – </a:t>
             </a:r>
             <a:r>
-              <a:rPr lang="en-US" sz="2000" dirty="0" err="1">
+              <a:rPr lang="es-419" sz="2000" noProof="0" dirty="0" err="1" smtClean="0">
                 <a:latin typeface="Courier"/>
                 <a:cs typeface="Courier"/>
               </a:rPr>
               <a:t>geweke.diag</a:t>
             </a:r>
             <a:r>
-              <a:rPr lang="en-US" sz="2000" dirty="0">
+              <a:rPr lang="es-419" sz="2000" noProof="0" dirty="0" smtClean="0">
                 <a:latin typeface="Courier"/>
                 <a:cs typeface="Courier"/>
               </a:rPr>
@@ -7277,46 +7918,46 @@
               <a:buAutoNum type="arabicPeriod"/>
             </a:pPr>
             <a:r>
-              <a:rPr lang="en-US" sz="2000" dirty="0" err="1">
+              <a:rPr lang="es-419" sz="2000" noProof="0" dirty="0" err="1" smtClean="0">
                 <a:cs typeface="Courier"/>
               </a:rPr>
-              <a:t>Gelman</a:t>
-            </a:r>
-            <a:r>
-              <a:rPr lang="en-US" sz="2000" dirty="0">
+              <a:t>Gelman-Rubin</a:t>
+            </a:r>
+            <a:r>
+              <a:rPr lang="es-419" sz="2000" noProof="0" dirty="0" smtClean="0">
                 <a:cs typeface="Courier"/>
               </a:rPr>
-              <a:t>-Rubin – </a:t>
-            </a:r>
-            <a:r>
-              <a:rPr lang="en-US" sz="2000" dirty="0" err="1">
+              <a:t> – </a:t>
+            </a:r>
+            <a:r>
+              <a:rPr lang="es-419" sz="2000" noProof="0" dirty="0" err="1" smtClean="0">
                 <a:latin typeface="Courier"/>
                 <a:cs typeface="Courier"/>
               </a:rPr>
               <a:t>gelman.diag</a:t>
             </a:r>
             <a:r>
-              <a:rPr lang="en-US" sz="2000" dirty="0">
+              <a:rPr lang="es-419" sz="2000" noProof="0" dirty="0" smtClean="0">
                 <a:latin typeface="Courier"/>
                 <a:cs typeface="Courier"/>
               </a:rPr>
               <a:t>( )</a:t>
             </a:r>
             <a:r>
-              <a:rPr lang="en-US" sz="2000" dirty="0">
+              <a:rPr lang="es-419" sz="2000" noProof="0" dirty="0" smtClean="0">
                 <a:cs typeface="Courier"/>
               </a:rPr>
               <a:t>, and </a:t>
             </a:r>
             <a:r>
-              <a:rPr lang="en-US" sz="2000" dirty="0" err="1">
+              <a:rPr lang="es-419" sz="2000" noProof="0" dirty="0" err="1" smtClean="0">
                 <a:latin typeface="Courier"/>
                 <a:cs typeface="Courier"/>
               </a:rPr>
               <a:t>gelman.plot</a:t>
             </a:r>
             <a:r>
-              <a:rPr lang="en-US" sz="2000" dirty="0">
+              <a:rPr lang="es-419" sz="2000" noProof="0" dirty="0" smtClean="0">
                 <a:latin typeface="Courier"/>
                 <a:cs typeface="Courier"/>
               </a:rPr>
@@ -7329,33 +7970,56 @@
               <a:buAutoNum type="arabicPeriod"/>
             </a:pPr>
             <a:r>
-              <a:rPr lang="en-US" sz="2000" dirty="0">
+              <a:rPr lang="es-419" sz="2000" noProof="0" dirty="0" err="1" smtClean="0">
                 <a:cs typeface="Courier"/>
               </a:rPr>
-              <a:t>Effective sample size – </a:t>
-            </a:r>
-            <a:r>
-              <a:rPr lang="en-US" sz="2000" dirty="0" err="1">
+              <a:t>Effective</a:t>
+            </a:r>
+            <a:r>
+              <a:rPr lang="es-419" sz="2000" noProof="0" dirty="0" smtClean="0">
+                <a:cs typeface="Courier"/>
+              </a:rPr>
+              <a:t> </a:t>
+            </a:r>
+            <a:r>
+              <a:rPr lang="es-419" sz="2000" noProof="0" dirty="0" err="1" smtClean="0">
+                <a:cs typeface="Courier"/>
+              </a:rPr>
+              <a:t>sample</a:t>
+            </a:r>
+            <a:r>
+              <a:rPr lang="es-419" sz="2000" noProof="0" dirty="0" smtClean="0">
+                <a:cs typeface="Courier"/>
+              </a:rPr>
+              <a:t> </a:t>
+            </a:r>
+            <a:r>
+              <a:rPr lang="es-419" sz="2000" noProof="0" dirty="0" err="1" smtClean="0">
+                <a:cs typeface="Courier"/>
+              </a:rPr>
+              <a:t>size</a:t>
+            </a:r>
+            <a:r>
+              <a:rPr lang="es-419" sz="2000" noProof="0" dirty="0" smtClean="0">
+                <a:cs typeface="Courier"/>
+              </a:rPr>
+              <a:t> – </a:t>
+            </a:r>
+            <a:r>
+              <a:rPr lang="es-419" sz="2000" noProof="0" dirty="0" err="1" smtClean="0">
                 <a:latin typeface="Courier"/>
                 <a:cs typeface="Courier"/>
               </a:rPr>
               <a:t>effectiveSize</a:t>
             </a:r>
             <a:r>
-              <a:rPr lang="en-US" sz="2000" dirty="0">
+              <a:rPr lang="es-419" sz="2000" noProof="0" dirty="0" smtClean="0">
                 <a:latin typeface="Courier"/>
                 <a:cs typeface="Courier"/>
               </a:rPr>
-              <a:t>( </a:t>
-            </a:r>
-            <a:r>
-              <a:rPr lang="en-US" sz="2000" dirty="0" smtClean="0">
-                <a:latin typeface="Courier"/>
-                <a:cs typeface="Courier"/>
-              </a:rPr>
-              <a:t>)</a:t>
-            </a:r>
-            <a:endParaRPr lang="en-US" sz="2400" dirty="0">
+              <a:t>( )</a:t>
+            </a:r>
+            <a:endParaRPr lang="es-419" sz="2400" noProof="0" dirty="0" smtClean="0">
               <a:latin typeface="Courier"/>
               <a:cs typeface="Courier"/>
             </a:endParaRPr>
@@ -7365,7 +8029,7 @@
               <a:buFont typeface="+mj-lt"/>
               <a:buAutoNum type="arabicPeriod"/>
             </a:pPr>
-            <a:endParaRPr lang="en-US" sz="2400" dirty="0">
+            <a:endParaRPr lang="es-419" sz="2400" noProof="0" dirty="0" smtClean="0">
               <a:cs typeface="Courier"/>
             </a:endParaRPr>
           </a:p>
@@ -7374,12 +8038,46 @@
               <a:buFont typeface="+mj-lt"/>
               <a:buAutoNum type="arabicPeriod"/>
             </a:pPr>
-            <a:endParaRPr lang="en-US" dirty="0">
+            <a:endParaRPr lang="es-419" noProof="0" dirty="0" smtClean="0">
               <a:latin typeface="Courier"/>
               <a:cs typeface="Courier"/>
             </a:endParaRPr>
           </a:p>
           <a:p>
+            <a:endParaRPr lang="es-419" noProof="0" dirty="0"/>
+          </a:p>
+        </p:txBody>
+      </p:sp>
+      <p:sp>
+        <p:nvSpPr>
+          <p:cNvPr id="4" name="TextBox 3"/>
+          <p:cNvSpPr txBox="1"/>
+          <p:nvPr/>
+        </p:nvSpPr>
+        <p:spPr>
+          <a:xfrm>
+            <a:off x="297426" y="6350555"/>
+            <a:ext cx="3817374" cy="369332"/>
+          </a:xfrm>
+          <a:prstGeom prst="rect">
+            <a:avLst/>
+          </a:prstGeom>
+          <a:noFill/>
+        </p:spPr>
+        <p:txBody>
+          <a:bodyPr wrap="square" rtlCol="0">
+            <a:spAutoFit/>
+          </a:bodyPr>
+          <a:lstStyle/>
+          <a:p>
+            <a:r>
+              <a:rPr lang="en-US" dirty="0" smtClean="0"/>
+              <a:t>De Dr. Noble Hendrix, con </a:t>
+            </a:r>
+            <a:r>
+              <a:rPr lang="en-US" dirty="0" err="1" smtClean="0"/>
+              <a:t>permiso</a:t>
+            </a:r>
             <a:endParaRPr lang="en-US" dirty="0"/>
           </a:p>
         </p:txBody>
@@ -7419,160 +8117,7 @@
           <p:cNvPr id="2" name="Title 1">
             <a:extLst>
               <a:ext uri="{FF2B5EF4-FFF2-40B4-BE49-F238E27FC236}">
-                <a16:creationId xmlns:a16="http://schemas.microsoft.com/office/drawing/2014/main" xmlns="" id="{BB90F14D-5220-4A62-A7F3-F87698065F0F}"/>
-              </a:ext>
-            </a:extLst>
-          </p:cNvPr>
-          <p:cNvSpPr>
-            <a:spLocks noGrp="1"/>
-          </p:cNvSpPr>
-          <p:nvPr>
-            <p:ph type="title"/>
-          </p:nvPr>
-        </p:nvSpPr>
-        <p:spPr/>
-        <p:txBody>
-          <a:bodyPr/>
-          <a:lstStyle/>
-          <a:p>
-            <a:r>
-              <a:rPr lang="es-CL" dirty="0"/>
-              <a:t>Convergencia </a:t>
-            </a:r>
-          </a:p>
-        </p:txBody>
-      </p:sp>
-      <p:sp>
-        <p:nvSpPr>
-          <p:cNvPr id="3" name="Content Placeholder 2">
-            <a:extLst>
-              <a:ext uri="{FF2B5EF4-FFF2-40B4-BE49-F238E27FC236}">
-                <a16:creationId xmlns:a16="http://schemas.microsoft.com/office/drawing/2014/main" xmlns="" id="{CA6E65FC-E3CC-46B1-81FE-E383DBE52F38}"/>
-              </a:ext>
-            </a:extLst>
-          </p:cNvPr>
-          <p:cNvSpPr>
-            <a:spLocks noGrp="1"/>
-          </p:cNvSpPr>
-          <p:nvPr>
-            <p:ph idx="1"/>
-          </p:nvPr>
-        </p:nvSpPr>
-        <p:spPr/>
-        <p:txBody>
-          <a:bodyPr/>
-          <a:lstStyle/>
-          <a:p>
-            <a:r>
-              <a:rPr lang="es-CL" dirty="0" smtClean="0"/>
-              <a:t>Es </a:t>
-            </a:r>
-            <a:r>
-              <a:rPr lang="es-CL" b="1" dirty="0"/>
-              <a:t>tu responsabilidad </a:t>
-            </a:r>
-            <a:r>
-              <a:rPr lang="es-CL" dirty="0"/>
-              <a:t>asegurar que no hay evidencia que las cadenas no han convergido. </a:t>
-            </a:r>
-          </a:p>
-          <a:p>
-            <a:r>
-              <a:rPr lang="es-CL" dirty="0"/>
-              <a:t>Por lo menos chequeas </a:t>
-            </a:r>
-            <a:r>
-              <a:rPr lang="es-CL" dirty="0" err="1" smtClean="0"/>
-              <a:t>Rhat</a:t>
-            </a:r>
-            <a:r>
-              <a:rPr lang="es-CL" dirty="0" smtClean="0"/>
-              <a:t>&lt;1.1 </a:t>
-            </a:r>
-            <a:r>
-              <a:rPr lang="es-CL" dirty="0"/>
-              <a:t>y </a:t>
-            </a:r>
-            <a:r>
-              <a:rPr lang="es-CL" dirty="0" smtClean="0"/>
-              <a:t>ESS es grande</a:t>
-            </a:r>
-            <a:endParaRPr lang="es-CL" dirty="0"/>
-          </a:p>
-          <a:p>
-            <a:r>
-              <a:rPr lang="es-CL" dirty="0"/>
-              <a:t>Se recomienda usar inicializaciones muy amplias </a:t>
-            </a:r>
-          </a:p>
-        </p:txBody>
-      </p:sp>
-      <p:sp>
-        <p:nvSpPr>
-          <p:cNvPr id="4" name="Slide Number Placeholder 3">
-            <a:extLst>
-              <a:ext uri="{FF2B5EF4-FFF2-40B4-BE49-F238E27FC236}">
-                <a16:creationId xmlns:a16="http://schemas.microsoft.com/office/drawing/2014/main" xmlns="" id="{F93221D8-CCBC-41F1-B49A-9F93987F2405}"/>
-              </a:ext>
-            </a:extLst>
-          </p:cNvPr>
-          <p:cNvSpPr>
-            <a:spLocks noGrp="1"/>
-          </p:cNvSpPr>
-          <p:nvPr>
-            <p:ph type="sldNum" sz="quarter" idx="12"/>
-          </p:nvPr>
-        </p:nvSpPr>
-        <p:spPr/>
-        <p:txBody>
-          <a:bodyPr/>
-          <a:lstStyle/>
-          <a:p>
-            <a:fld id="{2F5854F6-968A-43DD-98AD-2128488B7BB7}" type="slidenum">
-              <a:rPr lang="en-US" smtClean="0"/>
-              <a:pPr/>
-              <a:t>14</a:t>
-            </a:fld>
-            <a:endParaRPr lang="en-US" dirty="0"/>
-          </a:p>
-        </p:txBody>
-      </p:sp>
-    </p:spTree>
-    <p:extLst>
-      <p:ext uri="{BB962C8B-B14F-4D97-AF65-F5344CB8AC3E}">
-        <p14:creationId xmlns:p14="http://schemas.microsoft.com/office/powerpoint/2010/main" val="1606451008"/>
-      </p:ext>
-    </p:extLst>
-  </p:cSld>
-  <p:clrMapOvr>
-    <a:masterClrMapping/>
-  </p:clrMapOvr>
-</p:sld>
-</file>
-
-<file path=ppt/slides/slide15.xml><?xml version="1.0" encoding="utf-8"?>
-<p:sld xmlns:a="http://schemas.openxmlformats.org/drawingml/2006/main" xmlns:r="http://schemas.openxmlformats.org/officeDocument/2006/relationships" xmlns:p="http://schemas.openxmlformats.org/presentationml/2006/main">
-  <p:cSld>
-    <p:spTree>
-      <p:nvGrpSpPr>
-        <p:cNvPr id="1" name=""/>
-        <p:cNvGrpSpPr/>
-        <p:nvPr/>
-      </p:nvGrpSpPr>
-      <p:grpSpPr>
-        <a:xfrm>
-          <a:off x="0" y="0"/>
-          <a:ext cx="0" cy="0"/>
-          <a:chOff x="0" y="0"/>
-          <a:chExt cx="0" cy="0"/>
-        </a:xfrm>
-      </p:grpSpPr>
-      <p:sp>
-        <p:nvSpPr>
-          <p:cNvPr id="2" name="Title 1">
-            <a:extLst>
-              <a:ext uri="{FF2B5EF4-FFF2-40B4-BE49-F238E27FC236}">
-                <a16:creationId xmlns:a16="http://schemas.microsoft.com/office/drawing/2014/main" xmlns="" id="{4819A39B-28BB-4873-9914-8FEE18891DD4}"/>
+                <a16:creationId xmlns="" xmlns:a16="http://schemas.microsoft.com/office/drawing/2014/main" id="{4819A39B-28BB-4873-9914-8FEE18891DD4}"/>
               </a:ext>
             </a:extLst>
           </p:cNvPr>
@@ -7591,10 +8136,10 @@
           <a:lstStyle/>
           <a:p>
             <a:r>
-              <a:rPr lang="es-ES" noProof="0" dirty="0" smtClean="0"/>
+              <a:rPr lang="es-419" noProof="0" dirty="0" smtClean="0"/>
               <a:t>Una introducción del software JAGS </a:t>
             </a:r>
-            <a:endParaRPr lang="es-CL" noProof="0" dirty="0"/>
+            <a:endParaRPr lang="es-419" noProof="0" dirty="0"/>
           </a:p>
         </p:txBody>
       </p:sp>
@@ -7603,7 +8148,7 @@
           <p:cNvPr id="5" name="Subtitle 2">
             <a:extLst>
               <a:ext uri="{FF2B5EF4-FFF2-40B4-BE49-F238E27FC236}">
-                <a16:creationId xmlns:a16="http://schemas.microsoft.com/office/drawing/2014/main" xmlns="" id="{2BECD79D-0B3A-44C2-A155-03EC2A6A5D3B}"/>
+                <a16:creationId xmlns="" xmlns:a16="http://schemas.microsoft.com/office/drawing/2014/main" id="{2BECD79D-0B3A-44C2-A155-03EC2A6A5D3B}"/>
               </a:ext>
             </a:extLst>
           </p:cNvPr>
@@ -7626,17 +8171,17 @@
           </a:ln>
           <a:extLst>
             <a:ext uri="{FAA26D3D-D897-4be2-8F04-BA451C77F1D7}">
-              <ma14:placeholderFlag xmlns="" xmlns:ma14="http://schemas.microsoft.com/office/mac/drawingml/2011/main" val="1"/>
+              <ma14:placeholderFlag xmlns:ma14="http://schemas.microsoft.com/office/mac/drawingml/2011/main" xmlns="" val="1"/>
             </a:ext>
             <a:ext uri="{909E8E84-426E-40dd-AFC4-6F175D3DCCD1}">
-              <a14:hiddenFill xmlns="" xmlns:a14="http://schemas.microsoft.com/office/drawing/2010/main">
+              <a14:hiddenFill xmlns:a14="http://schemas.microsoft.com/office/drawing/2010/main" xmlns="">
                 <a:solidFill>
                   <a:srgbClr val="FFFFFF"/>
                 </a:solidFill>
               </a14:hiddenFill>
             </a:ext>
             <a:ext uri="{91240B29-F687-4f45-9708-019B960494DF}">
-              <a14:hiddenLine xmlns="" xmlns:a14="http://schemas.microsoft.com/office/drawing/2010/main" w="9525">
+              <a14:hiddenLine xmlns:a14="http://schemas.microsoft.com/office/drawing/2010/main" xmlns="" w="9525">
                 <a:solidFill>
                   <a:srgbClr val="000000"/>
                 </a:solidFill>
@@ -7905,6 +8450,280 @@
 </p:sld>
 </file>
 
+<file path=ppt/slides/slide15.xml><?xml version="1.0" encoding="utf-8"?>
+<p:sld xmlns:a="http://schemas.openxmlformats.org/drawingml/2006/main" xmlns:r="http://schemas.openxmlformats.org/officeDocument/2006/relationships" xmlns:p="http://schemas.openxmlformats.org/presentationml/2006/main">
+  <p:cSld>
+    <p:spTree>
+      <p:nvGrpSpPr>
+        <p:cNvPr id="1" name=""/>
+        <p:cNvGrpSpPr/>
+        <p:nvPr/>
+      </p:nvGrpSpPr>
+      <p:grpSpPr>
+        <a:xfrm>
+          <a:off x="0" y="0"/>
+          <a:ext cx="0" cy="0"/>
+          <a:chOff x="0" y="0"/>
+          <a:chExt cx="0" cy="0"/>
+        </a:xfrm>
+      </p:grpSpPr>
+      <p:sp>
+        <p:nvSpPr>
+          <p:cNvPr id="2" name="Title 1"/>
+          <p:cNvSpPr>
+            <a:spLocks noGrp="1"/>
+          </p:cNvSpPr>
+          <p:nvPr>
+            <p:ph type="title"/>
+          </p:nvPr>
+        </p:nvSpPr>
+        <p:spPr/>
+        <p:txBody>
+          <a:bodyPr/>
+          <a:lstStyle/>
+          <a:p>
+            <a:r>
+              <a:rPr lang="es-419" sz="3600" noProof="0" dirty="0" smtClean="0"/>
+              <a:t>Software </a:t>
+            </a:r>
+            <a:r>
+              <a:rPr lang="es-419" sz="3600" noProof="0" dirty="0" err="1" smtClean="0"/>
+              <a:t>implementing</a:t>
+            </a:r>
+            <a:r>
+              <a:rPr lang="es-419" sz="3600" noProof="0" dirty="0" smtClean="0"/>
+              <a:t> MCMC</a:t>
+            </a:r>
+            <a:r>
+              <a:rPr lang="es-419" sz="3200" noProof="0" dirty="0" smtClean="0"/>
+              <a:t/>
+            </a:r>
+            <a:br>
+              <a:rPr lang="es-419" sz="3200" noProof="0" dirty="0" smtClean="0"/>
+            </a:br>
+            <a:r>
+              <a:rPr lang="es-419" sz="3000" u="sng" noProof="0" dirty="0" smtClean="0"/>
+              <a:t>JAGS</a:t>
+            </a:r>
+            <a:r>
+              <a:rPr lang="es-419" sz="2800" noProof="0" dirty="0" smtClean="0"/>
+              <a:t> – </a:t>
+            </a:r>
+            <a:r>
+              <a:rPr lang="es-419" sz="2800" noProof="0" dirty="0" err="1" smtClean="0"/>
+              <a:t>Just</a:t>
+            </a:r>
+            <a:r>
+              <a:rPr lang="es-419" sz="2800" noProof="0" dirty="0" smtClean="0"/>
+              <a:t> </a:t>
+            </a:r>
+            <a:r>
+              <a:rPr lang="es-419" sz="2800" noProof="0" dirty="0" err="1" smtClean="0"/>
+              <a:t>Another</a:t>
+            </a:r>
+            <a:r>
+              <a:rPr lang="es-419" sz="2800" noProof="0" dirty="0" smtClean="0"/>
+              <a:t> </a:t>
+            </a:r>
+            <a:r>
+              <a:rPr lang="es-419" sz="2800" noProof="0" dirty="0" err="1" smtClean="0"/>
+              <a:t>Gibbs</a:t>
+            </a:r>
+            <a:r>
+              <a:rPr lang="es-419" sz="2800" noProof="0" dirty="0" smtClean="0"/>
+              <a:t> </a:t>
+            </a:r>
+            <a:r>
+              <a:rPr lang="es-419" sz="2800" noProof="0" dirty="0" err="1" smtClean="0"/>
+              <a:t>Sampler</a:t>
+            </a:r>
+            <a:endParaRPr lang="es-419" sz="2800" noProof="0" dirty="0"/>
+          </a:p>
+        </p:txBody>
+      </p:sp>
+      <p:sp>
+        <p:nvSpPr>
+          <p:cNvPr id="3" name="Content Placeholder 2"/>
+          <p:cNvSpPr>
+            <a:spLocks noGrp="1"/>
+          </p:cNvSpPr>
+          <p:nvPr>
+            <p:ph idx="1"/>
+          </p:nvPr>
+        </p:nvSpPr>
+        <p:spPr/>
+        <p:txBody>
+          <a:bodyPr/>
+          <a:lstStyle/>
+          <a:p>
+            <a:r>
+              <a:rPr lang="es-419" noProof="0" dirty="0" err="1" smtClean="0"/>
+              <a:t>Sampler</a:t>
+            </a:r>
+            <a:endParaRPr lang="es-419" noProof="0" dirty="0" smtClean="0"/>
+          </a:p>
+          <a:p>
+            <a:pPr lvl="1"/>
+            <a:r>
+              <a:rPr lang="es-419" noProof="0" dirty="0" err="1" smtClean="0"/>
+              <a:t>Gibbs</a:t>
+            </a:r>
+            <a:r>
+              <a:rPr lang="es-419" noProof="0" dirty="0" smtClean="0"/>
+              <a:t> </a:t>
+            </a:r>
+            <a:r>
+              <a:rPr lang="es-419" noProof="0" dirty="0" err="1" smtClean="0"/>
+              <a:t>for</a:t>
+            </a:r>
+            <a:r>
+              <a:rPr lang="es-419" noProof="0" dirty="0" smtClean="0"/>
+              <a:t> </a:t>
+            </a:r>
+            <a:r>
+              <a:rPr lang="es-419" noProof="0" dirty="0" err="1" smtClean="0"/>
+              <a:t>conjugate</a:t>
+            </a:r>
+            <a:r>
+              <a:rPr lang="es-419" noProof="0" dirty="0" smtClean="0"/>
+              <a:t> </a:t>
+            </a:r>
+            <a:r>
+              <a:rPr lang="es-419" noProof="0" dirty="0" err="1" smtClean="0"/>
+              <a:t>priors</a:t>
+            </a:r>
+            <a:endParaRPr lang="es-419" noProof="0" dirty="0" smtClean="0"/>
+          </a:p>
+          <a:p>
+            <a:pPr lvl="1"/>
+            <a:r>
+              <a:rPr lang="es-419" noProof="0" dirty="0" err="1" smtClean="0"/>
+              <a:t>Adaptive-Rejection</a:t>
+            </a:r>
+            <a:r>
+              <a:rPr lang="es-419" noProof="0" dirty="0" smtClean="0"/>
+              <a:t> </a:t>
+            </a:r>
+            <a:r>
+              <a:rPr lang="es-419" noProof="0" dirty="0" err="1" smtClean="0"/>
+              <a:t>Metropolis</a:t>
+            </a:r>
+            <a:r>
+              <a:rPr lang="es-419" noProof="0" dirty="0" smtClean="0"/>
+              <a:t> </a:t>
+            </a:r>
+            <a:r>
+              <a:rPr lang="es-419" noProof="0" dirty="0" err="1" smtClean="0"/>
+              <a:t>for</a:t>
+            </a:r>
+            <a:r>
+              <a:rPr lang="es-419" noProof="0" dirty="0" smtClean="0"/>
+              <a:t> non-</a:t>
+            </a:r>
+            <a:r>
+              <a:rPr lang="es-419" noProof="0" dirty="0" err="1" smtClean="0"/>
+              <a:t>conjugate</a:t>
+            </a:r>
+            <a:endParaRPr lang="es-419" noProof="0" dirty="0" smtClean="0"/>
+          </a:p>
+          <a:p>
+            <a:r>
+              <a:rPr lang="es-419" noProof="0" dirty="0" err="1" smtClean="0"/>
+              <a:t>Conditional</a:t>
+            </a:r>
+            <a:r>
+              <a:rPr lang="es-419" noProof="0" dirty="0" smtClean="0"/>
+              <a:t> </a:t>
+            </a:r>
+            <a:r>
+              <a:rPr lang="es-419" noProof="0" dirty="0" err="1" smtClean="0"/>
+              <a:t>updating</a:t>
+            </a:r>
+            <a:r>
+              <a:rPr lang="es-419" noProof="0" dirty="0" smtClean="0"/>
+              <a:t> (</a:t>
+            </a:r>
+            <a:r>
+              <a:rPr lang="es-419" noProof="0" dirty="0" err="1" smtClean="0"/>
+              <a:t>one</a:t>
+            </a:r>
+            <a:r>
+              <a:rPr lang="es-419" noProof="0" dirty="0" smtClean="0"/>
+              <a:t> </a:t>
+            </a:r>
+            <a:r>
+              <a:rPr lang="es-419" noProof="0" dirty="0" err="1" smtClean="0"/>
+              <a:t>parameter</a:t>
+            </a:r>
+            <a:r>
+              <a:rPr lang="es-419" noProof="0" dirty="0" smtClean="0"/>
+              <a:t> at a time)</a:t>
+            </a:r>
+          </a:p>
+          <a:p>
+            <a:r>
+              <a:rPr lang="es-419" noProof="0" dirty="0" err="1" smtClean="0"/>
+              <a:t>Runs</a:t>
+            </a:r>
+            <a:r>
+              <a:rPr lang="es-419" noProof="0" dirty="0" smtClean="0"/>
+              <a:t> </a:t>
+            </a:r>
+            <a:r>
+              <a:rPr lang="es-419" noProof="0" dirty="0" err="1" smtClean="0"/>
+              <a:t>multiple</a:t>
+            </a:r>
+            <a:r>
+              <a:rPr lang="es-419" noProof="0" dirty="0" smtClean="0"/>
+              <a:t> </a:t>
+            </a:r>
+            <a:r>
+              <a:rPr lang="es-419" noProof="0" dirty="0" err="1" smtClean="0"/>
+              <a:t>chains</a:t>
+            </a:r>
+            <a:r>
+              <a:rPr lang="es-419" noProof="0" dirty="0" smtClean="0"/>
+              <a:t> at a time</a:t>
+            </a:r>
+          </a:p>
+          <a:p>
+            <a:r>
+              <a:rPr lang="es-419" noProof="0" dirty="0" err="1" smtClean="0"/>
+              <a:t>Diagnostics</a:t>
+            </a:r>
+            <a:r>
+              <a:rPr lang="es-419" noProof="0" dirty="0" smtClean="0"/>
+              <a:t> </a:t>
+            </a:r>
+            <a:r>
+              <a:rPr lang="es-419" noProof="0" dirty="0" err="1" smtClean="0"/>
+              <a:t>via</a:t>
+            </a:r>
+            <a:r>
+              <a:rPr lang="es-419" noProof="0" dirty="0" smtClean="0"/>
+              <a:t> coda R </a:t>
+            </a:r>
+            <a:r>
+              <a:rPr lang="es-419" noProof="0" dirty="0" err="1" smtClean="0"/>
+              <a:t>package</a:t>
+            </a:r>
+            <a:endParaRPr lang="es-419" noProof="0" dirty="0"/>
+          </a:p>
+        </p:txBody>
+      </p:sp>
+    </p:spTree>
+    <p:extLst>
+      <p:ext uri="{BB962C8B-B14F-4D97-AF65-F5344CB8AC3E}">
+        <p14:creationId xmlns:p14="http://schemas.microsoft.com/office/powerpoint/2010/main" val="1842583172"/>
+      </p:ext>
+    </p:extLst>
+  </p:cSld>
+  <p:clrMapOvr>
+    <a:masterClrMapping/>
+  </p:clrMapOvr>
+</p:sld>
+</file>
+
 <file path=ppt/slides/slide16.xml><?xml version="1.0" encoding="utf-8"?>
 <p:sld xmlns:a="http://schemas.openxmlformats.org/drawingml/2006/main" xmlns:r="http://schemas.openxmlformats.org/officeDocument/2006/relationships" xmlns:p="http://schemas.openxmlformats.org/presentationml/2006/main">
   <p:cSld>
@@ -7924,9 +8743,9 @@
       </p:grpSpPr>
       <p:sp>
         <p:nvSpPr>
-          <p:cNvPr id="2" name="Title 1"/>
-          <p:cNvSpPr>
-            <a:spLocks noGrp="1"/>
+          <p:cNvPr id="21505" name="Rectangle 2"/>
+          <p:cNvSpPr>
+            <a:spLocks noGrp="1" noChangeArrowheads="1"/>
           </p:cNvSpPr>
           <p:nvPr>
             <p:ph type="title"/>
@@ -7937,145 +8756,46 @@
           <a:bodyPr/>
           <a:lstStyle/>
           <a:p>
-            <a:r>
-              <a:rPr lang="en-US" sz="3600" dirty="0"/>
-              <a:t>Software implementing MCMC</a:t>
-            </a:r>
-            <a:r>
-              <a:rPr lang="en-US" sz="3200" dirty="0"/>
-              <a:t/>
-            </a:r>
-            <a:br>
-              <a:rPr lang="en-US" sz="3200" dirty="0"/>
-            </a:br>
-            <a:r>
-              <a:rPr lang="en-US" sz="3000" u="sng" dirty="0"/>
-              <a:t>JAGS</a:t>
-            </a:r>
-            <a:r>
-              <a:rPr lang="en-US" sz="2800" dirty="0"/>
-              <a:t> – Just Another Gibbs Sampler</a:t>
-            </a:r>
-          </a:p>
-        </p:txBody>
-      </p:sp>
-      <p:sp>
-        <p:nvSpPr>
-          <p:cNvPr id="3" name="Content Placeholder 2"/>
-          <p:cNvSpPr>
-            <a:spLocks noGrp="1"/>
-          </p:cNvSpPr>
-          <p:nvPr>
-            <p:ph idx="1"/>
-          </p:nvPr>
-        </p:nvSpPr>
-        <p:spPr/>
-        <p:txBody>
-          <a:bodyPr/>
-          <a:lstStyle/>
-          <a:p>
-            <a:r>
-              <a:rPr lang="en-US" dirty="0"/>
-              <a:t>Sampler</a:t>
-            </a:r>
-          </a:p>
-          <a:p>
-            <a:pPr lvl="1"/>
-            <a:r>
-              <a:rPr lang="en-US" dirty="0"/>
-              <a:t>Gibbs for conjugate priors</a:t>
-            </a:r>
-          </a:p>
-          <a:p>
-            <a:pPr lvl="1"/>
-            <a:r>
-              <a:rPr lang="en-US" dirty="0"/>
-              <a:t>Adaptive-Rejection Metropolis for non-conjugate</a:t>
-            </a:r>
-          </a:p>
-          <a:p>
-            <a:r>
-              <a:rPr lang="en-US" dirty="0"/>
-              <a:t>Conditional updating (one parameter at a time)</a:t>
-            </a:r>
-          </a:p>
-          <a:p>
-            <a:r>
-              <a:rPr lang="en-US" dirty="0"/>
-              <a:t>Runs multiple chains at a time</a:t>
-            </a:r>
-          </a:p>
-          <a:p>
-            <a:r>
-              <a:rPr lang="en-US" dirty="0"/>
-              <a:t>Diagnostics via coda </a:t>
-            </a:r>
-            <a:r>
-              <a:rPr lang="en-US" dirty="0" smtClean="0"/>
-              <a:t>R package</a:t>
-            </a:r>
-            <a:endParaRPr lang="en-US" dirty="0"/>
-          </a:p>
-        </p:txBody>
-      </p:sp>
-    </p:spTree>
-    <p:extLst>
-      <p:ext uri="{BB962C8B-B14F-4D97-AF65-F5344CB8AC3E}">
-        <p14:creationId xmlns:p14="http://schemas.microsoft.com/office/powerpoint/2010/main" val="1842583172"/>
-      </p:ext>
-    </p:extLst>
-  </p:cSld>
-  <p:clrMapOvr>
-    <a:masterClrMapping/>
-  </p:clrMapOvr>
-</p:sld>
-</file>
-
-<file path=ppt/slides/slide17.xml><?xml version="1.0" encoding="utf-8"?>
-<p:sld xmlns:a="http://schemas.openxmlformats.org/drawingml/2006/main" xmlns:r="http://schemas.openxmlformats.org/officeDocument/2006/relationships" xmlns:p="http://schemas.openxmlformats.org/presentationml/2006/main">
-  <p:cSld>
-    <p:spTree>
-      <p:nvGrpSpPr>
-        <p:cNvPr id="1" name=""/>
-        <p:cNvGrpSpPr/>
-        <p:nvPr/>
-      </p:nvGrpSpPr>
-      <p:grpSpPr>
-        <a:xfrm>
-          <a:off x="0" y="0"/>
-          <a:ext cx="0" cy="0"/>
-          <a:chOff x="0" y="0"/>
-          <a:chExt cx="0" cy="0"/>
-        </a:xfrm>
-      </p:grpSpPr>
-      <p:sp>
-        <p:nvSpPr>
-          <p:cNvPr id="21505" name="Rectangle 2"/>
-          <p:cNvSpPr>
-            <a:spLocks noGrp="1" noChangeArrowheads="1"/>
-          </p:cNvSpPr>
-          <p:nvPr>
-            <p:ph type="title"/>
-          </p:nvPr>
-        </p:nvSpPr>
-        <p:spPr/>
-        <p:txBody>
-          <a:bodyPr/>
-          <a:lstStyle/>
-          <a:p>
             <a:pPr eaLnBrk="1" hangingPunct="1"/>
             <a:r>
-              <a:rPr lang="en-US" dirty="0" smtClean="0">
+              <a:rPr lang="es-419" noProof="0" dirty="0" smtClean="0">
                 <a:latin typeface="Garamond" charset="0"/>
               </a:rPr>
               <a:t>JAGS </a:t>
             </a:r>
             <a:r>
-              <a:rPr lang="en-US" dirty="0">
+              <a:rPr lang="es-419" noProof="0" dirty="0" err="1" smtClean="0">
                 <a:latin typeface="Garamond" charset="0"/>
               </a:rPr>
-              <a:t>syntax- a regression example</a:t>
-            </a:r>
+              <a:t>syntax</a:t>
+            </a:r>
+            <a:r>
+              <a:rPr lang="es-419" noProof="0" dirty="0" smtClean="0">
+                <a:latin typeface="Garamond" charset="0"/>
+              </a:rPr>
+              <a:t>- a </a:t>
+            </a:r>
+            <a:r>
+              <a:rPr lang="es-419" noProof="0" dirty="0" err="1" smtClean="0">
+                <a:latin typeface="Garamond" charset="0"/>
+              </a:rPr>
+              <a:t>regression</a:t>
+            </a:r>
+            <a:r>
+              <a:rPr lang="es-419" noProof="0" dirty="0" smtClean="0">
+                <a:latin typeface="Garamond" charset="0"/>
+              </a:rPr>
+              <a:t> </a:t>
+            </a:r>
+            <a:r>
+              <a:rPr lang="es-419" noProof="0" dirty="0" err="1" smtClean="0">
+                <a:latin typeface="Garamond" charset="0"/>
+              </a:rPr>
+              <a:t>example</a:t>
+            </a:r>
+            <a:endParaRPr lang="es-419" noProof="0" dirty="0">
+              <a:latin typeface="Garamond" charset="0"/>
+            </a:endParaRPr>
           </a:p>
         </p:txBody>
       </p:sp>
@@ -8101,38 +8821,44 @@
           <a:p>
             <a:pPr eaLnBrk="1" hangingPunct="1"/>
             <a:r>
-              <a:rPr lang="en-US" sz="2600">
+              <a:rPr lang="es-419" sz="2600" noProof="0" dirty="0" err="1" smtClean="0">
                 <a:latin typeface="Arial" charset="0"/>
               </a:rPr>
               <a:t>Model</a:t>
             </a:r>
-          </a:p>
-          <a:p>
-            <a:pPr eaLnBrk="1" hangingPunct="1"/>
-            <a:endParaRPr lang="en-US" sz="2600">
+            <a:endParaRPr lang="es-419" sz="2600" noProof="0" dirty="0" smtClean="0">
               <a:latin typeface="Arial" charset="0"/>
             </a:endParaRPr>
           </a:p>
           <a:p>
             <a:pPr eaLnBrk="1" hangingPunct="1"/>
-            <a:endParaRPr lang="en-US" sz="2600">
+            <a:endParaRPr lang="es-419" sz="2600" noProof="0" dirty="0" smtClean="0">
               <a:latin typeface="Arial" charset="0"/>
             </a:endParaRPr>
           </a:p>
           <a:p>
             <a:pPr eaLnBrk="1" hangingPunct="1"/>
-            <a:endParaRPr lang="en-US" sz="2600">
+            <a:endParaRPr lang="es-419" sz="2600" noProof="0" dirty="0" smtClean="0">
               <a:latin typeface="Arial" charset="0"/>
             </a:endParaRPr>
           </a:p>
           <a:p>
             <a:pPr eaLnBrk="1" hangingPunct="1"/>
-            <a:r>
-              <a:rPr lang="en-US" sz="2600">
+            <a:endParaRPr lang="es-419" sz="2600" noProof="0" dirty="0" smtClean="0">
+              <a:latin typeface="Arial" charset="0"/>
+            </a:endParaRPr>
+          </a:p>
+          <a:p>
+            <a:pPr eaLnBrk="1" hangingPunct="1"/>
+            <a:r>
+              <a:rPr lang="es-419" sz="2600" noProof="0" dirty="0" err="1" smtClean="0">
                 <a:latin typeface="Arial" charset="0"/>
               </a:rPr>
               <a:t>Priors</a:t>
             </a:r>
+            <a:endParaRPr lang="es-419" sz="2600" noProof="0" dirty="0">
+              <a:latin typeface="Arial" charset="0"/>
+            </a:endParaRPr>
           </a:p>
         </p:txBody>
       </p:sp>
@@ -8152,7 +8878,7 @@
           <a:graphicData uri="http://schemas.openxmlformats.org/presentationml/2006/ole">
             <mc:AlternateContent xmlns:mc="http://schemas.openxmlformats.org/markup-compatibility/2006">
               <mc:Choice xmlns:v="urn:schemas-microsoft-com:vml" Requires="v">
-                <p:oleObj spid="_x0000_s1053" name="Equation" r:id="rId3" imgW="812447" imgH="228501" progId="Equation.3">
+                <p:oleObj spid="_x0000_s1068" name="Equation" r:id="rId3" imgW="812447" imgH="228501" progId="Equation.3">
                   <p:embed/>
                 </p:oleObj>
               </mc:Choice>
@@ -8195,14 +8921,14 @@
                       <a:effectLst/>
                       <a:extLst>
                         <a:ext uri="{909E8E84-426E-40dd-AFC4-6F175D3DCCD1}">
-                          <a14:hiddenFill xmlns="" xmlns:a14="http://schemas.microsoft.com/office/drawing/2010/main">
+                          <a14:hiddenFill xmlns:a14="http://schemas.microsoft.com/office/drawing/2010/main" xmlns="">
                             <a:solidFill>
                               <a:srgbClr val="FFFFFF"/>
                             </a:solidFill>
                           </a14:hiddenFill>
                         </a:ext>
                         <a:ext uri="{91240B29-F687-4f45-9708-019B960494DF}">
-                          <a14:hiddenLine xmlns="" xmlns:a14="http://schemas.microsoft.com/office/drawing/2010/main" w="9525">
+                          <a14:hiddenLine xmlns:a14="http://schemas.microsoft.com/office/drawing/2010/main" xmlns="" w="9525">
                             <a:solidFill>
                               <a:srgbClr val="000000"/>
                             </a:solidFill>
@@ -8212,7 +8938,7 @@
                           </a14:hiddenLine>
                         </a:ext>
                         <a:ext uri="{AF507438-7753-43e0-B8FC-AC1667EBCBE1}">
-                          <a14:hiddenEffects xmlns="" xmlns:a14="http://schemas.microsoft.com/office/drawing/2010/main">
+                          <a14:hiddenEffects xmlns:a14="http://schemas.microsoft.com/office/drawing/2010/main" xmlns="">
                             <a:effectLst>
                               <a:outerShdw blurRad="63500" dist="38099" dir="2700000" algn="ctr" rotWithShape="0">
                                 <a:srgbClr val="000000">
@@ -8247,7 +8973,7 @@
           <a:graphicData uri="http://schemas.openxmlformats.org/presentationml/2006/ole">
             <mc:AlternateContent xmlns:mc="http://schemas.openxmlformats.org/markup-compatibility/2006">
               <mc:Choice xmlns:v="urn:schemas-microsoft-com:vml" Requires="v">
-                <p:oleObj spid="_x0000_s1054" name="Equation" r:id="rId5" imgW="761669" imgH="228501" progId="Equation.3">
+                <p:oleObj spid="_x0000_s1069" name="Equation" r:id="rId5" imgW="761669" imgH="228501" progId="Equation.3">
                   <p:embed/>
                 </p:oleObj>
               </mc:Choice>
@@ -8290,14 +9016,14 @@
                       <a:effectLst/>
                       <a:extLst>
                         <a:ext uri="{909E8E84-426E-40dd-AFC4-6F175D3DCCD1}">
-                          <a14:hiddenFill xmlns="" xmlns:a14="http://schemas.microsoft.com/office/drawing/2010/main">
+                          <a14:hiddenFill xmlns:a14="http://schemas.microsoft.com/office/drawing/2010/main" xmlns="">
                             <a:solidFill>
                               <a:schemeClr val="accent1"/>
                             </a:solidFill>
                           </a14:hiddenFill>
                         </a:ext>
                         <a:ext uri="{91240B29-F687-4f45-9708-019B960494DF}">
-                          <a14:hiddenLine xmlns="" xmlns:a14="http://schemas.microsoft.com/office/drawing/2010/main" w="9525">
+                          <a14:hiddenLine xmlns:a14="http://schemas.microsoft.com/office/drawing/2010/main" xmlns="" w="9525">
                             <a:solidFill>
                               <a:schemeClr val="tx1"/>
                             </a:solidFill>
@@ -8307,7 +9033,7 @@
                           </a14:hiddenLine>
                         </a:ext>
                         <a:ext uri="{AF507438-7753-43e0-B8FC-AC1667EBCBE1}">
-                          <a14:hiddenEffects xmlns="" xmlns:a14="http://schemas.microsoft.com/office/drawing/2010/main">
+                          <a14:hiddenEffects xmlns:a14="http://schemas.microsoft.com/office/drawing/2010/main" xmlns="">
                             <a:effectLst>
                               <a:outerShdw blurRad="63500" dist="38099" dir="2700000" algn="ctr" rotWithShape="0">
                                 <a:schemeClr val="bg2">
@@ -8344,7 +9070,7 @@
           <a:graphicData uri="http://schemas.openxmlformats.org/presentationml/2006/ole">
             <mc:AlternateContent xmlns:mc="http://schemas.openxmlformats.org/markup-compatibility/2006">
               <mc:Choice xmlns:v="urn:schemas-microsoft-com:vml" Requires="v">
-                <p:oleObj spid="_x0000_s1055" r:id="rId7" imgW="1180588" imgH="710891" progId="Equation.3">
+                <p:oleObj spid="_x0000_s1070" r:id="rId7" imgW="1180588" imgH="710891" progId="Equation.3">
                   <p:embed/>
                 </p:oleObj>
               </mc:Choice>
@@ -8387,14 +9113,14 @@
                       <a:effectLst/>
                       <a:extLst>
                         <a:ext uri="{909E8E84-426E-40dd-AFC4-6F175D3DCCD1}">
-                          <a14:hiddenFill xmlns="" xmlns:a14="http://schemas.microsoft.com/office/drawing/2010/main">
+                          <a14:hiddenFill xmlns:a14="http://schemas.microsoft.com/office/drawing/2010/main" xmlns="">
                             <a:solidFill>
                               <a:srgbClr val="FFFFFF"/>
                             </a:solidFill>
                           </a14:hiddenFill>
                         </a:ext>
                         <a:ext uri="{91240B29-F687-4f45-9708-019B960494DF}">
-                          <a14:hiddenLine xmlns="" xmlns:a14="http://schemas.microsoft.com/office/drawing/2010/main" w="9525">
+                          <a14:hiddenLine xmlns:a14="http://schemas.microsoft.com/office/drawing/2010/main" xmlns="" w="9525">
                             <a:solidFill>
                               <a:srgbClr val="000000"/>
                             </a:solidFill>
@@ -8404,7 +9130,7 @@
                           </a14:hiddenLine>
                         </a:ext>
                         <a:ext uri="{AF507438-7753-43e0-B8FC-AC1667EBCBE1}">
-                          <a14:hiddenEffects xmlns="" xmlns:a14="http://schemas.microsoft.com/office/drawing/2010/main">
+                          <a14:hiddenEffects xmlns:a14="http://schemas.microsoft.com/office/drawing/2010/main" xmlns="">
                             <a:effectLst>
                               <a:outerShdw blurRad="63500" dist="38099" dir="2700000" algn="ctr" rotWithShape="0">
                                 <a:srgbClr val="808080">
@@ -8445,14 +9171,14 @@
           </a:ln>
           <a:extLst>
             <a:ext uri="{909E8E84-426E-40dd-AFC4-6F175D3DCCD1}">
-              <a14:hiddenFill xmlns="" xmlns:a14="http://schemas.microsoft.com/office/drawing/2010/main">
+              <a14:hiddenFill xmlns:a14="http://schemas.microsoft.com/office/drawing/2010/main" xmlns="">
                 <a:solidFill>
                   <a:srgbClr val="FFFFFF"/>
                 </a:solidFill>
               </a14:hiddenFill>
             </a:ext>
             <a:ext uri="{91240B29-F687-4f45-9708-019B960494DF}">
-              <a14:hiddenLine xmlns="" xmlns:a14="http://schemas.microsoft.com/office/drawing/2010/main" w="9525">
+              <a14:hiddenLine xmlns:a14="http://schemas.microsoft.com/office/drawing/2010/main" xmlns="" w="9525">
                 <a:solidFill>
                   <a:srgbClr val="000000"/>
                 </a:solidFill>
@@ -8887,7 +9613,7 @@
 </p:sld>
 </file>
 
-<file path=ppt/slides/slide18.xml><?xml version="1.0" encoding="utf-8"?>
+<file path=ppt/slides/slide17.xml><?xml version="1.0" encoding="utf-8"?>
 <p:sld xmlns:a="http://schemas.openxmlformats.org/drawingml/2006/main" xmlns:r="http://schemas.openxmlformats.org/officeDocument/2006/relationships" xmlns:p="http://schemas.openxmlformats.org/presentationml/2006/main">
   <p:cSld>
     <p:spTree>
@@ -8921,29 +9647,32 @@
           <a:p>
             <a:pPr eaLnBrk="1" hangingPunct="1"/>
             <a:r>
-              <a:rPr lang="en-US" dirty="0" smtClean="0">
+              <a:rPr lang="es-419" noProof="0" dirty="0" smtClean="0">
                 <a:latin typeface="Garamond" charset="0"/>
               </a:rPr>
               <a:t>JAG </a:t>
             </a:r>
             <a:r>
-              <a:rPr lang="en-US" dirty="0">
+              <a:rPr lang="es-419" noProof="0" dirty="0" err="1" smtClean="0">
                 <a:latin typeface="Garamond" charset="0"/>
               </a:rPr>
-              <a:t>syntax- a </a:t>
-            </a:r>
-            <a:r>
-              <a:rPr lang="en-US" dirty="0" smtClean="0">
+              <a:t>syntax</a:t>
+            </a:r>
+            <a:r>
+              <a:rPr lang="es-419" noProof="0" dirty="0" smtClean="0">
                 <a:latin typeface="Garamond" charset="0"/>
               </a:rPr>
-              <a:t>GLM </a:t>
-            </a:r>
-            <a:r>
-              <a:rPr lang="en-US" dirty="0">
+              <a:t>- a GLM </a:t>
+            </a:r>
+            <a:r>
+              <a:rPr lang="es-419" noProof="0" dirty="0" err="1" smtClean="0">
                 <a:latin typeface="Garamond" charset="0"/>
               </a:rPr>
               <a:t>example</a:t>
             </a:r>
+            <a:endParaRPr lang="es-419" noProof="0" dirty="0">
+              <a:latin typeface="Garamond" charset="0"/>
+            </a:endParaRPr>
           </a:p>
         </p:txBody>
       </p:sp>
@@ -8969,42 +9698,48 @@
           <a:p>
             <a:pPr eaLnBrk="1" hangingPunct="1"/>
             <a:r>
-              <a:rPr lang="en-US" sz="2600" dirty="0">
+              <a:rPr lang="es-419" sz="2600" noProof="0" dirty="0" err="1" smtClean="0">
                 <a:latin typeface="Arial" charset="0"/>
               </a:rPr>
               <a:t>Model</a:t>
             </a:r>
-          </a:p>
-          <a:p>
-            <a:pPr eaLnBrk="1" hangingPunct="1"/>
-            <a:endParaRPr lang="en-US" sz="2600" dirty="0">
+            <a:endParaRPr lang="es-419" sz="2600" noProof="0" dirty="0" smtClean="0">
               <a:latin typeface="Arial" charset="0"/>
             </a:endParaRPr>
           </a:p>
           <a:p>
             <a:pPr eaLnBrk="1" hangingPunct="1"/>
-            <a:r>
-              <a:rPr lang="en-US" sz="2600" dirty="0" smtClean="0">
-                <a:latin typeface="Arial" charset="0"/>
-              </a:rPr>
-              <a:t>Priors</a:t>
-            </a:r>
-          </a:p>
-          <a:p>
-            <a:pPr eaLnBrk="1" hangingPunct="1"/>
-            <a:endParaRPr lang="en-US" sz="2600" dirty="0">
+            <a:endParaRPr lang="es-419" sz="2600" noProof="0" dirty="0" smtClean="0">
               <a:latin typeface="Arial" charset="0"/>
             </a:endParaRPr>
           </a:p>
           <a:p>
             <a:pPr eaLnBrk="1" hangingPunct="1"/>
             <a:r>
-              <a:rPr lang="en-US" sz="2600" dirty="0" smtClean="0">
+              <a:rPr lang="es-419" sz="2600" noProof="0" dirty="0" err="1" smtClean="0">
                 <a:latin typeface="Arial" charset="0"/>
               </a:rPr>
+              <a:t>Priors</a:t>
+            </a:r>
+            <a:endParaRPr lang="es-419" sz="2600" noProof="0" dirty="0" smtClean="0">
+              <a:latin typeface="Arial" charset="0"/>
+            </a:endParaRPr>
+          </a:p>
+          <a:p>
+            <a:pPr eaLnBrk="1" hangingPunct="1"/>
+            <a:endParaRPr lang="es-419" sz="2600" noProof="0" dirty="0" smtClean="0">
+              <a:latin typeface="Arial" charset="0"/>
+            </a:endParaRPr>
+          </a:p>
+          <a:p>
+            <a:pPr eaLnBrk="1" hangingPunct="1"/>
+            <a:r>
+              <a:rPr lang="es-419" sz="2600" noProof="0" dirty="0" smtClean="0">
+                <a:latin typeface="Arial" charset="0"/>
+              </a:rPr>
               <a:t>[Demo in R]</a:t>
             </a:r>
-            <a:endParaRPr lang="en-US" sz="2600" dirty="0">
+            <a:endParaRPr lang="es-419" sz="2600" noProof="0" dirty="0">
               <a:latin typeface="Arial" charset="0"/>
             </a:endParaRPr>
           </a:p>
@@ -9032,7 +9767,7 @@
           <a:graphicData uri="http://schemas.openxmlformats.org/presentationml/2006/ole">
             <mc:AlternateContent xmlns:mc="http://schemas.openxmlformats.org/markup-compatibility/2006">
               <mc:Choice xmlns:v="urn:schemas-microsoft-com:vml" Requires="v">
-                <p:oleObj spid="_x0000_s2070" name="Equation" r:id="rId3" imgW="1002960" imgH="228600" progId="Equation.DSMT4">
+                <p:oleObj spid="_x0000_s2080" name="Equation" r:id="rId3" imgW="1002960" imgH="228600" progId="Equation.DSMT4">
                   <p:embed/>
                 </p:oleObj>
               </mc:Choice>
@@ -9069,14 +9804,14 @@
                       <a:effectLst/>
                       <a:extLst>
                         <a:ext uri="{909E8E84-426E-40dd-AFC4-6F175D3DCCD1}">
-                          <a14:hiddenFill xmlns="" xmlns:a14="http://schemas.microsoft.com/office/drawing/2010/main">
+                          <a14:hiddenFill xmlns:a14="http://schemas.microsoft.com/office/drawing/2010/main" xmlns="">
                             <a:solidFill>
                               <a:srgbClr val="FFFFFF"/>
                             </a:solidFill>
                           </a14:hiddenFill>
                         </a:ext>
                         <a:ext uri="{91240B29-F687-4f45-9708-019B960494DF}">
-                          <a14:hiddenLine xmlns="" xmlns:a14="http://schemas.microsoft.com/office/drawing/2010/main" w="9525">
+                          <a14:hiddenLine xmlns:a14="http://schemas.microsoft.com/office/drawing/2010/main" xmlns="" w="9525">
                             <a:solidFill>
                               <a:srgbClr val="000000"/>
                             </a:solidFill>
@@ -9086,7 +9821,7 @@
                           </a14:hiddenLine>
                         </a:ext>
                         <a:ext uri="{AF507438-7753-43e0-B8FC-AC1667EBCBE1}">
-                          <a14:hiddenEffects xmlns="" xmlns:a14="http://schemas.microsoft.com/office/drawing/2010/main">
+                          <a14:hiddenEffects xmlns:a14="http://schemas.microsoft.com/office/drawing/2010/main" xmlns="">
                             <a:effectLst>
                               <a:outerShdw blurRad="63500" dist="38099" dir="2700000" algn="ctr" rotWithShape="0">
                                 <a:srgbClr val="000000">
@@ -9128,7 +9863,7 @@
           <a:graphicData uri="http://schemas.openxmlformats.org/presentationml/2006/ole">
             <mc:AlternateContent xmlns:mc="http://schemas.openxmlformats.org/markup-compatibility/2006">
               <mc:Choice xmlns:v="urn:schemas-microsoft-com:vml" Requires="v">
-                <p:oleObj spid="_x0000_s2071" name="Equation" r:id="rId5" imgW="1028520" imgH="203040" progId="Equation.DSMT4">
+                <p:oleObj spid="_x0000_s2081" name="Equation" r:id="rId5" imgW="1028520" imgH="203040" progId="Equation.DSMT4">
                   <p:embed/>
                 </p:oleObj>
               </mc:Choice>
@@ -9165,14 +9900,14 @@
                       <a:effectLst/>
                       <a:extLst>
                         <a:ext uri="{909E8E84-426E-40dd-AFC4-6F175D3DCCD1}">
-                          <a14:hiddenFill xmlns="" xmlns:a14="http://schemas.microsoft.com/office/drawing/2010/main">
+                          <a14:hiddenFill xmlns:a14="http://schemas.microsoft.com/office/drawing/2010/main" xmlns="">
                             <a:solidFill>
                               <a:srgbClr val="FFFFFF"/>
                             </a:solidFill>
                           </a14:hiddenFill>
                         </a:ext>
                         <a:ext uri="{91240B29-F687-4f45-9708-019B960494DF}">
-                          <a14:hiddenLine xmlns="" xmlns:a14="http://schemas.microsoft.com/office/drawing/2010/main" w="9525">
+                          <a14:hiddenLine xmlns:a14="http://schemas.microsoft.com/office/drawing/2010/main" xmlns="" w="9525">
                             <a:solidFill>
                               <a:srgbClr val="000000"/>
                             </a:solidFill>
@@ -9182,7 +9917,7 @@
                           </a14:hiddenLine>
                         </a:ext>
                         <a:ext uri="{AF507438-7753-43e0-B8FC-AC1667EBCBE1}">
-                          <a14:hiddenEffects xmlns="" xmlns:a14="http://schemas.microsoft.com/office/drawing/2010/main">
+                          <a14:hiddenEffects xmlns:a14="http://schemas.microsoft.com/office/drawing/2010/main" xmlns="">
                             <a:effectLst>
                               <a:outerShdw blurRad="63500" dist="38099" dir="2700000" algn="ctr" rotWithShape="0">
                                 <a:srgbClr val="808080">
@@ -9223,14 +9958,14 @@
           </a:ln>
           <a:extLst>
             <a:ext uri="{909E8E84-426E-40dd-AFC4-6F175D3DCCD1}">
-              <a14:hiddenFill xmlns="" xmlns:a14="http://schemas.microsoft.com/office/drawing/2010/main">
+              <a14:hiddenFill xmlns:a14="http://schemas.microsoft.com/office/drawing/2010/main" xmlns="">
                 <a:solidFill>
                   <a:srgbClr val="FFFFFF"/>
                 </a:solidFill>
               </a14:hiddenFill>
             </a:ext>
             <a:ext uri="{91240B29-F687-4f45-9708-019B960494DF}">
-              <a14:hiddenLine xmlns="" xmlns:a14="http://schemas.microsoft.com/office/drawing/2010/main" w="9525">
+              <a14:hiddenLine xmlns:a14="http://schemas.microsoft.com/office/drawing/2010/main" xmlns="" w="9525">
                 <a:solidFill>
                   <a:srgbClr val="000000"/>
                 </a:solidFill>
@@ -9504,6 +10239,726 @@
     <p:extLst>
       <p:ext uri="{BB962C8B-B14F-4D97-AF65-F5344CB8AC3E}">
         <p14:creationId xmlns:p14="http://schemas.microsoft.com/office/powerpoint/2010/main" val="2062518394"/>
+      </p:ext>
+    </p:extLst>
+  </p:cSld>
+  <p:clrMapOvr>
+    <a:masterClrMapping/>
+  </p:clrMapOvr>
+</p:sld>
+</file>
+
+<file path=ppt/slides/slide18.xml><?xml version="1.0" encoding="utf-8"?>
+<p:sld xmlns:a="http://schemas.openxmlformats.org/drawingml/2006/main" xmlns:r="http://schemas.openxmlformats.org/officeDocument/2006/relationships" xmlns:p="http://schemas.openxmlformats.org/presentationml/2006/main">
+  <p:cSld>
+    <p:spTree>
+      <p:nvGrpSpPr>
+        <p:cNvPr id="1" name=""/>
+        <p:cNvGrpSpPr/>
+        <p:nvPr/>
+      </p:nvGrpSpPr>
+      <p:grpSpPr>
+        <a:xfrm>
+          <a:off x="0" y="0"/>
+          <a:ext cx="0" cy="0"/>
+          <a:chOff x="0" y="0"/>
+          <a:chExt cx="0" cy="0"/>
+        </a:xfrm>
+      </p:grpSpPr>
+      <p:sp>
+        <p:nvSpPr>
+          <p:cNvPr id="21505" name="Rectangle 2"/>
+          <p:cNvSpPr>
+            <a:spLocks noGrp="1" noChangeArrowheads="1"/>
+          </p:cNvSpPr>
+          <p:nvPr>
+            <p:ph type="title"/>
+          </p:nvPr>
+        </p:nvSpPr>
+        <p:spPr>
+          <a:xfrm>
+            <a:off x="457200" y="275213"/>
+            <a:ext cx="8229600" cy="1139825"/>
+          </a:xfrm>
+        </p:spPr>
+        <p:txBody>
+          <a:bodyPr/>
+          <a:lstStyle/>
+          <a:p>
+            <a:pPr eaLnBrk="1" hangingPunct="1"/>
+            <a:r>
+              <a:rPr lang="es-419" noProof="0" dirty="0" smtClean="0">
+                <a:latin typeface="Garamond" charset="0"/>
+              </a:rPr>
+              <a:t>BUGS </a:t>
+            </a:r>
+            <a:r>
+              <a:rPr lang="es-419" noProof="0" dirty="0" err="1" smtClean="0">
+                <a:latin typeface="Garamond" charset="0"/>
+              </a:rPr>
+              <a:t>syntax</a:t>
+            </a:r>
+            <a:r>
+              <a:rPr lang="es-419" noProof="0" dirty="0" smtClean="0">
+                <a:latin typeface="Garamond" charset="0"/>
+              </a:rPr>
+              <a:t>- a GLM </a:t>
+            </a:r>
+            <a:r>
+              <a:rPr lang="es-419" noProof="0" dirty="0" err="1" smtClean="0">
+                <a:latin typeface="Garamond" charset="0"/>
+              </a:rPr>
+              <a:t>example</a:t>
+            </a:r>
+            <a:endParaRPr lang="es-419" noProof="0" dirty="0">
+              <a:latin typeface="Garamond" charset="0"/>
+            </a:endParaRPr>
+          </a:p>
+        </p:txBody>
+      </p:sp>
+      <p:sp>
+        <p:nvSpPr>
+          <p:cNvPr id="21510" name="Rectangle 8"/>
+          <p:cNvSpPr>
+            <a:spLocks noChangeArrowheads="1"/>
+          </p:cNvSpPr>
+          <p:nvPr/>
+        </p:nvSpPr>
+        <p:spPr bwMode="auto">
+          <a:xfrm>
+            <a:off x="457200" y="1225685"/>
+            <a:ext cx="8686799" cy="3249038"/>
+          </a:xfrm>
+          <a:prstGeom prst="rect">
+            <a:avLst/>
+          </a:prstGeom>
+          <a:noFill/>
+          <a:ln>
+            <a:noFill/>
+          </a:ln>
+          <a:extLst>
+            <a:ext uri="{909E8E84-426E-40dd-AFC4-6F175D3DCCD1}">
+              <a14:hiddenFill xmlns:a14="http://schemas.microsoft.com/office/drawing/2010/main" xmlns="">
+                <a:solidFill>
+                  <a:srgbClr val="FFFFFF"/>
+                </a:solidFill>
+              </a14:hiddenFill>
+            </a:ext>
+            <a:ext uri="{91240B29-F687-4f45-9708-019B960494DF}">
+              <a14:hiddenLine xmlns:a14="http://schemas.microsoft.com/office/drawing/2010/main" xmlns="" w="9525">
+                <a:solidFill>
+                  <a:srgbClr val="000000"/>
+                </a:solidFill>
+                <a:miter lim="800000"/>
+                <a:headEnd/>
+                <a:tailEnd/>
+              </a14:hiddenLine>
+            </a:ext>
+          </a:extLst>
+        </p:spPr>
+        <p:txBody>
+          <a:bodyPr/>
+          <a:lstStyle/>
+          <a:p>
+            <a:pPr marL="342900" indent="-342900">
+              <a:spcBef>
+                <a:spcPct val="20000"/>
+              </a:spcBef>
+              <a:buClr>
+                <a:schemeClr val="accent1"/>
+              </a:buClr>
+              <a:buFont typeface="Wingdings" charset="0"/>
+              <a:buNone/>
+            </a:pPr>
+            <a:r>
+              <a:rPr lang="en-US" sz="2600" dirty="0" smtClean="0"/>
+              <a:t>R code</a:t>
+            </a:r>
+            <a:endParaRPr lang="en-US" sz="2600" dirty="0"/>
+          </a:p>
+          <a:p>
+            <a:pPr>
+              <a:spcBef>
+                <a:spcPct val="20000"/>
+              </a:spcBef>
+              <a:buClr>
+                <a:schemeClr val="accent1"/>
+              </a:buClr>
+              <a:buSzPct val="65000"/>
+            </a:pPr>
+            <a:r>
+              <a:rPr lang="en-US" sz="1600" dirty="0">
+                <a:latin typeface="Courier New" panose="02070309020205020404" pitchFamily="49" charset="0"/>
+                <a:cs typeface="Courier New" panose="02070309020205020404" pitchFamily="49" charset="0"/>
+              </a:rPr>
+              <a:t>library(R2jags)</a:t>
+            </a:r>
+          </a:p>
+          <a:p>
+            <a:pPr>
+              <a:spcBef>
+                <a:spcPct val="20000"/>
+              </a:spcBef>
+              <a:buClr>
+                <a:schemeClr val="accent1"/>
+              </a:buClr>
+              <a:buSzPct val="65000"/>
+            </a:pPr>
+            <a:r>
+              <a:rPr lang="en-US" sz="1600" dirty="0" err="1">
+                <a:latin typeface="Courier New" panose="02070309020205020404" pitchFamily="49" charset="0"/>
+                <a:cs typeface="Courier New" panose="02070309020205020404" pitchFamily="49" charset="0"/>
+              </a:rPr>
+              <a:t>dat</a:t>
+            </a:r>
+            <a:r>
+              <a:rPr lang="en-US" sz="1600" dirty="0">
+                <a:latin typeface="Courier New" panose="02070309020205020404" pitchFamily="49" charset="0"/>
+                <a:cs typeface="Courier New" panose="02070309020205020404" pitchFamily="49" charset="0"/>
+              </a:rPr>
+              <a:t> &lt;- </a:t>
+            </a:r>
+            <a:r>
+              <a:rPr lang="en-US" sz="1600" dirty="0" err="1">
+                <a:latin typeface="Courier New" panose="02070309020205020404" pitchFamily="49" charset="0"/>
+                <a:cs typeface="Courier New" panose="02070309020205020404" pitchFamily="49" charset="0"/>
+              </a:rPr>
+              <a:t>dget</a:t>
+            </a:r>
+            <a:r>
+              <a:rPr lang="en-US" sz="1600" dirty="0">
+                <a:latin typeface="Courier New" panose="02070309020205020404" pitchFamily="49" charset="0"/>
+                <a:cs typeface="Courier New" panose="02070309020205020404" pitchFamily="49" charset="0"/>
+              </a:rPr>
+              <a:t>('</a:t>
+            </a:r>
+            <a:r>
+              <a:rPr lang="en-US" sz="1600" dirty="0" err="1">
+                <a:latin typeface="Courier New" panose="02070309020205020404" pitchFamily="49" charset="0"/>
+                <a:cs typeface="Courier New" panose="02070309020205020404" pitchFamily="49" charset="0"/>
+              </a:rPr>
+              <a:t>datos</a:t>
+            </a:r>
+            <a:r>
+              <a:rPr lang="en-US" sz="1600" dirty="0">
+                <a:latin typeface="Courier New" panose="02070309020205020404" pitchFamily="49" charset="0"/>
+                <a:cs typeface="Courier New" panose="02070309020205020404" pitchFamily="49" charset="0"/>
+              </a:rPr>
+              <a:t>/insect_data2.txt')</a:t>
+            </a:r>
+          </a:p>
+          <a:p>
+            <a:pPr>
+              <a:spcBef>
+                <a:spcPct val="20000"/>
+              </a:spcBef>
+              <a:buClr>
+                <a:schemeClr val="accent1"/>
+              </a:buClr>
+              <a:buSzPct val="65000"/>
+            </a:pPr>
+            <a:r>
+              <a:rPr lang="en-US" sz="1600" dirty="0">
+                <a:latin typeface="Courier New" panose="02070309020205020404" pitchFamily="49" charset="0"/>
+                <a:cs typeface="Courier New" panose="02070309020205020404" pitchFamily="49" charset="0"/>
+              </a:rPr>
+              <a:t>plot(</a:t>
+            </a:r>
+            <a:r>
+              <a:rPr lang="en-US" sz="1600" dirty="0" err="1">
+                <a:latin typeface="Courier New" panose="02070309020205020404" pitchFamily="49" charset="0"/>
+                <a:cs typeface="Courier New" panose="02070309020205020404" pitchFamily="49" charset="0"/>
+              </a:rPr>
+              <a:t>dat$x</a:t>
+            </a:r>
+            <a:r>
+              <a:rPr lang="en-US" sz="1600" dirty="0">
+                <a:latin typeface="Courier New" panose="02070309020205020404" pitchFamily="49" charset="0"/>
+                <a:cs typeface="Courier New" panose="02070309020205020404" pitchFamily="49" charset="0"/>
+              </a:rPr>
+              <a:t>, </a:t>
+            </a:r>
+            <a:r>
+              <a:rPr lang="en-US" sz="1600" dirty="0" err="1">
+                <a:latin typeface="Courier New" panose="02070309020205020404" pitchFamily="49" charset="0"/>
+                <a:cs typeface="Courier New" panose="02070309020205020404" pitchFamily="49" charset="0"/>
+              </a:rPr>
+              <a:t>dat$Y</a:t>
+            </a:r>
+            <a:r>
+              <a:rPr lang="en-US" sz="1600" dirty="0">
+                <a:latin typeface="Courier New" panose="02070309020205020404" pitchFamily="49" charset="0"/>
+                <a:cs typeface="Courier New" panose="02070309020205020404" pitchFamily="49" charset="0"/>
+              </a:rPr>
+              <a:t>, </a:t>
+            </a:r>
+            <a:r>
+              <a:rPr lang="en-US" sz="1600" dirty="0" err="1">
+                <a:latin typeface="Courier New" panose="02070309020205020404" pitchFamily="49" charset="0"/>
+                <a:cs typeface="Courier New" panose="02070309020205020404" pitchFamily="49" charset="0"/>
+              </a:rPr>
+              <a:t>xlab</a:t>
+            </a:r>
+            <a:r>
+              <a:rPr lang="en-US" sz="1600" dirty="0">
+                <a:latin typeface="Courier New" panose="02070309020205020404" pitchFamily="49" charset="0"/>
+                <a:cs typeface="Courier New" panose="02070309020205020404" pitchFamily="49" charset="0"/>
+              </a:rPr>
+              <a:t> = "Female Egg Compliment",</a:t>
+            </a:r>
+          </a:p>
+          <a:p>
+            <a:pPr>
+              <a:spcBef>
+                <a:spcPct val="20000"/>
+              </a:spcBef>
+              <a:buClr>
+                <a:schemeClr val="accent1"/>
+              </a:buClr>
+              <a:buSzPct val="65000"/>
+            </a:pPr>
+            <a:r>
+              <a:rPr lang="en-US" sz="1600" dirty="0">
+                <a:latin typeface="Courier New" panose="02070309020205020404" pitchFamily="49" charset="0"/>
+                <a:cs typeface="Courier New" panose="02070309020205020404" pitchFamily="49" charset="0"/>
+              </a:rPr>
+              <a:t>     </a:t>
+            </a:r>
+            <a:r>
+              <a:rPr lang="en-US" sz="1600" dirty="0" err="1">
+                <a:latin typeface="Courier New" panose="02070309020205020404" pitchFamily="49" charset="0"/>
+                <a:cs typeface="Courier New" panose="02070309020205020404" pitchFamily="49" charset="0"/>
+              </a:rPr>
+              <a:t>ylab</a:t>
+            </a:r>
+            <a:r>
+              <a:rPr lang="en-US" sz="1600" dirty="0">
+                <a:latin typeface="Courier New" panose="02070309020205020404" pitchFamily="49" charset="0"/>
+                <a:cs typeface="Courier New" panose="02070309020205020404" pitchFamily="49" charset="0"/>
+              </a:rPr>
+              <a:t> = "Eggs laid on host", </a:t>
+            </a:r>
+            <a:r>
+              <a:rPr lang="en-US" sz="1600" dirty="0" err="1">
+                <a:latin typeface="Courier New" panose="02070309020205020404" pitchFamily="49" charset="0"/>
+                <a:cs typeface="Courier New" panose="02070309020205020404" pitchFamily="49" charset="0"/>
+              </a:rPr>
+              <a:t>pch</a:t>
+            </a:r>
+            <a:r>
+              <a:rPr lang="en-US" sz="1600" dirty="0">
+                <a:latin typeface="Courier New" panose="02070309020205020404" pitchFamily="49" charset="0"/>
+                <a:cs typeface="Courier New" panose="02070309020205020404" pitchFamily="49" charset="0"/>
+              </a:rPr>
+              <a:t> = 15)</a:t>
+            </a:r>
+          </a:p>
+          <a:p>
+            <a:pPr>
+              <a:spcBef>
+                <a:spcPct val="20000"/>
+              </a:spcBef>
+              <a:buClr>
+                <a:schemeClr val="accent1"/>
+              </a:buClr>
+              <a:buSzPct val="65000"/>
+            </a:pPr>
+            <a:r>
+              <a:rPr lang="en-US" sz="1600" dirty="0" err="1">
+                <a:latin typeface="Courier New" panose="02070309020205020404" pitchFamily="49" charset="0"/>
+                <a:cs typeface="Courier New" panose="02070309020205020404" pitchFamily="49" charset="0"/>
+              </a:rPr>
+              <a:t>inits</a:t>
+            </a:r>
+            <a:r>
+              <a:rPr lang="en-US" sz="1600" dirty="0">
+                <a:latin typeface="Courier New" panose="02070309020205020404" pitchFamily="49" charset="0"/>
+                <a:cs typeface="Courier New" panose="02070309020205020404" pitchFamily="49" charset="0"/>
+              </a:rPr>
+              <a:t> &lt;- function() list(lambda=</a:t>
+            </a:r>
+            <a:r>
+              <a:rPr lang="en-US" sz="1600" dirty="0" err="1">
+                <a:latin typeface="Courier New" panose="02070309020205020404" pitchFamily="49" charset="0"/>
+                <a:cs typeface="Courier New" panose="02070309020205020404" pitchFamily="49" charset="0"/>
+              </a:rPr>
+              <a:t>runif</a:t>
+            </a:r>
+            <a:r>
+              <a:rPr lang="en-US" sz="1600" dirty="0">
+                <a:latin typeface="Courier New" panose="02070309020205020404" pitchFamily="49" charset="0"/>
+                <a:cs typeface="Courier New" panose="02070309020205020404" pitchFamily="49" charset="0"/>
+              </a:rPr>
+              <a:t>(1,1,15))</a:t>
+            </a:r>
+          </a:p>
+          <a:p>
+            <a:pPr>
+              <a:spcBef>
+                <a:spcPct val="20000"/>
+              </a:spcBef>
+              <a:buClr>
+                <a:schemeClr val="accent1"/>
+              </a:buClr>
+              <a:buSzPct val="65000"/>
+            </a:pPr>
+            <a:r>
+              <a:rPr lang="en-US" sz="1600" dirty="0">
+                <a:latin typeface="Courier New" panose="02070309020205020404" pitchFamily="49" charset="0"/>
+                <a:cs typeface="Courier New" panose="02070309020205020404" pitchFamily="49" charset="0"/>
+              </a:rPr>
+              <a:t>fit1 &lt;- jags(data=</a:t>
+            </a:r>
+            <a:r>
+              <a:rPr lang="en-US" sz="1600" dirty="0" err="1">
+                <a:latin typeface="Courier New" panose="02070309020205020404" pitchFamily="49" charset="0"/>
+                <a:cs typeface="Courier New" panose="02070309020205020404" pitchFamily="49" charset="0"/>
+              </a:rPr>
+              <a:t>dat</a:t>
+            </a:r>
+            <a:r>
+              <a:rPr lang="en-US" sz="1600" dirty="0">
+                <a:latin typeface="Courier New" panose="02070309020205020404" pitchFamily="49" charset="0"/>
+                <a:cs typeface="Courier New" panose="02070309020205020404" pitchFamily="49" charset="0"/>
+              </a:rPr>
+              <a:t>, </a:t>
+            </a:r>
+            <a:r>
+              <a:rPr lang="en-US" sz="1600" dirty="0" err="1">
+                <a:latin typeface="Courier New" panose="02070309020205020404" pitchFamily="49" charset="0"/>
+                <a:cs typeface="Courier New" panose="02070309020205020404" pitchFamily="49" charset="0"/>
+              </a:rPr>
+              <a:t>inits</a:t>
+            </a:r>
+            <a:r>
+              <a:rPr lang="en-US" sz="1600" dirty="0">
+                <a:latin typeface="Courier New" panose="02070309020205020404" pitchFamily="49" charset="0"/>
+                <a:cs typeface="Courier New" panose="02070309020205020404" pitchFamily="49" charset="0"/>
+              </a:rPr>
+              <a:t>=</a:t>
+            </a:r>
+            <a:r>
+              <a:rPr lang="en-US" sz="1600" dirty="0" err="1">
+                <a:latin typeface="Courier New" panose="02070309020205020404" pitchFamily="49" charset="0"/>
+                <a:cs typeface="Courier New" panose="02070309020205020404" pitchFamily="49" charset="0"/>
+              </a:rPr>
+              <a:t>inits</a:t>
+            </a:r>
+            <a:r>
+              <a:rPr lang="en-US" sz="1600" dirty="0">
+                <a:latin typeface="Courier New" panose="02070309020205020404" pitchFamily="49" charset="0"/>
+                <a:cs typeface="Courier New" panose="02070309020205020404" pitchFamily="49" charset="0"/>
+              </a:rPr>
+              <a:t>, </a:t>
+            </a:r>
+            <a:r>
+              <a:rPr lang="en-US" sz="1600" dirty="0" err="1">
+                <a:latin typeface="Courier New" panose="02070309020205020404" pitchFamily="49" charset="0"/>
+                <a:cs typeface="Courier New" panose="02070309020205020404" pitchFamily="49" charset="0"/>
+              </a:rPr>
+              <a:t>parameters.to.save</a:t>
+            </a:r>
+            <a:r>
+              <a:rPr lang="en-US" sz="1600" dirty="0">
+                <a:latin typeface="Courier New" panose="02070309020205020404" pitchFamily="49" charset="0"/>
+                <a:cs typeface="Courier New" panose="02070309020205020404" pitchFamily="49" charset="0"/>
+              </a:rPr>
+              <a:t>='lambda',</a:t>
+            </a:r>
+          </a:p>
+          <a:p>
+            <a:pPr>
+              <a:spcBef>
+                <a:spcPct val="20000"/>
+              </a:spcBef>
+              <a:buClr>
+                <a:schemeClr val="accent1"/>
+              </a:buClr>
+              <a:buSzPct val="65000"/>
+            </a:pPr>
+            <a:r>
+              <a:rPr lang="en-US" sz="1600" dirty="0">
+                <a:latin typeface="Courier New" panose="02070309020205020404" pitchFamily="49" charset="0"/>
+                <a:cs typeface="Courier New" panose="02070309020205020404" pitchFamily="49" charset="0"/>
+              </a:rPr>
+              <a:t>      </a:t>
+            </a:r>
+            <a:r>
+              <a:rPr lang="en-US" sz="1600" dirty="0" err="1" smtClean="0">
+                <a:latin typeface="Courier New" panose="02070309020205020404" pitchFamily="49" charset="0"/>
+                <a:cs typeface="Courier New" panose="02070309020205020404" pitchFamily="49" charset="0"/>
+              </a:rPr>
+              <a:t>model.file</a:t>
+            </a:r>
+            <a:r>
+              <a:rPr lang="en-US" sz="1600" dirty="0">
+                <a:latin typeface="Courier New" panose="02070309020205020404" pitchFamily="49" charset="0"/>
+                <a:cs typeface="Courier New" panose="02070309020205020404" pitchFamily="49" charset="0"/>
+              </a:rPr>
+              <a:t>='</a:t>
+            </a:r>
+            <a:r>
+              <a:rPr lang="en-US" sz="1600" dirty="0" err="1">
+                <a:latin typeface="Courier New" panose="02070309020205020404" pitchFamily="49" charset="0"/>
+                <a:cs typeface="Courier New" panose="02070309020205020404" pitchFamily="49" charset="0"/>
+              </a:rPr>
+              <a:t>modelos</a:t>
+            </a:r>
+            <a:r>
+              <a:rPr lang="en-US" sz="1600" dirty="0">
+                <a:latin typeface="Courier New" panose="02070309020205020404" pitchFamily="49" charset="0"/>
+                <a:cs typeface="Courier New" panose="02070309020205020404" pitchFamily="49" charset="0"/>
+              </a:rPr>
+              <a:t>/insect1.jags', </a:t>
+            </a:r>
+            <a:r>
+              <a:rPr lang="en-US" sz="1600" dirty="0" err="1">
+                <a:latin typeface="Courier New" panose="02070309020205020404" pitchFamily="49" charset="0"/>
+                <a:cs typeface="Courier New" panose="02070309020205020404" pitchFamily="49" charset="0"/>
+              </a:rPr>
+              <a:t>n.chains</a:t>
+            </a:r>
+            <a:r>
+              <a:rPr lang="en-US" sz="1600" dirty="0">
+                <a:latin typeface="Courier New" panose="02070309020205020404" pitchFamily="49" charset="0"/>
+                <a:cs typeface="Courier New" panose="02070309020205020404" pitchFamily="49" charset="0"/>
+              </a:rPr>
+              <a:t>=3, </a:t>
+            </a:r>
+            <a:r>
+              <a:rPr lang="en-US" sz="1600" dirty="0" err="1" smtClean="0">
+                <a:latin typeface="Courier New" panose="02070309020205020404" pitchFamily="49" charset="0"/>
+                <a:cs typeface="Courier New" panose="02070309020205020404" pitchFamily="49" charset="0"/>
+              </a:rPr>
+              <a:t>n.iter</a:t>
+            </a:r>
+            <a:r>
+              <a:rPr lang="en-US" sz="1600" dirty="0" smtClean="0">
+                <a:latin typeface="Courier New" panose="02070309020205020404" pitchFamily="49" charset="0"/>
+                <a:cs typeface="Courier New" panose="02070309020205020404" pitchFamily="49" charset="0"/>
+              </a:rPr>
+              <a:t>=2000,</a:t>
+            </a:r>
+          </a:p>
+          <a:p>
+            <a:pPr>
+              <a:spcBef>
+                <a:spcPct val="20000"/>
+              </a:spcBef>
+              <a:buClr>
+                <a:schemeClr val="accent1"/>
+              </a:buClr>
+              <a:buSzPct val="65000"/>
+            </a:pPr>
+            <a:r>
+              <a:rPr lang="en-US" sz="1600" dirty="0" smtClean="0">
+                <a:latin typeface="Courier New" panose="02070309020205020404" pitchFamily="49" charset="0"/>
+                <a:cs typeface="Courier New" panose="02070309020205020404" pitchFamily="49" charset="0"/>
+              </a:rPr>
+              <a:t>      </a:t>
+            </a:r>
+            <a:r>
+              <a:rPr lang="en-US" sz="1600" dirty="0" err="1" smtClean="0">
+                <a:latin typeface="Courier New" panose="02070309020205020404" pitchFamily="49" charset="0"/>
+                <a:cs typeface="Courier New" panose="02070309020205020404" pitchFamily="49" charset="0"/>
+              </a:rPr>
+              <a:t>n.burnin</a:t>
+            </a:r>
+            <a:r>
+              <a:rPr lang="en-US" sz="1600" dirty="0" smtClean="0">
+                <a:latin typeface="Courier New" panose="02070309020205020404" pitchFamily="49" charset="0"/>
+                <a:cs typeface="Courier New" panose="02070309020205020404" pitchFamily="49" charset="0"/>
+              </a:rPr>
+              <a:t>=500, </a:t>
+            </a:r>
+            <a:r>
+              <a:rPr lang="en-US" sz="1600" dirty="0" err="1" smtClean="0">
+                <a:latin typeface="Courier New" panose="02070309020205020404" pitchFamily="49" charset="0"/>
+                <a:cs typeface="Courier New" panose="02070309020205020404" pitchFamily="49" charset="0"/>
+              </a:rPr>
+              <a:t>n.thin</a:t>
+            </a:r>
+            <a:r>
+              <a:rPr lang="en-US" sz="1600" dirty="0" smtClean="0">
+                <a:latin typeface="Courier New" panose="02070309020205020404" pitchFamily="49" charset="0"/>
+                <a:cs typeface="Courier New" panose="02070309020205020404" pitchFamily="49" charset="0"/>
+              </a:rPr>
+              <a:t>=1)</a:t>
+            </a:r>
+          </a:p>
+          <a:p>
+            <a:pPr>
+              <a:spcBef>
+                <a:spcPct val="20000"/>
+              </a:spcBef>
+              <a:buClr>
+                <a:schemeClr val="accent1"/>
+              </a:buClr>
+              <a:buSzPct val="65000"/>
+            </a:pPr>
+            <a:r>
+              <a:rPr lang="en-US" sz="1600" dirty="0" err="1" smtClean="0">
+                <a:latin typeface="Courier New" panose="02070309020205020404" pitchFamily="49" charset="0"/>
+                <a:cs typeface="Courier New" panose="02070309020205020404" pitchFamily="49" charset="0"/>
+              </a:rPr>
+              <a:t>traceplot</a:t>
+            </a:r>
+            <a:r>
+              <a:rPr lang="en-US" sz="1600" dirty="0" smtClean="0">
+                <a:latin typeface="Courier New" panose="02070309020205020404" pitchFamily="49" charset="0"/>
+                <a:cs typeface="Courier New" panose="02070309020205020404" pitchFamily="49" charset="0"/>
+              </a:rPr>
+              <a:t>(fit1</a:t>
+            </a:r>
+            <a:r>
+              <a:rPr lang="en-US" sz="1600" dirty="0">
+                <a:latin typeface="Courier New" panose="02070309020205020404" pitchFamily="49" charset="0"/>
+                <a:cs typeface="Courier New" panose="02070309020205020404" pitchFamily="49" charset="0"/>
+              </a:rPr>
+              <a:t>)</a:t>
+            </a:r>
+          </a:p>
+          <a:p>
+            <a:pPr>
+              <a:spcBef>
+                <a:spcPct val="20000"/>
+              </a:spcBef>
+              <a:buClr>
+                <a:schemeClr val="accent1"/>
+              </a:buClr>
+              <a:buSzPct val="65000"/>
+            </a:pPr>
+            <a:r>
+              <a:rPr lang="en-US" sz="1600" dirty="0" err="1">
+                <a:latin typeface="Courier New" panose="02070309020205020404" pitchFamily="49" charset="0"/>
+                <a:cs typeface="Courier New" panose="02070309020205020404" pitchFamily="49" charset="0"/>
+              </a:rPr>
+              <a:t>effectiveSize</a:t>
+            </a:r>
+            <a:r>
+              <a:rPr lang="en-US" sz="1600" dirty="0">
+                <a:latin typeface="Courier New" panose="02070309020205020404" pitchFamily="49" charset="0"/>
+                <a:cs typeface="Courier New" panose="02070309020205020404" pitchFamily="49" charset="0"/>
+              </a:rPr>
+              <a:t>(fit1)</a:t>
+            </a:r>
+          </a:p>
+          <a:p>
+            <a:pPr>
+              <a:spcBef>
+                <a:spcPct val="20000"/>
+              </a:spcBef>
+              <a:buClr>
+                <a:schemeClr val="accent1"/>
+              </a:buClr>
+              <a:buSzPct val="65000"/>
+            </a:pPr>
+            <a:r>
+              <a:rPr lang="en-US" sz="1600" dirty="0" err="1">
+                <a:latin typeface="Courier New" panose="02070309020205020404" pitchFamily="49" charset="0"/>
+                <a:cs typeface="Courier New" panose="02070309020205020404" pitchFamily="49" charset="0"/>
+              </a:rPr>
+              <a:t>gelman.diag</a:t>
+            </a:r>
+            <a:r>
+              <a:rPr lang="en-US" sz="1600" dirty="0">
+                <a:latin typeface="Courier New" panose="02070309020205020404" pitchFamily="49" charset="0"/>
+                <a:cs typeface="Courier New" panose="02070309020205020404" pitchFamily="49" charset="0"/>
+              </a:rPr>
+              <a:t>(</a:t>
+            </a:r>
+            <a:r>
+              <a:rPr lang="en-US" sz="1600" dirty="0" err="1">
+                <a:latin typeface="Courier New" panose="02070309020205020404" pitchFamily="49" charset="0"/>
+                <a:cs typeface="Courier New" panose="02070309020205020404" pitchFamily="49" charset="0"/>
+              </a:rPr>
+              <a:t>as.mcmc</a:t>
+            </a:r>
+            <a:r>
+              <a:rPr lang="en-US" sz="1600" dirty="0">
+                <a:latin typeface="Courier New" panose="02070309020205020404" pitchFamily="49" charset="0"/>
+                <a:cs typeface="Courier New" panose="02070309020205020404" pitchFamily="49" charset="0"/>
+              </a:rPr>
+              <a:t>(fit1))</a:t>
+            </a:r>
+          </a:p>
+          <a:p>
+            <a:pPr>
+              <a:spcBef>
+                <a:spcPct val="20000"/>
+              </a:spcBef>
+              <a:buClr>
+                <a:schemeClr val="accent1"/>
+              </a:buClr>
+              <a:buSzPct val="65000"/>
+            </a:pPr>
+            <a:r>
+              <a:rPr lang="en-US" sz="1600" dirty="0">
+                <a:latin typeface="Courier New" panose="02070309020205020404" pitchFamily="49" charset="0"/>
+                <a:cs typeface="Courier New" panose="02070309020205020404" pitchFamily="49" charset="0"/>
+              </a:rPr>
+              <a:t>post &lt;- </a:t>
+            </a:r>
+            <a:r>
+              <a:rPr lang="en-US" sz="1600" dirty="0" err="1">
+                <a:latin typeface="Courier New" panose="02070309020205020404" pitchFamily="49" charset="0"/>
+                <a:cs typeface="Courier New" panose="02070309020205020404" pitchFamily="49" charset="0"/>
+              </a:rPr>
+              <a:t>data.frame</a:t>
+            </a:r>
+            <a:r>
+              <a:rPr lang="en-US" sz="1600" dirty="0">
+                <a:latin typeface="Courier New" panose="02070309020205020404" pitchFamily="49" charset="0"/>
+                <a:cs typeface="Courier New" panose="02070309020205020404" pitchFamily="49" charset="0"/>
+              </a:rPr>
+              <a:t>(fit1$BUGSoutput$sims.matrix)</a:t>
+            </a:r>
+          </a:p>
+          <a:p>
+            <a:pPr>
+              <a:spcBef>
+                <a:spcPct val="20000"/>
+              </a:spcBef>
+              <a:buClr>
+                <a:schemeClr val="accent1"/>
+              </a:buClr>
+              <a:buSzPct val="65000"/>
+            </a:pPr>
+            <a:r>
+              <a:rPr lang="en-US" sz="1600" dirty="0" err="1">
+                <a:latin typeface="Courier New" panose="02070309020205020404" pitchFamily="49" charset="0"/>
+                <a:cs typeface="Courier New" panose="02070309020205020404" pitchFamily="49" charset="0"/>
+              </a:rPr>
+              <a:t>hist</a:t>
+            </a:r>
+            <a:r>
+              <a:rPr lang="en-US" sz="1600" dirty="0">
+                <a:latin typeface="Courier New" panose="02070309020205020404" pitchFamily="49" charset="0"/>
+                <a:cs typeface="Courier New" panose="02070309020205020404" pitchFamily="49" charset="0"/>
+              </a:rPr>
+              <a:t>(</a:t>
+            </a:r>
+            <a:r>
+              <a:rPr lang="en-US" sz="1600" dirty="0" err="1">
+                <a:latin typeface="Courier New" panose="02070309020205020404" pitchFamily="49" charset="0"/>
+                <a:cs typeface="Courier New" panose="02070309020205020404" pitchFamily="49" charset="0"/>
+              </a:rPr>
+              <a:t>post$lambda</a:t>
+            </a:r>
+            <a:r>
+              <a:rPr lang="en-US" sz="1600" dirty="0">
+                <a:latin typeface="Courier New" panose="02070309020205020404" pitchFamily="49" charset="0"/>
+                <a:cs typeface="Courier New" panose="02070309020205020404" pitchFamily="49" charset="0"/>
+              </a:rPr>
+              <a:t>)</a:t>
+            </a:r>
+          </a:p>
+        </p:txBody>
+      </p:sp>
+    </p:spTree>
+    <p:extLst>
+      <p:ext uri="{BB962C8B-B14F-4D97-AF65-F5344CB8AC3E}">
+        <p14:creationId xmlns:p14="http://schemas.microsoft.com/office/powerpoint/2010/main" val="879670135"/>
       </p:ext>
     </p:extLst>
   </p:cSld>
@@ -9532,689 +10987,197 @@
       </p:grpSpPr>
       <p:sp>
         <p:nvSpPr>
-          <p:cNvPr id="21505" name="Rectangle 2"/>
-          <p:cNvSpPr>
-            <a:spLocks noGrp="1" noChangeArrowheads="1"/>
+          <p:cNvPr id="2" name="Title 1"/>
+          <p:cNvSpPr>
+            <a:spLocks noGrp="1"/>
           </p:cNvSpPr>
           <p:nvPr>
             <p:ph type="title"/>
           </p:nvPr>
         </p:nvSpPr>
-        <p:spPr>
-          <a:xfrm>
-            <a:off x="457200" y="275213"/>
-            <a:ext cx="8229600" cy="1139825"/>
-          </a:xfrm>
-        </p:spPr>
+        <p:spPr/>
         <p:txBody>
           <a:bodyPr/>
           <a:lstStyle/>
           <a:p>
-            <a:pPr eaLnBrk="1" hangingPunct="1"/>
-            <a:r>
-              <a:rPr lang="en-US" dirty="0">
-                <a:latin typeface="Garamond" charset="0"/>
-              </a:rPr>
-              <a:t>BUGS syntax- a </a:t>
-            </a:r>
-            <a:r>
-              <a:rPr lang="en-US" dirty="0" smtClean="0">
-                <a:latin typeface="Garamond" charset="0"/>
-              </a:rPr>
-              <a:t>GLM </a:t>
-            </a:r>
-            <a:r>
-              <a:rPr lang="en-US" dirty="0">
-                <a:latin typeface="Garamond" charset="0"/>
-              </a:rPr>
-              <a:t>example</a:t>
-            </a:r>
-          </a:p>
-        </p:txBody>
-      </p:sp>
-      <p:sp>
-        <p:nvSpPr>
-          <p:cNvPr id="21510" name="Rectangle 8"/>
-          <p:cNvSpPr>
-            <a:spLocks noChangeArrowheads="1"/>
-          </p:cNvSpPr>
-          <p:nvPr/>
-        </p:nvSpPr>
-        <p:spPr bwMode="auto">
-          <a:xfrm>
-            <a:off x="457200" y="1225685"/>
-            <a:ext cx="8686799" cy="3249038"/>
-          </a:xfrm>
-          <a:prstGeom prst="rect">
-            <a:avLst/>
-          </a:prstGeom>
-          <a:noFill/>
-          <a:ln>
-            <a:noFill/>
-          </a:ln>
-          <a:extLst>
-            <a:ext uri="{909E8E84-426E-40dd-AFC4-6F175D3DCCD1}">
-              <a14:hiddenFill xmlns="" xmlns:a14="http://schemas.microsoft.com/office/drawing/2010/main">
-                <a:solidFill>
-                  <a:srgbClr val="FFFFFF"/>
-                </a:solidFill>
-              </a14:hiddenFill>
-            </a:ext>
-            <a:ext uri="{91240B29-F687-4f45-9708-019B960494DF}">
-              <a14:hiddenLine xmlns="" xmlns:a14="http://schemas.microsoft.com/office/drawing/2010/main" w="9525">
-                <a:solidFill>
-                  <a:srgbClr val="000000"/>
-                </a:solidFill>
-                <a:miter lim="800000"/>
-                <a:headEnd/>
-                <a:tailEnd/>
-              </a14:hiddenLine>
-            </a:ext>
-          </a:extLst>
-        </p:spPr>
+            <a:r>
+              <a:rPr lang="es-419" noProof="0" dirty="0" err="1" smtClean="0"/>
+              <a:t>Homework</a:t>
+            </a:r>
+            <a:endParaRPr lang="es-419" noProof="0" dirty="0"/>
+          </a:p>
+        </p:txBody>
+      </p:sp>
+      <p:sp>
+        <p:nvSpPr>
+          <p:cNvPr id="3" name="Content Placeholder 2"/>
+          <p:cNvSpPr>
+            <a:spLocks noGrp="1"/>
+          </p:cNvSpPr>
+          <p:nvPr>
+            <p:ph idx="1"/>
+          </p:nvPr>
+        </p:nvSpPr>
+        <p:spPr/>
         <p:txBody>
           <a:bodyPr/>
           <a:lstStyle/>
           <a:p>
-            <a:pPr marL="342900" indent="-342900">
-              <a:spcBef>
-                <a:spcPct val="20000"/>
-              </a:spcBef>
-              <a:buClr>
-                <a:schemeClr val="accent1"/>
-              </a:buClr>
-              <a:buFont typeface="Wingdings" charset="0"/>
-              <a:buNone/>
+            <a:pPr marL="514350" indent="-514350">
+              <a:buFont typeface="+mj-lt"/>
+              <a:buAutoNum type="arabicPeriod"/>
             </a:pPr>
             <a:r>
-              <a:rPr lang="en-US" sz="2600" dirty="0" smtClean="0"/>
-              <a:t>R code</a:t>
-            </a:r>
-            <a:endParaRPr lang="en-US" sz="2600" dirty="0"/>
-          </a:p>
-          <a:p>
-            <a:pPr>
-              <a:spcBef>
-                <a:spcPct val="20000"/>
-              </a:spcBef>
-              <a:buClr>
-                <a:schemeClr val="accent1"/>
-              </a:buClr>
-              <a:buSzPct val="65000"/>
+              <a:rPr lang="es-419" noProof="0" dirty="0" err="1" smtClean="0"/>
+              <a:t>Fit</a:t>
+            </a:r>
+            <a:r>
+              <a:rPr lang="es-419" noProof="0" dirty="0" smtClean="0"/>
+              <a:t> </a:t>
+            </a:r>
+            <a:r>
+              <a:rPr lang="es-419" noProof="0" dirty="0" err="1" smtClean="0"/>
+              <a:t>the</a:t>
+            </a:r>
+            <a:r>
+              <a:rPr lang="es-419" noProof="0" dirty="0" smtClean="0"/>
+              <a:t> normal </a:t>
+            </a:r>
+            <a:r>
+              <a:rPr lang="es-419" noProof="0" dirty="0" err="1" smtClean="0"/>
+              <a:t>conjugate</a:t>
+            </a:r>
+            <a:r>
+              <a:rPr lang="es-419" noProof="0" dirty="0" smtClean="0"/>
+              <a:t> </a:t>
+            </a:r>
+            <a:r>
+              <a:rPr lang="es-419" noProof="0" dirty="0" err="1" smtClean="0"/>
+              <a:t>example</a:t>
+            </a:r>
+            <a:r>
+              <a:rPr lang="es-419" noProof="0" dirty="0" smtClean="0"/>
+              <a:t> </a:t>
+            </a:r>
+            <a:r>
+              <a:rPr lang="es-419" noProof="0" dirty="0" err="1" smtClean="0"/>
+              <a:t>from</a:t>
+            </a:r>
+            <a:r>
+              <a:rPr lang="es-419" noProof="0" dirty="0" smtClean="0"/>
+              <a:t> </a:t>
+            </a:r>
+            <a:r>
+              <a:rPr lang="es-419" noProof="0" dirty="0" err="1" smtClean="0"/>
+              <a:t>lecture</a:t>
+            </a:r>
+            <a:r>
+              <a:rPr lang="es-419" noProof="0" dirty="0" smtClean="0"/>
+              <a:t> </a:t>
+            </a:r>
+            <a:r>
+              <a:rPr lang="es-419" noProof="0" dirty="0" err="1" smtClean="0"/>
+              <a:t>using</a:t>
+            </a:r>
+            <a:r>
+              <a:rPr lang="es-419" noProof="0" dirty="0" smtClean="0"/>
+              <a:t> JAGS and compare to </a:t>
+            </a:r>
+            <a:r>
+              <a:rPr lang="es-419" noProof="0" dirty="0" err="1" smtClean="0"/>
+              <a:t>exercise</a:t>
+            </a:r>
+            <a:r>
+              <a:rPr lang="es-419" noProof="0" dirty="0" smtClean="0"/>
+              <a:t> </a:t>
+            </a:r>
+            <a:r>
+              <a:rPr lang="es-419" noProof="0" dirty="0" err="1" smtClean="0"/>
+              <a:t>from</a:t>
+            </a:r>
+            <a:r>
+              <a:rPr lang="es-419" noProof="0" dirty="0" smtClean="0"/>
+              <a:t> R.</a:t>
+            </a:r>
+          </a:p>
+          <a:p>
+            <a:pPr marL="514350" indent="-514350">
+              <a:buFont typeface="+mj-lt"/>
+              <a:buAutoNum type="arabicPeriod"/>
             </a:pPr>
             <a:r>
-              <a:rPr lang="en-US" sz="1600" dirty="0">
-                <a:latin typeface="Courier New" panose="02070309020205020404" pitchFamily="49" charset="0"/>
-                <a:cs typeface="Courier New" panose="02070309020205020404" pitchFamily="49" charset="0"/>
-              </a:rPr>
-              <a:t>library(R2jags)</a:t>
-            </a:r>
-          </a:p>
-          <a:p>
-            <a:pPr>
-              <a:spcBef>
-                <a:spcPct val="20000"/>
-              </a:spcBef>
-              <a:buClr>
-                <a:schemeClr val="accent1"/>
-              </a:buClr>
-              <a:buSzPct val="65000"/>
+              <a:rPr lang="es-419" noProof="0" dirty="0" smtClean="0"/>
+              <a:t>[Note: JAGS uses </a:t>
+            </a:r>
+            <a:r>
+              <a:rPr lang="es-419" noProof="0" dirty="0" err="1" smtClean="0"/>
+              <a:t>dnorm</a:t>
+            </a:r>
+            <a:r>
+              <a:rPr lang="es-419" noProof="0" dirty="0" smtClean="0"/>
+              <a:t>(</a:t>
+            </a:r>
+            <a:r>
+              <a:rPr lang="es-419" noProof="0" dirty="0" err="1" smtClean="0"/>
+              <a:t>mu,tau</a:t>
+            </a:r>
+            <a:r>
+              <a:rPr lang="es-419" noProof="0" dirty="0" smtClean="0"/>
+              <a:t>) </a:t>
+            </a:r>
+            <a:r>
+              <a:rPr lang="es-419" noProof="0" dirty="0" err="1" smtClean="0"/>
+              <a:t>parameterization</a:t>
+            </a:r>
+            <a:r>
+              <a:rPr lang="es-419" noProof="0" dirty="0" smtClean="0"/>
+              <a:t> </a:t>
+            </a:r>
+            <a:r>
+              <a:rPr lang="es-419" noProof="0" dirty="0" err="1" smtClean="0"/>
+              <a:t>where</a:t>
+            </a:r>
+            <a:r>
+              <a:rPr lang="es-419" noProof="0" dirty="0" smtClean="0"/>
+              <a:t> tau=1/sigma.</a:t>
+            </a:r>
+          </a:p>
+          <a:p>
+            <a:pPr marL="514350" indent="-514350">
+              <a:buFont typeface="+mj-lt"/>
+              <a:buAutoNum type="arabicPeriod"/>
             </a:pPr>
-            <a:r>
-              <a:rPr lang="en-US" sz="1600" dirty="0" err="1">
-                <a:latin typeface="Courier New" panose="02070309020205020404" pitchFamily="49" charset="0"/>
-                <a:cs typeface="Courier New" panose="02070309020205020404" pitchFamily="49" charset="0"/>
-              </a:rPr>
-              <a:t>dat</a:t>
-            </a:r>
-            <a:r>
-              <a:rPr lang="en-US" sz="1600" dirty="0">
-                <a:latin typeface="Courier New" panose="02070309020205020404" pitchFamily="49" charset="0"/>
-                <a:cs typeface="Courier New" panose="02070309020205020404" pitchFamily="49" charset="0"/>
-              </a:rPr>
-              <a:t> &lt;- </a:t>
-            </a:r>
-            <a:r>
-              <a:rPr lang="en-US" sz="1600" dirty="0" err="1">
-                <a:latin typeface="Courier New" panose="02070309020205020404" pitchFamily="49" charset="0"/>
-                <a:cs typeface="Courier New" panose="02070309020205020404" pitchFamily="49" charset="0"/>
-              </a:rPr>
-              <a:t>dget</a:t>
-            </a:r>
-            <a:r>
-              <a:rPr lang="en-US" sz="1600" dirty="0">
-                <a:latin typeface="Courier New" panose="02070309020205020404" pitchFamily="49" charset="0"/>
-                <a:cs typeface="Courier New" panose="02070309020205020404" pitchFamily="49" charset="0"/>
-              </a:rPr>
-              <a:t>('</a:t>
-            </a:r>
-            <a:r>
-              <a:rPr lang="en-US" sz="1600" dirty="0" err="1">
-                <a:latin typeface="Courier New" panose="02070309020205020404" pitchFamily="49" charset="0"/>
-                <a:cs typeface="Courier New" panose="02070309020205020404" pitchFamily="49" charset="0"/>
-              </a:rPr>
-              <a:t>datos</a:t>
-            </a:r>
-            <a:r>
-              <a:rPr lang="en-US" sz="1600" dirty="0">
-                <a:latin typeface="Courier New" panose="02070309020205020404" pitchFamily="49" charset="0"/>
-                <a:cs typeface="Courier New" panose="02070309020205020404" pitchFamily="49" charset="0"/>
-              </a:rPr>
-              <a:t>/insect_data2.txt')</a:t>
-            </a:r>
-          </a:p>
-          <a:p>
-            <a:pPr>
-              <a:spcBef>
-                <a:spcPct val="20000"/>
-              </a:spcBef>
-              <a:buClr>
-                <a:schemeClr val="accent1"/>
-              </a:buClr>
-              <a:buSzPct val="65000"/>
-            </a:pPr>
-            <a:r>
-              <a:rPr lang="en-US" sz="1600" dirty="0">
-                <a:latin typeface="Courier New" panose="02070309020205020404" pitchFamily="49" charset="0"/>
-                <a:cs typeface="Courier New" panose="02070309020205020404" pitchFamily="49" charset="0"/>
-              </a:rPr>
-              <a:t>plot(</a:t>
-            </a:r>
-            <a:r>
-              <a:rPr lang="en-US" sz="1600" dirty="0" err="1">
-                <a:latin typeface="Courier New" panose="02070309020205020404" pitchFamily="49" charset="0"/>
-                <a:cs typeface="Courier New" panose="02070309020205020404" pitchFamily="49" charset="0"/>
-              </a:rPr>
-              <a:t>dat$x</a:t>
-            </a:r>
-            <a:r>
-              <a:rPr lang="en-US" sz="1600" dirty="0">
-                <a:latin typeface="Courier New" panose="02070309020205020404" pitchFamily="49" charset="0"/>
-                <a:cs typeface="Courier New" panose="02070309020205020404" pitchFamily="49" charset="0"/>
-              </a:rPr>
-              <a:t>, </a:t>
-            </a:r>
-            <a:r>
-              <a:rPr lang="en-US" sz="1600" dirty="0" err="1">
-                <a:latin typeface="Courier New" panose="02070309020205020404" pitchFamily="49" charset="0"/>
-                <a:cs typeface="Courier New" panose="02070309020205020404" pitchFamily="49" charset="0"/>
-              </a:rPr>
-              <a:t>dat$Y</a:t>
-            </a:r>
-            <a:r>
-              <a:rPr lang="en-US" sz="1600" dirty="0">
-                <a:latin typeface="Courier New" panose="02070309020205020404" pitchFamily="49" charset="0"/>
-                <a:cs typeface="Courier New" panose="02070309020205020404" pitchFamily="49" charset="0"/>
-              </a:rPr>
-              <a:t>, </a:t>
-            </a:r>
-            <a:r>
-              <a:rPr lang="en-US" sz="1600" dirty="0" err="1">
-                <a:latin typeface="Courier New" panose="02070309020205020404" pitchFamily="49" charset="0"/>
-                <a:cs typeface="Courier New" panose="02070309020205020404" pitchFamily="49" charset="0"/>
-              </a:rPr>
-              <a:t>xlab</a:t>
-            </a:r>
-            <a:r>
-              <a:rPr lang="en-US" sz="1600" dirty="0">
-                <a:latin typeface="Courier New" panose="02070309020205020404" pitchFamily="49" charset="0"/>
-                <a:cs typeface="Courier New" panose="02070309020205020404" pitchFamily="49" charset="0"/>
-              </a:rPr>
-              <a:t> = "Female Egg Compliment",</a:t>
-            </a:r>
-          </a:p>
-          <a:p>
-            <a:pPr>
-              <a:spcBef>
-                <a:spcPct val="20000"/>
-              </a:spcBef>
-              <a:buClr>
-                <a:schemeClr val="accent1"/>
-              </a:buClr>
-              <a:buSzPct val="65000"/>
-            </a:pPr>
-            <a:r>
-              <a:rPr lang="en-US" sz="1600" dirty="0">
-                <a:latin typeface="Courier New" panose="02070309020205020404" pitchFamily="49" charset="0"/>
-                <a:cs typeface="Courier New" panose="02070309020205020404" pitchFamily="49" charset="0"/>
-              </a:rPr>
-              <a:t>     </a:t>
-            </a:r>
-            <a:r>
-              <a:rPr lang="en-US" sz="1600" dirty="0" err="1">
-                <a:latin typeface="Courier New" panose="02070309020205020404" pitchFamily="49" charset="0"/>
-                <a:cs typeface="Courier New" panose="02070309020205020404" pitchFamily="49" charset="0"/>
-              </a:rPr>
-              <a:t>ylab</a:t>
-            </a:r>
-            <a:r>
-              <a:rPr lang="en-US" sz="1600" dirty="0">
-                <a:latin typeface="Courier New" panose="02070309020205020404" pitchFamily="49" charset="0"/>
-                <a:cs typeface="Courier New" panose="02070309020205020404" pitchFamily="49" charset="0"/>
-              </a:rPr>
-              <a:t> = "Eggs laid on host", </a:t>
-            </a:r>
-            <a:r>
-              <a:rPr lang="en-US" sz="1600" dirty="0" err="1">
-                <a:latin typeface="Courier New" panose="02070309020205020404" pitchFamily="49" charset="0"/>
-                <a:cs typeface="Courier New" panose="02070309020205020404" pitchFamily="49" charset="0"/>
-              </a:rPr>
-              <a:t>pch</a:t>
-            </a:r>
-            <a:r>
-              <a:rPr lang="en-US" sz="1600" dirty="0">
-                <a:latin typeface="Courier New" panose="02070309020205020404" pitchFamily="49" charset="0"/>
-                <a:cs typeface="Courier New" panose="02070309020205020404" pitchFamily="49" charset="0"/>
-              </a:rPr>
-              <a:t> = 15)</a:t>
-            </a:r>
-          </a:p>
-          <a:p>
-            <a:pPr>
-              <a:spcBef>
-                <a:spcPct val="20000"/>
-              </a:spcBef>
-              <a:buClr>
-                <a:schemeClr val="accent1"/>
-              </a:buClr>
-              <a:buSzPct val="65000"/>
-            </a:pPr>
-            <a:r>
-              <a:rPr lang="en-US" sz="1600" dirty="0" err="1">
-                <a:latin typeface="Courier New" panose="02070309020205020404" pitchFamily="49" charset="0"/>
-                <a:cs typeface="Courier New" panose="02070309020205020404" pitchFamily="49" charset="0"/>
-              </a:rPr>
-              <a:t>inits</a:t>
-            </a:r>
-            <a:r>
-              <a:rPr lang="en-US" sz="1600" dirty="0">
-                <a:latin typeface="Courier New" panose="02070309020205020404" pitchFamily="49" charset="0"/>
-                <a:cs typeface="Courier New" panose="02070309020205020404" pitchFamily="49" charset="0"/>
-              </a:rPr>
-              <a:t> &lt;- function() list(lambda=</a:t>
-            </a:r>
-            <a:r>
-              <a:rPr lang="en-US" sz="1600" dirty="0" err="1">
-                <a:latin typeface="Courier New" panose="02070309020205020404" pitchFamily="49" charset="0"/>
-                <a:cs typeface="Courier New" panose="02070309020205020404" pitchFamily="49" charset="0"/>
-              </a:rPr>
-              <a:t>runif</a:t>
-            </a:r>
-            <a:r>
-              <a:rPr lang="en-US" sz="1600" dirty="0">
-                <a:latin typeface="Courier New" panose="02070309020205020404" pitchFamily="49" charset="0"/>
-                <a:cs typeface="Courier New" panose="02070309020205020404" pitchFamily="49" charset="0"/>
-              </a:rPr>
-              <a:t>(1,1,15))</a:t>
-            </a:r>
-          </a:p>
-          <a:p>
-            <a:pPr>
-              <a:spcBef>
-                <a:spcPct val="20000"/>
-              </a:spcBef>
-              <a:buClr>
-                <a:schemeClr val="accent1"/>
-              </a:buClr>
-              <a:buSzPct val="65000"/>
-            </a:pPr>
-            <a:r>
-              <a:rPr lang="en-US" sz="1600" dirty="0">
-                <a:latin typeface="Courier New" panose="02070309020205020404" pitchFamily="49" charset="0"/>
-                <a:cs typeface="Courier New" panose="02070309020205020404" pitchFamily="49" charset="0"/>
-              </a:rPr>
-              <a:t>fit1 &lt;- jags(data=</a:t>
-            </a:r>
-            <a:r>
-              <a:rPr lang="en-US" sz="1600" dirty="0" err="1">
-                <a:latin typeface="Courier New" panose="02070309020205020404" pitchFamily="49" charset="0"/>
-                <a:cs typeface="Courier New" panose="02070309020205020404" pitchFamily="49" charset="0"/>
-              </a:rPr>
-              <a:t>dat</a:t>
-            </a:r>
-            <a:r>
-              <a:rPr lang="en-US" sz="1600" dirty="0">
-                <a:latin typeface="Courier New" panose="02070309020205020404" pitchFamily="49" charset="0"/>
-                <a:cs typeface="Courier New" panose="02070309020205020404" pitchFamily="49" charset="0"/>
-              </a:rPr>
-              <a:t>, </a:t>
-            </a:r>
-            <a:r>
-              <a:rPr lang="en-US" sz="1600" dirty="0" err="1">
-                <a:latin typeface="Courier New" panose="02070309020205020404" pitchFamily="49" charset="0"/>
-                <a:cs typeface="Courier New" panose="02070309020205020404" pitchFamily="49" charset="0"/>
-              </a:rPr>
-              <a:t>inits</a:t>
-            </a:r>
-            <a:r>
-              <a:rPr lang="en-US" sz="1600" dirty="0">
-                <a:latin typeface="Courier New" panose="02070309020205020404" pitchFamily="49" charset="0"/>
-                <a:cs typeface="Courier New" panose="02070309020205020404" pitchFamily="49" charset="0"/>
-              </a:rPr>
-              <a:t>=</a:t>
-            </a:r>
-            <a:r>
-              <a:rPr lang="en-US" sz="1600" dirty="0" err="1">
-                <a:latin typeface="Courier New" panose="02070309020205020404" pitchFamily="49" charset="0"/>
-                <a:cs typeface="Courier New" panose="02070309020205020404" pitchFamily="49" charset="0"/>
-              </a:rPr>
-              <a:t>inits</a:t>
-            </a:r>
-            <a:r>
-              <a:rPr lang="en-US" sz="1600" dirty="0">
-                <a:latin typeface="Courier New" panose="02070309020205020404" pitchFamily="49" charset="0"/>
-                <a:cs typeface="Courier New" panose="02070309020205020404" pitchFamily="49" charset="0"/>
-              </a:rPr>
-              <a:t>, </a:t>
-            </a:r>
-            <a:r>
-              <a:rPr lang="en-US" sz="1600" dirty="0" err="1">
-                <a:latin typeface="Courier New" panose="02070309020205020404" pitchFamily="49" charset="0"/>
-                <a:cs typeface="Courier New" panose="02070309020205020404" pitchFamily="49" charset="0"/>
-              </a:rPr>
-              <a:t>parameters.to.save</a:t>
-            </a:r>
-            <a:r>
-              <a:rPr lang="en-US" sz="1600" dirty="0">
-                <a:latin typeface="Courier New" panose="02070309020205020404" pitchFamily="49" charset="0"/>
-                <a:cs typeface="Courier New" panose="02070309020205020404" pitchFamily="49" charset="0"/>
-              </a:rPr>
-              <a:t>='lambda',</a:t>
-            </a:r>
-          </a:p>
-          <a:p>
-            <a:pPr>
-              <a:spcBef>
-                <a:spcPct val="20000"/>
-              </a:spcBef>
-              <a:buClr>
-                <a:schemeClr val="accent1"/>
-              </a:buClr>
-              <a:buSzPct val="65000"/>
-            </a:pPr>
-            <a:r>
-              <a:rPr lang="en-US" sz="1600" dirty="0">
-                <a:latin typeface="Courier New" panose="02070309020205020404" pitchFamily="49" charset="0"/>
-                <a:cs typeface="Courier New" panose="02070309020205020404" pitchFamily="49" charset="0"/>
-              </a:rPr>
-              <a:t>      </a:t>
-            </a:r>
-            <a:r>
-              <a:rPr lang="en-US" sz="1600" dirty="0" err="1" smtClean="0">
-                <a:latin typeface="Courier New" panose="02070309020205020404" pitchFamily="49" charset="0"/>
-                <a:cs typeface="Courier New" panose="02070309020205020404" pitchFamily="49" charset="0"/>
-              </a:rPr>
-              <a:t>model.file</a:t>
-            </a:r>
-            <a:r>
-              <a:rPr lang="en-US" sz="1600" dirty="0">
-                <a:latin typeface="Courier New" panose="02070309020205020404" pitchFamily="49" charset="0"/>
-                <a:cs typeface="Courier New" panose="02070309020205020404" pitchFamily="49" charset="0"/>
-              </a:rPr>
-              <a:t>='</a:t>
-            </a:r>
-            <a:r>
-              <a:rPr lang="en-US" sz="1600" dirty="0" err="1">
-                <a:latin typeface="Courier New" panose="02070309020205020404" pitchFamily="49" charset="0"/>
-                <a:cs typeface="Courier New" panose="02070309020205020404" pitchFamily="49" charset="0"/>
-              </a:rPr>
-              <a:t>modelos</a:t>
-            </a:r>
-            <a:r>
-              <a:rPr lang="en-US" sz="1600" dirty="0">
-                <a:latin typeface="Courier New" panose="02070309020205020404" pitchFamily="49" charset="0"/>
-                <a:cs typeface="Courier New" panose="02070309020205020404" pitchFamily="49" charset="0"/>
-              </a:rPr>
-              <a:t>/insect1.jags', </a:t>
-            </a:r>
-            <a:r>
-              <a:rPr lang="en-US" sz="1600" dirty="0" err="1">
-                <a:latin typeface="Courier New" panose="02070309020205020404" pitchFamily="49" charset="0"/>
-                <a:cs typeface="Courier New" panose="02070309020205020404" pitchFamily="49" charset="0"/>
-              </a:rPr>
-              <a:t>n.chains</a:t>
-            </a:r>
-            <a:r>
-              <a:rPr lang="en-US" sz="1600" dirty="0">
-                <a:latin typeface="Courier New" panose="02070309020205020404" pitchFamily="49" charset="0"/>
-                <a:cs typeface="Courier New" panose="02070309020205020404" pitchFamily="49" charset="0"/>
-              </a:rPr>
-              <a:t>=3, </a:t>
-            </a:r>
-            <a:r>
-              <a:rPr lang="en-US" sz="1600" dirty="0" err="1" smtClean="0">
-                <a:latin typeface="Courier New" panose="02070309020205020404" pitchFamily="49" charset="0"/>
-                <a:cs typeface="Courier New" panose="02070309020205020404" pitchFamily="49" charset="0"/>
-              </a:rPr>
-              <a:t>n.iter</a:t>
-            </a:r>
-            <a:r>
-              <a:rPr lang="en-US" sz="1600" dirty="0" smtClean="0">
-                <a:latin typeface="Courier New" panose="02070309020205020404" pitchFamily="49" charset="0"/>
-                <a:cs typeface="Courier New" panose="02070309020205020404" pitchFamily="49" charset="0"/>
-              </a:rPr>
-              <a:t>=2000,</a:t>
-            </a:r>
-          </a:p>
-          <a:p>
-            <a:pPr>
-              <a:spcBef>
-                <a:spcPct val="20000"/>
-              </a:spcBef>
-              <a:buClr>
-                <a:schemeClr val="accent1"/>
-              </a:buClr>
-              <a:buSzPct val="65000"/>
-            </a:pPr>
-            <a:r>
-              <a:rPr lang="en-US" sz="1600" dirty="0" smtClean="0">
-                <a:latin typeface="Courier New" panose="02070309020205020404" pitchFamily="49" charset="0"/>
-                <a:cs typeface="Courier New" panose="02070309020205020404" pitchFamily="49" charset="0"/>
-              </a:rPr>
-              <a:t>      </a:t>
-            </a:r>
-            <a:r>
-              <a:rPr lang="en-US" sz="1600" dirty="0" err="1" smtClean="0">
-                <a:latin typeface="Courier New" panose="02070309020205020404" pitchFamily="49" charset="0"/>
-                <a:cs typeface="Courier New" panose="02070309020205020404" pitchFamily="49" charset="0"/>
-              </a:rPr>
-              <a:t>n.burnin</a:t>
-            </a:r>
-            <a:r>
-              <a:rPr lang="en-US" sz="1600" dirty="0" smtClean="0">
-                <a:latin typeface="Courier New" panose="02070309020205020404" pitchFamily="49" charset="0"/>
-                <a:cs typeface="Courier New" panose="02070309020205020404" pitchFamily="49" charset="0"/>
-              </a:rPr>
-              <a:t>=500, </a:t>
-            </a:r>
-            <a:r>
-              <a:rPr lang="en-US" sz="1600" dirty="0" err="1" smtClean="0">
-                <a:latin typeface="Courier New" panose="02070309020205020404" pitchFamily="49" charset="0"/>
-                <a:cs typeface="Courier New" panose="02070309020205020404" pitchFamily="49" charset="0"/>
-              </a:rPr>
-              <a:t>n.thin</a:t>
-            </a:r>
-            <a:r>
-              <a:rPr lang="en-US" sz="1600" dirty="0" smtClean="0">
-                <a:latin typeface="Courier New" panose="02070309020205020404" pitchFamily="49" charset="0"/>
-                <a:cs typeface="Courier New" panose="02070309020205020404" pitchFamily="49" charset="0"/>
-              </a:rPr>
-              <a:t>=1)</a:t>
-            </a:r>
-          </a:p>
-          <a:p>
-            <a:pPr>
-              <a:spcBef>
-                <a:spcPct val="20000"/>
-              </a:spcBef>
-              <a:buClr>
-                <a:schemeClr val="accent1"/>
-              </a:buClr>
-              <a:buSzPct val="65000"/>
-            </a:pPr>
-            <a:r>
-              <a:rPr lang="en-US" sz="1600" dirty="0" err="1" smtClean="0">
-                <a:latin typeface="Courier New" panose="02070309020205020404" pitchFamily="49" charset="0"/>
-                <a:cs typeface="Courier New" panose="02070309020205020404" pitchFamily="49" charset="0"/>
-              </a:rPr>
-              <a:t>traceplot</a:t>
-            </a:r>
-            <a:r>
-              <a:rPr lang="en-US" sz="1600" dirty="0" smtClean="0">
-                <a:latin typeface="Courier New" panose="02070309020205020404" pitchFamily="49" charset="0"/>
-                <a:cs typeface="Courier New" panose="02070309020205020404" pitchFamily="49" charset="0"/>
-              </a:rPr>
-              <a:t>(fit1</a:t>
-            </a:r>
-            <a:r>
-              <a:rPr lang="en-US" sz="1600" dirty="0">
-                <a:latin typeface="Courier New" panose="02070309020205020404" pitchFamily="49" charset="0"/>
-                <a:cs typeface="Courier New" panose="02070309020205020404" pitchFamily="49" charset="0"/>
-              </a:rPr>
-              <a:t>)</a:t>
-            </a:r>
-          </a:p>
-          <a:p>
-            <a:pPr>
-              <a:spcBef>
-                <a:spcPct val="20000"/>
-              </a:spcBef>
-              <a:buClr>
-                <a:schemeClr val="accent1"/>
-              </a:buClr>
-              <a:buSzPct val="65000"/>
-            </a:pPr>
-            <a:r>
-              <a:rPr lang="en-US" sz="1600" dirty="0" err="1">
-                <a:latin typeface="Courier New" panose="02070309020205020404" pitchFamily="49" charset="0"/>
-                <a:cs typeface="Courier New" panose="02070309020205020404" pitchFamily="49" charset="0"/>
-              </a:rPr>
-              <a:t>effectiveSize</a:t>
-            </a:r>
-            <a:r>
-              <a:rPr lang="en-US" sz="1600" dirty="0">
-                <a:latin typeface="Courier New" panose="02070309020205020404" pitchFamily="49" charset="0"/>
-                <a:cs typeface="Courier New" panose="02070309020205020404" pitchFamily="49" charset="0"/>
-              </a:rPr>
-              <a:t>(fit1)</a:t>
-            </a:r>
-          </a:p>
-          <a:p>
-            <a:pPr>
-              <a:spcBef>
-                <a:spcPct val="20000"/>
-              </a:spcBef>
-              <a:buClr>
-                <a:schemeClr val="accent1"/>
-              </a:buClr>
-              <a:buSzPct val="65000"/>
-            </a:pPr>
-            <a:r>
-              <a:rPr lang="en-US" sz="1600" dirty="0" err="1">
-                <a:latin typeface="Courier New" panose="02070309020205020404" pitchFamily="49" charset="0"/>
-                <a:cs typeface="Courier New" panose="02070309020205020404" pitchFamily="49" charset="0"/>
-              </a:rPr>
-              <a:t>gelman.diag</a:t>
-            </a:r>
-            <a:r>
-              <a:rPr lang="en-US" sz="1600" dirty="0">
-                <a:latin typeface="Courier New" panose="02070309020205020404" pitchFamily="49" charset="0"/>
-                <a:cs typeface="Courier New" panose="02070309020205020404" pitchFamily="49" charset="0"/>
-              </a:rPr>
-              <a:t>(</a:t>
-            </a:r>
-            <a:r>
-              <a:rPr lang="en-US" sz="1600" dirty="0" err="1">
-                <a:latin typeface="Courier New" panose="02070309020205020404" pitchFamily="49" charset="0"/>
-                <a:cs typeface="Courier New" panose="02070309020205020404" pitchFamily="49" charset="0"/>
-              </a:rPr>
-              <a:t>as.mcmc</a:t>
-            </a:r>
-            <a:r>
-              <a:rPr lang="en-US" sz="1600" dirty="0">
-                <a:latin typeface="Courier New" panose="02070309020205020404" pitchFamily="49" charset="0"/>
-                <a:cs typeface="Courier New" panose="02070309020205020404" pitchFamily="49" charset="0"/>
-              </a:rPr>
-              <a:t>(fit1))</a:t>
-            </a:r>
-          </a:p>
-          <a:p>
-            <a:pPr>
-              <a:spcBef>
-                <a:spcPct val="20000"/>
-              </a:spcBef>
-              <a:buClr>
-                <a:schemeClr val="accent1"/>
-              </a:buClr>
-              <a:buSzPct val="65000"/>
-            </a:pPr>
-            <a:r>
-              <a:rPr lang="en-US" sz="1600" dirty="0">
-                <a:latin typeface="Courier New" panose="02070309020205020404" pitchFamily="49" charset="0"/>
-                <a:cs typeface="Courier New" panose="02070309020205020404" pitchFamily="49" charset="0"/>
-              </a:rPr>
-              <a:t>post &lt;- </a:t>
-            </a:r>
-            <a:r>
-              <a:rPr lang="en-US" sz="1600" dirty="0" err="1">
-                <a:latin typeface="Courier New" panose="02070309020205020404" pitchFamily="49" charset="0"/>
-                <a:cs typeface="Courier New" panose="02070309020205020404" pitchFamily="49" charset="0"/>
-              </a:rPr>
-              <a:t>data.frame</a:t>
-            </a:r>
-            <a:r>
-              <a:rPr lang="en-US" sz="1600" dirty="0">
-                <a:latin typeface="Courier New" panose="02070309020205020404" pitchFamily="49" charset="0"/>
-                <a:cs typeface="Courier New" panose="02070309020205020404" pitchFamily="49" charset="0"/>
-              </a:rPr>
-              <a:t>(fit1$BUGSoutput$sims.matrix)</a:t>
-            </a:r>
-          </a:p>
-          <a:p>
-            <a:pPr>
-              <a:spcBef>
-                <a:spcPct val="20000"/>
-              </a:spcBef>
-              <a:buClr>
-                <a:schemeClr val="accent1"/>
-              </a:buClr>
-              <a:buSzPct val="65000"/>
-            </a:pPr>
-            <a:r>
-              <a:rPr lang="en-US" sz="1600" dirty="0" err="1">
-                <a:latin typeface="Courier New" panose="02070309020205020404" pitchFamily="49" charset="0"/>
-                <a:cs typeface="Courier New" panose="02070309020205020404" pitchFamily="49" charset="0"/>
-              </a:rPr>
-              <a:t>hist</a:t>
-            </a:r>
-            <a:r>
-              <a:rPr lang="en-US" sz="1600" dirty="0">
-                <a:latin typeface="Courier New" panose="02070309020205020404" pitchFamily="49" charset="0"/>
-                <a:cs typeface="Courier New" panose="02070309020205020404" pitchFamily="49" charset="0"/>
-              </a:rPr>
-              <a:t>(</a:t>
-            </a:r>
-            <a:r>
-              <a:rPr lang="en-US" sz="1600" dirty="0" err="1">
-                <a:latin typeface="Courier New" panose="02070309020205020404" pitchFamily="49" charset="0"/>
-                <a:cs typeface="Courier New" panose="02070309020205020404" pitchFamily="49" charset="0"/>
-              </a:rPr>
-              <a:t>post$lambda</a:t>
-            </a:r>
-            <a:r>
-              <a:rPr lang="en-US" sz="1600" dirty="0">
-                <a:latin typeface="Courier New" panose="02070309020205020404" pitchFamily="49" charset="0"/>
-                <a:cs typeface="Courier New" panose="02070309020205020404" pitchFamily="49" charset="0"/>
-              </a:rPr>
-              <a:t>)</a:t>
-            </a:r>
+            <a:endParaRPr lang="es-419" noProof="0" dirty="0"/>
+          </a:p>
+        </p:txBody>
+      </p:sp>
+      <p:sp>
+        <p:nvSpPr>
+          <p:cNvPr id="4" name="Slide Number Placeholder 3"/>
+          <p:cNvSpPr>
+            <a:spLocks noGrp="1"/>
+          </p:cNvSpPr>
+          <p:nvPr>
+            <p:ph type="sldNum" sz="quarter" idx="12"/>
+          </p:nvPr>
+        </p:nvSpPr>
+        <p:spPr/>
+        <p:txBody>
+          <a:bodyPr/>
+          <a:lstStyle/>
+          <a:p>
+            <a:fld id="{A90099C9-4CB8-9A40-B745-9AB270505907}" type="slidenum">
+              <a:rPr lang="en-US" smtClean="0"/>
+              <a:t>19</a:t>
+            </a:fld>
+            <a:endParaRPr lang="en-US"/>
           </a:p>
         </p:txBody>
       </p:sp>
     </p:spTree>
     <p:extLst>
       <p:ext uri="{BB962C8B-B14F-4D97-AF65-F5344CB8AC3E}">
-        <p14:creationId xmlns:p14="http://schemas.microsoft.com/office/powerpoint/2010/main" val="879670135"/>
+        <p14:creationId xmlns:p14="http://schemas.microsoft.com/office/powerpoint/2010/main" val="188599304"/>
       </p:ext>
     </p:extLst>
   </p:cSld>
@@ -10257,14 +11220,10 @@
           <a:lstStyle/>
           <a:p>
             <a:r>
-              <a:rPr lang="en-US" dirty="0" err="1" smtClean="0"/>
-              <a:t>Convergencia</a:t>
-            </a:r>
-            <a:r>
-              <a:rPr lang="en-US" dirty="0" smtClean="0"/>
-              <a:t> de MCMC</a:t>
-            </a:r>
-            <a:endParaRPr lang="en-US" dirty="0"/>
+              <a:rPr lang="es-419" noProof="0" dirty="0" smtClean="0"/>
+              <a:t>Convergencia de MCMC</a:t>
+            </a:r>
+            <a:endParaRPr lang="es-419" noProof="0" dirty="0"/>
           </a:p>
         </p:txBody>
       </p:sp>
@@ -10284,22 +11243,48 @@
           <a:lstStyle/>
           <a:p>
             <a:r>
-              <a:rPr lang="en-US" dirty="0" smtClean="0"/>
-              <a:t>MCMC samples converge with infinite samples</a:t>
-            </a:r>
-          </a:p>
-          <a:p>
-            <a:r>
-              <a:rPr lang="en-US" dirty="0" smtClean="0"/>
-              <a:t>But we only run finite samples (e.g., 5000).</a:t>
-            </a:r>
-          </a:p>
-          <a:p>
-            <a:r>
-              <a:rPr lang="en-US" dirty="0" smtClean="0"/>
-              <a:t>So need to be careful that the chain generates samples from our posterior </a:t>
-            </a:r>
-            <a:endParaRPr lang="en-US" dirty="0"/>
+              <a:rPr lang="es-419" noProof="0" dirty="0" smtClean="0"/>
+              <a:t>MCMC muestras converge como </a:t>
+            </a:r>
+            <a:r>
+              <a:rPr lang="es-419" i="1" noProof="0" dirty="0" smtClean="0"/>
+              <a:t>n </a:t>
+            </a:r>
+            <a:r>
+              <a:rPr lang="es-419" noProof="0" dirty="0" smtClean="0"/>
+              <a:t>va a infinito</a:t>
+            </a:r>
+          </a:p>
+          <a:p>
+            <a:r>
+              <a:rPr lang="es-419" dirty="0" smtClean="0"/>
+              <a:t>Pero solo tenemos una cantidad finita </a:t>
+            </a:r>
+            <a:r>
+              <a:rPr lang="es-419" noProof="0" dirty="0" smtClean="0"/>
+              <a:t>(</a:t>
+            </a:r>
+            <a:r>
+              <a:rPr lang="es-419" noProof="0" dirty="0" err="1" smtClean="0"/>
+              <a:t>e.g</a:t>
+            </a:r>
+            <a:r>
+              <a:rPr lang="es-419" noProof="0" dirty="0" smtClean="0"/>
+              <a:t>., 5000).</a:t>
+            </a:r>
+          </a:p>
+          <a:p>
+            <a:r>
+              <a:rPr lang="es-419" dirty="0" smtClean="0"/>
+              <a:t>Significa que hay que ser cuidadoso que la cadena genera muestras de la posterior</a:t>
+            </a:r>
+          </a:p>
+          <a:p>
+            <a:r>
+              <a:rPr lang="es-419" dirty="0" smtClean="0"/>
+              <a:t>Es decir, que la cadena (probablemente) ha convergido. </a:t>
+            </a:r>
+            <a:endParaRPr lang="es-419" noProof="0" dirty="0"/>
           </a:p>
         </p:txBody>
       </p:sp>
@@ -10358,293 +11343,10 @@
       </p:grpSpPr>
       <p:sp>
         <p:nvSpPr>
-          <p:cNvPr id="2" name="Title 1"/>
-          <p:cNvSpPr>
-            <a:spLocks noGrp="1"/>
-          </p:cNvSpPr>
-          <p:nvPr>
-            <p:ph type="title"/>
-          </p:nvPr>
-        </p:nvSpPr>
-        <p:spPr/>
-        <p:txBody>
-          <a:bodyPr/>
-          <a:lstStyle/>
-          <a:p>
-            <a:r>
-              <a:rPr lang="en-US" dirty="0" smtClean="0"/>
-              <a:t>Overview</a:t>
-            </a:r>
-            <a:endParaRPr lang="en-US" dirty="0"/>
-          </a:p>
-        </p:txBody>
-      </p:sp>
-      <p:sp>
-        <p:nvSpPr>
-          <p:cNvPr id="3" name="Content Placeholder 2"/>
-          <p:cNvSpPr>
-            <a:spLocks noGrp="1"/>
-          </p:cNvSpPr>
-          <p:nvPr>
-            <p:ph idx="1"/>
-          </p:nvPr>
-        </p:nvSpPr>
-        <p:spPr/>
-        <p:txBody>
-          <a:bodyPr/>
-          <a:lstStyle/>
-          <a:p>
-            <a:r>
-              <a:rPr lang="en-US" dirty="0" smtClean="0"/>
-              <a:t>We provide the priors and likelihoods in a special language</a:t>
-            </a:r>
-          </a:p>
-          <a:p>
-            <a:r>
-              <a:rPr lang="en-US" dirty="0" smtClean="0"/>
-              <a:t>JAGS uses MCMC to draw posterior samples</a:t>
-            </a:r>
-          </a:p>
-          <a:p>
-            <a:r>
-              <a:rPr lang="en-US" dirty="0" smtClean="0"/>
-              <a:t>We use the samples to approximate quantities of interest</a:t>
-            </a:r>
-          </a:p>
-          <a:p>
-            <a:r>
-              <a:rPr lang="en-US" dirty="0" smtClean="0"/>
-              <a:t>Always check for convergence</a:t>
-            </a:r>
-            <a:endParaRPr lang="en-US" dirty="0"/>
-          </a:p>
-        </p:txBody>
-      </p:sp>
-      <p:sp>
-        <p:nvSpPr>
-          <p:cNvPr id="4" name="Slide Number Placeholder 3"/>
-          <p:cNvSpPr>
-            <a:spLocks noGrp="1"/>
-          </p:cNvSpPr>
-          <p:nvPr>
-            <p:ph type="sldNum" sz="quarter" idx="12"/>
-          </p:nvPr>
-        </p:nvSpPr>
-        <p:spPr/>
-        <p:txBody>
-          <a:bodyPr/>
-          <a:lstStyle/>
-          <a:p>
-            <a:fld id="{A90099C9-4CB8-9A40-B745-9AB270505907}" type="slidenum">
-              <a:rPr lang="en-US" smtClean="0"/>
-              <a:t>20</a:t>
-            </a:fld>
-            <a:endParaRPr lang="en-US"/>
-          </a:p>
-        </p:txBody>
-      </p:sp>
-    </p:spTree>
-    <p:extLst>
-      <p:ext uri="{BB962C8B-B14F-4D97-AF65-F5344CB8AC3E}">
-        <p14:creationId xmlns:p14="http://schemas.microsoft.com/office/powerpoint/2010/main" val="3806337562"/>
-      </p:ext>
-    </p:extLst>
-  </p:cSld>
-  <p:clrMapOvr>
-    <a:masterClrMapping/>
-  </p:clrMapOvr>
-</p:sld>
-</file>
-
-<file path=ppt/slides/slide21.xml><?xml version="1.0" encoding="utf-8"?>
-<p:sld xmlns:a="http://schemas.openxmlformats.org/drawingml/2006/main" xmlns:r="http://schemas.openxmlformats.org/officeDocument/2006/relationships" xmlns:p="http://schemas.openxmlformats.org/presentationml/2006/main">
-  <p:cSld>
-    <p:spTree>
-      <p:nvGrpSpPr>
-        <p:cNvPr id="1" name=""/>
-        <p:cNvGrpSpPr/>
-        <p:nvPr/>
-      </p:nvGrpSpPr>
-      <p:grpSpPr>
-        <a:xfrm>
-          <a:off x="0" y="0"/>
-          <a:ext cx="0" cy="0"/>
-          <a:chOff x="0" y="0"/>
-          <a:chExt cx="0" cy="0"/>
-        </a:xfrm>
-      </p:grpSpPr>
-      <p:sp>
-        <p:nvSpPr>
-          <p:cNvPr id="2" name="Title 1"/>
-          <p:cNvSpPr>
-            <a:spLocks noGrp="1"/>
-          </p:cNvSpPr>
-          <p:nvPr>
-            <p:ph type="title"/>
-          </p:nvPr>
-        </p:nvSpPr>
-        <p:spPr/>
-        <p:txBody>
-          <a:bodyPr/>
-          <a:lstStyle/>
-          <a:p>
-            <a:r>
-              <a:rPr lang="en-US" dirty="0" smtClean="0"/>
-              <a:t>Homework</a:t>
-            </a:r>
-            <a:endParaRPr lang="en-US" dirty="0"/>
-          </a:p>
-        </p:txBody>
-      </p:sp>
-      <p:sp>
-        <p:nvSpPr>
-          <p:cNvPr id="3" name="Content Placeholder 2"/>
-          <p:cNvSpPr>
-            <a:spLocks noGrp="1"/>
-          </p:cNvSpPr>
-          <p:nvPr>
-            <p:ph idx="1"/>
-          </p:nvPr>
-        </p:nvSpPr>
-        <p:spPr/>
-        <p:txBody>
-          <a:bodyPr/>
-          <a:lstStyle/>
-          <a:p>
-            <a:pPr marL="514350" indent="-514350">
-              <a:buFont typeface="+mj-lt"/>
-              <a:buAutoNum type="arabicPeriod"/>
-            </a:pPr>
-            <a:r>
-              <a:rPr lang="en-US" dirty="0" smtClean="0"/>
-              <a:t>Use JAGS to sample from </a:t>
-            </a:r>
-            <a:r>
-              <a:rPr lang="en-US" dirty="0" err="1" smtClean="0"/>
-              <a:t>dgamma</a:t>
-            </a:r>
-            <a:r>
-              <a:rPr lang="en-US" dirty="0" smtClean="0"/>
-              <a:t>(1,1) distribution and compare to </a:t>
-            </a:r>
-            <a:r>
-              <a:rPr lang="en-US" dirty="0" err="1" smtClean="0"/>
-              <a:t>dgamma</a:t>
-            </a:r>
-            <a:r>
-              <a:rPr lang="en-US" dirty="0" smtClean="0"/>
-              <a:t> in R.</a:t>
-            </a:r>
-          </a:p>
-          <a:p>
-            <a:pPr marL="514350" indent="-514350">
-              <a:buFont typeface="+mj-lt"/>
-              <a:buAutoNum type="arabicPeriod"/>
-            </a:pPr>
-            <a:r>
-              <a:rPr lang="en-US" dirty="0" smtClean="0"/>
-              <a:t>Fit the normal conjugate example from lecture using JAGS and compare to exercise from R.</a:t>
-            </a:r>
-          </a:p>
-          <a:p>
-            <a:pPr marL="514350" indent="-514350">
-              <a:buFont typeface="+mj-lt"/>
-              <a:buAutoNum type="arabicPeriod"/>
-            </a:pPr>
-            <a:r>
-              <a:rPr lang="en-US" dirty="0" smtClean="0"/>
-              <a:t>[Note: JAGS uses </a:t>
-            </a:r>
-            <a:r>
-              <a:rPr lang="en-US" dirty="0" err="1" smtClean="0"/>
-              <a:t>dnorm</a:t>
-            </a:r>
-            <a:r>
-              <a:rPr lang="en-US" dirty="0" smtClean="0"/>
-              <a:t>(</a:t>
-            </a:r>
-            <a:r>
-              <a:rPr lang="en-US" dirty="0" err="1" smtClean="0"/>
-              <a:t>mu,tau</a:t>
-            </a:r>
-            <a:r>
-              <a:rPr lang="en-US" dirty="0" smtClean="0"/>
-              <a:t>) parameterization where </a:t>
-            </a:r>
-            <a:r>
-              <a:rPr lang="en-US" dirty="0" smtClean="0"/>
-              <a:t>tau=1/sigma.</a:t>
-            </a:r>
-            <a:endParaRPr lang="en-US" dirty="0" smtClean="0"/>
-          </a:p>
-          <a:p>
-            <a:pPr marL="514350" indent="-514350">
-              <a:buFont typeface="+mj-lt"/>
-              <a:buAutoNum type="arabicPeriod"/>
-            </a:pPr>
-            <a:endParaRPr lang="en-US" dirty="0"/>
-          </a:p>
-        </p:txBody>
-      </p:sp>
-      <p:sp>
-        <p:nvSpPr>
-          <p:cNvPr id="4" name="Slide Number Placeholder 3"/>
-          <p:cNvSpPr>
-            <a:spLocks noGrp="1"/>
-          </p:cNvSpPr>
-          <p:nvPr>
-            <p:ph type="sldNum" sz="quarter" idx="12"/>
-          </p:nvPr>
-        </p:nvSpPr>
-        <p:spPr/>
-        <p:txBody>
-          <a:bodyPr/>
-          <a:lstStyle/>
-          <a:p>
-            <a:fld id="{A90099C9-4CB8-9A40-B745-9AB270505907}" type="slidenum">
-              <a:rPr lang="en-US" smtClean="0"/>
-              <a:t>21</a:t>
-            </a:fld>
-            <a:endParaRPr lang="en-US"/>
-          </a:p>
-        </p:txBody>
-      </p:sp>
-    </p:spTree>
-    <p:extLst>
-      <p:ext uri="{BB962C8B-B14F-4D97-AF65-F5344CB8AC3E}">
-        <p14:creationId xmlns:p14="http://schemas.microsoft.com/office/powerpoint/2010/main" val="188599304"/>
-      </p:ext>
-    </p:extLst>
-  </p:cSld>
-  <p:clrMapOvr>
-    <a:masterClrMapping/>
-  </p:clrMapOvr>
-</p:sld>
-</file>
-
-<file path=ppt/slides/slide22.xml><?xml version="1.0" encoding="utf-8"?>
-<p:sld xmlns:a="http://schemas.openxmlformats.org/drawingml/2006/main" xmlns:r="http://schemas.openxmlformats.org/officeDocument/2006/relationships" xmlns:p="http://schemas.openxmlformats.org/presentationml/2006/main">
-  <p:cSld>
-    <p:spTree>
-      <p:nvGrpSpPr>
-        <p:cNvPr id="1" name=""/>
-        <p:cNvGrpSpPr/>
-        <p:nvPr/>
-      </p:nvGrpSpPr>
-      <p:grpSpPr>
-        <a:xfrm>
-          <a:off x="0" y="0"/>
-          <a:ext cx="0" cy="0"/>
-          <a:chOff x="0" y="0"/>
-          <a:chExt cx="0" cy="0"/>
-        </a:xfrm>
-      </p:grpSpPr>
-      <p:sp>
-        <p:nvSpPr>
           <p:cNvPr id="2" name="Title 1">
             <a:extLst>
               <a:ext uri="{FF2B5EF4-FFF2-40B4-BE49-F238E27FC236}">
-                <a16:creationId xmlns:a16="http://schemas.microsoft.com/office/drawing/2014/main" xmlns="" id="{C976E5B5-F024-4D7C-9711-9BEA5F3AA682}"/>
+                <a16:creationId xmlns="" xmlns:a16="http://schemas.microsoft.com/office/drawing/2014/main" id="{C976E5B5-F024-4D7C-9711-9BEA5F3AA682}"/>
               </a:ext>
             </a:extLst>
           </p:cNvPr>
@@ -10661,10 +11363,10 @@
           <a:lstStyle/>
           <a:p>
             <a:r>
-              <a:rPr lang="es-CL" noProof="0" dirty="0" err="1"/>
+              <a:rPr lang="es-419" noProof="0" dirty="0" err="1" smtClean="0"/>
               <a:t>References</a:t>
             </a:r>
-            <a:endParaRPr lang="es-CL" noProof="0" dirty="0"/>
+            <a:endParaRPr lang="es-419" noProof="0" dirty="0"/>
           </a:p>
         </p:txBody>
       </p:sp>
@@ -10673,7 +11375,7 @@
           <p:cNvPr id="3" name="Content Placeholder 2">
             <a:extLst>
               <a:ext uri="{FF2B5EF4-FFF2-40B4-BE49-F238E27FC236}">
-                <a16:creationId xmlns:a16="http://schemas.microsoft.com/office/drawing/2014/main" xmlns="" id="{B674CA99-AD0B-472B-BD2F-AF6AA7DE490B}"/>
+                <a16:creationId xmlns="" xmlns:a16="http://schemas.microsoft.com/office/drawing/2014/main" id="{B674CA99-AD0B-472B-BD2F-AF6AA7DE490B}"/>
               </a:ext>
             </a:extLst>
           </p:cNvPr>
@@ -10692,64 +11394,246 @@
         </p:spPr>
         <p:txBody>
           <a:bodyPr>
-            <a:normAutofit/>
+            <a:normAutofit fontScale="77500" lnSpcReduction="20000"/>
           </a:bodyPr>
           <a:lstStyle/>
           <a:p>
             <a:r>
-              <a:rPr lang="es-CL" noProof="0" dirty="0"/>
-              <a:t>Gelman, A., J. B. Carlin, H. S. Stern, and D. B. </a:t>
-            </a:r>
-            <a:r>
-              <a:rPr lang="es-CL" noProof="0" dirty="0" err="1"/>
+              <a:rPr lang="es-419" noProof="0" dirty="0" err="1" smtClean="0"/>
+              <a:t>Gelman</a:t>
+            </a:r>
+            <a:r>
+              <a:rPr lang="es-419" noProof="0" dirty="0" smtClean="0"/>
+              <a:t>, A., J. B. </a:t>
+            </a:r>
+            <a:r>
+              <a:rPr lang="es-419" noProof="0" dirty="0" err="1" smtClean="0"/>
+              <a:t>Carlin</a:t>
+            </a:r>
+            <a:r>
+              <a:rPr lang="es-419" noProof="0" dirty="0" smtClean="0"/>
+              <a:t>, H. S. </a:t>
+            </a:r>
+            <a:r>
+              <a:rPr lang="es-419" noProof="0" dirty="0" err="1" smtClean="0"/>
+              <a:t>Stern</a:t>
+            </a:r>
+            <a:r>
+              <a:rPr lang="es-419" noProof="0" dirty="0" smtClean="0"/>
+              <a:t>, and D. B. </a:t>
+            </a:r>
+            <a:r>
+              <a:rPr lang="es-419" noProof="0" dirty="0" err="1" smtClean="0"/>
               <a:t>Rubin</a:t>
             </a:r>
             <a:r>
-              <a:rPr lang="es-CL" noProof="0" dirty="0"/>
+              <a:rPr lang="es-419" noProof="0" dirty="0" smtClean="0"/>
               <a:t>. 2014. </a:t>
             </a:r>
             <a:r>
-              <a:rPr lang="es-CL" noProof="0" dirty="0" err="1"/>
+              <a:rPr lang="es-419" noProof="0" dirty="0" err="1" smtClean="0"/>
               <a:t>Bayesian</a:t>
             </a:r>
             <a:r>
-              <a:rPr lang="es-CL" noProof="0" dirty="0"/>
+              <a:rPr lang="es-419" noProof="0" dirty="0" smtClean="0"/>
               <a:t> data </a:t>
             </a:r>
             <a:r>
-              <a:rPr lang="es-CL" noProof="0" dirty="0" err="1"/>
+              <a:rPr lang="es-419" noProof="0" dirty="0" err="1" smtClean="0"/>
               <a:t>analysis</a:t>
             </a:r>
             <a:r>
-              <a:rPr lang="es-CL" noProof="0" dirty="0"/>
+              <a:rPr lang="es-419" noProof="0" dirty="0" smtClean="0"/>
               <a:t>. Taylor &amp; Francis.</a:t>
             </a:r>
           </a:p>
           <a:p>
             <a:r>
+              <a:rPr lang="es-419" noProof="0" dirty="0" err="1" smtClean="0"/>
+              <a:t>Plummer</a:t>
+            </a:r>
+            <a:r>
+              <a:rPr lang="es-419" noProof="0" dirty="0" smtClean="0"/>
+              <a:t>, M., N. </a:t>
+            </a:r>
+            <a:r>
+              <a:rPr lang="es-419" noProof="0" dirty="0" err="1" smtClean="0"/>
+              <a:t>Best</a:t>
+            </a:r>
+            <a:r>
+              <a:rPr lang="es-419" noProof="0" dirty="0" smtClean="0"/>
+              <a:t>, K. </a:t>
+            </a:r>
+            <a:r>
+              <a:rPr lang="es-419" noProof="0" dirty="0" err="1" smtClean="0"/>
+              <a:t>Cowles</a:t>
+            </a:r>
+            <a:r>
+              <a:rPr lang="es-419" noProof="0" dirty="0" smtClean="0"/>
+              <a:t>, and K. </a:t>
+            </a:r>
+            <a:r>
+              <a:rPr lang="es-419" noProof="0" dirty="0" err="1" smtClean="0"/>
+              <a:t>Vines</a:t>
+            </a:r>
+            <a:r>
+              <a:rPr lang="es-419" noProof="0" dirty="0" smtClean="0"/>
+              <a:t>. 2006. CODA: </a:t>
+            </a:r>
+            <a:r>
+              <a:rPr lang="es-419" noProof="0" dirty="0" err="1" smtClean="0"/>
+              <a:t>Convergence</a:t>
+            </a:r>
+            <a:r>
+              <a:rPr lang="es-419" noProof="0" dirty="0" smtClean="0"/>
+              <a:t> </a:t>
+            </a:r>
+            <a:r>
+              <a:rPr lang="es-419" noProof="0" dirty="0" err="1" smtClean="0"/>
+              <a:t>Diagnostics</a:t>
+            </a:r>
+            <a:r>
+              <a:rPr lang="es-419" noProof="0" dirty="0" smtClean="0"/>
+              <a:t> and </a:t>
+            </a:r>
+            <a:r>
+              <a:rPr lang="es-419" noProof="0" dirty="0" err="1" smtClean="0"/>
+              <a:t>Out</a:t>
+            </a:r>
+            <a:r>
+              <a:rPr lang="es-419" noProof="0" dirty="0" smtClean="0"/>
+              <a:t> </a:t>
+            </a:r>
+            <a:r>
+              <a:rPr lang="es-419" noProof="0" dirty="0" err="1" smtClean="0"/>
+              <a:t>Analysis</a:t>
+            </a:r>
+            <a:r>
+              <a:rPr lang="es-419" noProof="0" dirty="0" smtClean="0"/>
+              <a:t> </a:t>
+            </a:r>
+            <a:r>
+              <a:rPr lang="es-419" noProof="0" dirty="0" err="1" smtClean="0"/>
+              <a:t>for</a:t>
+            </a:r>
+            <a:r>
+              <a:rPr lang="es-419" noProof="0" dirty="0" smtClean="0"/>
+              <a:t> MCMC. R News </a:t>
+            </a:r>
+            <a:r>
+              <a:rPr lang="es-419" b="1" noProof="0" dirty="0" smtClean="0"/>
+              <a:t>6:7-11.</a:t>
+            </a:r>
+          </a:p>
+          <a:p>
+            <a:r>
+              <a:rPr lang="es-419" noProof="0" dirty="0" smtClean="0"/>
+              <a:t>Link, W. A. and M. J. </a:t>
+            </a:r>
+            <a:r>
+              <a:rPr lang="es-419" noProof="0" dirty="0" err="1" smtClean="0"/>
+              <a:t>Eaton</a:t>
+            </a:r>
+            <a:r>
+              <a:rPr lang="es-419" noProof="0" dirty="0" smtClean="0"/>
+              <a:t>. 2012. </a:t>
+            </a:r>
+            <a:r>
+              <a:rPr lang="es-419" noProof="0" dirty="0" err="1" smtClean="0"/>
+              <a:t>On</a:t>
+            </a:r>
+            <a:r>
+              <a:rPr lang="es-419" noProof="0" dirty="0" smtClean="0"/>
+              <a:t> </a:t>
+            </a:r>
+            <a:r>
+              <a:rPr lang="es-419" noProof="0" dirty="0" err="1" smtClean="0"/>
+              <a:t>thinning</a:t>
+            </a:r>
+            <a:r>
+              <a:rPr lang="es-419" noProof="0" dirty="0" smtClean="0"/>
+              <a:t> of </a:t>
+            </a:r>
+            <a:r>
+              <a:rPr lang="es-419" noProof="0" dirty="0" err="1" smtClean="0"/>
+              <a:t>chains</a:t>
+            </a:r>
+            <a:r>
+              <a:rPr lang="es-419" noProof="0" dirty="0" smtClean="0"/>
+              <a:t> in MCMC. </a:t>
+            </a:r>
+            <a:r>
+              <a:rPr lang="es-419" noProof="0" dirty="0" err="1" smtClean="0"/>
+              <a:t>Methods</a:t>
+            </a:r>
+            <a:r>
+              <a:rPr lang="es-419" noProof="0" dirty="0" smtClean="0"/>
+              <a:t> in </a:t>
+            </a:r>
+            <a:r>
+              <a:rPr lang="es-419" noProof="0" dirty="0" err="1" smtClean="0"/>
+              <a:t>Ecology</a:t>
+            </a:r>
+            <a:r>
+              <a:rPr lang="es-419" noProof="0" dirty="0" smtClean="0"/>
+              <a:t> and </a:t>
+            </a:r>
+            <a:r>
+              <a:rPr lang="es-419" noProof="0" dirty="0" err="1" smtClean="0"/>
+              <a:t>Evolution</a:t>
+            </a:r>
+            <a:r>
+              <a:rPr lang="es-419" noProof="0" dirty="0" smtClean="0"/>
+              <a:t> </a:t>
+            </a:r>
+            <a:r>
+              <a:rPr lang="es-419" b="1" noProof="0" dirty="0" smtClean="0"/>
+              <a:t>3:112-115.</a:t>
+            </a:r>
+          </a:p>
+          <a:p>
+            <a:r>
+              <a:rPr lang="en-US" dirty="0" err="1"/>
+              <a:t>Geweke</a:t>
+            </a:r>
+            <a:r>
               <a:rPr lang="en-US" dirty="0"/>
-              <a:t>Plummer, M., N. Best, K. Cowles, and K. Vines. 2006. CODA: Convergence Diagnostics and Out Analysis for MCMC. R News </a:t>
-            </a:r>
-            <a:r>
-              <a:rPr lang="en-US" b="1" dirty="0"/>
-              <a:t>6:7-11.</a:t>
-            </a:r>
-          </a:p>
-          <a:p>
+              <a:t>, J. (1992). Evaluating the accuracy of sampling-based approaches to the calculation of posterior moments (with discussion). In Bernardo, J., Berger, J., </a:t>
+            </a:r>
+            <a:r>
+              <a:rPr lang="en-US" dirty="0" err="1"/>
+              <a:t>Dawid</a:t>
+            </a:r>
             <a:r>
               <a:rPr lang="en-US" dirty="0"/>
-              <a:t>Link, W. A. and M. J. Eaton. 2012. On thinning of chains in MCMC. Methods in Ecology and Evolution </a:t>
-            </a:r>
-            <a:r>
-              <a:rPr lang="en-US" b="1" dirty="0"/>
-              <a:t>3:112-115.</a:t>
-            </a:r>
-          </a:p>
-          <a:p>
-            <a:endParaRPr lang="en-US" b="1" dirty="0"/>
-          </a:p>
-          <a:p>
-            <a:endParaRPr lang="es-CL" noProof="0" dirty="0"/>
+              <a:t>, A., and Smith, A., editors, Bayesian Statistics 4, pages 169–193. Oxford University Press, Oxford</a:t>
+            </a:r>
+            <a:r>
+              <a:rPr lang="en-US" dirty="0" smtClean="0"/>
+              <a:t>.</a:t>
+            </a:r>
+          </a:p>
+          <a:p>
+            <a:r>
+              <a:rPr lang="en-US" dirty="0" err="1"/>
+              <a:t>Gelman</a:t>
+            </a:r>
+            <a:r>
+              <a:rPr lang="en-US" dirty="0"/>
+              <a:t>, A. and Rubin, D. (1992). Inference from iterative simulation using multiple sequences (with discussion). Statistical Science, 7:457–511.</a:t>
+            </a:r>
+          </a:p>
+          <a:p>
+            <a:endParaRPr lang="en-US" dirty="0"/>
+          </a:p>
+          <a:p>
+            <a:endParaRPr lang="es-419" b="1" noProof="0" dirty="0" smtClean="0"/>
+          </a:p>
+          <a:p>
+            <a:endParaRPr lang="es-419" b="1" noProof="0" dirty="0" smtClean="0"/>
+          </a:p>
+          <a:p>
+            <a:endParaRPr lang="es-419" noProof="0" dirty="0"/>
           </a:p>
         </p:txBody>
       </p:sp>
@@ -10758,7 +11642,7 @@
           <p:cNvPr id="4" name="Slide Number Placeholder 3">
             <a:extLst>
               <a:ext uri="{FF2B5EF4-FFF2-40B4-BE49-F238E27FC236}">
-                <a16:creationId xmlns:a16="http://schemas.microsoft.com/office/drawing/2014/main" xmlns="" id="{6F6CFCEE-97D6-460E-9635-2B1BFC0C65FA}"/>
+                <a16:creationId xmlns="" xmlns:a16="http://schemas.microsoft.com/office/drawing/2014/main" id="{6F6CFCEE-97D6-460E-9635-2B1BFC0C65FA}"/>
               </a:ext>
             </a:extLst>
           </p:cNvPr>
@@ -10776,7 +11660,7 @@
           <a:p>
             <a:fld id="{2F5854F6-968A-43DD-98AD-2128488B7BB7}" type="slidenum">
               <a:rPr lang="en-US" smtClean="0"/>
-              <a:t>22</a:t>
+              <a:t>20</a:t>
             </a:fld>
             <a:endParaRPr lang="en-US"/>
           </a:p>
@@ -10817,7 +11701,7 @@
           <p:cNvPr id="2" name="Title 1">
             <a:extLst>
               <a:ext uri="{FF2B5EF4-FFF2-40B4-BE49-F238E27FC236}">
-                <a16:creationId xmlns:a16="http://schemas.microsoft.com/office/drawing/2014/main" xmlns="" id="{4432A1B1-8BA2-4590-B91C-E46E40D4DFB4}"/>
+                <a16:creationId xmlns="" xmlns:a16="http://schemas.microsoft.com/office/drawing/2014/main" id="{4432A1B1-8BA2-4590-B91C-E46E40D4DFB4}"/>
               </a:ext>
             </a:extLst>
           </p:cNvPr>
@@ -10834,22 +11718,22 @@
           <a:lstStyle/>
           <a:p>
             <a:r>
-              <a:rPr lang="es-CL" dirty="0"/>
+              <a:rPr lang="es-419" noProof="0" dirty="0" smtClean="0"/>
               <a:t>Periodo </a:t>
             </a:r>
             <a:r>
-              <a:rPr lang="es-CL" dirty="0" err="1"/>
+              <a:rPr lang="es-419" noProof="0" dirty="0" err="1" smtClean="0"/>
               <a:t>burn</a:t>
             </a:r>
             <a:r>
-              <a:rPr lang="es-CL" dirty="0"/>
+              <a:rPr lang="es-419" noProof="0" dirty="0" smtClean="0"/>
               <a:t>-in o </a:t>
             </a:r>
             <a:r>
-              <a:rPr lang="es-CL" dirty="0" err="1"/>
+              <a:rPr lang="es-419" noProof="0" dirty="0" err="1" smtClean="0"/>
               <a:t>warmup</a:t>
             </a:r>
-            <a:endParaRPr lang="es-CL" dirty="0"/>
+            <a:endParaRPr lang="es-419" noProof="0" dirty="0"/>
           </a:p>
         </p:txBody>
       </p:sp>
@@ -10858,7 +11742,7 @@
           <p:cNvPr id="3" name="Content Placeholder 2">
             <a:extLst>
               <a:ext uri="{FF2B5EF4-FFF2-40B4-BE49-F238E27FC236}">
-                <a16:creationId xmlns:a16="http://schemas.microsoft.com/office/drawing/2014/main" xmlns="" id="{F3D5A96F-89B9-47B5-9E10-345EF073461D}"/>
+                <a16:creationId xmlns="" xmlns:a16="http://schemas.microsoft.com/office/drawing/2014/main" id="{F3D5A96F-89B9-47B5-9E10-345EF073461D}"/>
               </a:ext>
             </a:extLst>
           </p:cNvPr>
@@ -10875,9 +11759,10 @@
           <a:lstStyle/>
           <a:p>
             <a:r>
-              <a:rPr lang="es-CL" dirty="0"/>
+              <a:rPr lang="es-419" noProof="0" dirty="0" smtClean="0"/>
               <a:t>Qué pasa si usamos inicializaciones muy amplias? </a:t>
             </a:r>
+            <a:endParaRPr lang="es-419" noProof="0" dirty="0"/>
           </a:p>
         </p:txBody>
       </p:sp>
@@ -10886,7 +11771,7 @@
           <p:cNvPr id="4" name="Slide Number Placeholder 3">
             <a:extLst>
               <a:ext uri="{FF2B5EF4-FFF2-40B4-BE49-F238E27FC236}">
-                <a16:creationId xmlns:a16="http://schemas.microsoft.com/office/drawing/2014/main" xmlns="" id="{45FEC1D0-C942-4DB7-ACBF-32ADFCD8FDBD}"/>
+                <a16:creationId xmlns="" xmlns:a16="http://schemas.microsoft.com/office/drawing/2014/main" id="{45FEC1D0-C942-4DB7-ACBF-32ADFCD8FDBD}"/>
               </a:ext>
             </a:extLst>
           </p:cNvPr>
@@ -10916,7 +11801,7 @@
           <p:cNvPr id="5" name="Picture 4">
             <a:extLst>
               <a:ext uri="{FF2B5EF4-FFF2-40B4-BE49-F238E27FC236}">
-                <a16:creationId xmlns:a16="http://schemas.microsoft.com/office/drawing/2014/main" xmlns="" id="{7106B806-F770-4D8A-82BF-705D0968D767}"/>
+                <a16:creationId xmlns="" xmlns:a16="http://schemas.microsoft.com/office/drawing/2014/main" id="{7106B806-F770-4D8A-82BF-705D0968D767}"/>
               </a:ext>
             </a:extLst>
           </p:cNvPr>
@@ -10945,7 +11830,7 @@
           <p:cNvPr id="9" name="Group 8">
             <a:extLst>
               <a:ext uri="{FF2B5EF4-FFF2-40B4-BE49-F238E27FC236}">
-                <a16:creationId xmlns:a16="http://schemas.microsoft.com/office/drawing/2014/main" xmlns="" id="{8F6F2399-4203-4B1C-AA82-F48653969789}"/>
+                <a16:creationId xmlns="" xmlns:a16="http://schemas.microsoft.com/office/drawing/2014/main" id="{8F6F2399-4203-4B1C-AA82-F48653969789}"/>
               </a:ext>
             </a:extLst>
           </p:cNvPr>
@@ -10965,7 +11850,7 @@
             <p:cNvPr id="6" name="Rectangle 5">
               <a:extLst>
                 <a:ext uri="{FF2B5EF4-FFF2-40B4-BE49-F238E27FC236}">
-                  <a16:creationId xmlns:a16="http://schemas.microsoft.com/office/drawing/2014/main" xmlns="" id="{6A958FFF-7B97-4342-91B7-8638B529CDD5}"/>
+                  <a16:creationId xmlns="" xmlns:a16="http://schemas.microsoft.com/office/drawing/2014/main" id="{6A958FFF-7B97-4342-91B7-8638B529CDD5}"/>
                 </a:ext>
               </a:extLst>
             </p:cNvPr>
@@ -11017,7 +11902,7 @@
             <p:cNvPr id="8" name="TextBox 7">
               <a:extLst>
                 <a:ext uri="{FF2B5EF4-FFF2-40B4-BE49-F238E27FC236}">
-                  <a16:creationId xmlns:a16="http://schemas.microsoft.com/office/drawing/2014/main" xmlns="" id="{A7E2B8AF-E9A2-452C-B355-A9F4DC58D25F}"/>
+                  <a16:creationId xmlns="" xmlns:a16="http://schemas.microsoft.com/office/drawing/2014/main" id="{A7E2B8AF-E9A2-452C-B355-A9F4DC58D25F}"/>
                 </a:ext>
               </a:extLst>
             </p:cNvPr>
@@ -11078,7 +11963,7 @@
           <p:cNvPr id="11" name="Group 10">
             <a:extLst>
               <a:ext uri="{FF2B5EF4-FFF2-40B4-BE49-F238E27FC236}">
-                <a16:creationId xmlns:a16="http://schemas.microsoft.com/office/drawing/2014/main" xmlns="" id="{9C07D298-3974-4E79-B799-CF2D6DC88081}"/>
+                <a16:creationId xmlns="" xmlns:a16="http://schemas.microsoft.com/office/drawing/2014/main" id="{9C07D298-3974-4E79-B799-CF2D6DC88081}"/>
               </a:ext>
             </a:extLst>
           </p:cNvPr>
@@ -11098,7 +11983,7 @@
             <p:cNvPr id="7" name="Rectangle 6">
               <a:extLst>
                 <a:ext uri="{FF2B5EF4-FFF2-40B4-BE49-F238E27FC236}">
-                  <a16:creationId xmlns:a16="http://schemas.microsoft.com/office/drawing/2014/main" xmlns="" id="{33B9F385-05BE-4DCC-BA10-EE2CFA8EFF9B}"/>
+                  <a16:creationId xmlns="" xmlns:a16="http://schemas.microsoft.com/office/drawing/2014/main" id="{33B9F385-05BE-4DCC-BA10-EE2CFA8EFF9B}"/>
                 </a:ext>
               </a:extLst>
             </p:cNvPr>
@@ -11150,7 +12035,7 @@
             <p:cNvPr id="10" name="TextBox 9">
               <a:extLst>
                 <a:ext uri="{FF2B5EF4-FFF2-40B4-BE49-F238E27FC236}">
-                  <a16:creationId xmlns:a16="http://schemas.microsoft.com/office/drawing/2014/main" xmlns="" id="{3B1BEE2A-4CB2-4072-84F2-E07299BCB66F}"/>
+                  <a16:creationId xmlns="" xmlns:a16="http://schemas.microsoft.com/office/drawing/2014/main" id="{3B1BEE2A-4CB2-4072-84F2-E07299BCB66F}"/>
                 </a:ext>
               </a:extLst>
             </p:cNvPr>
@@ -11361,7 +12246,7 @@
           <p:cNvPr id="2" name="Title 1">
             <a:extLst>
               <a:ext uri="{FF2B5EF4-FFF2-40B4-BE49-F238E27FC236}">
-                <a16:creationId xmlns:a16="http://schemas.microsoft.com/office/drawing/2014/main" xmlns="" id="{4432A1B1-8BA2-4590-B91C-E46E40D4DFB4}"/>
+                <a16:creationId xmlns="" xmlns:a16="http://schemas.microsoft.com/office/drawing/2014/main" id="{4432A1B1-8BA2-4590-B91C-E46E40D4DFB4}"/>
               </a:ext>
             </a:extLst>
           </p:cNvPr>
@@ -11378,22 +12263,22 @@
           <a:lstStyle/>
           <a:p>
             <a:r>
-              <a:rPr lang="es-CL" dirty="0"/>
+              <a:rPr lang="es-419" noProof="0" dirty="0" smtClean="0"/>
               <a:t>Periodo </a:t>
             </a:r>
             <a:r>
-              <a:rPr lang="es-CL" dirty="0" err="1"/>
+              <a:rPr lang="es-419" noProof="0" dirty="0" err="1" smtClean="0"/>
               <a:t>burn</a:t>
             </a:r>
             <a:r>
-              <a:rPr lang="es-CL" dirty="0"/>
+              <a:rPr lang="es-419" noProof="0" dirty="0" smtClean="0"/>
               <a:t>-in o </a:t>
             </a:r>
             <a:r>
-              <a:rPr lang="es-CL" dirty="0" err="1"/>
+              <a:rPr lang="es-419" noProof="0" dirty="0" err="1" smtClean="0"/>
               <a:t>warmup</a:t>
             </a:r>
-            <a:endParaRPr lang="es-CL" dirty="0"/>
+            <a:endParaRPr lang="es-419" noProof="0" dirty="0"/>
           </a:p>
         </p:txBody>
       </p:sp>
@@ -11402,7 +12287,7 @@
           <p:cNvPr id="3" name="Content Placeholder 2">
             <a:extLst>
               <a:ext uri="{FF2B5EF4-FFF2-40B4-BE49-F238E27FC236}">
-                <a16:creationId xmlns:a16="http://schemas.microsoft.com/office/drawing/2014/main" xmlns="" id="{F3D5A96F-89B9-47B5-9E10-345EF073461D}"/>
+                <a16:creationId xmlns="" xmlns:a16="http://schemas.microsoft.com/office/drawing/2014/main" id="{F3D5A96F-89B9-47B5-9E10-345EF073461D}"/>
               </a:ext>
             </a:extLst>
           </p:cNvPr>
@@ -11424,17 +12309,18 @@
           <a:lstStyle/>
           <a:p>
             <a:r>
-              <a:rPr lang="es-CL" dirty="0"/>
+              <a:rPr lang="es-419" noProof="0" dirty="0" smtClean="0"/>
               <a:t>Podemos usar las muestras del periodo ‘</a:t>
             </a:r>
             <a:r>
-              <a:rPr lang="es-CL" dirty="0" err="1"/>
+              <a:rPr lang="es-419" noProof="0" dirty="0" err="1" smtClean="0"/>
               <a:t>burn</a:t>
             </a:r>
             <a:r>
-              <a:rPr lang="es-CL" dirty="0"/>
+              <a:rPr lang="es-419" noProof="0" dirty="0" smtClean="0"/>
               <a:t>-in’? </a:t>
             </a:r>
+            <a:endParaRPr lang="es-419" noProof="0" dirty="0"/>
           </a:p>
         </p:txBody>
       </p:sp>
@@ -11443,7 +12329,7 @@
           <p:cNvPr id="4" name="Slide Number Placeholder 3">
             <a:extLst>
               <a:ext uri="{FF2B5EF4-FFF2-40B4-BE49-F238E27FC236}">
-                <a16:creationId xmlns:a16="http://schemas.microsoft.com/office/drawing/2014/main" xmlns="" id="{45FEC1D0-C942-4DB7-ACBF-32ADFCD8FDBD}"/>
+                <a16:creationId xmlns="" xmlns:a16="http://schemas.microsoft.com/office/drawing/2014/main" id="{45FEC1D0-C942-4DB7-ACBF-32ADFCD8FDBD}"/>
               </a:ext>
             </a:extLst>
           </p:cNvPr>
@@ -11473,7 +12359,7 @@
           <p:cNvPr id="13" name="Picture 12">
             <a:extLst>
               <a:ext uri="{FF2B5EF4-FFF2-40B4-BE49-F238E27FC236}">
-                <a16:creationId xmlns:a16="http://schemas.microsoft.com/office/drawing/2014/main" xmlns="" id="{2620E75A-9BF6-469A-8AC3-BE2F31417A55}"/>
+                <a16:creationId xmlns="" xmlns:a16="http://schemas.microsoft.com/office/drawing/2014/main" id="{2620E75A-9BF6-469A-8AC3-BE2F31417A55}"/>
               </a:ext>
             </a:extLst>
           </p:cNvPr>
@@ -11533,7 +12419,7 @@
           <p:cNvPr id="2" name="Title 1">
             <a:extLst>
               <a:ext uri="{FF2B5EF4-FFF2-40B4-BE49-F238E27FC236}">
-                <a16:creationId xmlns:a16="http://schemas.microsoft.com/office/drawing/2014/main" xmlns="" id="{4432A1B1-8BA2-4590-B91C-E46E40D4DFB4}"/>
+                <a16:creationId xmlns="" xmlns:a16="http://schemas.microsoft.com/office/drawing/2014/main" id="{4432A1B1-8BA2-4590-B91C-E46E40D4DFB4}"/>
               </a:ext>
             </a:extLst>
           </p:cNvPr>
@@ -11550,22 +12436,22 @@
           <a:lstStyle/>
           <a:p>
             <a:r>
-              <a:rPr lang="es-CL" dirty="0"/>
+              <a:rPr lang="es-419" noProof="0" dirty="0" smtClean="0"/>
               <a:t>Periodo </a:t>
             </a:r>
             <a:r>
-              <a:rPr lang="es-CL" dirty="0" err="1"/>
+              <a:rPr lang="es-419" noProof="0" dirty="0" err="1" smtClean="0"/>
               <a:t>burn</a:t>
             </a:r>
             <a:r>
-              <a:rPr lang="es-CL" dirty="0"/>
+              <a:rPr lang="es-419" noProof="0" dirty="0" smtClean="0"/>
               <a:t>-in o </a:t>
             </a:r>
             <a:r>
-              <a:rPr lang="es-CL" dirty="0" err="1"/>
+              <a:rPr lang="es-419" noProof="0" dirty="0" err="1" smtClean="0"/>
               <a:t>warmup</a:t>
             </a:r>
-            <a:endParaRPr lang="es-CL" dirty="0"/>
+            <a:endParaRPr lang="es-419" noProof="0" dirty="0"/>
           </a:p>
         </p:txBody>
       </p:sp>
@@ -11574,7 +12460,7 @@
           <p:cNvPr id="3" name="Content Placeholder 2">
             <a:extLst>
               <a:ext uri="{FF2B5EF4-FFF2-40B4-BE49-F238E27FC236}">
-                <a16:creationId xmlns:a16="http://schemas.microsoft.com/office/drawing/2014/main" xmlns="" id="{F3D5A96F-89B9-47B5-9E10-345EF073461D}"/>
+                <a16:creationId xmlns="" xmlns:a16="http://schemas.microsoft.com/office/drawing/2014/main" id="{F3D5A96F-89B9-47B5-9E10-345EF073461D}"/>
               </a:ext>
             </a:extLst>
           </p:cNvPr>
@@ -11596,38 +12482,38 @@
           <a:lstStyle/>
           <a:p>
             <a:r>
-              <a:rPr lang="es-CL" dirty="0"/>
+              <a:rPr lang="es-419" noProof="0" dirty="0" smtClean="0"/>
               <a:t>MCMC convergencia es cuando las cadenas son indistinguible </a:t>
             </a:r>
           </a:p>
           <a:p>
             <a:r>
-              <a:rPr lang="es-CL" dirty="0"/>
+              <a:rPr lang="es-419" noProof="0" dirty="0" smtClean="0"/>
               <a:t>Tenemos que quitar las muestras antes de convergencia, porque no son de la distribución a posteriori.</a:t>
             </a:r>
           </a:p>
           <a:p>
             <a:r>
-              <a:rPr lang="es-CL" dirty="0"/>
+              <a:rPr lang="es-419" noProof="0" dirty="0" smtClean="0"/>
               <a:t>Cómo conocimos si las cadenas no han convergido? </a:t>
             </a:r>
           </a:p>
           <a:p>
             <a:r>
-              <a:rPr lang="es-CL" dirty="0"/>
+              <a:rPr lang="es-419" noProof="0" dirty="0" smtClean="0"/>
               <a:t>Chequeamos con estadísticas como “</a:t>
             </a:r>
             <a:r>
-              <a:rPr lang="es-CL" dirty="0" err="1"/>
+              <a:rPr lang="es-419" noProof="0" dirty="0" err="1" smtClean="0"/>
               <a:t>Rhat</a:t>
             </a:r>
             <a:r>
-              <a:rPr lang="es-CL" dirty="0"/>
-              <a:t>” y otras </a:t>
-            </a:r>
-          </a:p>
-          <a:p>
-            <a:endParaRPr lang="es-CL" dirty="0"/>
+              <a:rPr lang="es-419" noProof="0" dirty="0" smtClean="0"/>
+              <a:t>” y otras (más tarde)</a:t>
+            </a:r>
+          </a:p>
+          <a:p>
+            <a:endParaRPr lang="es-419" noProof="0" dirty="0"/>
           </a:p>
         </p:txBody>
       </p:sp>
@@ -11636,7 +12522,7 @@
           <p:cNvPr id="4" name="Slide Number Placeholder 3">
             <a:extLst>
               <a:ext uri="{FF2B5EF4-FFF2-40B4-BE49-F238E27FC236}">
-                <a16:creationId xmlns:a16="http://schemas.microsoft.com/office/drawing/2014/main" xmlns="" id="{45FEC1D0-C942-4DB7-ACBF-32ADFCD8FDBD}"/>
+                <a16:creationId xmlns="" xmlns:a16="http://schemas.microsoft.com/office/drawing/2014/main" id="{45FEC1D0-C942-4DB7-ACBF-32ADFCD8FDBD}"/>
               </a:ext>
             </a:extLst>
           </p:cNvPr>
@@ -11666,7 +12552,7 @@
           <p:cNvPr id="5" name="TextBox 4">
             <a:extLst>
               <a:ext uri="{FF2B5EF4-FFF2-40B4-BE49-F238E27FC236}">
-                <a16:creationId xmlns:a16="http://schemas.microsoft.com/office/drawing/2014/main" xmlns="" id="{26D7FC62-10E5-42F4-B961-2EBB7F5E7D34}"/>
+                <a16:creationId xmlns="" xmlns:a16="http://schemas.microsoft.com/office/drawing/2014/main" id="{26D7FC62-10E5-42F4-B961-2EBB7F5E7D34}"/>
               </a:ext>
             </a:extLst>
           </p:cNvPr>
@@ -11731,7 +12617,7 @@
           <p:cNvPr id="2" name="Title 1">
             <a:extLst>
               <a:ext uri="{FF2B5EF4-FFF2-40B4-BE49-F238E27FC236}">
-                <a16:creationId xmlns:a16="http://schemas.microsoft.com/office/drawing/2014/main" xmlns="" id="{FF018C34-1FE9-4F92-B085-35D3653C0977}"/>
+                <a16:creationId xmlns="" xmlns:a16="http://schemas.microsoft.com/office/drawing/2014/main" id="{FF018C34-1FE9-4F92-B085-35D3653C0977}"/>
               </a:ext>
             </a:extLst>
           </p:cNvPr>
@@ -11748,21 +12634,18 @@
           <a:lstStyle/>
           <a:p>
             <a:r>
-              <a:rPr lang="es-CL"/>
-              <a:t>La calibración </a:t>
-            </a:r>
-            <a:r>
-              <a:rPr lang="es-CL" dirty="0"/>
-              <a:t>(</a:t>
-            </a:r>
-            <a:r>
-              <a:rPr lang="es-CL" dirty="0" err="1"/>
+              <a:rPr lang="es-419" noProof="0" dirty="0" smtClean="0"/>
+              <a:t>La calibración (</a:t>
+            </a:r>
+            <a:r>
+              <a:rPr lang="es-419" noProof="0" dirty="0" err="1" smtClean="0"/>
               <a:t>tuning</a:t>
             </a:r>
             <a:r>
-              <a:rPr lang="es-CL" dirty="0"/>
+              <a:rPr lang="es-419" noProof="0" dirty="0" smtClean="0"/>
               <a:t>)</a:t>
             </a:r>
+            <a:endParaRPr lang="es-419" noProof="0" dirty="0"/>
           </a:p>
         </p:txBody>
       </p:sp>
@@ -11771,7 +12654,7 @@
           <p:cNvPr id="3" name="Content Placeholder 2">
             <a:extLst>
               <a:ext uri="{FF2B5EF4-FFF2-40B4-BE49-F238E27FC236}">
-                <a16:creationId xmlns:a16="http://schemas.microsoft.com/office/drawing/2014/main" xmlns="" id="{434893F9-BFC7-43CA-9B05-ACF8CED7E908}"/>
+                <a16:creationId xmlns="" xmlns:a16="http://schemas.microsoft.com/office/drawing/2014/main" id="{434893F9-BFC7-43CA-9B05-ACF8CED7E908}"/>
               </a:ext>
             </a:extLst>
           </p:cNvPr>
@@ -11788,55 +12671,66 @@
           <a:lstStyle/>
           <a:p>
             <a:r>
-              <a:rPr lang="es-CL" dirty="0"/>
+              <a:rPr lang="es-419" noProof="0" dirty="0" smtClean="0"/>
               <a:t>Tuvimos el variable “U” en el algoritmo:</a:t>
             </a:r>
             <a:br>
-              <a:rPr lang="es-CL" dirty="0"/>
+              <a:rPr lang="es-419" noProof="0" dirty="0" smtClean="0"/>
             </a:br>
             <a:r>
-              <a:rPr lang="pl-PL" dirty="0">
+              <a:rPr lang="es-419" noProof="0" dirty="0" smtClean="0">
                 <a:latin typeface="Courier New" panose="02070309020205020404" pitchFamily="49" charset="0"/>
                 <a:cs typeface="Courier New" panose="02070309020205020404" pitchFamily="49" charset="0"/>
               </a:rPr>
-              <a:t>new &lt;- x[i-1]+runif(1,-U,U)</a:t>
-            </a:r>
-            <a:endParaRPr lang="en-US" dirty="0">
-              <a:latin typeface="Courier New" panose="02070309020205020404" pitchFamily="49" charset="0"/>
-              <a:cs typeface="Courier New" panose="02070309020205020404" pitchFamily="49" charset="0"/>
-            </a:endParaRPr>
-          </a:p>
-          <a:p>
-            <a:r>
-              <a:rPr lang="es-CL" dirty="0"/>
+              <a:t>new &lt;- x[i-1]+</a:t>
+            </a:r>
+            <a:r>
+              <a:rPr lang="es-419" noProof="0" dirty="0" err="1" smtClean="0">
+                <a:latin typeface="Courier New" panose="02070309020205020404" pitchFamily="49" charset="0"/>
+                <a:cs typeface="Courier New" panose="02070309020205020404" pitchFamily="49" charset="0"/>
+              </a:rPr>
+              <a:t>runif</a:t>
+            </a:r>
+            <a:r>
+              <a:rPr lang="es-419" noProof="0" dirty="0" smtClean="0">
+                <a:latin typeface="Courier New" panose="02070309020205020404" pitchFamily="49" charset="0"/>
+                <a:cs typeface="Courier New" panose="02070309020205020404" pitchFamily="49" charset="0"/>
+              </a:rPr>
+              <a:t>(1,-U,U)</a:t>
+            </a:r>
+          </a:p>
+          <a:p>
+            <a:r>
+              <a:rPr lang="es-419" noProof="0" dirty="0" smtClean="0"/>
               <a:t> Cuál es el efecto con diferente valores?</a:t>
             </a:r>
           </a:p>
           <a:p>
             <a:r>
-              <a:rPr lang="es-CL" dirty="0"/>
+              <a:rPr lang="es-419" noProof="0" dirty="0" smtClean="0"/>
               <a:t>[Mostrar en R]</a:t>
             </a:r>
           </a:p>
           <a:p>
             <a:r>
-              <a:rPr lang="es-CL" dirty="0"/>
+              <a:rPr lang="es-419" noProof="0" dirty="0" smtClean="0"/>
               <a:t>Durante el periodo </a:t>
             </a:r>
             <a:r>
-              <a:rPr lang="es-CL" dirty="0" err="1"/>
+              <a:rPr lang="es-419" noProof="0" dirty="0" err="1" smtClean="0"/>
               <a:t>burn</a:t>
             </a:r>
             <a:r>
-              <a:rPr lang="es-CL" dirty="0"/>
+              <a:rPr lang="es-419" noProof="0" dirty="0" smtClean="0"/>
               <a:t>-in, el algoritmo se afina</a:t>
             </a:r>
           </a:p>
           <a:p>
             <a:r>
-              <a:rPr lang="es-CL" dirty="0"/>
+              <a:rPr lang="es-419" noProof="0" dirty="0" smtClean="0"/>
               <a:t>Por eso debemos usar un periodo suficientemente largo para afinar  </a:t>
             </a:r>
+            <a:endParaRPr lang="es-419" noProof="0" dirty="0"/>
           </a:p>
         </p:txBody>
       </p:sp>
@@ -11845,7 +12739,7 @@
           <p:cNvPr id="4" name="Slide Number Placeholder 3">
             <a:extLst>
               <a:ext uri="{FF2B5EF4-FFF2-40B4-BE49-F238E27FC236}">
-                <a16:creationId xmlns:a16="http://schemas.microsoft.com/office/drawing/2014/main" xmlns="" id="{E6187519-ED94-46FC-8DB1-93372EB33815}"/>
+                <a16:creationId xmlns="" xmlns:a16="http://schemas.microsoft.com/office/drawing/2014/main" id="{E6187519-ED94-46FC-8DB1-93372EB33815}"/>
               </a:ext>
             </a:extLst>
           </p:cNvPr>
@@ -11905,7 +12799,7 @@
           <p:cNvPr id="2" name="Title 1">
             <a:extLst>
               <a:ext uri="{FF2B5EF4-FFF2-40B4-BE49-F238E27FC236}">
-                <a16:creationId xmlns:a16="http://schemas.microsoft.com/office/drawing/2014/main" xmlns="" id="{FB16BEC8-C1A5-4EF6-A184-2D74367822AF}"/>
+                <a16:creationId xmlns="" xmlns:a16="http://schemas.microsoft.com/office/drawing/2014/main" id="{FB16BEC8-C1A5-4EF6-A184-2D74367822AF}"/>
               </a:ext>
             </a:extLst>
           </p:cNvPr>
@@ -11922,17 +12816,18 @@
           <a:lstStyle/>
           <a:p>
             <a:r>
-              <a:rPr lang="es-CL" dirty="0"/>
+              <a:rPr lang="es-419" noProof="0" dirty="0" smtClean="0"/>
               <a:t>La afinación (</a:t>
             </a:r>
             <a:r>
-              <a:rPr lang="es-CL" dirty="0" err="1"/>
+              <a:rPr lang="es-419" noProof="0" dirty="0" err="1" smtClean="0"/>
               <a:t>tuning</a:t>
             </a:r>
             <a:r>
-              <a:rPr lang="es-CL" dirty="0"/>
+              <a:rPr lang="es-419" noProof="0" dirty="0" smtClean="0"/>
               <a:t>)</a:t>
             </a:r>
+            <a:endParaRPr lang="es-419" noProof="0" dirty="0"/>
           </a:p>
         </p:txBody>
       </p:sp>
@@ -11941,7 +12836,7 @@
           <p:cNvPr id="3" name="Content Placeholder 2">
             <a:extLst>
               <a:ext uri="{FF2B5EF4-FFF2-40B4-BE49-F238E27FC236}">
-                <a16:creationId xmlns:a16="http://schemas.microsoft.com/office/drawing/2014/main" xmlns="" id="{BCAF866A-7ABE-41F4-859C-2017718C416D}"/>
+                <a16:creationId xmlns="" xmlns:a16="http://schemas.microsoft.com/office/drawing/2014/main" id="{BCAF866A-7ABE-41F4-859C-2017718C416D}"/>
               </a:ext>
             </a:extLst>
           </p:cNvPr>
@@ -11966,7 +12861,7 @@
           <p:cNvPr id="4" name="Slide Number Placeholder 3">
             <a:extLst>
               <a:ext uri="{FF2B5EF4-FFF2-40B4-BE49-F238E27FC236}">
-                <a16:creationId xmlns:a16="http://schemas.microsoft.com/office/drawing/2014/main" xmlns="" id="{99B3DEC1-3D60-4A5C-A957-5343714D1414}"/>
+                <a16:creationId xmlns="" xmlns:a16="http://schemas.microsoft.com/office/drawing/2014/main" id="{99B3DEC1-3D60-4A5C-A957-5343714D1414}"/>
               </a:ext>
             </a:extLst>
           </p:cNvPr>
@@ -11996,7 +12891,7 @@
           <p:cNvPr id="6" name="Picture 5">
             <a:extLst>
               <a:ext uri="{FF2B5EF4-FFF2-40B4-BE49-F238E27FC236}">
-                <a16:creationId xmlns:a16="http://schemas.microsoft.com/office/drawing/2014/main" xmlns="" id="{8FCC5BCE-7985-420F-A79D-D934A89EEBE9}"/>
+                <a16:creationId xmlns="" xmlns:a16="http://schemas.microsoft.com/office/drawing/2014/main" id="{8FCC5BCE-7985-420F-A79D-D934A89EEBE9}"/>
               </a:ext>
             </a:extLst>
           </p:cNvPr>
@@ -12026,7 +12921,7 @@
           <p:cNvPr id="7" name="TextBox 6">
             <a:extLst>
               <a:ext uri="{FF2B5EF4-FFF2-40B4-BE49-F238E27FC236}">
-                <a16:creationId xmlns:a16="http://schemas.microsoft.com/office/drawing/2014/main" xmlns="" id="{361AF6FE-A584-42C9-9118-BF5B48CC4ECB}"/>
+                <a16:creationId xmlns="" xmlns:a16="http://schemas.microsoft.com/office/drawing/2014/main" id="{361AF6FE-A584-42C9-9118-BF5B48CC4ECB}"/>
               </a:ext>
             </a:extLst>
           </p:cNvPr>
@@ -12062,7 +12957,7 @@
           <p:cNvPr id="8" name="TextBox 7">
             <a:extLst>
               <a:ext uri="{FF2B5EF4-FFF2-40B4-BE49-F238E27FC236}">
-                <a16:creationId xmlns:a16="http://schemas.microsoft.com/office/drawing/2014/main" xmlns="" id="{D790A604-E066-46D9-BB3E-CC0ED37AEBDF}"/>
+                <a16:creationId xmlns="" xmlns:a16="http://schemas.microsoft.com/office/drawing/2014/main" id="{D790A604-E066-46D9-BB3E-CC0ED37AEBDF}"/>
               </a:ext>
             </a:extLst>
           </p:cNvPr>
@@ -12099,7 +12994,7 @@
           <p:cNvPr id="12" name="Group 11">
             <a:extLst>
               <a:ext uri="{FF2B5EF4-FFF2-40B4-BE49-F238E27FC236}">
-                <a16:creationId xmlns:a16="http://schemas.microsoft.com/office/drawing/2014/main" xmlns="" id="{17136825-CAC3-4B1E-B238-891BC5092838}"/>
+                <a16:creationId xmlns="" xmlns:a16="http://schemas.microsoft.com/office/drawing/2014/main" id="{17136825-CAC3-4B1E-B238-891BC5092838}"/>
               </a:ext>
             </a:extLst>
           </p:cNvPr>
@@ -12119,7 +13014,7 @@
             <p:cNvPr id="9" name="TextBox 8">
               <a:extLst>
                 <a:ext uri="{FF2B5EF4-FFF2-40B4-BE49-F238E27FC236}">
-                  <a16:creationId xmlns:a16="http://schemas.microsoft.com/office/drawing/2014/main" xmlns="" id="{8D63D24B-5D5B-435A-841E-9033D7A6C1B7}"/>
+                  <a16:creationId xmlns="" xmlns:a16="http://schemas.microsoft.com/office/drawing/2014/main" id="{8D63D24B-5D5B-435A-841E-9033D7A6C1B7}"/>
                 </a:ext>
               </a:extLst>
             </p:cNvPr>
@@ -12160,7 +13055,7 @@
             <p:cNvPr id="10" name="TextBox 9">
               <a:extLst>
                 <a:ext uri="{FF2B5EF4-FFF2-40B4-BE49-F238E27FC236}">
-                  <a16:creationId xmlns:a16="http://schemas.microsoft.com/office/drawing/2014/main" xmlns="" id="{E5C220FB-CF6C-46EC-9503-BF92D871293C}"/>
+                  <a16:creationId xmlns="" xmlns:a16="http://schemas.microsoft.com/office/drawing/2014/main" id="{E5C220FB-CF6C-46EC-9503-BF92D871293C}"/>
                 </a:ext>
               </a:extLst>
             </p:cNvPr>
@@ -12201,7 +13096,7 @@
             <p:cNvPr id="11" name="TextBox 10">
               <a:extLst>
                 <a:ext uri="{FF2B5EF4-FFF2-40B4-BE49-F238E27FC236}">
-                  <a16:creationId xmlns:a16="http://schemas.microsoft.com/office/drawing/2014/main" xmlns="" id="{E332AC51-E3E8-464E-B5B6-7430152654D5}"/>
+                  <a16:creationId xmlns="" xmlns:a16="http://schemas.microsoft.com/office/drawing/2014/main" id="{E332AC51-E3E8-464E-B5B6-7430152654D5}"/>
                 </a:ext>
               </a:extLst>
             </p:cNvPr>
@@ -12348,7 +13243,7 @@
           <p:cNvPr id="2" name="Title 1">
             <a:extLst>
               <a:ext uri="{FF2B5EF4-FFF2-40B4-BE49-F238E27FC236}">
-                <a16:creationId xmlns:a16="http://schemas.microsoft.com/office/drawing/2014/main" xmlns="" id="{08DC382D-5ABA-4653-970A-22D6ED1928B2}"/>
+                <a16:creationId xmlns="" xmlns:a16="http://schemas.microsoft.com/office/drawing/2014/main" id="{08DC382D-5ABA-4653-970A-22D6ED1928B2}"/>
               </a:ext>
             </a:extLst>
           </p:cNvPr>
@@ -12365,10 +13260,10 @@
           <a:lstStyle/>
           <a:p>
             <a:r>
-              <a:rPr lang="es-CL" dirty="0" err="1"/>
+              <a:rPr lang="es-419" noProof="0" dirty="0" err="1" smtClean="0"/>
               <a:t>Thinning</a:t>
             </a:r>
-            <a:endParaRPr lang="es-CL" dirty="0"/>
+            <a:endParaRPr lang="es-419" noProof="0" dirty="0"/>
           </a:p>
         </p:txBody>
       </p:sp>
@@ -12377,7 +13272,7 @@
           <p:cNvPr id="3" name="Content Placeholder 2">
             <a:extLst>
               <a:ext uri="{FF2B5EF4-FFF2-40B4-BE49-F238E27FC236}">
-                <a16:creationId xmlns:a16="http://schemas.microsoft.com/office/drawing/2014/main" xmlns="" id="{4D6CA7D1-62E3-44AF-865E-EA95086B08C9}"/>
+                <a16:creationId xmlns="" xmlns:a16="http://schemas.microsoft.com/office/drawing/2014/main" id="{4D6CA7D1-62E3-44AF-865E-EA95086B08C9}"/>
               </a:ext>
             </a:extLst>
           </p:cNvPr>
@@ -12399,62 +13294,78 @@
           <a:lstStyle/>
           <a:p>
             <a:r>
-              <a:rPr lang="es-CL" sz="2800" dirty="0"/>
+              <a:rPr lang="es-419" sz="2800" noProof="0" dirty="0" smtClean="0"/>
               <a:t>Muestras efectivas (</a:t>
             </a:r>
             <a:r>
-              <a:rPr lang="es-CL" sz="2800" dirty="0" err="1"/>
+              <a:rPr lang="es-419" sz="2800" noProof="0" dirty="0" err="1" smtClean="0"/>
               <a:t>n_eff</a:t>
             </a:r>
             <a:r>
-              <a:rPr lang="es-CL" sz="2800" dirty="0"/>
+              <a:rPr lang="es-419" sz="2800" noProof="0" dirty="0" smtClean="0"/>
               <a:t>/ESS o </a:t>
             </a:r>
             <a:r>
-              <a:rPr lang="es-CL" sz="2800" b="1" dirty="0" err="1"/>
+              <a:rPr lang="es-419" sz="2800" b="1" noProof="0" dirty="0" err="1" smtClean="0"/>
               <a:t>effective</a:t>
             </a:r>
             <a:r>
-              <a:rPr lang="es-CL" sz="2800" b="1" dirty="0"/>
+              <a:rPr lang="es-419" sz="2800" b="1" noProof="0" dirty="0" smtClean="0"/>
               <a:t> </a:t>
             </a:r>
             <a:r>
-              <a:rPr lang="es-CL" sz="2800" b="1" dirty="0" err="1"/>
+              <a:rPr lang="es-419" sz="2800" b="1" noProof="0" dirty="0" err="1" smtClean="0"/>
               <a:t>samples</a:t>
             </a:r>
             <a:r>
-              <a:rPr lang="es-CL" sz="2800" dirty="0"/>
-              <a:t>) son menos que N, y se disminuye como autocorrelación se aumenta.</a:t>
-            </a:r>
-          </a:p>
-          <a:p>
-            <a:r>
-              <a:rPr lang="es-CL" sz="2800" dirty="0"/>
-              <a:t>Si una cadena tiene mucha autocorrelación, tenemos que generar muchas muestras para tener suficiente muestras efectivas. </a:t>
-            </a:r>
-          </a:p>
-          <a:p>
-            <a:r>
-              <a:rPr lang="es-CL" sz="2800" dirty="0"/>
+              <a:rPr lang="es-419" sz="2800" noProof="0" dirty="0" smtClean="0"/>
+              <a:t>) son menos que N, y se disminuye como </a:t>
+            </a:r>
+            <a:r>
+              <a:rPr lang="es-419" sz="2800" noProof="0" dirty="0" err="1" smtClean="0"/>
+              <a:t>autocorrelación</a:t>
+            </a:r>
+            <a:r>
+              <a:rPr lang="es-419" sz="2800" noProof="0" dirty="0" smtClean="0"/>
+              <a:t> se aumenta.</a:t>
+            </a:r>
+          </a:p>
+          <a:p>
+            <a:r>
+              <a:rPr lang="es-419" sz="2800" noProof="0" dirty="0" smtClean="0"/>
+              <a:t>Si una cadena tiene mucha </a:t>
+            </a:r>
+            <a:r>
+              <a:rPr lang="es-419" sz="2800" noProof="0" dirty="0" err="1" smtClean="0"/>
+              <a:t>autocorrelación</a:t>
+            </a:r>
+            <a:r>
+              <a:rPr lang="es-419" sz="2800" noProof="0" dirty="0" smtClean="0"/>
+              <a:t>, tenemos que generar muchas muestras para tener suficiente muestras efectivas. </a:t>
+            </a:r>
+          </a:p>
+          <a:p>
+            <a:r>
+              <a:rPr lang="es-419" sz="2800" noProof="0" dirty="0" smtClean="0"/>
               <a:t>En algunos casos, quitamos algunas muestras para no tener demasiado </a:t>
             </a:r>
           </a:p>
           <a:p>
             <a:r>
-              <a:rPr lang="es-CL" sz="2800" dirty="0"/>
+              <a:rPr lang="es-419" sz="2800" noProof="0" dirty="0" smtClean="0"/>
               <a:t>Pero perdimos información siempre cuando hacemos “</a:t>
             </a:r>
             <a:r>
-              <a:rPr lang="es-CL" sz="2800" dirty="0" err="1"/>
+              <a:rPr lang="es-419" sz="2800" noProof="0" dirty="0" err="1" smtClean="0"/>
               <a:t>thinning</a:t>
             </a:r>
             <a:r>
-              <a:rPr lang="es-CL" sz="2800" dirty="0"/>
+              <a:rPr lang="es-419" sz="2800" noProof="0" dirty="0" smtClean="0"/>
               <a:t>”</a:t>
             </a:r>
           </a:p>
           <a:p>
-            <a:endParaRPr lang="es-CL" sz="2800" dirty="0"/>
+            <a:endParaRPr lang="es-419" sz="2800" noProof="0" dirty="0"/>
           </a:p>
         </p:txBody>
       </p:sp>
@@ -12463,7 +13374,7 @@
           <p:cNvPr id="4" name="Slide Number Placeholder 3">
             <a:extLst>
               <a:ext uri="{FF2B5EF4-FFF2-40B4-BE49-F238E27FC236}">
-                <a16:creationId xmlns:a16="http://schemas.microsoft.com/office/drawing/2014/main" xmlns="" id="{B856BA49-3F84-44AF-B014-BFE402F2115B}"/>
+                <a16:creationId xmlns="" xmlns:a16="http://schemas.microsoft.com/office/drawing/2014/main" id="{B856BA49-3F84-44AF-B014-BFE402F2115B}"/>
               </a:ext>
             </a:extLst>
           </p:cNvPr>
@@ -12493,7 +13404,7 @@
           <p:cNvPr id="5" name="TextBox 4">
             <a:extLst>
               <a:ext uri="{FF2B5EF4-FFF2-40B4-BE49-F238E27FC236}">
-                <a16:creationId xmlns:a16="http://schemas.microsoft.com/office/drawing/2014/main" xmlns="" id="{BC9E4CC0-8370-45DD-B89A-0697AB7AF78D}"/>
+                <a16:creationId xmlns="" xmlns:a16="http://schemas.microsoft.com/office/drawing/2014/main" id="{BC9E4CC0-8370-45DD-B89A-0697AB7AF78D}"/>
               </a:ext>
             </a:extLst>
           </p:cNvPr>
@@ -12558,7 +13469,7 @@
           <p:cNvPr id="2" name="Title 1">
             <a:extLst>
               <a:ext uri="{FF2B5EF4-FFF2-40B4-BE49-F238E27FC236}">
-                <a16:creationId xmlns:a16="http://schemas.microsoft.com/office/drawing/2014/main" xmlns="" id="{BB90F14D-5220-4A62-A7F3-F87698065F0F}"/>
+                <a16:creationId xmlns="" xmlns:a16="http://schemas.microsoft.com/office/drawing/2014/main" id="{BB90F14D-5220-4A62-A7F3-F87698065F0F}"/>
               </a:ext>
             </a:extLst>
           </p:cNvPr>
@@ -12575,22 +13486,22 @@
           <a:lstStyle/>
           <a:p>
             <a:r>
-              <a:rPr lang="es-CL" dirty="0" err="1" smtClean="0"/>
+              <a:rPr lang="es-419" noProof="0" dirty="0" err="1" smtClean="0"/>
               <a:t>Diagnostic</a:t>
             </a:r>
             <a:r>
-              <a:rPr lang="es-CL" dirty="0" smtClean="0"/>
+              <a:rPr lang="es-419" noProof="0" dirty="0" smtClean="0"/>
               <a:t> </a:t>
             </a:r>
             <a:r>
-              <a:rPr lang="es-CL" dirty="0" err="1" smtClean="0"/>
+              <a:rPr lang="es-419" noProof="0" dirty="0" err="1" smtClean="0"/>
               <a:t>checks</a:t>
             </a:r>
             <a:r>
-              <a:rPr lang="es-CL" dirty="0" smtClean="0"/>
+              <a:rPr lang="es-419" noProof="0" dirty="0" smtClean="0"/>
               <a:t> w/ CODA </a:t>
             </a:r>
-            <a:endParaRPr lang="es-CL" dirty="0"/>
+            <a:endParaRPr lang="es-419" noProof="0" dirty="0"/>
           </a:p>
         </p:txBody>
       </p:sp>
@@ -12599,7 +13510,7 @@
           <p:cNvPr id="3" name="Content Placeholder 2">
             <a:extLst>
               <a:ext uri="{FF2B5EF4-FFF2-40B4-BE49-F238E27FC236}">
-                <a16:creationId xmlns:a16="http://schemas.microsoft.com/office/drawing/2014/main" xmlns="" id="{CA6E65FC-E3CC-46B1-81FE-E383DBE52F38}"/>
+                <a16:creationId xmlns="" xmlns:a16="http://schemas.microsoft.com/office/drawing/2014/main" id="{CA6E65FC-E3CC-46B1-81FE-E383DBE52F38}"/>
               </a:ext>
             </a:extLst>
           </p:cNvPr>
@@ -12621,55 +13532,44 @@
           <a:lstStyle/>
           <a:p>
             <a:r>
-              <a:rPr lang="es-CL" dirty="0"/>
-              <a:t>Si usas muestras </a:t>
-            </a:r>
-            <a:r>
-              <a:rPr lang="es-CL" dirty="0" smtClean="0"/>
-              <a:t>sin convergencia, </a:t>
-            </a:r>
-            <a:r>
-              <a:rPr lang="es-CL" dirty="0"/>
-              <a:t>vas a obtener la respuesta incorrecta!</a:t>
-            </a:r>
-          </a:p>
-          <a:p>
-            <a:r>
-              <a:rPr lang="es-CL" dirty="0"/>
+              <a:rPr lang="es-419" noProof="0" dirty="0" smtClean="0"/>
+              <a:t>Si usas muestras sin convergencia, vas a obtener la respuesta incorrecta!</a:t>
+            </a:r>
+          </a:p>
+          <a:p>
+            <a:r>
+              <a:rPr lang="es-419" noProof="0" dirty="0" smtClean="0"/>
               <a:t>Es </a:t>
             </a:r>
             <a:r>
-              <a:rPr lang="es-CL" b="1" dirty="0"/>
+              <a:rPr lang="es-419" b="1" noProof="0" dirty="0" smtClean="0"/>
               <a:t>tu responsabilidad </a:t>
             </a:r>
             <a:r>
-              <a:rPr lang="es-CL" dirty="0"/>
+              <a:rPr lang="es-419" noProof="0" dirty="0" smtClean="0"/>
               <a:t>asegurar que no hay evidencia que las cadenas no han convergido. </a:t>
             </a:r>
           </a:p>
           <a:p>
             <a:r>
-              <a:rPr lang="es-CL" dirty="0" smtClean="0"/>
+              <a:rPr lang="es-419" noProof="0" dirty="0" smtClean="0"/>
               <a:t>En este curso usaremos: </a:t>
             </a:r>
             <a:r>
-              <a:rPr lang="es-CL" dirty="0" err="1" smtClean="0"/>
+              <a:rPr lang="es-419" noProof="0" dirty="0" err="1" smtClean="0"/>
               <a:t>Rhat</a:t>
             </a:r>
             <a:r>
-              <a:rPr lang="es-CL" dirty="0" smtClean="0"/>
-              <a:t> </a:t>
-            </a:r>
-            <a:r>
-              <a:rPr lang="es-CL" dirty="0"/>
-              <a:t>y ESS</a:t>
-            </a:r>
-          </a:p>
-          <a:p>
-            <a:r>
-              <a:rPr lang="es-CL" dirty="0"/>
+              <a:rPr lang="es-419" noProof="0" dirty="0" smtClean="0"/>
+              <a:t> y ESS</a:t>
+            </a:r>
+          </a:p>
+          <a:p>
+            <a:r>
+              <a:rPr lang="es-419" noProof="0" dirty="0" smtClean="0"/>
               <a:t>Se recomienda usar inicializaciones muy amplias </a:t>
             </a:r>
+            <a:endParaRPr lang="es-419" noProof="0" dirty="0"/>
           </a:p>
         </p:txBody>
       </p:sp>
@@ -12678,7 +13578,7 @@
           <p:cNvPr id="4" name="Slide Number Placeholder 3">
             <a:extLst>
               <a:ext uri="{FF2B5EF4-FFF2-40B4-BE49-F238E27FC236}">
-                <a16:creationId xmlns:a16="http://schemas.microsoft.com/office/drawing/2014/main" xmlns="" id="{F93221D8-CCBC-41F1-B49A-9F93987F2405}"/>
+                <a16:creationId xmlns="" xmlns:a16="http://schemas.microsoft.com/office/drawing/2014/main" id="{F93221D8-CCBC-41F1-B49A-9F93987F2405}"/>
               </a:ext>
             </a:extLst>
           </p:cNvPr>

--- a/dia2/lab2_JAGS.pptx
+++ b/dia2/lab2_JAGS.pptx
@@ -231,7 +231,7 @@
           <a:p>
             <a:fld id="{9EC8F33C-A7AA-43A7-BCA9-F081EA0B4664}" type="datetimeFigureOut">
               <a:rPr lang="en-US" smtClean="0"/>
-              <a:t>1/14/2019</a:t>
+              <a:t>1/15/2019</a:t>
             </a:fld>
             <a:endParaRPr lang="en-US"/>
           </a:p>
@@ -580,7 +580,7 @@
           </a:ln>
           <a:extLst>
             <a:ext uri="{909E8E84-426E-40dd-AFC4-6F175D3DCCD1}">
-              <a14:hiddenFill xmlns:a14="http://schemas.microsoft.com/office/drawing/2010/main" xmlns="">
+              <a14:hiddenFill xmlns="" xmlns:a14="http://schemas.microsoft.com/office/drawing/2010/main">
                 <a:solidFill>
                   <a:srgbClr val="FFFFFF"/>
                 </a:solidFill>
@@ -623,7 +623,7 @@
           </a:ln>
           <a:extLst>
             <a:ext uri="{909E8E84-426E-40dd-AFC4-6F175D3DCCD1}">
-              <a14:hiddenFill xmlns:a14="http://schemas.microsoft.com/office/drawing/2010/main" xmlns="">
+              <a14:hiddenFill xmlns="" xmlns:a14="http://schemas.microsoft.com/office/drawing/2010/main">
                 <a:noFill/>
               </a14:hiddenFill>
             </a:ext>
@@ -722,7 +722,7 @@
           <a:p>
             <a:fld id="{9A356AEA-056F-417E-9B38-4BA8743FE6C4}" type="datetime1">
               <a:rPr lang="en-US" smtClean="0"/>
-              <a:t>1/14/2019</a:t>
+              <a:t>1/15/2019</a:t>
             </a:fld>
             <a:endParaRPr lang="en-US"/>
           </a:p>
@@ -909,7 +909,7 @@
           <a:p>
             <a:fld id="{09867F7C-1948-4907-9EBC-DD38682B5188}" type="datetime1">
               <a:rPr lang="en-US" smtClean="0"/>
-              <a:t>1/14/2019</a:t>
+              <a:t>1/15/2019</a:t>
             </a:fld>
             <a:endParaRPr lang="en-US"/>
           </a:p>
@@ -1105,7 +1105,7 @@
           <a:p>
             <a:fld id="{A5996870-3492-4879-A20C-50CF7F25E309}" type="datetime1">
               <a:rPr lang="en-US" smtClean="0"/>
-              <a:t>1/14/2019</a:t>
+              <a:t>1/15/2019</a:t>
             </a:fld>
             <a:endParaRPr lang="en-US"/>
           </a:p>
@@ -1357,7 +1357,7 @@
           <a:p>
             <a:fld id="{3339509F-2835-4D20-8448-C5CCD453FC4A}" type="datetime1">
               <a:rPr lang="en-US" smtClean="0"/>
-              <a:t>1/14/2019</a:t>
+              <a:t>1/15/2019</a:t>
             </a:fld>
             <a:endParaRPr lang="en-US"/>
           </a:p>
@@ -1581,7 +1581,7 @@
           <a:p>
             <a:fld id="{7A6EDDDE-DBE4-4114-B865-EC3A2920782E}" type="datetime1">
               <a:rPr lang="en-US" smtClean="0"/>
-              <a:t>1/14/2019</a:t>
+              <a:t>1/15/2019</a:t>
             </a:fld>
             <a:endParaRPr lang="en-US"/>
           </a:p>
@@ -1889,7 +1889,7 @@
           <a:p>
             <a:fld id="{8DA96907-43AE-4B1E-B5FF-6853ADDA5697}" type="datetime1">
               <a:rPr lang="en-US" smtClean="0"/>
-              <a:t>1/14/2019</a:t>
+              <a:t>1/15/2019</a:t>
             </a:fld>
             <a:endParaRPr lang="en-US"/>
           </a:p>
@@ -2057,7 +2057,7 @@
           <a:p>
             <a:fld id="{2E65DF97-DE0F-4515-8F8D-0E1C627BC4E9}" type="datetime1">
               <a:rPr lang="en-US" smtClean="0"/>
-              <a:t>1/14/2019</a:t>
+              <a:t>1/15/2019</a:t>
             </a:fld>
             <a:endParaRPr lang="en-US"/>
           </a:p>
@@ -2369,7 +2369,7 @@
           <a:p>
             <a:fld id="{23B9FD00-80D5-4EA7-B536-8F4F2C3959C9}" type="datetime1">
               <a:rPr lang="en-US" smtClean="0"/>
-              <a:t>1/14/2019</a:t>
+              <a:t>1/15/2019</a:t>
             </a:fld>
             <a:endParaRPr lang="en-US"/>
           </a:p>
@@ -2681,7 +2681,7 @@
           <a:p>
             <a:fld id="{DAC77084-4DB4-4A23-9870-BF49183ACB4C}" type="datetime1">
               <a:rPr lang="en-US" smtClean="0"/>
-              <a:t>1/14/2019</a:t>
+              <a:t>1/15/2019</a:t>
             </a:fld>
             <a:endParaRPr lang="en-US"/>
           </a:p>
@@ -2867,7 +2867,7 @@
           <a:p>
             <a:fld id="{6E487ECE-0D8C-4AFB-BD35-997F06E0971C}" type="datetime1">
               <a:rPr lang="en-US" smtClean="0"/>
-              <a:t>1/14/2019</a:t>
+              <a:t>1/15/2019</a:t>
             </a:fld>
             <a:endParaRPr lang="en-US"/>
           </a:p>
@@ -3076,7 +3076,7 @@
           <a:p>
             <a:fld id="{D4F6DC8D-78A1-49CC-B033-F77D87B04958}" type="datetime1">
               <a:rPr lang="en-US" smtClean="0"/>
-              <a:t>1/14/2019</a:t>
+              <a:t>1/15/2019</a:t>
             </a:fld>
             <a:endParaRPr lang="en-US"/>
           </a:p>
@@ -3379,7 +3379,7 @@
           <a:p>
             <a:fld id="{3BCF4A7C-A413-48DA-9211-5240CAEE1DD4}" type="datetime1">
               <a:rPr lang="en-US" smtClean="0"/>
-              <a:t>1/14/2019</a:t>
+              <a:t>1/15/2019</a:t>
             </a:fld>
             <a:endParaRPr lang="en-US"/>
           </a:p>
@@ -3821,7 +3821,7 @@
           <a:p>
             <a:fld id="{AAE887C4-8D00-4515-BD6B-6D6B646F02F7}" type="datetime1">
               <a:rPr lang="en-US" smtClean="0"/>
-              <a:t>1/14/2019</a:t>
+              <a:t>1/15/2019</a:t>
             </a:fld>
             <a:endParaRPr lang="en-US"/>
           </a:p>
@@ -3956,7 +3956,7 @@
           <a:p>
             <a:fld id="{10C13C5A-776A-4D2B-A91E-2ACB7D90E7CC}" type="datetime1">
               <a:rPr lang="en-US" smtClean="0"/>
-              <a:t>1/14/2019</a:t>
+              <a:t>1/15/2019</a:t>
             </a:fld>
             <a:endParaRPr lang="en-US"/>
           </a:p>
@@ -4069,7 +4069,7 @@
           <a:p>
             <a:fld id="{00A5D59F-6FC3-492C-BAE3-F50C9D1FBA31}" type="datetime1">
               <a:rPr lang="en-US" smtClean="0"/>
-              <a:t>1/14/2019</a:t>
+              <a:t>1/15/2019</a:t>
             </a:fld>
             <a:endParaRPr lang="en-US"/>
           </a:p>
@@ -4362,7 +4362,7 @@
           <a:p>
             <a:fld id="{CD78B45F-E474-4F2F-801A-58FC9FE22655}" type="datetime1">
               <a:rPr lang="en-US" smtClean="0"/>
-              <a:t>1/14/2019</a:t>
+              <a:t>1/15/2019</a:t>
             </a:fld>
             <a:endParaRPr lang="en-US"/>
           </a:p>
@@ -4636,7 +4636,7 @@
           <a:p>
             <a:fld id="{FDF35450-A835-4587-8F84-782057674F92}" type="datetime1">
               <a:rPr lang="en-US" smtClean="0"/>
-              <a:t>1/14/2019</a:t>
+              <a:t>1/15/2019</a:t>
             </a:fld>
             <a:endParaRPr lang="en-US"/>
           </a:p>
@@ -4758,17 +4758,17 @@
           </a:ln>
           <a:extLst>
             <a:ext uri="{FAA26D3D-D897-4be2-8F04-BA451C77F1D7}">
-              <ma14:placeholderFlag xmlns:ma14="http://schemas.microsoft.com/office/mac/drawingml/2011/main" xmlns="" val="1"/>
+              <ma14:placeholderFlag xmlns="" xmlns:ma14="http://schemas.microsoft.com/office/mac/drawingml/2011/main" val="1"/>
             </a:ext>
             <a:ext uri="{909E8E84-426E-40dd-AFC4-6F175D3DCCD1}">
-              <a14:hiddenFill xmlns:a14="http://schemas.microsoft.com/office/drawing/2010/main" xmlns="">
+              <a14:hiddenFill xmlns="" xmlns:a14="http://schemas.microsoft.com/office/drawing/2010/main">
                 <a:solidFill>
                   <a:srgbClr val="FFFFFF"/>
                 </a:solidFill>
               </a14:hiddenFill>
             </a:ext>
             <a:ext uri="{91240B29-F687-4f45-9708-019B960494DF}">
-              <a14:hiddenLine xmlns:a14="http://schemas.microsoft.com/office/drawing/2010/main" xmlns="" w="9525">
+              <a14:hiddenLine xmlns="" xmlns:a14="http://schemas.microsoft.com/office/drawing/2010/main" w="9525">
                 <a:solidFill>
                   <a:srgbClr val="000000"/>
                 </a:solidFill>
@@ -4820,17 +4820,17 @@
           </a:ln>
           <a:extLst>
             <a:ext uri="{FAA26D3D-D897-4be2-8F04-BA451C77F1D7}">
-              <ma14:placeholderFlag xmlns:ma14="http://schemas.microsoft.com/office/mac/drawingml/2011/main" xmlns="" val="1"/>
+              <ma14:placeholderFlag xmlns="" xmlns:ma14="http://schemas.microsoft.com/office/mac/drawingml/2011/main" val="1"/>
             </a:ext>
             <a:ext uri="{909E8E84-426E-40dd-AFC4-6F175D3DCCD1}">
-              <a14:hiddenFill xmlns:a14="http://schemas.microsoft.com/office/drawing/2010/main" xmlns="">
+              <a14:hiddenFill xmlns="" xmlns:a14="http://schemas.microsoft.com/office/drawing/2010/main">
                 <a:solidFill>
                   <a:srgbClr val="FFFFFF"/>
                 </a:solidFill>
               </a14:hiddenFill>
             </a:ext>
             <a:ext uri="{91240B29-F687-4f45-9708-019B960494DF}">
-              <a14:hiddenLine xmlns:a14="http://schemas.microsoft.com/office/drawing/2010/main" xmlns="" w="9525">
+              <a14:hiddenLine xmlns="" xmlns:a14="http://schemas.microsoft.com/office/drawing/2010/main" w="9525">
                 <a:solidFill>
                   <a:srgbClr val="000000"/>
                 </a:solidFill>
@@ -4930,7 +4930,7 @@
           <a:p>
             <a:fld id="{F6803E09-2A09-4EEA-8E99-292225B5EDFC}" type="datetime1">
               <a:rPr lang="en-US" smtClean="0"/>
-              <a:t>1/14/2019</a:t>
+              <a:t>1/15/2019</a:t>
             </a:fld>
             <a:endParaRPr lang="en-US"/>
           </a:p>
@@ -5098,7 +5098,7 @@
           </a:ln>
           <a:extLst>
             <a:ext uri="{909E8E84-426E-40dd-AFC4-6F175D3DCCD1}">
-              <a14:hiddenFill xmlns:a14="http://schemas.microsoft.com/office/drawing/2010/main" xmlns="">
+              <a14:hiddenFill xmlns="" xmlns:a14="http://schemas.microsoft.com/office/drawing/2010/main">
                 <a:solidFill>
                   <a:srgbClr val="FFFFFF"/>
                 </a:solidFill>
@@ -5141,7 +5141,7 @@
           </a:ln>
           <a:extLst>
             <a:ext uri="{909E8E84-426E-40dd-AFC4-6F175D3DCCD1}">
-              <a14:hiddenFill xmlns:a14="http://schemas.microsoft.com/office/drawing/2010/main" xmlns="">
+              <a14:hiddenFill xmlns="" xmlns:a14="http://schemas.microsoft.com/office/drawing/2010/main">
                 <a:noFill/>
               </a14:hiddenFill>
             </a:ext>
@@ -5626,7 +5626,7 @@
           <p:cNvPr id="2" name="Title 1">
             <a:extLst>
               <a:ext uri="{FF2B5EF4-FFF2-40B4-BE49-F238E27FC236}">
-                <a16:creationId xmlns="" xmlns:a16="http://schemas.microsoft.com/office/drawing/2014/main" id="{4819A39B-28BB-4873-9914-8FEE18891DD4}"/>
+                <a16:creationId xmlns:a16="http://schemas.microsoft.com/office/drawing/2014/main" xmlns="" id="{4819A39B-28BB-4873-9914-8FEE18891DD4}"/>
               </a:ext>
             </a:extLst>
           </p:cNvPr>
@@ -5657,7 +5657,7 @@
           <p:cNvPr id="5" name="Subtitle 2">
             <a:extLst>
               <a:ext uri="{FF2B5EF4-FFF2-40B4-BE49-F238E27FC236}">
-                <a16:creationId xmlns="" xmlns:a16="http://schemas.microsoft.com/office/drawing/2014/main" id="{2BECD79D-0B3A-44C2-A155-03EC2A6A5D3B}"/>
+                <a16:creationId xmlns:a16="http://schemas.microsoft.com/office/drawing/2014/main" xmlns="" id="{2BECD79D-0B3A-44C2-A155-03EC2A6A5D3B}"/>
               </a:ext>
             </a:extLst>
           </p:cNvPr>
@@ -5680,17 +5680,17 @@
           </a:ln>
           <a:extLst>
             <a:ext uri="{FAA26D3D-D897-4be2-8F04-BA451C77F1D7}">
-              <ma14:placeholderFlag xmlns="" xmlns:ma14="http://schemas.microsoft.com/office/mac/drawingml/2011/main" val="1"/>
+              <ma14:placeholderFlag xmlns:ma14="http://schemas.microsoft.com/office/mac/drawingml/2011/main" xmlns="" val="1"/>
             </a:ext>
             <a:ext uri="{909E8E84-426E-40dd-AFC4-6F175D3DCCD1}">
-              <a14:hiddenFill xmlns="" xmlns:a14="http://schemas.microsoft.com/office/drawing/2010/main">
+              <a14:hiddenFill xmlns:a14="http://schemas.microsoft.com/office/drawing/2010/main" xmlns="">
                 <a:solidFill>
                   <a:srgbClr val="FFFFFF"/>
                 </a:solidFill>
               </a14:hiddenFill>
             </a:ext>
             <a:ext uri="{91240B29-F687-4f45-9708-019B960494DF}">
-              <a14:hiddenLine xmlns="" xmlns:a14="http://schemas.microsoft.com/office/drawing/2010/main" w="9525">
+              <a14:hiddenLine xmlns:a14="http://schemas.microsoft.com/office/drawing/2010/main" xmlns="" w="9525">
                 <a:solidFill>
                   <a:srgbClr val="000000"/>
                 </a:solidFill>
@@ -5956,6 +5956,13 @@
   <p:clrMapOvr>
     <a:masterClrMapping/>
   </p:clrMapOvr>
+  <p:timing>
+    <p:tnLst>
+      <p:par>
+        <p:cTn id="1" dur="indefinite" restart="never" nodeType="tmRoot"/>
+      </p:par>
+    </p:tnLst>
+  </p:timing>
 </p:sld>
 </file>
 
@@ -6477,6 +6484,13 @@
   <p:clrMapOvr>
     <a:masterClrMapping/>
   </p:clrMapOvr>
+  <p:timing>
+    <p:tnLst>
+      <p:par>
+        <p:cTn id="1" dur="indefinite" restart="never" nodeType="tmRoot"/>
+      </p:par>
+    </p:tnLst>
+  </p:timing>
 </p:sld>
 </file>
 
@@ -7311,6 +7325,13 @@
   <p:clrMapOvr>
     <a:masterClrMapping/>
   </p:clrMapOvr>
+  <p:timing>
+    <p:tnLst>
+      <p:par>
+        <p:cTn id="1" dur="indefinite" restart="never" nodeType="tmRoot"/>
+      </p:par>
+    </p:tnLst>
+  </p:timing>
 </p:sld>
 </file>
 
@@ -7693,6 +7714,13 @@
   <p:clrMapOvr>
     <a:masterClrMapping/>
   </p:clrMapOvr>
+  <p:timing>
+    <p:tnLst>
+      <p:par>
+        <p:cTn id="1" dur="indefinite" restart="never" nodeType="tmRoot"/>
+      </p:par>
+    </p:tnLst>
+  </p:timing>
 </p:sld>
 </file>
 
@@ -8092,6 +8120,13 @@
   <p:clrMapOvr>
     <a:masterClrMapping/>
   </p:clrMapOvr>
+  <p:timing>
+    <p:tnLst>
+      <p:par>
+        <p:cTn id="1" dur="indefinite" restart="never" nodeType="tmRoot"/>
+      </p:par>
+    </p:tnLst>
+  </p:timing>
 </p:sld>
 </file>
 
@@ -8117,7 +8152,7 @@
           <p:cNvPr id="2" name="Title 1">
             <a:extLst>
               <a:ext uri="{FF2B5EF4-FFF2-40B4-BE49-F238E27FC236}">
-                <a16:creationId xmlns="" xmlns:a16="http://schemas.microsoft.com/office/drawing/2014/main" id="{4819A39B-28BB-4873-9914-8FEE18891DD4}"/>
+                <a16:creationId xmlns:a16="http://schemas.microsoft.com/office/drawing/2014/main" xmlns="" id="{4819A39B-28BB-4873-9914-8FEE18891DD4}"/>
               </a:ext>
             </a:extLst>
           </p:cNvPr>
@@ -8148,7 +8183,7 @@
           <p:cNvPr id="5" name="Subtitle 2">
             <a:extLst>
               <a:ext uri="{FF2B5EF4-FFF2-40B4-BE49-F238E27FC236}">
-                <a16:creationId xmlns="" xmlns:a16="http://schemas.microsoft.com/office/drawing/2014/main" id="{2BECD79D-0B3A-44C2-A155-03EC2A6A5D3B}"/>
+                <a16:creationId xmlns:a16="http://schemas.microsoft.com/office/drawing/2014/main" xmlns="" id="{2BECD79D-0B3A-44C2-A155-03EC2A6A5D3B}"/>
               </a:ext>
             </a:extLst>
           </p:cNvPr>
@@ -8171,17 +8206,17 @@
           </a:ln>
           <a:extLst>
             <a:ext uri="{FAA26D3D-D897-4be2-8F04-BA451C77F1D7}">
-              <ma14:placeholderFlag xmlns:ma14="http://schemas.microsoft.com/office/mac/drawingml/2011/main" xmlns="" val="1"/>
+              <ma14:placeholderFlag xmlns="" xmlns:ma14="http://schemas.microsoft.com/office/mac/drawingml/2011/main" val="1"/>
             </a:ext>
             <a:ext uri="{909E8E84-426E-40dd-AFC4-6F175D3DCCD1}">
-              <a14:hiddenFill xmlns:a14="http://schemas.microsoft.com/office/drawing/2010/main" xmlns="">
+              <a14:hiddenFill xmlns="" xmlns:a14="http://schemas.microsoft.com/office/drawing/2010/main">
                 <a:solidFill>
                   <a:srgbClr val="FFFFFF"/>
                 </a:solidFill>
               </a14:hiddenFill>
             </a:ext>
             <a:ext uri="{91240B29-F687-4f45-9708-019B960494DF}">
-              <a14:hiddenLine xmlns:a14="http://schemas.microsoft.com/office/drawing/2010/main" xmlns="" w="9525">
+              <a14:hiddenLine xmlns="" xmlns:a14="http://schemas.microsoft.com/office/drawing/2010/main" w="9525">
                 <a:solidFill>
                   <a:srgbClr val="000000"/>
                 </a:solidFill>
@@ -8447,6 +8482,13 @@
   <p:clrMapOvr>
     <a:masterClrMapping/>
   </p:clrMapOvr>
+  <p:timing>
+    <p:tnLst>
+      <p:par>
+        <p:cTn id="1" dur="indefinite" restart="never" nodeType="tmRoot"/>
+      </p:par>
+    </p:tnLst>
+  </p:timing>
 </p:sld>
 </file>
 
@@ -8721,6 +8763,13 @@
   <p:clrMapOvr>
     <a:masterClrMapping/>
   </p:clrMapOvr>
+  <p:timing>
+    <p:tnLst>
+      <p:par>
+        <p:cTn id="1" dur="indefinite" restart="never" nodeType="tmRoot"/>
+      </p:par>
+    </p:tnLst>
+  </p:timing>
 </p:sld>
 </file>
 
@@ -8878,7 +8927,7 @@
           <a:graphicData uri="http://schemas.openxmlformats.org/presentationml/2006/ole">
             <mc:AlternateContent xmlns:mc="http://schemas.openxmlformats.org/markup-compatibility/2006">
               <mc:Choice xmlns:v="urn:schemas-microsoft-com:vml" Requires="v">
-                <p:oleObj spid="_x0000_s1068" name="Equation" r:id="rId3" imgW="812447" imgH="228501" progId="Equation.3">
+                <p:oleObj spid="_x0000_s1083" name="Equation" r:id="rId3" imgW="812447" imgH="228501" progId="Equation.3">
                   <p:embed/>
                 </p:oleObj>
               </mc:Choice>
@@ -8921,14 +8970,14 @@
                       <a:effectLst/>
                       <a:extLst>
                         <a:ext uri="{909E8E84-426E-40dd-AFC4-6F175D3DCCD1}">
-                          <a14:hiddenFill xmlns:a14="http://schemas.microsoft.com/office/drawing/2010/main" xmlns="">
+                          <a14:hiddenFill xmlns="" xmlns:a14="http://schemas.microsoft.com/office/drawing/2010/main">
                             <a:solidFill>
                               <a:srgbClr val="FFFFFF"/>
                             </a:solidFill>
                           </a14:hiddenFill>
                         </a:ext>
                         <a:ext uri="{91240B29-F687-4f45-9708-019B960494DF}">
-                          <a14:hiddenLine xmlns:a14="http://schemas.microsoft.com/office/drawing/2010/main" xmlns="" w="9525">
+                          <a14:hiddenLine xmlns="" xmlns:a14="http://schemas.microsoft.com/office/drawing/2010/main" w="9525">
                             <a:solidFill>
                               <a:srgbClr val="000000"/>
                             </a:solidFill>
@@ -8938,7 +8987,7 @@
                           </a14:hiddenLine>
                         </a:ext>
                         <a:ext uri="{AF507438-7753-43e0-B8FC-AC1667EBCBE1}">
-                          <a14:hiddenEffects xmlns:a14="http://schemas.microsoft.com/office/drawing/2010/main" xmlns="">
+                          <a14:hiddenEffects xmlns="" xmlns:a14="http://schemas.microsoft.com/office/drawing/2010/main">
                             <a:effectLst>
                               <a:outerShdw blurRad="63500" dist="38099" dir="2700000" algn="ctr" rotWithShape="0">
                                 <a:srgbClr val="000000">
@@ -8973,7 +9022,7 @@
           <a:graphicData uri="http://schemas.openxmlformats.org/presentationml/2006/ole">
             <mc:AlternateContent xmlns:mc="http://schemas.openxmlformats.org/markup-compatibility/2006">
               <mc:Choice xmlns:v="urn:schemas-microsoft-com:vml" Requires="v">
-                <p:oleObj spid="_x0000_s1069" name="Equation" r:id="rId5" imgW="761669" imgH="228501" progId="Equation.3">
+                <p:oleObj spid="_x0000_s1084" name="Equation" r:id="rId5" imgW="761669" imgH="228501" progId="Equation.3">
                   <p:embed/>
                 </p:oleObj>
               </mc:Choice>
@@ -9016,14 +9065,14 @@
                       <a:effectLst/>
                       <a:extLst>
                         <a:ext uri="{909E8E84-426E-40dd-AFC4-6F175D3DCCD1}">
-                          <a14:hiddenFill xmlns:a14="http://schemas.microsoft.com/office/drawing/2010/main" xmlns="">
+                          <a14:hiddenFill xmlns="" xmlns:a14="http://schemas.microsoft.com/office/drawing/2010/main">
                             <a:solidFill>
                               <a:schemeClr val="accent1"/>
                             </a:solidFill>
                           </a14:hiddenFill>
                         </a:ext>
                         <a:ext uri="{91240B29-F687-4f45-9708-019B960494DF}">
-                          <a14:hiddenLine xmlns:a14="http://schemas.microsoft.com/office/drawing/2010/main" xmlns="" w="9525">
+                          <a14:hiddenLine xmlns="" xmlns:a14="http://schemas.microsoft.com/office/drawing/2010/main" w="9525">
                             <a:solidFill>
                               <a:schemeClr val="tx1"/>
                             </a:solidFill>
@@ -9033,7 +9082,7 @@
                           </a14:hiddenLine>
                         </a:ext>
                         <a:ext uri="{AF507438-7753-43e0-B8FC-AC1667EBCBE1}">
-                          <a14:hiddenEffects xmlns:a14="http://schemas.microsoft.com/office/drawing/2010/main" xmlns="">
+                          <a14:hiddenEffects xmlns="" xmlns:a14="http://schemas.microsoft.com/office/drawing/2010/main">
                             <a:effectLst>
                               <a:outerShdw blurRad="63500" dist="38099" dir="2700000" algn="ctr" rotWithShape="0">
                                 <a:schemeClr val="bg2">
@@ -9070,7 +9119,7 @@
           <a:graphicData uri="http://schemas.openxmlformats.org/presentationml/2006/ole">
             <mc:AlternateContent xmlns:mc="http://schemas.openxmlformats.org/markup-compatibility/2006">
               <mc:Choice xmlns:v="urn:schemas-microsoft-com:vml" Requires="v">
-                <p:oleObj spid="_x0000_s1070" r:id="rId7" imgW="1180588" imgH="710891" progId="Equation.3">
+                <p:oleObj spid="_x0000_s1085" r:id="rId7" imgW="1180588" imgH="710891" progId="Equation.3">
                   <p:embed/>
                 </p:oleObj>
               </mc:Choice>
@@ -9113,14 +9162,14 @@
                       <a:effectLst/>
                       <a:extLst>
                         <a:ext uri="{909E8E84-426E-40dd-AFC4-6F175D3DCCD1}">
-                          <a14:hiddenFill xmlns:a14="http://schemas.microsoft.com/office/drawing/2010/main" xmlns="">
+                          <a14:hiddenFill xmlns="" xmlns:a14="http://schemas.microsoft.com/office/drawing/2010/main">
                             <a:solidFill>
                               <a:srgbClr val="FFFFFF"/>
                             </a:solidFill>
                           </a14:hiddenFill>
                         </a:ext>
                         <a:ext uri="{91240B29-F687-4f45-9708-019B960494DF}">
-                          <a14:hiddenLine xmlns:a14="http://schemas.microsoft.com/office/drawing/2010/main" xmlns="" w="9525">
+                          <a14:hiddenLine xmlns="" xmlns:a14="http://schemas.microsoft.com/office/drawing/2010/main" w="9525">
                             <a:solidFill>
                               <a:srgbClr val="000000"/>
                             </a:solidFill>
@@ -9130,7 +9179,7 @@
                           </a14:hiddenLine>
                         </a:ext>
                         <a:ext uri="{AF507438-7753-43e0-B8FC-AC1667EBCBE1}">
-                          <a14:hiddenEffects xmlns:a14="http://schemas.microsoft.com/office/drawing/2010/main" xmlns="">
+                          <a14:hiddenEffects xmlns="" xmlns:a14="http://schemas.microsoft.com/office/drawing/2010/main">
                             <a:effectLst>
                               <a:outerShdw blurRad="63500" dist="38099" dir="2700000" algn="ctr" rotWithShape="0">
                                 <a:srgbClr val="808080">
@@ -9171,14 +9220,14 @@
           </a:ln>
           <a:extLst>
             <a:ext uri="{909E8E84-426E-40dd-AFC4-6F175D3DCCD1}">
-              <a14:hiddenFill xmlns:a14="http://schemas.microsoft.com/office/drawing/2010/main" xmlns="">
+              <a14:hiddenFill xmlns="" xmlns:a14="http://schemas.microsoft.com/office/drawing/2010/main">
                 <a:solidFill>
                   <a:srgbClr val="FFFFFF"/>
                 </a:solidFill>
               </a14:hiddenFill>
             </a:ext>
             <a:ext uri="{91240B29-F687-4f45-9708-019B960494DF}">
-              <a14:hiddenLine xmlns:a14="http://schemas.microsoft.com/office/drawing/2010/main" xmlns="" w="9525">
+              <a14:hiddenLine xmlns="" xmlns:a14="http://schemas.microsoft.com/office/drawing/2010/main" w="9525">
                 <a:solidFill>
                   <a:srgbClr val="000000"/>
                 </a:solidFill>
@@ -9610,6 +9659,13 @@
   <p:clrMapOvr>
     <a:masterClrMapping/>
   </p:clrMapOvr>
+  <p:timing>
+    <p:tnLst>
+      <p:par>
+        <p:cTn id="1" dur="indefinite" restart="never" nodeType="tmRoot"/>
+      </p:par>
+    </p:tnLst>
+  </p:timing>
 </p:sld>
 </file>
 
@@ -9767,7 +9823,7 @@
           <a:graphicData uri="http://schemas.openxmlformats.org/presentationml/2006/ole">
             <mc:AlternateContent xmlns:mc="http://schemas.openxmlformats.org/markup-compatibility/2006">
               <mc:Choice xmlns:v="urn:schemas-microsoft-com:vml" Requires="v">
-                <p:oleObj spid="_x0000_s2080" name="Equation" r:id="rId3" imgW="1002960" imgH="228600" progId="Equation.DSMT4">
+                <p:oleObj spid="_x0000_s2090" name="Equation" r:id="rId3" imgW="1002960" imgH="228600" progId="Equation.DSMT4">
                   <p:embed/>
                 </p:oleObj>
               </mc:Choice>
@@ -9804,14 +9860,14 @@
                       <a:effectLst/>
                       <a:extLst>
                         <a:ext uri="{909E8E84-426E-40dd-AFC4-6F175D3DCCD1}">
-                          <a14:hiddenFill xmlns:a14="http://schemas.microsoft.com/office/drawing/2010/main" xmlns="">
+                          <a14:hiddenFill xmlns="" xmlns:a14="http://schemas.microsoft.com/office/drawing/2010/main">
                             <a:solidFill>
                               <a:srgbClr val="FFFFFF"/>
                             </a:solidFill>
                           </a14:hiddenFill>
                         </a:ext>
                         <a:ext uri="{91240B29-F687-4f45-9708-019B960494DF}">
-                          <a14:hiddenLine xmlns:a14="http://schemas.microsoft.com/office/drawing/2010/main" xmlns="" w="9525">
+                          <a14:hiddenLine xmlns="" xmlns:a14="http://schemas.microsoft.com/office/drawing/2010/main" w="9525">
                             <a:solidFill>
                               <a:srgbClr val="000000"/>
                             </a:solidFill>
@@ -9821,7 +9877,7 @@
                           </a14:hiddenLine>
                         </a:ext>
                         <a:ext uri="{AF507438-7753-43e0-B8FC-AC1667EBCBE1}">
-                          <a14:hiddenEffects xmlns:a14="http://schemas.microsoft.com/office/drawing/2010/main" xmlns="">
+                          <a14:hiddenEffects xmlns="" xmlns:a14="http://schemas.microsoft.com/office/drawing/2010/main">
                             <a:effectLst>
                               <a:outerShdw blurRad="63500" dist="38099" dir="2700000" algn="ctr" rotWithShape="0">
                                 <a:srgbClr val="000000">
@@ -9863,7 +9919,7 @@
           <a:graphicData uri="http://schemas.openxmlformats.org/presentationml/2006/ole">
             <mc:AlternateContent xmlns:mc="http://schemas.openxmlformats.org/markup-compatibility/2006">
               <mc:Choice xmlns:v="urn:schemas-microsoft-com:vml" Requires="v">
-                <p:oleObj spid="_x0000_s2081" name="Equation" r:id="rId5" imgW="1028520" imgH="203040" progId="Equation.DSMT4">
+                <p:oleObj spid="_x0000_s2091" name="Equation" r:id="rId5" imgW="1028520" imgH="203040" progId="Equation.DSMT4">
                   <p:embed/>
                 </p:oleObj>
               </mc:Choice>
@@ -9900,14 +9956,14 @@
                       <a:effectLst/>
                       <a:extLst>
                         <a:ext uri="{909E8E84-426E-40dd-AFC4-6F175D3DCCD1}">
-                          <a14:hiddenFill xmlns:a14="http://schemas.microsoft.com/office/drawing/2010/main" xmlns="">
+                          <a14:hiddenFill xmlns="" xmlns:a14="http://schemas.microsoft.com/office/drawing/2010/main">
                             <a:solidFill>
                               <a:srgbClr val="FFFFFF"/>
                             </a:solidFill>
                           </a14:hiddenFill>
                         </a:ext>
                         <a:ext uri="{91240B29-F687-4f45-9708-019B960494DF}">
-                          <a14:hiddenLine xmlns:a14="http://schemas.microsoft.com/office/drawing/2010/main" xmlns="" w="9525">
+                          <a14:hiddenLine xmlns="" xmlns:a14="http://schemas.microsoft.com/office/drawing/2010/main" w="9525">
                             <a:solidFill>
                               <a:srgbClr val="000000"/>
                             </a:solidFill>
@@ -9917,7 +9973,7 @@
                           </a14:hiddenLine>
                         </a:ext>
                         <a:ext uri="{AF507438-7753-43e0-B8FC-AC1667EBCBE1}">
-                          <a14:hiddenEffects xmlns:a14="http://schemas.microsoft.com/office/drawing/2010/main" xmlns="">
+                          <a14:hiddenEffects xmlns="" xmlns:a14="http://schemas.microsoft.com/office/drawing/2010/main">
                             <a:effectLst>
                               <a:outerShdw blurRad="63500" dist="38099" dir="2700000" algn="ctr" rotWithShape="0">
                                 <a:srgbClr val="808080">
@@ -9958,14 +10014,14 @@
           </a:ln>
           <a:extLst>
             <a:ext uri="{909E8E84-426E-40dd-AFC4-6F175D3DCCD1}">
-              <a14:hiddenFill xmlns:a14="http://schemas.microsoft.com/office/drawing/2010/main" xmlns="">
+              <a14:hiddenFill xmlns="" xmlns:a14="http://schemas.microsoft.com/office/drawing/2010/main">
                 <a:solidFill>
                   <a:srgbClr val="FFFFFF"/>
                 </a:solidFill>
               </a14:hiddenFill>
             </a:ext>
             <a:ext uri="{91240B29-F687-4f45-9708-019B960494DF}">
-              <a14:hiddenLine xmlns:a14="http://schemas.microsoft.com/office/drawing/2010/main" xmlns="" w="9525">
+              <a14:hiddenLine xmlns="" xmlns:a14="http://schemas.microsoft.com/office/drawing/2010/main" w="9525">
                 <a:solidFill>
                   <a:srgbClr val="000000"/>
                 </a:solidFill>
@@ -10135,10 +10191,24 @@
                 <a:latin typeface="Courier New" panose="02070309020205020404" pitchFamily="49" charset="0"/>
                 <a:cs typeface="Courier New" panose="02070309020205020404" pitchFamily="49" charset="0"/>
               </a:rPr>
-              <a:t>    y[</a:t>
-            </a:r>
-            <a:r>
-              <a:rPr lang="en-US" sz="2000" dirty="0" err="1">
+              <a:t>    </a:t>
+            </a:r>
+            <a:r>
+              <a:rPr lang="en-US" sz="2000" dirty="0">
+                <a:latin typeface="Courier New" panose="02070309020205020404" pitchFamily="49" charset="0"/>
+                <a:cs typeface="Courier New" panose="02070309020205020404" pitchFamily="49" charset="0"/>
+              </a:rPr>
+              <a:t>Y</a:t>
+            </a:r>
+            <a:r>
+              <a:rPr lang="en-US" sz="2000" dirty="0" smtClean="0">
+                <a:latin typeface="Courier New" panose="02070309020205020404" pitchFamily="49" charset="0"/>
+                <a:cs typeface="Courier New" panose="02070309020205020404" pitchFamily="49" charset="0"/>
+              </a:rPr>
+              <a:t>[</a:t>
+            </a:r>
+            <a:r>
+              <a:rPr lang="en-US" sz="2000" dirty="0" err="1" smtClean="0">
                 <a:latin typeface="Courier New" panose="02070309020205020404" pitchFamily="49" charset="0"/>
                 <a:cs typeface="Courier New" panose="02070309020205020404" pitchFamily="49" charset="0"/>
               </a:rPr>
@@ -10245,6 +10315,13 @@
   <p:clrMapOvr>
     <a:masterClrMapping/>
   </p:clrMapOvr>
+  <p:timing>
+    <p:tnLst>
+      <p:par>
+        <p:cTn id="1" dur="indefinite" restart="never" nodeType="tmRoot"/>
+      </p:par>
+    </p:tnLst>
+  </p:timing>
 </p:sld>
 </file>
 
@@ -10338,14 +10415,14 @@
           </a:ln>
           <a:extLst>
             <a:ext uri="{909E8E84-426E-40dd-AFC4-6F175D3DCCD1}">
-              <a14:hiddenFill xmlns:a14="http://schemas.microsoft.com/office/drawing/2010/main" xmlns="">
+              <a14:hiddenFill xmlns="" xmlns:a14="http://schemas.microsoft.com/office/drawing/2010/main">
                 <a:solidFill>
                   <a:srgbClr val="FFFFFF"/>
                 </a:solidFill>
               </a14:hiddenFill>
             </a:ext>
             <a:ext uri="{91240B29-F687-4f45-9708-019B960494DF}">
-              <a14:hiddenLine xmlns:a14="http://schemas.microsoft.com/office/drawing/2010/main" xmlns="" w="9525">
+              <a14:hiddenLine xmlns="" xmlns:a14="http://schemas.microsoft.com/office/drawing/2010/main" w="9525">
                 <a:solidFill>
                   <a:srgbClr val="000000"/>
                 </a:solidFill>
@@ -10965,6 +11042,13 @@
   <p:clrMapOvr>
     <a:masterClrMapping/>
   </p:clrMapOvr>
+  <p:timing>
+    <p:tnLst>
+      <p:par>
+        <p:cTn id="1" dur="indefinite" restart="never" nodeType="tmRoot"/>
+      </p:par>
+    </p:tnLst>
+  </p:timing>
 </p:sld>
 </file>
 
@@ -11018,7 +11102,12 @@
             <p:ph idx="1"/>
           </p:nvPr>
         </p:nvSpPr>
-        <p:spPr/>
+        <p:spPr>
+          <a:xfrm>
+            <a:off x="457200" y="1324896"/>
+            <a:ext cx="8229600" cy="4530725"/>
+          </a:xfrm>
+        </p:spPr>
         <p:txBody>
           <a:bodyPr/>
           <a:lstStyle/>
@@ -11028,77 +11117,126 @@
               <a:buAutoNum type="arabicPeriod"/>
             </a:pPr>
             <a:r>
-              <a:rPr lang="es-419" noProof="0" dirty="0" err="1" smtClean="0"/>
-              <a:t>Fit</a:t>
-            </a:r>
-            <a:r>
-              <a:rPr lang="es-419" noProof="0" dirty="0" smtClean="0"/>
+              <a:rPr lang="es-419" sz="2800" dirty="0" err="1" smtClean="0"/>
+              <a:t>Copy</a:t>
+            </a:r>
+            <a:r>
+              <a:rPr lang="es-419" sz="2800" dirty="0" smtClean="0"/>
               <a:t> </a:t>
             </a:r>
             <a:r>
-              <a:rPr lang="es-419" noProof="0" dirty="0" err="1" smtClean="0"/>
+              <a:rPr lang="es-419" sz="2800" dirty="0" err="1" smtClean="0"/>
               <a:t>the</a:t>
             </a:r>
             <a:r>
-              <a:rPr lang="es-419" noProof="0" dirty="0" smtClean="0"/>
-              <a:t> normal </a:t>
-            </a:r>
-            <a:r>
-              <a:rPr lang="es-419" noProof="0" dirty="0" err="1" smtClean="0"/>
-              <a:t>conjugate</a:t>
-            </a:r>
-            <a:r>
-              <a:rPr lang="es-419" noProof="0" dirty="0" smtClean="0"/>
+              <a:rPr lang="es-419" sz="2800" dirty="0" smtClean="0"/>
               <a:t> </a:t>
             </a:r>
             <a:r>
-              <a:rPr lang="es-419" noProof="0" dirty="0" err="1" smtClean="0"/>
-              <a:t>example</a:t>
-            </a:r>
-            <a:r>
-              <a:rPr lang="es-419" noProof="0" dirty="0" smtClean="0"/>
+              <a:rPr lang="es-419" sz="2800" dirty="0" err="1" smtClean="0"/>
+              <a:t>code</a:t>
+            </a:r>
+            <a:r>
+              <a:rPr lang="es-419" sz="2800" dirty="0" smtClean="0"/>
               <a:t> </a:t>
             </a:r>
             <a:r>
-              <a:rPr lang="es-419" noProof="0" dirty="0" err="1" smtClean="0"/>
+              <a:rPr lang="es-419" sz="2800" dirty="0" err="1" smtClean="0"/>
               <a:t>from</a:t>
             </a:r>
             <a:r>
-              <a:rPr lang="es-419" noProof="0" dirty="0" smtClean="0"/>
+              <a:rPr lang="es-419" sz="2800" dirty="0" smtClean="0"/>
               <a:t> </a:t>
             </a:r>
             <a:r>
-              <a:rPr lang="es-419" noProof="0" dirty="0" err="1" smtClean="0"/>
-              <a:t>lecture</a:t>
-            </a:r>
-            <a:r>
-              <a:rPr lang="es-419" noProof="0" dirty="0" smtClean="0"/>
+              <a:rPr lang="es-419" sz="2800" dirty="0" err="1" smtClean="0"/>
+              <a:t>the</a:t>
+            </a:r>
+            <a:r>
+              <a:rPr lang="es-419" sz="2800" dirty="0" smtClean="0"/>
               <a:t> </a:t>
             </a:r>
             <a:r>
-              <a:rPr lang="es-419" noProof="0" dirty="0" err="1" smtClean="0"/>
-              <a:t>using</a:t>
-            </a:r>
-            <a:r>
-              <a:rPr lang="es-419" noProof="0" dirty="0" smtClean="0"/>
-              <a:t> JAGS and compare to </a:t>
-            </a:r>
-            <a:r>
-              <a:rPr lang="es-419" noProof="0" dirty="0" err="1" smtClean="0"/>
-              <a:t>exercise</a:t>
-            </a:r>
-            <a:r>
-              <a:rPr lang="es-419" noProof="0" dirty="0" smtClean="0"/>
+              <a:rPr lang="es-419" sz="2800" dirty="0" err="1" smtClean="0"/>
+              <a:t>previous</a:t>
+            </a:r>
+            <a:r>
+              <a:rPr lang="es-419" sz="2800" dirty="0" smtClean="0"/>
               <a:t> </a:t>
             </a:r>
             <a:r>
-              <a:rPr lang="es-419" noProof="0" dirty="0" err="1" smtClean="0"/>
-              <a:t>from</a:t>
-            </a:r>
-            <a:r>
-              <a:rPr lang="es-419" noProof="0" dirty="0" smtClean="0"/>
-              <a:t> R.</a:t>
-            </a:r>
+              <a:rPr lang="es-419" sz="2800" dirty="0" err="1" smtClean="0"/>
+              <a:t>slides</a:t>
+            </a:r>
+            <a:r>
+              <a:rPr lang="es-419" sz="2800" dirty="0" smtClean="0"/>
+              <a:t> and </a:t>
+            </a:r>
+            <a:r>
+              <a:rPr lang="es-419" sz="2800" dirty="0" err="1" smtClean="0"/>
+              <a:t>rerun</a:t>
+            </a:r>
+            <a:r>
+              <a:rPr lang="es-419" sz="2800" dirty="0" smtClean="0"/>
+              <a:t> </a:t>
+            </a:r>
+            <a:r>
+              <a:rPr lang="es-419" sz="2800" dirty="0" err="1" smtClean="0"/>
+              <a:t>the</a:t>
+            </a:r>
+            <a:r>
+              <a:rPr lang="es-419" sz="2800" dirty="0" smtClean="0"/>
+              <a:t> </a:t>
+            </a:r>
+            <a:r>
+              <a:rPr lang="es-419" sz="2800" dirty="0" err="1" smtClean="0"/>
+              <a:t>model</a:t>
+            </a:r>
+            <a:r>
+              <a:rPr lang="es-419" sz="2800" dirty="0" smtClean="0"/>
+              <a:t>. </a:t>
+            </a:r>
+            <a:r>
+              <a:rPr lang="es-419" sz="2800" dirty="0" err="1" smtClean="0"/>
+              <a:t>Copy</a:t>
+            </a:r>
+            <a:r>
+              <a:rPr lang="es-419" sz="2800" dirty="0" smtClean="0"/>
+              <a:t> </a:t>
+            </a:r>
+            <a:r>
+              <a:rPr lang="es-419" sz="2800" dirty="0" err="1" smtClean="0"/>
+              <a:t>the</a:t>
+            </a:r>
+            <a:r>
+              <a:rPr lang="es-419" sz="2800" dirty="0" smtClean="0"/>
+              <a:t> JAGS </a:t>
+            </a:r>
+            <a:r>
+              <a:rPr lang="es-419" sz="2800" dirty="0" err="1" smtClean="0"/>
+              <a:t>code</a:t>
+            </a:r>
+            <a:r>
+              <a:rPr lang="es-419" sz="2800" dirty="0" smtClean="0"/>
+              <a:t> </a:t>
+            </a:r>
+            <a:r>
+              <a:rPr lang="es-419" sz="2800" dirty="0" err="1" smtClean="0"/>
+              <a:t>into</a:t>
+            </a:r>
+            <a:r>
+              <a:rPr lang="es-419" sz="2800" dirty="0" smtClean="0"/>
+              <a:t> a </a:t>
+            </a:r>
+            <a:r>
+              <a:rPr lang="es-419" sz="2800" dirty="0" err="1" smtClean="0"/>
+              <a:t>separate</a:t>
+            </a:r>
+            <a:r>
+              <a:rPr lang="es-419" sz="2800" dirty="0" smtClean="0"/>
+              <a:t> file (insect1.jags). </a:t>
+            </a:r>
+            <a:endParaRPr lang="es-419" sz="2800" noProof="0" dirty="0" smtClean="0"/>
           </a:p>
           <a:p>
             <a:pPr marL="514350" indent="-514350">
@@ -11106,48 +11244,240 @@
               <a:buAutoNum type="arabicPeriod"/>
             </a:pPr>
             <a:r>
-              <a:rPr lang="es-419" noProof="0" dirty="0" smtClean="0"/>
-              <a:t>[Note: JAGS uses </a:t>
-            </a:r>
-            <a:r>
-              <a:rPr lang="es-419" noProof="0" dirty="0" err="1" smtClean="0"/>
+              <a:rPr lang="es-419" sz="2800" noProof="0" dirty="0" err="1" smtClean="0"/>
+              <a:t>Fit</a:t>
+            </a:r>
+            <a:r>
+              <a:rPr lang="es-419" sz="2800" noProof="0" dirty="0" smtClean="0"/>
+              <a:t> </a:t>
+            </a:r>
+            <a:r>
+              <a:rPr lang="es-419" sz="2800" noProof="0" dirty="0" err="1" smtClean="0"/>
+              <a:t>the</a:t>
+            </a:r>
+            <a:r>
+              <a:rPr lang="es-419" sz="2800" noProof="0" dirty="0" smtClean="0"/>
+              <a:t> normal </a:t>
+            </a:r>
+            <a:r>
+              <a:rPr lang="es-419" sz="2800" noProof="0" dirty="0" err="1" smtClean="0"/>
+              <a:t>conjugate</a:t>
+            </a:r>
+            <a:r>
+              <a:rPr lang="es-419" sz="2800" noProof="0" dirty="0" smtClean="0"/>
+              <a:t> </a:t>
+            </a:r>
+            <a:r>
+              <a:rPr lang="es-419" sz="2800" noProof="0" dirty="0" err="1" smtClean="0"/>
+              <a:t>example</a:t>
+            </a:r>
+            <a:r>
+              <a:rPr lang="es-419" sz="2800" noProof="0" dirty="0" smtClean="0"/>
+              <a:t> </a:t>
+            </a:r>
+            <a:r>
+              <a:rPr lang="es-419" sz="2800" noProof="0" dirty="0" err="1" smtClean="0"/>
+              <a:t>from</a:t>
+            </a:r>
+            <a:r>
+              <a:rPr lang="es-419" sz="2800" noProof="0" dirty="0" smtClean="0"/>
+              <a:t> </a:t>
+            </a:r>
+            <a:r>
+              <a:rPr lang="es-419" sz="2800" noProof="0" dirty="0" err="1" smtClean="0"/>
+              <a:t>lecture</a:t>
+            </a:r>
+            <a:r>
+              <a:rPr lang="es-419" sz="2800" noProof="0" dirty="0" smtClean="0"/>
+              <a:t> </a:t>
+            </a:r>
+            <a:r>
+              <a:rPr lang="es-419" sz="2800" noProof="0" dirty="0" err="1" smtClean="0"/>
+              <a:t>using</a:t>
+            </a:r>
+            <a:r>
+              <a:rPr lang="es-419" sz="2800" noProof="0" dirty="0" smtClean="0"/>
+              <a:t> JAGS and compare to </a:t>
+            </a:r>
+            <a:r>
+              <a:rPr lang="es-419" sz="2800" noProof="0" dirty="0" err="1" smtClean="0"/>
+              <a:t>exercise</a:t>
+            </a:r>
+            <a:r>
+              <a:rPr lang="es-419" sz="2800" noProof="0" dirty="0" smtClean="0"/>
+              <a:t> </a:t>
+            </a:r>
+            <a:r>
+              <a:rPr lang="es-419" sz="2800" noProof="0" dirty="0" err="1" smtClean="0"/>
+              <a:t>from</a:t>
+            </a:r>
+            <a:r>
+              <a:rPr lang="es-419" sz="2800" noProof="0" dirty="0" smtClean="0"/>
+              <a:t> </a:t>
+            </a:r>
+            <a:r>
+              <a:rPr lang="es-419" sz="2800" noProof="0" dirty="0" smtClean="0"/>
+              <a:t>R.</a:t>
+            </a:r>
+          </a:p>
+          <a:p>
+            <a:pPr marL="0" indent="0">
+              <a:buNone/>
+            </a:pPr>
+            <a:r>
+              <a:rPr lang="es-419" sz="1600" dirty="0" smtClean="0">
+                <a:latin typeface="Courier New" panose="02070309020205020404" pitchFamily="49" charset="0"/>
+                <a:cs typeface="Courier New" panose="02070309020205020404" pitchFamily="49" charset="0"/>
+              </a:rPr>
+              <a:t>y </a:t>
+            </a:r>
+            <a:r>
+              <a:rPr lang="es-419" sz="1600" dirty="0">
+                <a:latin typeface="Courier New" panose="02070309020205020404" pitchFamily="49" charset="0"/>
+                <a:cs typeface="Courier New" panose="02070309020205020404" pitchFamily="49" charset="0"/>
+              </a:rPr>
+              <a:t>&lt;- .5 # </a:t>
+            </a:r>
+            <a:r>
+              <a:rPr lang="es-419" sz="1600" dirty="0" err="1">
+                <a:latin typeface="Courier New" panose="02070309020205020404" pitchFamily="49" charset="0"/>
+                <a:cs typeface="Courier New" panose="02070309020205020404" pitchFamily="49" charset="0"/>
+              </a:rPr>
+              <a:t>observed</a:t>
+            </a:r>
+            <a:endParaRPr lang="es-419" sz="1600" dirty="0">
+              <a:latin typeface="Courier New" panose="02070309020205020404" pitchFamily="49" charset="0"/>
+              <a:cs typeface="Courier New" panose="02070309020205020404" pitchFamily="49" charset="0"/>
+            </a:endParaRPr>
+          </a:p>
+          <a:p>
+            <a:pPr marL="0" indent="0">
+              <a:buNone/>
+            </a:pPr>
+            <a:r>
+              <a:rPr lang="es-419" sz="1600" dirty="0">
+                <a:latin typeface="Courier New" panose="02070309020205020404" pitchFamily="49" charset="0"/>
+                <a:cs typeface="Courier New" panose="02070309020205020404" pitchFamily="49" charset="0"/>
+              </a:rPr>
+              <a:t>sigma &lt;- 1 # </a:t>
+            </a:r>
+            <a:r>
+              <a:rPr lang="es-419" sz="1600" dirty="0" err="1">
+                <a:latin typeface="Courier New" panose="02070309020205020404" pitchFamily="49" charset="0"/>
+                <a:cs typeface="Courier New" panose="02070309020205020404" pitchFamily="49" charset="0"/>
+              </a:rPr>
+              <a:t>assume</a:t>
+            </a:r>
+            <a:r>
+              <a:rPr lang="es-419" sz="1600" dirty="0">
+                <a:latin typeface="Courier New" panose="02070309020205020404" pitchFamily="49" charset="0"/>
+                <a:cs typeface="Courier New" panose="02070309020205020404" pitchFamily="49" charset="0"/>
+              </a:rPr>
+              <a:t> </a:t>
+            </a:r>
+            <a:r>
+              <a:rPr lang="es-419" sz="1600" dirty="0" err="1">
+                <a:latin typeface="Courier New" panose="02070309020205020404" pitchFamily="49" charset="0"/>
+                <a:cs typeface="Courier New" panose="02070309020205020404" pitchFamily="49" charset="0"/>
+              </a:rPr>
+              <a:t>known</a:t>
+            </a:r>
+            <a:endParaRPr lang="es-419" sz="1600" dirty="0">
+              <a:latin typeface="Courier New" panose="02070309020205020404" pitchFamily="49" charset="0"/>
+              <a:cs typeface="Courier New" panose="02070309020205020404" pitchFamily="49" charset="0"/>
+            </a:endParaRPr>
+          </a:p>
+          <a:p>
+            <a:pPr marL="0" indent="0">
+              <a:buNone/>
+            </a:pPr>
+            <a:r>
+              <a:rPr lang="es-419" sz="1600" dirty="0" smtClean="0">
+                <a:latin typeface="Courier New" panose="02070309020205020404" pitchFamily="49" charset="0"/>
+                <a:cs typeface="Courier New" panose="02070309020205020404" pitchFamily="49" charset="0"/>
+              </a:rPr>
+              <a:t>mu0 </a:t>
+            </a:r>
+            <a:r>
+              <a:rPr lang="es-419" sz="1600" dirty="0">
+                <a:latin typeface="Courier New" panose="02070309020205020404" pitchFamily="49" charset="0"/>
+                <a:cs typeface="Courier New" panose="02070309020205020404" pitchFamily="49" charset="0"/>
+              </a:rPr>
+              <a:t>&lt;- -2 # prior mean</a:t>
+            </a:r>
+          </a:p>
+          <a:p>
+            <a:pPr marL="0" indent="0">
+              <a:buNone/>
+            </a:pPr>
+            <a:r>
+              <a:rPr lang="es-419" sz="1600" dirty="0">
+                <a:latin typeface="Courier New" panose="02070309020205020404" pitchFamily="49" charset="0"/>
+                <a:cs typeface="Courier New" panose="02070309020205020404" pitchFamily="49" charset="0"/>
+              </a:rPr>
+              <a:t>tau0 &lt;- .5 # prior SD</a:t>
+            </a:r>
+            <a:endParaRPr lang="es-419" sz="1800" dirty="0">
+              <a:latin typeface="Courier New" panose="02070309020205020404" pitchFamily="49" charset="0"/>
+              <a:cs typeface="Courier New" panose="02070309020205020404" pitchFamily="49" charset="0"/>
+            </a:endParaRPr>
+          </a:p>
+          <a:p>
+            <a:pPr marL="0" indent="0">
+              <a:buNone/>
+            </a:pPr>
+            <a:r>
+              <a:rPr lang="es-419" sz="2800" noProof="0" dirty="0" smtClean="0"/>
+              <a:t>[</a:t>
+            </a:r>
+            <a:r>
+              <a:rPr lang="es-419" sz="2800" noProof="0" dirty="0" smtClean="0"/>
+              <a:t>Note: JAGS uses </a:t>
+            </a:r>
+            <a:r>
+              <a:rPr lang="es-419" sz="2800" noProof="0" dirty="0" err="1" smtClean="0"/>
               <a:t>dnorm</a:t>
             </a:r>
             <a:r>
-              <a:rPr lang="es-419" noProof="0" dirty="0" smtClean="0"/>
+              <a:rPr lang="es-419" sz="2800" noProof="0" dirty="0" smtClean="0"/>
               <a:t>(</a:t>
             </a:r>
             <a:r>
-              <a:rPr lang="es-419" noProof="0" dirty="0" err="1" smtClean="0"/>
+              <a:rPr lang="es-419" sz="2800" noProof="0" dirty="0" err="1" smtClean="0"/>
               <a:t>mu,tau</a:t>
             </a:r>
             <a:r>
-              <a:rPr lang="es-419" noProof="0" dirty="0" smtClean="0"/>
+              <a:rPr lang="es-419" sz="2800" noProof="0" dirty="0" smtClean="0"/>
               <a:t>) </a:t>
             </a:r>
             <a:r>
-              <a:rPr lang="es-419" noProof="0" dirty="0" err="1" smtClean="0"/>
+              <a:rPr lang="es-419" sz="2800" noProof="0" dirty="0" err="1" smtClean="0"/>
               <a:t>parameterization</a:t>
             </a:r>
             <a:r>
-              <a:rPr lang="es-419" noProof="0" dirty="0" smtClean="0"/>
+              <a:rPr lang="es-419" sz="2800" noProof="0" dirty="0" smtClean="0"/>
               <a:t> </a:t>
             </a:r>
             <a:r>
-              <a:rPr lang="es-419" noProof="0" dirty="0" err="1" smtClean="0"/>
+              <a:rPr lang="es-419" sz="2800" noProof="0" dirty="0" err="1" smtClean="0"/>
               <a:t>where</a:t>
             </a:r>
             <a:r>
-              <a:rPr lang="es-419" noProof="0" dirty="0" smtClean="0"/>
-              <a:t> tau=1/sigma.</a:t>
-            </a:r>
+              <a:rPr lang="es-419" sz="2800" noProof="0" dirty="0" smtClean="0"/>
+              <a:t> </a:t>
+            </a:r>
+            <a:r>
+              <a:rPr lang="es-419" sz="2800" noProof="0" dirty="0" smtClean="0"/>
+              <a:t>tau^2=1/sigma^2.</a:t>
+            </a:r>
+            <a:endParaRPr lang="es-419" sz="2800" noProof="0" dirty="0" smtClean="0"/>
           </a:p>
           <a:p>
             <a:pPr marL="514350" indent="-514350">
               <a:buFont typeface="+mj-lt"/>
               <a:buAutoNum type="arabicPeriod"/>
             </a:pPr>
-            <a:endParaRPr lang="es-419" noProof="0" dirty="0"/>
+            <a:endParaRPr lang="es-419" sz="2800" noProof="0" dirty="0"/>
           </a:p>
         </p:txBody>
       </p:sp>
@@ -11184,6 +11514,13 @@
   <p:clrMapOvr>
     <a:masterClrMapping/>
   </p:clrMapOvr>
+  <p:timing>
+    <p:tnLst>
+      <p:par>
+        <p:cTn id="1" dur="indefinite" restart="never" nodeType="tmRoot"/>
+      </p:par>
+    </p:tnLst>
+  </p:timing>
 </p:sld>
 </file>
 
@@ -11321,6 +11658,13 @@
   <p:clrMapOvr>
     <a:masterClrMapping/>
   </p:clrMapOvr>
+  <p:timing>
+    <p:tnLst>
+      <p:par>
+        <p:cTn id="1" dur="indefinite" restart="never" nodeType="tmRoot"/>
+      </p:par>
+    </p:tnLst>
+  </p:timing>
 </p:sld>
 </file>
 
@@ -11346,7 +11690,7 @@
           <p:cNvPr id="2" name="Title 1">
             <a:extLst>
               <a:ext uri="{FF2B5EF4-FFF2-40B4-BE49-F238E27FC236}">
-                <a16:creationId xmlns="" xmlns:a16="http://schemas.microsoft.com/office/drawing/2014/main" id="{C976E5B5-F024-4D7C-9711-9BEA5F3AA682}"/>
+                <a16:creationId xmlns:a16="http://schemas.microsoft.com/office/drawing/2014/main" xmlns="" id="{C976E5B5-F024-4D7C-9711-9BEA5F3AA682}"/>
               </a:ext>
             </a:extLst>
           </p:cNvPr>
@@ -11375,7 +11719,7 @@
           <p:cNvPr id="3" name="Content Placeholder 2">
             <a:extLst>
               <a:ext uri="{FF2B5EF4-FFF2-40B4-BE49-F238E27FC236}">
-                <a16:creationId xmlns="" xmlns:a16="http://schemas.microsoft.com/office/drawing/2014/main" id="{B674CA99-AD0B-472B-BD2F-AF6AA7DE490B}"/>
+                <a16:creationId xmlns:a16="http://schemas.microsoft.com/office/drawing/2014/main" xmlns="" id="{B674CA99-AD0B-472B-BD2F-AF6AA7DE490B}"/>
               </a:ext>
             </a:extLst>
           </p:cNvPr>
@@ -11642,7 +11986,7 @@
           <p:cNvPr id="4" name="Slide Number Placeholder 3">
             <a:extLst>
               <a:ext uri="{FF2B5EF4-FFF2-40B4-BE49-F238E27FC236}">
-                <a16:creationId xmlns="" xmlns:a16="http://schemas.microsoft.com/office/drawing/2014/main" id="{6F6CFCEE-97D6-460E-9635-2B1BFC0C65FA}"/>
+                <a16:creationId xmlns:a16="http://schemas.microsoft.com/office/drawing/2014/main" xmlns="" id="{6F6CFCEE-97D6-460E-9635-2B1BFC0C65FA}"/>
               </a:ext>
             </a:extLst>
           </p:cNvPr>
@@ -11701,7 +12045,7 @@
           <p:cNvPr id="2" name="Title 1">
             <a:extLst>
               <a:ext uri="{FF2B5EF4-FFF2-40B4-BE49-F238E27FC236}">
-                <a16:creationId xmlns="" xmlns:a16="http://schemas.microsoft.com/office/drawing/2014/main" id="{4432A1B1-8BA2-4590-B91C-E46E40D4DFB4}"/>
+                <a16:creationId xmlns:a16="http://schemas.microsoft.com/office/drawing/2014/main" xmlns="" id="{4432A1B1-8BA2-4590-B91C-E46E40D4DFB4}"/>
               </a:ext>
             </a:extLst>
           </p:cNvPr>
@@ -11742,7 +12086,7 @@
           <p:cNvPr id="3" name="Content Placeholder 2">
             <a:extLst>
               <a:ext uri="{FF2B5EF4-FFF2-40B4-BE49-F238E27FC236}">
-                <a16:creationId xmlns="" xmlns:a16="http://schemas.microsoft.com/office/drawing/2014/main" id="{F3D5A96F-89B9-47B5-9E10-345EF073461D}"/>
+                <a16:creationId xmlns:a16="http://schemas.microsoft.com/office/drawing/2014/main" xmlns="" id="{F3D5A96F-89B9-47B5-9E10-345EF073461D}"/>
               </a:ext>
             </a:extLst>
           </p:cNvPr>
@@ -11771,7 +12115,7 @@
           <p:cNvPr id="4" name="Slide Number Placeholder 3">
             <a:extLst>
               <a:ext uri="{FF2B5EF4-FFF2-40B4-BE49-F238E27FC236}">
-                <a16:creationId xmlns="" xmlns:a16="http://schemas.microsoft.com/office/drawing/2014/main" id="{45FEC1D0-C942-4DB7-ACBF-32ADFCD8FDBD}"/>
+                <a16:creationId xmlns:a16="http://schemas.microsoft.com/office/drawing/2014/main" xmlns="" id="{45FEC1D0-C942-4DB7-ACBF-32ADFCD8FDBD}"/>
               </a:ext>
             </a:extLst>
           </p:cNvPr>
@@ -11801,7 +12145,7 @@
           <p:cNvPr id="5" name="Picture 4">
             <a:extLst>
               <a:ext uri="{FF2B5EF4-FFF2-40B4-BE49-F238E27FC236}">
-                <a16:creationId xmlns="" xmlns:a16="http://schemas.microsoft.com/office/drawing/2014/main" id="{7106B806-F770-4D8A-82BF-705D0968D767}"/>
+                <a16:creationId xmlns:a16="http://schemas.microsoft.com/office/drawing/2014/main" xmlns="" id="{7106B806-F770-4D8A-82BF-705D0968D767}"/>
               </a:ext>
             </a:extLst>
           </p:cNvPr>
@@ -11830,7 +12174,7 @@
           <p:cNvPr id="9" name="Group 8">
             <a:extLst>
               <a:ext uri="{FF2B5EF4-FFF2-40B4-BE49-F238E27FC236}">
-                <a16:creationId xmlns="" xmlns:a16="http://schemas.microsoft.com/office/drawing/2014/main" id="{8F6F2399-4203-4B1C-AA82-F48653969789}"/>
+                <a16:creationId xmlns:a16="http://schemas.microsoft.com/office/drawing/2014/main" xmlns="" id="{8F6F2399-4203-4B1C-AA82-F48653969789}"/>
               </a:ext>
             </a:extLst>
           </p:cNvPr>
@@ -11850,7 +12194,7 @@
             <p:cNvPr id="6" name="Rectangle 5">
               <a:extLst>
                 <a:ext uri="{FF2B5EF4-FFF2-40B4-BE49-F238E27FC236}">
-                  <a16:creationId xmlns="" xmlns:a16="http://schemas.microsoft.com/office/drawing/2014/main" id="{6A958FFF-7B97-4342-91B7-8638B529CDD5}"/>
+                  <a16:creationId xmlns:a16="http://schemas.microsoft.com/office/drawing/2014/main" xmlns="" id="{6A958FFF-7B97-4342-91B7-8638B529CDD5}"/>
                 </a:ext>
               </a:extLst>
             </p:cNvPr>
@@ -11902,7 +12246,7 @@
             <p:cNvPr id="8" name="TextBox 7">
               <a:extLst>
                 <a:ext uri="{FF2B5EF4-FFF2-40B4-BE49-F238E27FC236}">
-                  <a16:creationId xmlns="" xmlns:a16="http://schemas.microsoft.com/office/drawing/2014/main" id="{A7E2B8AF-E9A2-452C-B355-A9F4DC58D25F}"/>
+                  <a16:creationId xmlns:a16="http://schemas.microsoft.com/office/drawing/2014/main" xmlns="" id="{A7E2B8AF-E9A2-452C-B355-A9F4DC58D25F}"/>
                 </a:ext>
               </a:extLst>
             </p:cNvPr>
@@ -11963,7 +12307,7 @@
           <p:cNvPr id="11" name="Group 10">
             <a:extLst>
               <a:ext uri="{FF2B5EF4-FFF2-40B4-BE49-F238E27FC236}">
-                <a16:creationId xmlns="" xmlns:a16="http://schemas.microsoft.com/office/drawing/2014/main" id="{9C07D298-3974-4E79-B799-CF2D6DC88081}"/>
+                <a16:creationId xmlns:a16="http://schemas.microsoft.com/office/drawing/2014/main" xmlns="" id="{9C07D298-3974-4E79-B799-CF2D6DC88081}"/>
               </a:ext>
             </a:extLst>
           </p:cNvPr>
@@ -11983,7 +12327,7 @@
             <p:cNvPr id="7" name="Rectangle 6">
               <a:extLst>
                 <a:ext uri="{FF2B5EF4-FFF2-40B4-BE49-F238E27FC236}">
-                  <a16:creationId xmlns="" xmlns:a16="http://schemas.microsoft.com/office/drawing/2014/main" id="{33B9F385-05BE-4DCC-BA10-EE2CFA8EFF9B}"/>
+                  <a16:creationId xmlns:a16="http://schemas.microsoft.com/office/drawing/2014/main" xmlns="" id="{33B9F385-05BE-4DCC-BA10-EE2CFA8EFF9B}"/>
                 </a:ext>
               </a:extLst>
             </p:cNvPr>
@@ -12035,7 +12379,7 @@
             <p:cNvPr id="10" name="TextBox 9">
               <a:extLst>
                 <a:ext uri="{FF2B5EF4-FFF2-40B4-BE49-F238E27FC236}">
-                  <a16:creationId xmlns="" xmlns:a16="http://schemas.microsoft.com/office/drawing/2014/main" id="{3B1BEE2A-4CB2-4072-84F2-E07299BCB66F}"/>
+                  <a16:creationId xmlns:a16="http://schemas.microsoft.com/office/drawing/2014/main" xmlns="" id="{3B1BEE2A-4CB2-4072-84F2-E07299BCB66F}"/>
                 </a:ext>
               </a:extLst>
             </p:cNvPr>
@@ -12246,7 +12590,7 @@
           <p:cNvPr id="2" name="Title 1">
             <a:extLst>
               <a:ext uri="{FF2B5EF4-FFF2-40B4-BE49-F238E27FC236}">
-                <a16:creationId xmlns="" xmlns:a16="http://schemas.microsoft.com/office/drawing/2014/main" id="{4432A1B1-8BA2-4590-B91C-E46E40D4DFB4}"/>
+                <a16:creationId xmlns:a16="http://schemas.microsoft.com/office/drawing/2014/main" xmlns="" id="{4432A1B1-8BA2-4590-B91C-E46E40D4DFB4}"/>
               </a:ext>
             </a:extLst>
           </p:cNvPr>
@@ -12287,7 +12631,7 @@
           <p:cNvPr id="3" name="Content Placeholder 2">
             <a:extLst>
               <a:ext uri="{FF2B5EF4-FFF2-40B4-BE49-F238E27FC236}">
-                <a16:creationId xmlns="" xmlns:a16="http://schemas.microsoft.com/office/drawing/2014/main" id="{F3D5A96F-89B9-47B5-9E10-345EF073461D}"/>
+                <a16:creationId xmlns:a16="http://schemas.microsoft.com/office/drawing/2014/main" xmlns="" id="{F3D5A96F-89B9-47B5-9E10-345EF073461D}"/>
               </a:ext>
             </a:extLst>
           </p:cNvPr>
@@ -12329,7 +12673,7 @@
           <p:cNvPr id="4" name="Slide Number Placeholder 3">
             <a:extLst>
               <a:ext uri="{FF2B5EF4-FFF2-40B4-BE49-F238E27FC236}">
-                <a16:creationId xmlns="" xmlns:a16="http://schemas.microsoft.com/office/drawing/2014/main" id="{45FEC1D0-C942-4DB7-ACBF-32ADFCD8FDBD}"/>
+                <a16:creationId xmlns:a16="http://schemas.microsoft.com/office/drawing/2014/main" xmlns="" id="{45FEC1D0-C942-4DB7-ACBF-32ADFCD8FDBD}"/>
               </a:ext>
             </a:extLst>
           </p:cNvPr>
@@ -12359,7 +12703,7 @@
           <p:cNvPr id="13" name="Picture 12">
             <a:extLst>
               <a:ext uri="{FF2B5EF4-FFF2-40B4-BE49-F238E27FC236}">
-                <a16:creationId xmlns="" xmlns:a16="http://schemas.microsoft.com/office/drawing/2014/main" id="{2620E75A-9BF6-469A-8AC3-BE2F31417A55}"/>
+                <a16:creationId xmlns:a16="http://schemas.microsoft.com/office/drawing/2014/main" xmlns="" id="{2620E75A-9BF6-469A-8AC3-BE2F31417A55}"/>
               </a:ext>
             </a:extLst>
           </p:cNvPr>
@@ -12394,6 +12738,13 @@
   <p:clrMapOvr>
     <a:masterClrMapping/>
   </p:clrMapOvr>
+  <p:timing>
+    <p:tnLst>
+      <p:par>
+        <p:cTn id="1" dur="indefinite" restart="never" nodeType="tmRoot"/>
+      </p:par>
+    </p:tnLst>
+  </p:timing>
 </p:sld>
 </file>
 
@@ -12419,7 +12770,7 @@
           <p:cNvPr id="2" name="Title 1">
             <a:extLst>
               <a:ext uri="{FF2B5EF4-FFF2-40B4-BE49-F238E27FC236}">
-                <a16:creationId xmlns="" xmlns:a16="http://schemas.microsoft.com/office/drawing/2014/main" id="{4432A1B1-8BA2-4590-B91C-E46E40D4DFB4}"/>
+                <a16:creationId xmlns:a16="http://schemas.microsoft.com/office/drawing/2014/main" xmlns="" id="{4432A1B1-8BA2-4590-B91C-E46E40D4DFB4}"/>
               </a:ext>
             </a:extLst>
           </p:cNvPr>
@@ -12460,7 +12811,7 @@
           <p:cNvPr id="3" name="Content Placeholder 2">
             <a:extLst>
               <a:ext uri="{FF2B5EF4-FFF2-40B4-BE49-F238E27FC236}">
-                <a16:creationId xmlns="" xmlns:a16="http://schemas.microsoft.com/office/drawing/2014/main" id="{F3D5A96F-89B9-47B5-9E10-345EF073461D}"/>
+                <a16:creationId xmlns:a16="http://schemas.microsoft.com/office/drawing/2014/main" xmlns="" id="{F3D5A96F-89B9-47B5-9E10-345EF073461D}"/>
               </a:ext>
             </a:extLst>
           </p:cNvPr>
@@ -12522,7 +12873,7 @@
           <p:cNvPr id="4" name="Slide Number Placeholder 3">
             <a:extLst>
               <a:ext uri="{FF2B5EF4-FFF2-40B4-BE49-F238E27FC236}">
-                <a16:creationId xmlns="" xmlns:a16="http://schemas.microsoft.com/office/drawing/2014/main" id="{45FEC1D0-C942-4DB7-ACBF-32ADFCD8FDBD}"/>
+                <a16:creationId xmlns:a16="http://schemas.microsoft.com/office/drawing/2014/main" xmlns="" id="{45FEC1D0-C942-4DB7-ACBF-32ADFCD8FDBD}"/>
               </a:ext>
             </a:extLst>
           </p:cNvPr>
@@ -12552,7 +12903,7 @@
           <p:cNvPr id="5" name="TextBox 4">
             <a:extLst>
               <a:ext uri="{FF2B5EF4-FFF2-40B4-BE49-F238E27FC236}">
-                <a16:creationId xmlns="" xmlns:a16="http://schemas.microsoft.com/office/drawing/2014/main" id="{26D7FC62-10E5-42F4-B961-2EBB7F5E7D34}"/>
+                <a16:creationId xmlns:a16="http://schemas.microsoft.com/office/drawing/2014/main" xmlns="" id="{26D7FC62-10E5-42F4-B961-2EBB7F5E7D34}"/>
               </a:ext>
             </a:extLst>
           </p:cNvPr>
@@ -12592,6 +12943,13 @@
   <p:clrMapOvr>
     <a:masterClrMapping/>
   </p:clrMapOvr>
+  <p:timing>
+    <p:tnLst>
+      <p:par>
+        <p:cTn id="1" dur="indefinite" restart="never" nodeType="tmRoot"/>
+      </p:par>
+    </p:tnLst>
+  </p:timing>
 </p:sld>
 </file>
 
@@ -12617,7 +12975,7 @@
           <p:cNvPr id="2" name="Title 1">
             <a:extLst>
               <a:ext uri="{FF2B5EF4-FFF2-40B4-BE49-F238E27FC236}">
-                <a16:creationId xmlns="" xmlns:a16="http://schemas.microsoft.com/office/drawing/2014/main" id="{FF018C34-1FE9-4F92-B085-35D3653C0977}"/>
+                <a16:creationId xmlns:a16="http://schemas.microsoft.com/office/drawing/2014/main" xmlns="" id="{FF018C34-1FE9-4F92-B085-35D3653C0977}"/>
               </a:ext>
             </a:extLst>
           </p:cNvPr>
@@ -12654,7 +13012,7 @@
           <p:cNvPr id="3" name="Content Placeholder 2">
             <a:extLst>
               <a:ext uri="{FF2B5EF4-FFF2-40B4-BE49-F238E27FC236}">
-                <a16:creationId xmlns="" xmlns:a16="http://schemas.microsoft.com/office/drawing/2014/main" id="{434893F9-BFC7-43CA-9B05-ACF8CED7E908}"/>
+                <a16:creationId xmlns:a16="http://schemas.microsoft.com/office/drawing/2014/main" xmlns="" id="{434893F9-BFC7-43CA-9B05-ACF8CED7E908}"/>
               </a:ext>
             </a:extLst>
           </p:cNvPr>
@@ -12739,7 +13097,7 @@
           <p:cNvPr id="4" name="Slide Number Placeholder 3">
             <a:extLst>
               <a:ext uri="{FF2B5EF4-FFF2-40B4-BE49-F238E27FC236}">
-                <a16:creationId xmlns="" xmlns:a16="http://schemas.microsoft.com/office/drawing/2014/main" id="{E6187519-ED94-46FC-8DB1-93372EB33815}"/>
+                <a16:creationId xmlns:a16="http://schemas.microsoft.com/office/drawing/2014/main" xmlns="" id="{E6187519-ED94-46FC-8DB1-93372EB33815}"/>
               </a:ext>
             </a:extLst>
           </p:cNvPr>
@@ -12774,6 +13132,13 @@
   <p:clrMapOvr>
     <a:masterClrMapping/>
   </p:clrMapOvr>
+  <p:timing>
+    <p:tnLst>
+      <p:par>
+        <p:cTn id="1" dur="indefinite" restart="never" nodeType="tmRoot"/>
+      </p:par>
+    </p:tnLst>
+  </p:timing>
 </p:sld>
 </file>
 
@@ -12799,7 +13164,7 @@
           <p:cNvPr id="2" name="Title 1">
             <a:extLst>
               <a:ext uri="{FF2B5EF4-FFF2-40B4-BE49-F238E27FC236}">
-                <a16:creationId xmlns="" xmlns:a16="http://schemas.microsoft.com/office/drawing/2014/main" id="{FB16BEC8-C1A5-4EF6-A184-2D74367822AF}"/>
+                <a16:creationId xmlns:a16="http://schemas.microsoft.com/office/drawing/2014/main" xmlns="" id="{FB16BEC8-C1A5-4EF6-A184-2D74367822AF}"/>
               </a:ext>
             </a:extLst>
           </p:cNvPr>
@@ -12836,7 +13201,7 @@
           <p:cNvPr id="3" name="Content Placeholder 2">
             <a:extLst>
               <a:ext uri="{FF2B5EF4-FFF2-40B4-BE49-F238E27FC236}">
-                <a16:creationId xmlns="" xmlns:a16="http://schemas.microsoft.com/office/drawing/2014/main" id="{BCAF866A-7ABE-41F4-859C-2017718C416D}"/>
+                <a16:creationId xmlns:a16="http://schemas.microsoft.com/office/drawing/2014/main" xmlns="" id="{BCAF866A-7ABE-41F4-859C-2017718C416D}"/>
               </a:ext>
             </a:extLst>
           </p:cNvPr>
@@ -12861,7 +13226,7 @@
           <p:cNvPr id="4" name="Slide Number Placeholder 3">
             <a:extLst>
               <a:ext uri="{FF2B5EF4-FFF2-40B4-BE49-F238E27FC236}">
-                <a16:creationId xmlns="" xmlns:a16="http://schemas.microsoft.com/office/drawing/2014/main" id="{99B3DEC1-3D60-4A5C-A957-5343714D1414}"/>
+                <a16:creationId xmlns:a16="http://schemas.microsoft.com/office/drawing/2014/main" xmlns="" id="{99B3DEC1-3D60-4A5C-A957-5343714D1414}"/>
               </a:ext>
             </a:extLst>
           </p:cNvPr>
@@ -12891,7 +13256,7 @@
           <p:cNvPr id="6" name="Picture 5">
             <a:extLst>
               <a:ext uri="{FF2B5EF4-FFF2-40B4-BE49-F238E27FC236}">
-                <a16:creationId xmlns="" xmlns:a16="http://schemas.microsoft.com/office/drawing/2014/main" id="{8FCC5BCE-7985-420F-A79D-D934A89EEBE9}"/>
+                <a16:creationId xmlns:a16="http://schemas.microsoft.com/office/drawing/2014/main" xmlns="" id="{8FCC5BCE-7985-420F-A79D-D934A89EEBE9}"/>
               </a:ext>
             </a:extLst>
           </p:cNvPr>
@@ -12921,7 +13286,7 @@
           <p:cNvPr id="7" name="TextBox 6">
             <a:extLst>
               <a:ext uri="{FF2B5EF4-FFF2-40B4-BE49-F238E27FC236}">
-                <a16:creationId xmlns="" xmlns:a16="http://schemas.microsoft.com/office/drawing/2014/main" id="{361AF6FE-A584-42C9-9118-BF5B48CC4ECB}"/>
+                <a16:creationId xmlns:a16="http://schemas.microsoft.com/office/drawing/2014/main" xmlns="" id="{361AF6FE-A584-42C9-9118-BF5B48CC4ECB}"/>
               </a:ext>
             </a:extLst>
           </p:cNvPr>
@@ -12957,7 +13322,7 @@
           <p:cNvPr id="8" name="TextBox 7">
             <a:extLst>
               <a:ext uri="{FF2B5EF4-FFF2-40B4-BE49-F238E27FC236}">
-                <a16:creationId xmlns="" xmlns:a16="http://schemas.microsoft.com/office/drawing/2014/main" id="{D790A604-E066-46D9-BB3E-CC0ED37AEBDF}"/>
+                <a16:creationId xmlns:a16="http://schemas.microsoft.com/office/drawing/2014/main" xmlns="" id="{D790A604-E066-46D9-BB3E-CC0ED37AEBDF}"/>
               </a:ext>
             </a:extLst>
           </p:cNvPr>
@@ -12994,7 +13359,7 @@
           <p:cNvPr id="12" name="Group 11">
             <a:extLst>
               <a:ext uri="{FF2B5EF4-FFF2-40B4-BE49-F238E27FC236}">
-                <a16:creationId xmlns="" xmlns:a16="http://schemas.microsoft.com/office/drawing/2014/main" id="{17136825-CAC3-4B1E-B238-891BC5092838}"/>
+                <a16:creationId xmlns:a16="http://schemas.microsoft.com/office/drawing/2014/main" xmlns="" id="{17136825-CAC3-4B1E-B238-891BC5092838}"/>
               </a:ext>
             </a:extLst>
           </p:cNvPr>
@@ -13014,7 +13379,7 @@
             <p:cNvPr id="9" name="TextBox 8">
               <a:extLst>
                 <a:ext uri="{FF2B5EF4-FFF2-40B4-BE49-F238E27FC236}">
-                  <a16:creationId xmlns="" xmlns:a16="http://schemas.microsoft.com/office/drawing/2014/main" id="{8D63D24B-5D5B-435A-841E-9033D7A6C1B7}"/>
+                  <a16:creationId xmlns:a16="http://schemas.microsoft.com/office/drawing/2014/main" xmlns="" id="{8D63D24B-5D5B-435A-841E-9033D7A6C1B7}"/>
                 </a:ext>
               </a:extLst>
             </p:cNvPr>
@@ -13055,7 +13420,7 @@
             <p:cNvPr id="10" name="TextBox 9">
               <a:extLst>
                 <a:ext uri="{FF2B5EF4-FFF2-40B4-BE49-F238E27FC236}">
-                  <a16:creationId xmlns="" xmlns:a16="http://schemas.microsoft.com/office/drawing/2014/main" id="{E5C220FB-CF6C-46EC-9503-BF92D871293C}"/>
+                  <a16:creationId xmlns:a16="http://schemas.microsoft.com/office/drawing/2014/main" xmlns="" id="{E5C220FB-CF6C-46EC-9503-BF92D871293C}"/>
                 </a:ext>
               </a:extLst>
             </p:cNvPr>
@@ -13096,7 +13461,7 @@
             <p:cNvPr id="11" name="TextBox 10">
               <a:extLst>
                 <a:ext uri="{FF2B5EF4-FFF2-40B4-BE49-F238E27FC236}">
-                  <a16:creationId xmlns="" xmlns:a16="http://schemas.microsoft.com/office/drawing/2014/main" id="{E332AC51-E3E8-464E-B5B6-7430152654D5}"/>
+                  <a16:creationId xmlns:a16="http://schemas.microsoft.com/office/drawing/2014/main" xmlns="" id="{E332AC51-E3E8-464E-B5B6-7430152654D5}"/>
                 </a:ext>
               </a:extLst>
             </p:cNvPr>
@@ -13243,7 +13608,7 @@
           <p:cNvPr id="2" name="Title 1">
             <a:extLst>
               <a:ext uri="{FF2B5EF4-FFF2-40B4-BE49-F238E27FC236}">
-                <a16:creationId xmlns="" xmlns:a16="http://schemas.microsoft.com/office/drawing/2014/main" id="{08DC382D-5ABA-4653-970A-22D6ED1928B2}"/>
+                <a16:creationId xmlns:a16="http://schemas.microsoft.com/office/drawing/2014/main" xmlns="" id="{08DC382D-5ABA-4653-970A-22D6ED1928B2}"/>
               </a:ext>
             </a:extLst>
           </p:cNvPr>
@@ -13272,7 +13637,7 @@
           <p:cNvPr id="3" name="Content Placeholder 2">
             <a:extLst>
               <a:ext uri="{FF2B5EF4-FFF2-40B4-BE49-F238E27FC236}">
-                <a16:creationId xmlns="" xmlns:a16="http://schemas.microsoft.com/office/drawing/2014/main" id="{4D6CA7D1-62E3-44AF-865E-EA95086B08C9}"/>
+                <a16:creationId xmlns:a16="http://schemas.microsoft.com/office/drawing/2014/main" xmlns="" id="{4D6CA7D1-62E3-44AF-865E-EA95086B08C9}"/>
               </a:ext>
             </a:extLst>
           </p:cNvPr>
@@ -13374,7 +13739,7 @@
           <p:cNvPr id="4" name="Slide Number Placeholder 3">
             <a:extLst>
               <a:ext uri="{FF2B5EF4-FFF2-40B4-BE49-F238E27FC236}">
-                <a16:creationId xmlns="" xmlns:a16="http://schemas.microsoft.com/office/drawing/2014/main" id="{B856BA49-3F84-44AF-B014-BFE402F2115B}"/>
+                <a16:creationId xmlns:a16="http://schemas.microsoft.com/office/drawing/2014/main" xmlns="" id="{B856BA49-3F84-44AF-B014-BFE402F2115B}"/>
               </a:ext>
             </a:extLst>
           </p:cNvPr>
@@ -13404,7 +13769,7 @@
           <p:cNvPr id="5" name="TextBox 4">
             <a:extLst>
               <a:ext uri="{FF2B5EF4-FFF2-40B4-BE49-F238E27FC236}">
-                <a16:creationId xmlns="" xmlns:a16="http://schemas.microsoft.com/office/drawing/2014/main" id="{BC9E4CC0-8370-45DD-B89A-0697AB7AF78D}"/>
+                <a16:creationId xmlns:a16="http://schemas.microsoft.com/office/drawing/2014/main" xmlns="" id="{BC9E4CC0-8370-45DD-B89A-0697AB7AF78D}"/>
               </a:ext>
             </a:extLst>
           </p:cNvPr>
@@ -13444,6 +13809,13 @@
   <p:clrMapOvr>
     <a:masterClrMapping/>
   </p:clrMapOvr>
+  <p:timing>
+    <p:tnLst>
+      <p:par>
+        <p:cTn id="1" dur="indefinite" restart="never" nodeType="tmRoot"/>
+      </p:par>
+    </p:tnLst>
+  </p:timing>
 </p:sld>
 </file>
 
@@ -13469,7 +13841,7 @@
           <p:cNvPr id="2" name="Title 1">
             <a:extLst>
               <a:ext uri="{FF2B5EF4-FFF2-40B4-BE49-F238E27FC236}">
-                <a16:creationId xmlns="" xmlns:a16="http://schemas.microsoft.com/office/drawing/2014/main" id="{BB90F14D-5220-4A62-A7F3-F87698065F0F}"/>
+                <a16:creationId xmlns:a16="http://schemas.microsoft.com/office/drawing/2014/main" xmlns="" id="{BB90F14D-5220-4A62-A7F3-F87698065F0F}"/>
               </a:ext>
             </a:extLst>
           </p:cNvPr>
@@ -13510,7 +13882,7 @@
           <p:cNvPr id="3" name="Content Placeholder 2">
             <a:extLst>
               <a:ext uri="{FF2B5EF4-FFF2-40B4-BE49-F238E27FC236}">
-                <a16:creationId xmlns="" xmlns:a16="http://schemas.microsoft.com/office/drawing/2014/main" id="{CA6E65FC-E3CC-46B1-81FE-E383DBE52F38}"/>
+                <a16:creationId xmlns:a16="http://schemas.microsoft.com/office/drawing/2014/main" xmlns="" id="{CA6E65FC-E3CC-46B1-81FE-E383DBE52F38}"/>
               </a:ext>
             </a:extLst>
           </p:cNvPr>
@@ -13578,7 +13950,7 @@
           <p:cNvPr id="4" name="Slide Number Placeholder 3">
             <a:extLst>
               <a:ext uri="{FF2B5EF4-FFF2-40B4-BE49-F238E27FC236}">
-                <a16:creationId xmlns="" xmlns:a16="http://schemas.microsoft.com/office/drawing/2014/main" id="{F93221D8-CCBC-41F1-B49A-9F93987F2405}"/>
+                <a16:creationId xmlns:a16="http://schemas.microsoft.com/office/drawing/2014/main" xmlns="" id="{F93221D8-CCBC-41F1-B49A-9F93987F2405}"/>
               </a:ext>
             </a:extLst>
           </p:cNvPr>
@@ -13613,6 +13985,13 @@
   <p:clrMapOvr>
     <a:masterClrMapping/>
   </p:clrMapOvr>
+  <p:timing>
+    <p:tnLst>
+      <p:par>
+        <p:cTn id="1" dur="indefinite" restart="never" nodeType="tmRoot"/>
+      </p:par>
+    </p:tnLst>
+  </p:timing>
 </p:sld>
 </file>
 

--- a/dia2/lab2_JAGS.pptx
+++ b/dia2/lab2_JAGS.pptx
@@ -231,7 +231,7 @@
           <a:p>
             <a:fld id="{9EC8F33C-A7AA-43A7-BCA9-F081EA0B4664}" type="datetimeFigureOut">
               <a:rPr lang="en-US" smtClean="0"/>
-              <a:t>1/15/2019</a:t>
+              <a:t>1/22/2019</a:t>
             </a:fld>
             <a:endParaRPr lang="en-US"/>
           </a:p>
@@ -580,7 +580,7 @@
           </a:ln>
           <a:extLst>
             <a:ext uri="{909E8E84-426E-40dd-AFC4-6F175D3DCCD1}">
-              <a14:hiddenFill xmlns="" xmlns:a14="http://schemas.microsoft.com/office/drawing/2010/main">
+              <a14:hiddenFill xmlns:a14="http://schemas.microsoft.com/office/drawing/2010/main" xmlns="">
                 <a:solidFill>
                   <a:srgbClr val="FFFFFF"/>
                 </a:solidFill>
@@ -623,7 +623,7 @@
           </a:ln>
           <a:extLst>
             <a:ext uri="{909E8E84-426E-40dd-AFC4-6F175D3DCCD1}">
-              <a14:hiddenFill xmlns="" xmlns:a14="http://schemas.microsoft.com/office/drawing/2010/main">
+              <a14:hiddenFill xmlns:a14="http://schemas.microsoft.com/office/drawing/2010/main" xmlns="">
                 <a:noFill/>
               </a14:hiddenFill>
             </a:ext>
@@ -722,7 +722,7 @@
           <a:p>
             <a:fld id="{9A356AEA-056F-417E-9B38-4BA8743FE6C4}" type="datetime1">
               <a:rPr lang="en-US" smtClean="0"/>
-              <a:t>1/15/2019</a:t>
+              <a:t>1/22/2019</a:t>
             </a:fld>
             <a:endParaRPr lang="en-US"/>
           </a:p>
@@ -909,7 +909,7 @@
           <a:p>
             <a:fld id="{09867F7C-1948-4907-9EBC-DD38682B5188}" type="datetime1">
               <a:rPr lang="en-US" smtClean="0"/>
-              <a:t>1/15/2019</a:t>
+              <a:t>1/22/2019</a:t>
             </a:fld>
             <a:endParaRPr lang="en-US"/>
           </a:p>
@@ -1105,7 +1105,7 @@
           <a:p>
             <a:fld id="{A5996870-3492-4879-A20C-50CF7F25E309}" type="datetime1">
               <a:rPr lang="en-US" smtClean="0"/>
-              <a:t>1/15/2019</a:t>
+              <a:t>1/22/2019</a:t>
             </a:fld>
             <a:endParaRPr lang="en-US"/>
           </a:p>
@@ -1357,7 +1357,7 @@
           <a:p>
             <a:fld id="{3339509F-2835-4D20-8448-C5CCD453FC4A}" type="datetime1">
               <a:rPr lang="en-US" smtClean="0"/>
-              <a:t>1/15/2019</a:t>
+              <a:t>1/22/2019</a:t>
             </a:fld>
             <a:endParaRPr lang="en-US"/>
           </a:p>
@@ -1581,7 +1581,7 @@
           <a:p>
             <a:fld id="{7A6EDDDE-DBE4-4114-B865-EC3A2920782E}" type="datetime1">
               <a:rPr lang="en-US" smtClean="0"/>
-              <a:t>1/15/2019</a:t>
+              <a:t>1/22/2019</a:t>
             </a:fld>
             <a:endParaRPr lang="en-US"/>
           </a:p>
@@ -1889,7 +1889,7 @@
           <a:p>
             <a:fld id="{8DA96907-43AE-4B1E-B5FF-6853ADDA5697}" type="datetime1">
               <a:rPr lang="en-US" smtClean="0"/>
-              <a:t>1/15/2019</a:t>
+              <a:t>1/22/2019</a:t>
             </a:fld>
             <a:endParaRPr lang="en-US"/>
           </a:p>
@@ -2057,7 +2057,7 @@
           <a:p>
             <a:fld id="{2E65DF97-DE0F-4515-8F8D-0E1C627BC4E9}" type="datetime1">
               <a:rPr lang="en-US" smtClean="0"/>
-              <a:t>1/15/2019</a:t>
+              <a:t>1/22/2019</a:t>
             </a:fld>
             <a:endParaRPr lang="en-US"/>
           </a:p>
@@ -2369,7 +2369,7 @@
           <a:p>
             <a:fld id="{23B9FD00-80D5-4EA7-B536-8F4F2C3959C9}" type="datetime1">
               <a:rPr lang="en-US" smtClean="0"/>
-              <a:t>1/15/2019</a:t>
+              <a:t>1/22/2019</a:t>
             </a:fld>
             <a:endParaRPr lang="en-US"/>
           </a:p>
@@ -2681,7 +2681,7 @@
           <a:p>
             <a:fld id="{DAC77084-4DB4-4A23-9870-BF49183ACB4C}" type="datetime1">
               <a:rPr lang="en-US" smtClean="0"/>
-              <a:t>1/15/2019</a:t>
+              <a:t>1/22/2019</a:t>
             </a:fld>
             <a:endParaRPr lang="en-US"/>
           </a:p>
@@ -2867,7 +2867,7 @@
           <a:p>
             <a:fld id="{6E487ECE-0D8C-4AFB-BD35-997F06E0971C}" type="datetime1">
               <a:rPr lang="en-US" smtClean="0"/>
-              <a:t>1/15/2019</a:t>
+              <a:t>1/22/2019</a:t>
             </a:fld>
             <a:endParaRPr lang="en-US"/>
           </a:p>
@@ -3076,7 +3076,7 @@
           <a:p>
             <a:fld id="{D4F6DC8D-78A1-49CC-B033-F77D87B04958}" type="datetime1">
               <a:rPr lang="en-US" smtClean="0"/>
-              <a:t>1/15/2019</a:t>
+              <a:t>1/22/2019</a:t>
             </a:fld>
             <a:endParaRPr lang="en-US"/>
           </a:p>
@@ -3379,7 +3379,7 @@
           <a:p>
             <a:fld id="{3BCF4A7C-A413-48DA-9211-5240CAEE1DD4}" type="datetime1">
               <a:rPr lang="en-US" smtClean="0"/>
-              <a:t>1/15/2019</a:t>
+              <a:t>1/22/2019</a:t>
             </a:fld>
             <a:endParaRPr lang="en-US"/>
           </a:p>
@@ -3821,7 +3821,7 @@
           <a:p>
             <a:fld id="{AAE887C4-8D00-4515-BD6B-6D6B646F02F7}" type="datetime1">
               <a:rPr lang="en-US" smtClean="0"/>
-              <a:t>1/15/2019</a:t>
+              <a:t>1/22/2019</a:t>
             </a:fld>
             <a:endParaRPr lang="en-US"/>
           </a:p>
@@ -3956,7 +3956,7 @@
           <a:p>
             <a:fld id="{10C13C5A-776A-4D2B-A91E-2ACB7D90E7CC}" type="datetime1">
               <a:rPr lang="en-US" smtClean="0"/>
-              <a:t>1/15/2019</a:t>
+              <a:t>1/22/2019</a:t>
             </a:fld>
             <a:endParaRPr lang="en-US"/>
           </a:p>
@@ -4069,7 +4069,7 @@
           <a:p>
             <a:fld id="{00A5D59F-6FC3-492C-BAE3-F50C9D1FBA31}" type="datetime1">
               <a:rPr lang="en-US" smtClean="0"/>
-              <a:t>1/15/2019</a:t>
+              <a:t>1/22/2019</a:t>
             </a:fld>
             <a:endParaRPr lang="en-US"/>
           </a:p>
@@ -4362,7 +4362,7 @@
           <a:p>
             <a:fld id="{CD78B45F-E474-4F2F-801A-58FC9FE22655}" type="datetime1">
               <a:rPr lang="en-US" smtClean="0"/>
-              <a:t>1/15/2019</a:t>
+              <a:t>1/22/2019</a:t>
             </a:fld>
             <a:endParaRPr lang="en-US"/>
           </a:p>
@@ -4636,7 +4636,7 @@
           <a:p>
             <a:fld id="{FDF35450-A835-4587-8F84-782057674F92}" type="datetime1">
               <a:rPr lang="en-US" smtClean="0"/>
-              <a:t>1/15/2019</a:t>
+              <a:t>1/22/2019</a:t>
             </a:fld>
             <a:endParaRPr lang="en-US"/>
           </a:p>
@@ -4758,17 +4758,17 @@
           </a:ln>
           <a:extLst>
             <a:ext uri="{FAA26D3D-D897-4be2-8F04-BA451C77F1D7}">
-              <ma14:placeholderFlag xmlns="" xmlns:ma14="http://schemas.microsoft.com/office/mac/drawingml/2011/main" val="1"/>
+              <ma14:placeholderFlag xmlns:ma14="http://schemas.microsoft.com/office/mac/drawingml/2011/main" xmlns="" val="1"/>
             </a:ext>
             <a:ext uri="{909E8E84-426E-40dd-AFC4-6F175D3DCCD1}">
-              <a14:hiddenFill xmlns="" xmlns:a14="http://schemas.microsoft.com/office/drawing/2010/main">
+              <a14:hiddenFill xmlns:a14="http://schemas.microsoft.com/office/drawing/2010/main" xmlns="">
                 <a:solidFill>
                   <a:srgbClr val="FFFFFF"/>
                 </a:solidFill>
               </a14:hiddenFill>
             </a:ext>
             <a:ext uri="{91240B29-F687-4f45-9708-019B960494DF}">
-              <a14:hiddenLine xmlns="" xmlns:a14="http://schemas.microsoft.com/office/drawing/2010/main" w="9525">
+              <a14:hiddenLine xmlns:a14="http://schemas.microsoft.com/office/drawing/2010/main" xmlns="" w="9525">
                 <a:solidFill>
                   <a:srgbClr val="000000"/>
                 </a:solidFill>
@@ -4820,17 +4820,17 @@
           </a:ln>
           <a:extLst>
             <a:ext uri="{FAA26D3D-D897-4be2-8F04-BA451C77F1D7}">
-              <ma14:placeholderFlag xmlns="" xmlns:ma14="http://schemas.microsoft.com/office/mac/drawingml/2011/main" val="1"/>
+              <ma14:placeholderFlag xmlns:ma14="http://schemas.microsoft.com/office/mac/drawingml/2011/main" xmlns="" val="1"/>
             </a:ext>
             <a:ext uri="{909E8E84-426E-40dd-AFC4-6F175D3DCCD1}">
-              <a14:hiddenFill xmlns="" xmlns:a14="http://schemas.microsoft.com/office/drawing/2010/main">
+              <a14:hiddenFill xmlns:a14="http://schemas.microsoft.com/office/drawing/2010/main" xmlns="">
                 <a:solidFill>
                   <a:srgbClr val="FFFFFF"/>
                 </a:solidFill>
               </a14:hiddenFill>
             </a:ext>
             <a:ext uri="{91240B29-F687-4f45-9708-019B960494DF}">
-              <a14:hiddenLine xmlns="" xmlns:a14="http://schemas.microsoft.com/office/drawing/2010/main" w="9525">
+              <a14:hiddenLine xmlns:a14="http://schemas.microsoft.com/office/drawing/2010/main" xmlns="" w="9525">
                 <a:solidFill>
                   <a:srgbClr val="000000"/>
                 </a:solidFill>
@@ -4930,7 +4930,7 @@
           <a:p>
             <a:fld id="{F6803E09-2A09-4EEA-8E99-292225B5EDFC}" type="datetime1">
               <a:rPr lang="en-US" smtClean="0"/>
-              <a:t>1/15/2019</a:t>
+              <a:t>1/22/2019</a:t>
             </a:fld>
             <a:endParaRPr lang="en-US"/>
           </a:p>
@@ -5098,7 +5098,7 @@
           </a:ln>
           <a:extLst>
             <a:ext uri="{909E8E84-426E-40dd-AFC4-6F175D3DCCD1}">
-              <a14:hiddenFill xmlns="" xmlns:a14="http://schemas.microsoft.com/office/drawing/2010/main">
+              <a14:hiddenFill xmlns:a14="http://schemas.microsoft.com/office/drawing/2010/main" xmlns="">
                 <a:solidFill>
                   <a:srgbClr val="FFFFFF"/>
                 </a:solidFill>
@@ -5141,7 +5141,7 @@
           </a:ln>
           <a:extLst>
             <a:ext uri="{909E8E84-426E-40dd-AFC4-6F175D3DCCD1}">
-              <a14:hiddenFill xmlns="" xmlns:a14="http://schemas.microsoft.com/office/drawing/2010/main">
+              <a14:hiddenFill xmlns:a14="http://schemas.microsoft.com/office/drawing/2010/main" xmlns="">
                 <a:noFill/>
               </a14:hiddenFill>
             </a:ext>
@@ -5626,7 +5626,7 @@
           <p:cNvPr id="2" name="Title 1">
             <a:extLst>
               <a:ext uri="{FF2B5EF4-FFF2-40B4-BE49-F238E27FC236}">
-                <a16:creationId xmlns:a16="http://schemas.microsoft.com/office/drawing/2014/main" xmlns="" id="{4819A39B-28BB-4873-9914-8FEE18891DD4}"/>
+                <a16:creationId xmlns="" xmlns:a16="http://schemas.microsoft.com/office/drawing/2014/main" id="{4819A39B-28BB-4873-9914-8FEE18891DD4}"/>
               </a:ext>
             </a:extLst>
           </p:cNvPr>
@@ -5657,7 +5657,7 @@
           <p:cNvPr id="5" name="Subtitle 2">
             <a:extLst>
               <a:ext uri="{FF2B5EF4-FFF2-40B4-BE49-F238E27FC236}">
-                <a16:creationId xmlns:a16="http://schemas.microsoft.com/office/drawing/2014/main" xmlns="" id="{2BECD79D-0B3A-44C2-A155-03EC2A6A5D3B}"/>
+                <a16:creationId xmlns="" xmlns:a16="http://schemas.microsoft.com/office/drawing/2014/main" id="{2BECD79D-0B3A-44C2-A155-03EC2A6A5D3B}"/>
               </a:ext>
             </a:extLst>
           </p:cNvPr>
@@ -5680,17 +5680,17 @@
           </a:ln>
           <a:extLst>
             <a:ext uri="{FAA26D3D-D897-4be2-8F04-BA451C77F1D7}">
-              <ma14:placeholderFlag xmlns:ma14="http://schemas.microsoft.com/office/mac/drawingml/2011/main" xmlns="" val="1"/>
+              <ma14:placeholderFlag xmlns="" xmlns:ma14="http://schemas.microsoft.com/office/mac/drawingml/2011/main" val="1"/>
             </a:ext>
             <a:ext uri="{909E8E84-426E-40dd-AFC4-6F175D3DCCD1}">
-              <a14:hiddenFill xmlns:a14="http://schemas.microsoft.com/office/drawing/2010/main" xmlns="">
+              <a14:hiddenFill xmlns="" xmlns:a14="http://schemas.microsoft.com/office/drawing/2010/main">
                 <a:solidFill>
                   <a:srgbClr val="FFFFFF"/>
                 </a:solidFill>
               </a14:hiddenFill>
             </a:ext>
             <a:ext uri="{91240B29-F687-4f45-9708-019B960494DF}">
-              <a14:hiddenLine xmlns:a14="http://schemas.microsoft.com/office/drawing/2010/main" xmlns="" w="9525">
+              <a14:hiddenLine xmlns="" xmlns:a14="http://schemas.microsoft.com/office/drawing/2010/main" w="9525">
                 <a:solidFill>
                   <a:srgbClr val="000000"/>
                 </a:solidFill>
@@ -5935,12 +5935,12 @@
               <a:t>Enero</a:t>
             </a:r>
             <a:r>
-              <a:rPr lang="en-US" kern="0" dirty="0"/>
+              <a:rPr lang="en-US" kern="0"/>
               <a:t>, </a:t>
             </a:r>
             <a:r>
-              <a:rPr lang="en-US" kern="0" dirty="0" smtClean="0"/>
-              <a:t>2018</a:t>
+              <a:rPr lang="en-US" kern="0" smtClean="0"/>
+              <a:t>2019</a:t>
             </a:r>
             <a:endParaRPr lang="en-US" kern="0" dirty="0"/>
           </a:p>
@@ -8152,7 +8152,7 @@
           <p:cNvPr id="2" name="Title 1">
             <a:extLst>
               <a:ext uri="{FF2B5EF4-FFF2-40B4-BE49-F238E27FC236}">
-                <a16:creationId xmlns:a16="http://schemas.microsoft.com/office/drawing/2014/main" xmlns="" id="{4819A39B-28BB-4873-9914-8FEE18891DD4}"/>
+                <a16:creationId xmlns="" xmlns:a16="http://schemas.microsoft.com/office/drawing/2014/main" id="{4819A39B-28BB-4873-9914-8FEE18891DD4}"/>
               </a:ext>
             </a:extLst>
           </p:cNvPr>
@@ -8183,7 +8183,7 @@
           <p:cNvPr id="5" name="Subtitle 2">
             <a:extLst>
               <a:ext uri="{FF2B5EF4-FFF2-40B4-BE49-F238E27FC236}">
-                <a16:creationId xmlns:a16="http://schemas.microsoft.com/office/drawing/2014/main" xmlns="" id="{2BECD79D-0B3A-44C2-A155-03EC2A6A5D3B}"/>
+                <a16:creationId xmlns="" xmlns:a16="http://schemas.microsoft.com/office/drawing/2014/main" id="{2BECD79D-0B3A-44C2-A155-03EC2A6A5D3B}"/>
               </a:ext>
             </a:extLst>
           </p:cNvPr>
@@ -8206,17 +8206,17 @@
           </a:ln>
           <a:extLst>
             <a:ext uri="{FAA26D3D-D897-4be2-8F04-BA451C77F1D7}">
-              <ma14:placeholderFlag xmlns="" xmlns:ma14="http://schemas.microsoft.com/office/mac/drawingml/2011/main" val="1"/>
+              <ma14:placeholderFlag xmlns:ma14="http://schemas.microsoft.com/office/mac/drawingml/2011/main" xmlns="" val="1"/>
             </a:ext>
             <a:ext uri="{909E8E84-426E-40dd-AFC4-6F175D3DCCD1}">
-              <a14:hiddenFill xmlns="" xmlns:a14="http://schemas.microsoft.com/office/drawing/2010/main">
+              <a14:hiddenFill xmlns:a14="http://schemas.microsoft.com/office/drawing/2010/main" xmlns="">
                 <a:solidFill>
                   <a:srgbClr val="FFFFFF"/>
                 </a:solidFill>
               </a14:hiddenFill>
             </a:ext>
             <a:ext uri="{91240B29-F687-4f45-9708-019B960494DF}">
-              <a14:hiddenLine xmlns="" xmlns:a14="http://schemas.microsoft.com/office/drawing/2010/main" w="9525">
+              <a14:hiddenLine xmlns:a14="http://schemas.microsoft.com/office/drawing/2010/main" xmlns="" w="9525">
                 <a:solidFill>
                   <a:srgbClr val="000000"/>
                 </a:solidFill>
@@ -8927,7 +8927,7 @@
           <a:graphicData uri="http://schemas.openxmlformats.org/presentationml/2006/ole">
             <mc:AlternateContent xmlns:mc="http://schemas.openxmlformats.org/markup-compatibility/2006">
               <mc:Choice xmlns:v="urn:schemas-microsoft-com:vml" Requires="v">
-                <p:oleObj spid="_x0000_s1083" name="Equation" r:id="rId3" imgW="812447" imgH="228501" progId="Equation.3">
+                <p:oleObj spid="_x0000_s1086" name="Equation" r:id="rId3" imgW="812447" imgH="228501" progId="Equation.3">
                   <p:embed/>
                 </p:oleObj>
               </mc:Choice>
@@ -8970,14 +8970,14 @@
                       <a:effectLst/>
                       <a:extLst>
                         <a:ext uri="{909E8E84-426E-40dd-AFC4-6F175D3DCCD1}">
-                          <a14:hiddenFill xmlns="" xmlns:a14="http://schemas.microsoft.com/office/drawing/2010/main">
+                          <a14:hiddenFill xmlns:a14="http://schemas.microsoft.com/office/drawing/2010/main" xmlns="">
                             <a:solidFill>
                               <a:srgbClr val="FFFFFF"/>
                             </a:solidFill>
                           </a14:hiddenFill>
                         </a:ext>
                         <a:ext uri="{91240B29-F687-4f45-9708-019B960494DF}">
-                          <a14:hiddenLine xmlns="" xmlns:a14="http://schemas.microsoft.com/office/drawing/2010/main" w="9525">
+                          <a14:hiddenLine xmlns:a14="http://schemas.microsoft.com/office/drawing/2010/main" xmlns="" w="9525">
                             <a:solidFill>
                               <a:srgbClr val="000000"/>
                             </a:solidFill>
@@ -8987,7 +8987,7 @@
                           </a14:hiddenLine>
                         </a:ext>
                         <a:ext uri="{AF507438-7753-43e0-B8FC-AC1667EBCBE1}">
-                          <a14:hiddenEffects xmlns="" xmlns:a14="http://schemas.microsoft.com/office/drawing/2010/main">
+                          <a14:hiddenEffects xmlns:a14="http://schemas.microsoft.com/office/drawing/2010/main" xmlns="">
                             <a:effectLst>
                               <a:outerShdw blurRad="63500" dist="38099" dir="2700000" algn="ctr" rotWithShape="0">
                                 <a:srgbClr val="000000">
@@ -9022,7 +9022,7 @@
           <a:graphicData uri="http://schemas.openxmlformats.org/presentationml/2006/ole">
             <mc:AlternateContent xmlns:mc="http://schemas.openxmlformats.org/markup-compatibility/2006">
               <mc:Choice xmlns:v="urn:schemas-microsoft-com:vml" Requires="v">
-                <p:oleObj spid="_x0000_s1084" name="Equation" r:id="rId5" imgW="761669" imgH="228501" progId="Equation.3">
+                <p:oleObj spid="_x0000_s1087" name="Equation" r:id="rId5" imgW="761669" imgH="228501" progId="Equation.3">
                   <p:embed/>
                 </p:oleObj>
               </mc:Choice>
@@ -9065,14 +9065,14 @@
                       <a:effectLst/>
                       <a:extLst>
                         <a:ext uri="{909E8E84-426E-40dd-AFC4-6F175D3DCCD1}">
-                          <a14:hiddenFill xmlns="" xmlns:a14="http://schemas.microsoft.com/office/drawing/2010/main">
+                          <a14:hiddenFill xmlns:a14="http://schemas.microsoft.com/office/drawing/2010/main" xmlns="">
                             <a:solidFill>
                               <a:schemeClr val="accent1"/>
                             </a:solidFill>
                           </a14:hiddenFill>
                         </a:ext>
                         <a:ext uri="{91240B29-F687-4f45-9708-019B960494DF}">
-                          <a14:hiddenLine xmlns="" xmlns:a14="http://schemas.microsoft.com/office/drawing/2010/main" w="9525">
+                          <a14:hiddenLine xmlns:a14="http://schemas.microsoft.com/office/drawing/2010/main" xmlns="" w="9525">
                             <a:solidFill>
                               <a:schemeClr val="tx1"/>
                             </a:solidFill>
@@ -9082,7 +9082,7 @@
                           </a14:hiddenLine>
                         </a:ext>
                         <a:ext uri="{AF507438-7753-43e0-B8FC-AC1667EBCBE1}">
-                          <a14:hiddenEffects xmlns="" xmlns:a14="http://schemas.microsoft.com/office/drawing/2010/main">
+                          <a14:hiddenEffects xmlns:a14="http://schemas.microsoft.com/office/drawing/2010/main" xmlns="">
                             <a:effectLst>
                               <a:outerShdw blurRad="63500" dist="38099" dir="2700000" algn="ctr" rotWithShape="0">
                                 <a:schemeClr val="bg2">
@@ -9119,7 +9119,7 @@
           <a:graphicData uri="http://schemas.openxmlformats.org/presentationml/2006/ole">
             <mc:AlternateContent xmlns:mc="http://schemas.openxmlformats.org/markup-compatibility/2006">
               <mc:Choice xmlns:v="urn:schemas-microsoft-com:vml" Requires="v">
-                <p:oleObj spid="_x0000_s1085" r:id="rId7" imgW="1180588" imgH="710891" progId="Equation.3">
+                <p:oleObj spid="_x0000_s1088" r:id="rId7" imgW="1180588" imgH="710891" progId="Equation.3">
                   <p:embed/>
                 </p:oleObj>
               </mc:Choice>
@@ -9162,14 +9162,14 @@
                       <a:effectLst/>
                       <a:extLst>
                         <a:ext uri="{909E8E84-426E-40dd-AFC4-6F175D3DCCD1}">
-                          <a14:hiddenFill xmlns="" xmlns:a14="http://schemas.microsoft.com/office/drawing/2010/main">
+                          <a14:hiddenFill xmlns:a14="http://schemas.microsoft.com/office/drawing/2010/main" xmlns="">
                             <a:solidFill>
                               <a:srgbClr val="FFFFFF"/>
                             </a:solidFill>
                           </a14:hiddenFill>
                         </a:ext>
                         <a:ext uri="{91240B29-F687-4f45-9708-019B960494DF}">
-                          <a14:hiddenLine xmlns="" xmlns:a14="http://schemas.microsoft.com/office/drawing/2010/main" w="9525">
+                          <a14:hiddenLine xmlns:a14="http://schemas.microsoft.com/office/drawing/2010/main" xmlns="" w="9525">
                             <a:solidFill>
                               <a:srgbClr val="000000"/>
                             </a:solidFill>
@@ -9179,7 +9179,7 @@
                           </a14:hiddenLine>
                         </a:ext>
                         <a:ext uri="{AF507438-7753-43e0-B8FC-AC1667EBCBE1}">
-                          <a14:hiddenEffects xmlns="" xmlns:a14="http://schemas.microsoft.com/office/drawing/2010/main">
+                          <a14:hiddenEffects xmlns:a14="http://schemas.microsoft.com/office/drawing/2010/main" xmlns="">
                             <a:effectLst>
                               <a:outerShdw blurRad="63500" dist="38099" dir="2700000" algn="ctr" rotWithShape="0">
                                 <a:srgbClr val="808080">
@@ -9220,14 +9220,14 @@
           </a:ln>
           <a:extLst>
             <a:ext uri="{909E8E84-426E-40dd-AFC4-6F175D3DCCD1}">
-              <a14:hiddenFill xmlns="" xmlns:a14="http://schemas.microsoft.com/office/drawing/2010/main">
+              <a14:hiddenFill xmlns:a14="http://schemas.microsoft.com/office/drawing/2010/main" xmlns="">
                 <a:solidFill>
                   <a:srgbClr val="FFFFFF"/>
                 </a:solidFill>
               </a14:hiddenFill>
             </a:ext>
             <a:ext uri="{91240B29-F687-4f45-9708-019B960494DF}">
-              <a14:hiddenLine xmlns="" xmlns:a14="http://schemas.microsoft.com/office/drawing/2010/main" w="9525">
+              <a14:hiddenLine xmlns:a14="http://schemas.microsoft.com/office/drawing/2010/main" xmlns="" w="9525">
                 <a:solidFill>
                   <a:srgbClr val="000000"/>
                 </a:solidFill>
@@ -9823,7 +9823,7 @@
           <a:graphicData uri="http://schemas.openxmlformats.org/presentationml/2006/ole">
             <mc:AlternateContent xmlns:mc="http://schemas.openxmlformats.org/markup-compatibility/2006">
               <mc:Choice xmlns:v="urn:schemas-microsoft-com:vml" Requires="v">
-                <p:oleObj spid="_x0000_s2090" name="Equation" r:id="rId3" imgW="1002960" imgH="228600" progId="Equation.DSMT4">
+                <p:oleObj spid="_x0000_s2092" name="Equation" r:id="rId3" imgW="1002960" imgH="228600" progId="Equation.DSMT4">
                   <p:embed/>
                 </p:oleObj>
               </mc:Choice>
@@ -9860,14 +9860,14 @@
                       <a:effectLst/>
                       <a:extLst>
                         <a:ext uri="{909E8E84-426E-40dd-AFC4-6F175D3DCCD1}">
-                          <a14:hiddenFill xmlns="" xmlns:a14="http://schemas.microsoft.com/office/drawing/2010/main">
+                          <a14:hiddenFill xmlns:a14="http://schemas.microsoft.com/office/drawing/2010/main" xmlns="">
                             <a:solidFill>
                               <a:srgbClr val="FFFFFF"/>
                             </a:solidFill>
                           </a14:hiddenFill>
                         </a:ext>
                         <a:ext uri="{91240B29-F687-4f45-9708-019B960494DF}">
-                          <a14:hiddenLine xmlns="" xmlns:a14="http://schemas.microsoft.com/office/drawing/2010/main" w="9525">
+                          <a14:hiddenLine xmlns:a14="http://schemas.microsoft.com/office/drawing/2010/main" xmlns="" w="9525">
                             <a:solidFill>
                               <a:srgbClr val="000000"/>
                             </a:solidFill>
@@ -9877,7 +9877,7 @@
                           </a14:hiddenLine>
                         </a:ext>
                         <a:ext uri="{AF507438-7753-43e0-B8FC-AC1667EBCBE1}">
-                          <a14:hiddenEffects xmlns="" xmlns:a14="http://schemas.microsoft.com/office/drawing/2010/main">
+                          <a14:hiddenEffects xmlns:a14="http://schemas.microsoft.com/office/drawing/2010/main" xmlns="">
                             <a:effectLst>
                               <a:outerShdw blurRad="63500" dist="38099" dir="2700000" algn="ctr" rotWithShape="0">
                                 <a:srgbClr val="000000">
@@ -9919,7 +9919,7 @@
           <a:graphicData uri="http://schemas.openxmlformats.org/presentationml/2006/ole">
             <mc:AlternateContent xmlns:mc="http://schemas.openxmlformats.org/markup-compatibility/2006">
               <mc:Choice xmlns:v="urn:schemas-microsoft-com:vml" Requires="v">
-                <p:oleObj spid="_x0000_s2091" name="Equation" r:id="rId5" imgW="1028520" imgH="203040" progId="Equation.DSMT4">
+                <p:oleObj spid="_x0000_s2093" name="Equation" r:id="rId5" imgW="1028520" imgH="203040" progId="Equation.DSMT4">
                   <p:embed/>
                 </p:oleObj>
               </mc:Choice>
@@ -9956,14 +9956,14 @@
                       <a:effectLst/>
                       <a:extLst>
                         <a:ext uri="{909E8E84-426E-40dd-AFC4-6F175D3DCCD1}">
-                          <a14:hiddenFill xmlns="" xmlns:a14="http://schemas.microsoft.com/office/drawing/2010/main">
+                          <a14:hiddenFill xmlns:a14="http://schemas.microsoft.com/office/drawing/2010/main" xmlns="">
                             <a:solidFill>
                               <a:srgbClr val="FFFFFF"/>
                             </a:solidFill>
                           </a14:hiddenFill>
                         </a:ext>
                         <a:ext uri="{91240B29-F687-4f45-9708-019B960494DF}">
-                          <a14:hiddenLine xmlns="" xmlns:a14="http://schemas.microsoft.com/office/drawing/2010/main" w="9525">
+                          <a14:hiddenLine xmlns:a14="http://schemas.microsoft.com/office/drawing/2010/main" xmlns="" w="9525">
                             <a:solidFill>
                               <a:srgbClr val="000000"/>
                             </a:solidFill>
@@ -9973,7 +9973,7 @@
                           </a14:hiddenLine>
                         </a:ext>
                         <a:ext uri="{AF507438-7753-43e0-B8FC-AC1667EBCBE1}">
-                          <a14:hiddenEffects xmlns="" xmlns:a14="http://schemas.microsoft.com/office/drawing/2010/main">
+                          <a14:hiddenEffects xmlns:a14="http://schemas.microsoft.com/office/drawing/2010/main" xmlns="">
                             <a:effectLst>
                               <a:outerShdw blurRad="63500" dist="38099" dir="2700000" algn="ctr" rotWithShape="0">
                                 <a:srgbClr val="808080">
@@ -10014,14 +10014,14 @@
           </a:ln>
           <a:extLst>
             <a:ext uri="{909E8E84-426E-40dd-AFC4-6F175D3DCCD1}">
-              <a14:hiddenFill xmlns="" xmlns:a14="http://schemas.microsoft.com/office/drawing/2010/main">
+              <a14:hiddenFill xmlns:a14="http://schemas.microsoft.com/office/drawing/2010/main" xmlns="">
                 <a:solidFill>
                   <a:srgbClr val="FFFFFF"/>
                 </a:solidFill>
               </a14:hiddenFill>
             </a:ext>
             <a:ext uri="{91240B29-F687-4f45-9708-019B960494DF}">
-              <a14:hiddenLine xmlns="" xmlns:a14="http://schemas.microsoft.com/office/drawing/2010/main" w="9525">
+              <a14:hiddenLine xmlns:a14="http://schemas.microsoft.com/office/drawing/2010/main" xmlns="" w="9525">
                 <a:solidFill>
                   <a:srgbClr val="000000"/>
                 </a:solidFill>
@@ -10191,14 +10191,7 @@
                 <a:latin typeface="Courier New" panose="02070309020205020404" pitchFamily="49" charset="0"/>
                 <a:cs typeface="Courier New" panose="02070309020205020404" pitchFamily="49" charset="0"/>
               </a:rPr>
-              <a:t>    </a:t>
-            </a:r>
-            <a:r>
-              <a:rPr lang="en-US" sz="2000" dirty="0">
-                <a:latin typeface="Courier New" panose="02070309020205020404" pitchFamily="49" charset="0"/>
-                <a:cs typeface="Courier New" panose="02070309020205020404" pitchFamily="49" charset="0"/>
-              </a:rPr>
-              <a:t>Y</a:t>
+              <a:t>    Y</a:t>
             </a:r>
             <a:r>
               <a:rPr lang="en-US" sz="2000" dirty="0" smtClean="0">
@@ -10415,14 +10408,14 @@
           </a:ln>
           <a:extLst>
             <a:ext uri="{909E8E84-426E-40dd-AFC4-6F175D3DCCD1}">
-              <a14:hiddenFill xmlns="" xmlns:a14="http://schemas.microsoft.com/office/drawing/2010/main">
+              <a14:hiddenFill xmlns:a14="http://schemas.microsoft.com/office/drawing/2010/main" xmlns="">
                 <a:solidFill>
                   <a:srgbClr val="FFFFFF"/>
                 </a:solidFill>
               </a14:hiddenFill>
             </a:ext>
             <a:ext uri="{91240B29-F687-4f45-9708-019B960494DF}">
-              <a14:hiddenLine xmlns="" xmlns:a14="http://schemas.microsoft.com/office/drawing/2010/main" w="9525">
+              <a14:hiddenLine xmlns:a14="http://schemas.microsoft.com/office/drawing/2010/main" xmlns="" w="9525">
                 <a:solidFill>
                   <a:srgbClr val="000000"/>
                 </a:solidFill>
@@ -11313,11 +11306,7 @@
             </a:r>
             <a:r>
               <a:rPr lang="es-419" sz="2800" noProof="0" dirty="0" smtClean="0"/>
-              <a:t> </a:t>
-            </a:r>
-            <a:r>
-              <a:rPr lang="es-419" sz="2800" noProof="0" dirty="0" smtClean="0"/>
-              <a:t>R.</a:t>
+              <a:t> R.</a:t>
             </a:r>
           </a:p>
           <a:p>
@@ -11428,11 +11417,7 @@
             </a:pPr>
             <a:r>
               <a:rPr lang="es-419" sz="2800" noProof="0" dirty="0" smtClean="0"/>
-              <a:t>[</a:t>
-            </a:r>
-            <a:r>
-              <a:rPr lang="es-419" sz="2800" noProof="0" dirty="0" smtClean="0"/>
-              <a:t>Note: JAGS uses </a:t>
+              <a:t>[Note: JAGS uses </a:t>
             </a:r>
             <a:r>
               <a:rPr lang="es-419" sz="2800" noProof="0" dirty="0" err="1" smtClean="0"/>
@@ -11464,13 +11449,8 @@
             </a:r>
             <a:r>
               <a:rPr lang="es-419" sz="2800" noProof="0" dirty="0" smtClean="0"/>
-              <a:t> </a:t>
-            </a:r>
-            <a:r>
-              <a:rPr lang="es-419" sz="2800" noProof="0" dirty="0" smtClean="0"/>
-              <a:t>tau^2=1/sigma^2.</a:t>
-            </a:r>
-            <a:endParaRPr lang="es-419" sz="2800" noProof="0" dirty="0" smtClean="0"/>
+              <a:t> tau^2=1/sigma^2.</a:t>
+            </a:r>
           </a:p>
           <a:p>
             <a:pPr marL="514350" indent="-514350">
@@ -11690,7 +11670,7 @@
           <p:cNvPr id="2" name="Title 1">
             <a:extLst>
               <a:ext uri="{FF2B5EF4-FFF2-40B4-BE49-F238E27FC236}">
-                <a16:creationId xmlns:a16="http://schemas.microsoft.com/office/drawing/2014/main" xmlns="" id="{C976E5B5-F024-4D7C-9711-9BEA5F3AA682}"/>
+                <a16:creationId xmlns="" xmlns:a16="http://schemas.microsoft.com/office/drawing/2014/main" id="{C976E5B5-F024-4D7C-9711-9BEA5F3AA682}"/>
               </a:ext>
             </a:extLst>
           </p:cNvPr>
@@ -11719,7 +11699,7 @@
           <p:cNvPr id="3" name="Content Placeholder 2">
             <a:extLst>
               <a:ext uri="{FF2B5EF4-FFF2-40B4-BE49-F238E27FC236}">
-                <a16:creationId xmlns:a16="http://schemas.microsoft.com/office/drawing/2014/main" xmlns="" id="{B674CA99-AD0B-472B-BD2F-AF6AA7DE490B}"/>
+                <a16:creationId xmlns="" xmlns:a16="http://schemas.microsoft.com/office/drawing/2014/main" id="{B674CA99-AD0B-472B-BD2F-AF6AA7DE490B}"/>
               </a:ext>
             </a:extLst>
           </p:cNvPr>
@@ -11986,7 +11966,7 @@
           <p:cNvPr id="4" name="Slide Number Placeholder 3">
             <a:extLst>
               <a:ext uri="{FF2B5EF4-FFF2-40B4-BE49-F238E27FC236}">
-                <a16:creationId xmlns:a16="http://schemas.microsoft.com/office/drawing/2014/main" xmlns="" id="{6F6CFCEE-97D6-460E-9635-2B1BFC0C65FA}"/>
+                <a16:creationId xmlns="" xmlns:a16="http://schemas.microsoft.com/office/drawing/2014/main" id="{6F6CFCEE-97D6-460E-9635-2B1BFC0C65FA}"/>
               </a:ext>
             </a:extLst>
           </p:cNvPr>
@@ -12045,7 +12025,7 @@
           <p:cNvPr id="2" name="Title 1">
             <a:extLst>
               <a:ext uri="{FF2B5EF4-FFF2-40B4-BE49-F238E27FC236}">
-                <a16:creationId xmlns:a16="http://schemas.microsoft.com/office/drawing/2014/main" xmlns="" id="{4432A1B1-8BA2-4590-B91C-E46E40D4DFB4}"/>
+                <a16:creationId xmlns="" xmlns:a16="http://schemas.microsoft.com/office/drawing/2014/main" id="{4432A1B1-8BA2-4590-B91C-E46E40D4DFB4}"/>
               </a:ext>
             </a:extLst>
           </p:cNvPr>
@@ -12086,7 +12066,7 @@
           <p:cNvPr id="3" name="Content Placeholder 2">
             <a:extLst>
               <a:ext uri="{FF2B5EF4-FFF2-40B4-BE49-F238E27FC236}">
-                <a16:creationId xmlns:a16="http://schemas.microsoft.com/office/drawing/2014/main" xmlns="" id="{F3D5A96F-89B9-47B5-9E10-345EF073461D}"/>
+                <a16:creationId xmlns="" xmlns:a16="http://schemas.microsoft.com/office/drawing/2014/main" id="{F3D5A96F-89B9-47B5-9E10-345EF073461D}"/>
               </a:ext>
             </a:extLst>
           </p:cNvPr>
@@ -12115,7 +12095,7 @@
           <p:cNvPr id="4" name="Slide Number Placeholder 3">
             <a:extLst>
               <a:ext uri="{FF2B5EF4-FFF2-40B4-BE49-F238E27FC236}">
-                <a16:creationId xmlns:a16="http://schemas.microsoft.com/office/drawing/2014/main" xmlns="" id="{45FEC1D0-C942-4DB7-ACBF-32ADFCD8FDBD}"/>
+                <a16:creationId xmlns="" xmlns:a16="http://schemas.microsoft.com/office/drawing/2014/main" id="{45FEC1D0-C942-4DB7-ACBF-32ADFCD8FDBD}"/>
               </a:ext>
             </a:extLst>
           </p:cNvPr>
@@ -12145,7 +12125,7 @@
           <p:cNvPr id="5" name="Picture 4">
             <a:extLst>
               <a:ext uri="{FF2B5EF4-FFF2-40B4-BE49-F238E27FC236}">
-                <a16:creationId xmlns:a16="http://schemas.microsoft.com/office/drawing/2014/main" xmlns="" id="{7106B806-F770-4D8A-82BF-705D0968D767}"/>
+                <a16:creationId xmlns="" xmlns:a16="http://schemas.microsoft.com/office/drawing/2014/main" id="{7106B806-F770-4D8A-82BF-705D0968D767}"/>
               </a:ext>
             </a:extLst>
           </p:cNvPr>
@@ -12174,7 +12154,7 @@
           <p:cNvPr id="9" name="Group 8">
             <a:extLst>
               <a:ext uri="{FF2B5EF4-FFF2-40B4-BE49-F238E27FC236}">
-                <a16:creationId xmlns:a16="http://schemas.microsoft.com/office/drawing/2014/main" xmlns="" id="{8F6F2399-4203-4B1C-AA82-F48653969789}"/>
+                <a16:creationId xmlns="" xmlns:a16="http://schemas.microsoft.com/office/drawing/2014/main" id="{8F6F2399-4203-4B1C-AA82-F48653969789}"/>
               </a:ext>
             </a:extLst>
           </p:cNvPr>
@@ -12194,7 +12174,7 @@
             <p:cNvPr id="6" name="Rectangle 5">
               <a:extLst>
                 <a:ext uri="{FF2B5EF4-FFF2-40B4-BE49-F238E27FC236}">
-                  <a16:creationId xmlns:a16="http://schemas.microsoft.com/office/drawing/2014/main" xmlns="" id="{6A958FFF-7B97-4342-91B7-8638B529CDD5}"/>
+                  <a16:creationId xmlns="" xmlns:a16="http://schemas.microsoft.com/office/drawing/2014/main" id="{6A958FFF-7B97-4342-91B7-8638B529CDD5}"/>
                 </a:ext>
               </a:extLst>
             </p:cNvPr>
@@ -12246,7 +12226,7 @@
             <p:cNvPr id="8" name="TextBox 7">
               <a:extLst>
                 <a:ext uri="{FF2B5EF4-FFF2-40B4-BE49-F238E27FC236}">
-                  <a16:creationId xmlns:a16="http://schemas.microsoft.com/office/drawing/2014/main" xmlns="" id="{A7E2B8AF-E9A2-452C-B355-A9F4DC58D25F}"/>
+                  <a16:creationId xmlns="" xmlns:a16="http://schemas.microsoft.com/office/drawing/2014/main" id="{A7E2B8AF-E9A2-452C-B355-A9F4DC58D25F}"/>
                 </a:ext>
               </a:extLst>
             </p:cNvPr>
@@ -12307,7 +12287,7 @@
           <p:cNvPr id="11" name="Group 10">
             <a:extLst>
               <a:ext uri="{FF2B5EF4-FFF2-40B4-BE49-F238E27FC236}">
-                <a16:creationId xmlns:a16="http://schemas.microsoft.com/office/drawing/2014/main" xmlns="" id="{9C07D298-3974-4E79-B799-CF2D6DC88081}"/>
+                <a16:creationId xmlns="" xmlns:a16="http://schemas.microsoft.com/office/drawing/2014/main" id="{9C07D298-3974-4E79-B799-CF2D6DC88081}"/>
               </a:ext>
             </a:extLst>
           </p:cNvPr>
@@ -12327,7 +12307,7 @@
             <p:cNvPr id="7" name="Rectangle 6">
               <a:extLst>
                 <a:ext uri="{FF2B5EF4-FFF2-40B4-BE49-F238E27FC236}">
-                  <a16:creationId xmlns:a16="http://schemas.microsoft.com/office/drawing/2014/main" xmlns="" id="{33B9F385-05BE-4DCC-BA10-EE2CFA8EFF9B}"/>
+                  <a16:creationId xmlns="" xmlns:a16="http://schemas.microsoft.com/office/drawing/2014/main" id="{33B9F385-05BE-4DCC-BA10-EE2CFA8EFF9B}"/>
                 </a:ext>
               </a:extLst>
             </p:cNvPr>
@@ -12379,7 +12359,7 @@
             <p:cNvPr id="10" name="TextBox 9">
               <a:extLst>
                 <a:ext uri="{FF2B5EF4-FFF2-40B4-BE49-F238E27FC236}">
-                  <a16:creationId xmlns:a16="http://schemas.microsoft.com/office/drawing/2014/main" xmlns="" id="{3B1BEE2A-4CB2-4072-84F2-E07299BCB66F}"/>
+                  <a16:creationId xmlns="" xmlns:a16="http://schemas.microsoft.com/office/drawing/2014/main" id="{3B1BEE2A-4CB2-4072-84F2-E07299BCB66F}"/>
                 </a:ext>
               </a:extLst>
             </p:cNvPr>
@@ -12590,7 +12570,7 @@
           <p:cNvPr id="2" name="Title 1">
             <a:extLst>
               <a:ext uri="{FF2B5EF4-FFF2-40B4-BE49-F238E27FC236}">
-                <a16:creationId xmlns:a16="http://schemas.microsoft.com/office/drawing/2014/main" xmlns="" id="{4432A1B1-8BA2-4590-B91C-E46E40D4DFB4}"/>
+                <a16:creationId xmlns="" xmlns:a16="http://schemas.microsoft.com/office/drawing/2014/main" id="{4432A1B1-8BA2-4590-B91C-E46E40D4DFB4}"/>
               </a:ext>
             </a:extLst>
           </p:cNvPr>
@@ -12631,7 +12611,7 @@
           <p:cNvPr id="3" name="Content Placeholder 2">
             <a:extLst>
               <a:ext uri="{FF2B5EF4-FFF2-40B4-BE49-F238E27FC236}">
-                <a16:creationId xmlns:a16="http://schemas.microsoft.com/office/drawing/2014/main" xmlns="" id="{F3D5A96F-89B9-47B5-9E10-345EF073461D}"/>
+                <a16:creationId xmlns="" xmlns:a16="http://schemas.microsoft.com/office/drawing/2014/main" id="{F3D5A96F-89B9-47B5-9E10-345EF073461D}"/>
               </a:ext>
             </a:extLst>
           </p:cNvPr>
@@ -12673,7 +12653,7 @@
           <p:cNvPr id="4" name="Slide Number Placeholder 3">
             <a:extLst>
               <a:ext uri="{FF2B5EF4-FFF2-40B4-BE49-F238E27FC236}">
-                <a16:creationId xmlns:a16="http://schemas.microsoft.com/office/drawing/2014/main" xmlns="" id="{45FEC1D0-C942-4DB7-ACBF-32ADFCD8FDBD}"/>
+                <a16:creationId xmlns="" xmlns:a16="http://schemas.microsoft.com/office/drawing/2014/main" id="{45FEC1D0-C942-4DB7-ACBF-32ADFCD8FDBD}"/>
               </a:ext>
             </a:extLst>
           </p:cNvPr>
@@ -12703,7 +12683,7 @@
           <p:cNvPr id="13" name="Picture 12">
             <a:extLst>
               <a:ext uri="{FF2B5EF4-FFF2-40B4-BE49-F238E27FC236}">
-                <a16:creationId xmlns:a16="http://schemas.microsoft.com/office/drawing/2014/main" xmlns="" id="{2620E75A-9BF6-469A-8AC3-BE2F31417A55}"/>
+                <a16:creationId xmlns="" xmlns:a16="http://schemas.microsoft.com/office/drawing/2014/main" id="{2620E75A-9BF6-469A-8AC3-BE2F31417A55}"/>
               </a:ext>
             </a:extLst>
           </p:cNvPr>
@@ -12770,7 +12750,7 @@
           <p:cNvPr id="2" name="Title 1">
             <a:extLst>
               <a:ext uri="{FF2B5EF4-FFF2-40B4-BE49-F238E27FC236}">
-                <a16:creationId xmlns:a16="http://schemas.microsoft.com/office/drawing/2014/main" xmlns="" id="{4432A1B1-8BA2-4590-B91C-E46E40D4DFB4}"/>
+                <a16:creationId xmlns="" xmlns:a16="http://schemas.microsoft.com/office/drawing/2014/main" id="{4432A1B1-8BA2-4590-B91C-E46E40D4DFB4}"/>
               </a:ext>
             </a:extLst>
           </p:cNvPr>
@@ -12811,7 +12791,7 @@
           <p:cNvPr id="3" name="Content Placeholder 2">
             <a:extLst>
               <a:ext uri="{FF2B5EF4-FFF2-40B4-BE49-F238E27FC236}">
-                <a16:creationId xmlns:a16="http://schemas.microsoft.com/office/drawing/2014/main" xmlns="" id="{F3D5A96F-89B9-47B5-9E10-345EF073461D}"/>
+                <a16:creationId xmlns="" xmlns:a16="http://schemas.microsoft.com/office/drawing/2014/main" id="{F3D5A96F-89B9-47B5-9E10-345EF073461D}"/>
               </a:ext>
             </a:extLst>
           </p:cNvPr>
@@ -12873,7 +12853,7 @@
           <p:cNvPr id="4" name="Slide Number Placeholder 3">
             <a:extLst>
               <a:ext uri="{FF2B5EF4-FFF2-40B4-BE49-F238E27FC236}">
-                <a16:creationId xmlns:a16="http://schemas.microsoft.com/office/drawing/2014/main" xmlns="" id="{45FEC1D0-C942-4DB7-ACBF-32ADFCD8FDBD}"/>
+                <a16:creationId xmlns="" xmlns:a16="http://schemas.microsoft.com/office/drawing/2014/main" id="{45FEC1D0-C942-4DB7-ACBF-32ADFCD8FDBD}"/>
               </a:ext>
             </a:extLst>
           </p:cNvPr>
@@ -12903,7 +12883,7 @@
           <p:cNvPr id="5" name="TextBox 4">
             <a:extLst>
               <a:ext uri="{FF2B5EF4-FFF2-40B4-BE49-F238E27FC236}">
-                <a16:creationId xmlns:a16="http://schemas.microsoft.com/office/drawing/2014/main" xmlns="" id="{26D7FC62-10E5-42F4-B961-2EBB7F5E7D34}"/>
+                <a16:creationId xmlns="" xmlns:a16="http://schemas.microsoft.com/office/drawing/2014/main" id="{26D7FC62-10E5-42F4-B961-2EBB7F5E7D34}"/>
               </a:ext>
             </a:extLst>
           </p:cNvPr>
@@ -12975,7 +12955,7 @@
           <p:cNvPr id="2" name="Title 1">
             <a:extLst>
               <a:ext uri="{FF2B5EF4-FFF2-40B4-BE49-F238E27FC236}">
-                <a16:creationId xmlns:a16="http://schemas.microsoft.com/office/drawing/2014/main" xmlns="" id="{FF018C34-1FE9-4F92-B085-35D3653C0977}"/>
+                <a16:creationId xmlns="" xmlns:a16="http://schemas.microsoft.com/office/drawing/2014/main" id="{FF018C34-1FE9-4F92-B085-35D3653C0977}"/>
               </a:ext>
             </a:extLst>
           </p:cNvPr>
@@ -13012,7 +12992,7 @@
           <p:cNvPr id="3" name="Content Placeholder 2">
             <a:extLst>
               <a:ext uri="{FF2B5EF4-FFF2-40B4-BE49-F238E27FC236}">
-                <a16:creationId xmlns:a16="http://schemas.microsoft.com/office/drawing/2014/main" xmlns="" id="{434893F9-BFC7-43CA-9B05-ACF8CED7E908}"/>
+                <a16:creationId xmlns="" xmlns:a16="http://schemas.microsoft.com/office/drawing/2014/main" id="{434893F9-BFC7-43CA-9B05-ACF8CED7E908}"/>
               </a:ext>
             </a:extLst>
           </p:cNvPr>
@@ -13097,7 +13077,7 @@
           <p:cNvPr id="4" name="Slide Number Placeholder 3">
             <a:extLst>
               <a:ext uri="{FF2B5EF4-FFF2-40B4-BE49-F238E27FC236}">
-                <a16:creationId xmlns:a16="http://schemas.microsoft.com/office/drawing/2014/main" xmlns="" id="{E6187519-ED94-46FC-8DB1-93372EB33815}"/>
+                <a16:creationId xmlns="" xmlns:a16="http://schemas.microsoft.com/office/drawing/2014/main" id="{E6187519-ED94-46FC-8DB1-93372EB33815}"/>
               </a:ext>
             </a:extLst>
           </p:cNvPr>
@@ -13164,7 +13144,7 @@
           <p:cNvPr id="2" name="Title 1">
             <a:extLst>
               <a:ext uri="{FF2B5EF4-FFF2-40B4-BE49-F238E27FC236}">
-                <a16:creationId xmlns:a16="http://schemas.microsoft.com/office/drawing/2014/main" xmlns="" id="{FB16BEC8-C1A5-4EF6-A184-2D74367822AF}"/>
+                <a16:creationId xmlns="" xmlns:a16="http://schemas.microsoft.com/office/drawing/2014/main" id="{FB16BEC8-C1A5-4EF6-A184-2D74367822AF}"/>
               </a:ext>
             </a:extLst>
           </p:cNvPr>
@@ -13201,7 +13181,7 @@
           <p:cNvPr id="3" name="Content Placeholder 2">
             <a:extLst>
               <a:ext uri="{FF2B5EF4-FFF2-40B4-BE49-F238E27FC236}">
-                <a16:creationId xmlns:a16="http://schemas.microsoft.com/office/drawing/2014/main" xmlns="" id="{BCAF866A-7ABE-41F4-859C-2017718C416D}"/>
+                <a16:creationId xmlns="" xmlns:a16="http://schemas.microsoft.com/office/drawing/2014/main" id="{BCAF866A-7ABE-41F4-859C-2017718C416D}"/>
               </a:ext>
             </a:extLst>
           </p:cNvPr>
@@ -13226,7 +13206,7 @@
           <p:cNvPr id="4" name="Slide Number Placeholder 3">
             <a:extLst>
               <a:ext uri="{FF2B5EF4-FFF2-40B4-BE49-F238E27FC236}">
-                <a16:creationId xmlns:a16="http://schemas.microsoft.com/office/drawing/2014/main" xmlns="" id="{99B3DEC1-3D60-4A5C-A957-5343714D1414}"/>
+                <a16:creationId xmlns="" xmlns:a16="http://schemas.microsoft.com/office/drawing/2014/main" id="{99B3DEC1-3D60-4A5C-A957-5343714D1414}"/>
               </a:ext>
             </a:extLst>
           </p:cNvPr>
@@ -13256,7 +13236,7 @@
           <p:cNvPr id="6" name="Picture 5">
             <a:extLst>
               <a:ext uri="{FF2B5EF4-FFF2-40B4-BE49-F238E27FC236}">
-                <a16:creationId xmlns:a16="http://schemas.microsoft.com/office/drawing/2014/main" xmlns="" id="{8FCC5BCE-7985-420F-A79D-D934A89EEBE9}"/>
+                <a16:creationId xmlns="" xmlns:a16="http://schemas.microsoft.com/office/drawing/2014/main" id="{8FCC5BCE-7985-420F-A79D-D934A89EEBE9}"/>
               </a:ext>
             </a:extLst>
           </p:cNvPr>
@@ -13286,7 +13266,7 @@
           <p:cNvPr id="7" name="TextBox 6">
             <a:extLst>
               <a:ext uri="{FF2B5EF4-FFF2-40B4-BE49-F238E27FC236}">
-                <a16:creationId xmlns:a16="http://schemas.microsoft.com/office/drawing/2014/main" xmlns="" id="{361AF6FE-A584-42C9-9118-BF5B48CC4ECB}"/>
+                <a16:creationId xmlns="" xmlns:a16="http://schemas.microsoft.com/office/drawing/2014/main" id="{361AF6FE-A584-42C9-9118-BF5B48CC4ECB}"/>
               </a:ext>
             </a:extLst>
           </p:cNvPr>
@@ -13322,7 +13302,7 @@
           <p:cNvPr id="8" name="TextBox 7">
             <a:extLst>
               <a:ext uri="{FF2B5EF4-FFF2-40B4-BE49-F238E27FC236}">
-                <a16:creationId xmlns:a16="http://schemas.microsoft.com/office/drawing/2014/main" xmlns="" id="{D790A604-E066-46D9-BB3E-CC0ED37AEBDF}"/>
+                <a16:creationId xmlns="" xmlns:a16="http://schemas.microsoft.com/office/drawing/2014/main" id="{D790A604-E066-46D9-BB3E-CC0ED37AEBDF}"/>
               </a:ext>
             </a:extLst>
           </p:cNvPr>
@@ -13359,7 +13339,7 @@
           <p:cNvPr id="12" name="Group 11">
             <a:extLst>
               <a:ext uri="{FF2B5EF4-FFF2-40B4-BE49-F238E27FC236}">
-                <a16:creationId xmlns:a16="http://schemas.microsoft.com/office/drawing/2014/main" xmlns="" id="{17136825-CAC3-4B1E-B238-891BC5092838}"/>
+                <a16:creationId xmlns="" xmlns:a16="http://schemas.microsoft.com/office/drawing/2014/main" id="{17136825-CAC3-4B1E-B238-891BC5092838}"/>
               </a:ext>
             </a:extLst>
           </p:cNvPr>
@@ -13379,7 +13359,7 @@
             <p:cNvPr id="9" name="TextBox 8">
               <a:extLst>
                 <a:ext uri="{FF2B5EF4-FFF2-40B4-BE49-F238E27FC236}">
-                  <a16:creationId xmlns:a16="http://schemas.microsoft.com/office/drawing/2014/main" xmlns="" id="{8D63D24B-5D5B-435A-841E-9033D7A6C1B7}"/>
+                  <a16:creationId xmlns="" xmlns:a16="http://schemas.microsoft.com/office/drawing/2014/main" id="{8D63D24B-5D5B-435A-841E-9033D7A6C1B7}"/>
                 </a:ext>
               </a:extLst>
             </p:cNvPr>
@@ -13420,7 +13400,7 @@
             <p:cNvPr id="10" name="TextBox 9">
               <a:extLst>
                 <a:ext uri="{FF2B5EF4-FFF2-40B4-BE49-F238E27FC236}">
-                  <a16:creationId xmlns:a16="http://schemas.microsoft.com/office/drawing/2014/main" xmlns="" id="{E5C220FB-CF6C-46EC-9503-BF92D871293C}"/>
+                  <a16:creationId xmlns="" xmlns:a16="http://schemas.microsoft.com/office/drawing/2014/main" id="{E5C220FB-CF6C-46EC-9503-BF92D871293C}"/>
                 </a:ext>
               </a:extLst>
             </p:cNvPr>
@@ -13461,7 +13441,7 @@
             <p:cNvPr id="11" name="TextBox 10">
               <a:extLst>
                 <a:ext uri="{FF2B5EF4-FFF2-40B4-BE49-F238E27FC236}">
-                  <a16:creationId xmlns:a16="http://schemas.microsoft.com/office/drawing/2014/main" xmlns="" id="{E332AC51-E3E8-464E-B5B6-7430152654D5}"/>
+                  <a16:creationId xmlns="" xmlns:a16="http://schemas.microsoft.com/office/drawing/2014/main" id="{E332AC51-E3E8-464E-B5B6-7430152654D5}"/>
                 </a:ext>
               </a:extLst>
             </p:cNvPr>
@@ -13608,7 +13588,7 @@
           <p:cNvPr id="2" name="Title 1">
             <a:extLst>
               <a:ext uri="{FF2B5EF4-FFF2-40B4-BE49-F238E27FC236}">
-                <a16:creationId xmlns:a16="http://schemas.microsoft.com/office/drawing/2014/main" xmlns="" id="{08DC382D-5ABA-4653-970A-22D6ED1928B2}"/>
+                <a16:creationId xmlns="" xmlns:a16="http://schemas.microsoft.com/office/drawing/2014/main" id="{08DC382D-5ABA-4653-970A-22D6ED1928B2}"/>
               </a:ext>
             </a:extLst>
           </p:cNvPr>
@@ -13637,7 +13617,7 @@
           <p:cNvPr id="3" name="Content Placeholder 2">
             <a:extLst>
               <a:ext uri="{FF2B5EF4-FFF2-40B4-BE49-F238E27FC236}">
-                <a16:creationId xmlns:a16="http://schemas.microsoft.com/office/drawing/2014/main" xmlns="" id="{4D6CA7D1-62E3-44AF-865E-EA95086B08C9}"/>
+                <a16:creationId xmlns="" xmlns:a16="http://schemas.microsoft.com/office/drawing/2014/main" id="{4D6CA7D1-62E3-44AF-865E-EA95086B08C9}"/>
               </a:ext>
             </a:extLst>
           </p:cNvPr>
@@ -13739,7 +13719,7 @@
           <p:cNvPr id="4" name="Slide Number Placeholder 3">
             <a:extLst>
               <a:ext uri="{FF2B5EF4-FFF2-40B4-BE49-F238E27FC236}">
-                <a16:creationId xmlns:a16="http://schemas.microsoft.com/office/drawing/2014/main" xmlns="" id="{B856BA49-3F84-44AF-B014-BFE402F2115B}"/>
+                <a16:creationId xmlns="" xmlns:a16="http://schemas.microsoft.com/office/drawing/2014/main" id="{B856BA49-3F84-44AF-B014-BFE402F2115B}"/>
               </a:ext>
             </a:extLst>
           </p:cNvPr>
@@ -13769,7 +13749,7 @@
           <p:cNvPr id="5" name="TextBox 4">
             <a:extLst>
               <a:ext uri="{FF2B5EF4-FFF2-40B4-BE49-F238E27FC236}">
-                <a16:creationId xmlns:a16="http://schemas.microsoft.com/office/drawing/2014/main" xmlns="" id="{BC9E4CC0-8370-45DD-B89A-0697AB7AF78D}"/>
+                <a16:creationId xmlns="" xmlns:a16="http://schemas.microsoft.com/office/drawing/2014/main" id="{BC9E4CC0-8370-45DD-B89A-0697AB7AF78D}"/>
               </a:ext>
             </a:extLst>
           </p:cNvPr>
@@ -13841,7 +13821,7 @@
           <p:cNvPr id="2" name="Title 1">
             <a:extLst>
               <a:ext uri="{FF2B5EF4-FFF2-40B4-BE49-F238E27FC236}">
-                <a16:creationId xmlns:a16="http://schemas.microsoft.com/office/drawing/2014/main" xmlns="" id="{BB90F14D-5220-4A62-A7F3-F87698065F0F}"/>
+                <a16:creationId xmlns="" xmlns:a16="http://schemas.microsoft.com/office/drawing/2014/main" id="{BB90F14D-5220-4A62-A7F3-F87698065F0F}"/>
               </a:ext>
             </a:extLst>
           </p:cNvPr>
@@ -13882,7 +13862,7 @@
           <p:cNvPr id="3" name="Content Placeholder 2">
             <a:extLst>
               <a:ext uri="{FF2B5EF4-FFF2-40B4-BE49-F238E27FC236}">
-                <a16:creationId xmlns:a16="http://schemas.microsoft.com/office/drawing/2014/main" xmlns="" id="{CA6E65FC-E3CC-46B1-81FE-E383DBE52F38}"/>
+                <a16:creationId xmlns="" xmlns:a16="http://schemas.microsoft.com/office/drawing/2014/main" id="{CA6E65FC-E3CC-46B1-81FE-E383DBE52F38}"/>
               </a:ext>
             </a:extLst>
           </p:cNvPr>
@@ -13950,7 +13930,7 @@
           <p:cNvPr id="4" name="Slide Number Placeholder 3">
             <a:extLst>
               <a:ext uri="{FF2B5EF4-FFF2-40B4-BE49-F238E27FC236}">
-                <a16:creationId xmlns:a16="http://schemas.microsoft.com/office/drawing/2014/main" xmlns="" id="{F93221D8-CCBC-41F1-B49A-9F93987F2405}"/>
+                <a16:creationId xmlns="" xmlns:a16="http://schemas.microsoft.com/office/drawing/2014/main" id="{F93221D8-CCBC-41F1-B49A-9F93987F2405}"/>
               </a:ext>
             </a:extLst>
           </p:cNvPr>
